--- a/doc/presentation/КлимовИС_ВКР_презентация.pptx
+++ b/doc/presentation/КлимовИС_ВКР_презентация.pptx
@@ -5,7 +5,7 @@
     <p:sldMasterId id="2147483648" r:id="rId1"/>
   </p:sldMasterIdLst>
   <p:notesMasterIdLst>
-    <p:notesMasterId r:id="rId17"/>
+    <p:notesMasterId r:id="rId19"/>
   </p:notesMasterIdLst>
   <p:sldIdLst>
     <p:sldId id="256" r:id="rId2"/>
@@ -17,12 +17,14 @@
     <p:sldId id="261" r:id="rId8"/>
     <p:sldId id="279" r:id="rId9"/>
     <p:sldId id="280" r:id="rId10"/>
-    <p:sldId id="281" r:id="rId11"/>
-    <p:sldId id="282" r:id="rId12"/>
-    <p:sldId id="283" r:id="rId13"/>
-    <p:sldId id="284" r:id="rId14"/>
-    <p:sldId id="285" r:id="rId15"/>
-    <p:sldId id="266" r:id="rId16"/>
+    <p:sldId id="286" r:id="rId11"/>
+    <p:sldId id="287" r:id="rId12"/>
+    <p:sldId id="281" r:id="rId13"/>
+    <p:sldId id="282" r:id="rId14"/>
+    <p:sldId id="283" r:id="rId15"/>
+    <p:sldId id="284" r:id="rId16"/>
+    <p:sldId id="285" r:id="rId17"/>
+    <p:sldId id="266" r:id="rId18"/>
   </p:sldIdLst>
   <p:sldSz cx="12192000" cy="6858000"/>
   <p:notesSz cx="6858000" cy="9144000"/>
@@ -211,7 +213,7 @@
           <a:p>
             <a:fld id="{A1FA72BB-6139-4A02-8082-35B9C9D89E0C}" type="datetimeFigureOut">
               <a:rPr lang="ru-RU" smtClean="0"/>
-              <a:t>29.05.2023</a:t>
+              <a:t>30.05.2023</a:t>
             </a:fld>
             <a:endParaRPr lang="ru-RU"/>
           </a:p>
@@ -543,7 +545,7 @@
           <a:p>
             <a:fld id="{E3BF92F7-6176-4844-94CE-FF1FD83770F1}" type="slidenum">
               <a:rPr lang="ru-RU" smtClean="0"/>
-              <a:t>15</a:t>
+              <a:t>17</a:t>
             </a:fld>
             <a:endParaRPr lang="ru-RU"/>
           </a:p>
@@ -709,7 +711,7 @@
           <a:p>
             <a:fld id="{D006F585-C031-4F3D-8109-2C1271EAF95C}" type="datetime1">
               <a:rPr lang="ru-RU" smtClean="0"/>
-              <a:t>29.05.2023</a:t>
+              <a:t>30.05.2023</a:t>
             </a:fld>
             <a:endParaRPr lang="ru-RU"/>
           </a:p>
@@ -907,7 +909,7 @@
           <a:p>
             <a:fld id="{863B978C-907D-410C-AC33-C70FB0065AB1}" type="datetime1">
               <a:rPr lang="ru-RU" smtClean="0"/>
-              <a:t>29.05.2023</a:t>
+              <a:t>30.05.2023</a:t>
             </a:fld>
             <a:endParaRPr lang="ru-RU"/>
           </a:p>
@@ -1115,7 +1117,7 @@
           <a:p>
             <a:fld id="{7370F86F-261F-4C2A-B7CA-06D91EEBB15B}" type="datetime1">
               <a:rPr lang="ru-RU" smtClean="0"/>
-              <a:t>29.05.2023</a:t>
+              <a:t>30.05.2023</a:t>
             </a:fld>
             <a:endParaRPr lang="ru-RU"/>
           </a:p>
@@ -1313,7 +1315,7 @@
           <a:p>
             <a:fld id="{AFEE3786-D129-4BD2-B6F3-55FC5BC12532}" type="datetime1">
               <a:rPr lang="ru-RU" smtClean="0"/>
-              <a:t>29.05.2023</a:t>
+              <a:t>30.05.2023</a:t>
             </a:fld>
             <a:endParaRPr lang="ru-RU"/>
           </a:p>
@@ -1588,7 +1590,7 @@
           <a:p>
             <a:fld id="{C9466CFB-2389-4A9C-AD12-8B6FB05D3E41}" type="datetime1">
               <a:rPr lang="ru-RU" smtClean="0"/>
-              <a:t>29.05.2023</a:t>
+              <a:t>30.05.2023</a:t>
             </a:fld>
             <a:endParaRPr lang="ru-RU"/>
           </a:p>
@@ -1853,7 +1855,7 @@
           <a:p>
             <a:fld id="{6E930FF5-4E67-4BB3-A0D6-D5DBBB9A8A64}" type="datetime1">
               <a:rPr lang="ru-RU" smtClean="0"/>
-              <a:t>29.05.2023</a:t>
+              <a:t>30.05.2023</a:t>
             </a:fld>
             <a:endParaRPr lang="ru-RU"/>
           </a:p>
@@ -2265,7 +2267,7 @@
           <a:p>
             <a:fld id="{1F915F62-A180-4781-87B2-C363CCD39E80}" type="datetime1">
               <a:rPr lang="ru-RU" smtClean="0"/>
-              <a:t>29.05.2023</a:t>
+              <a:t>30.05.2023</a:t>
             </a:fld>
             <a:endParaRPr lang="ru-RU"/>
           </a:p>
@@ -2406,7 +2408,7 @@
           <a:p>
             <a:fld id="{67FD249C-BC1A-4A70-A502-0DCD1E4E82B3}" type="datetime1">
               <a:rPr lang="ru-RU" smtClean="0"/>
-              <a:t>29.05.2023</a:t>
+              <a:t>30.05.2023</a:t>
             </a:fld>
             <a:endParaRPr lang="ru-RU"/>
           </a:p>
@@ -2519,7 +2521,7 @@
           <a:p>
             <a:fld id="{45D5B91C-A2D9-4813-A97B-31FA3A6207FE}" type="datetime1">
               <a:rPr lang="ru-RU" smtClean="0"/>
-              <a:t>29.05.2023</a:t>
+              <a:t>30.05.2023</a:t>
             </a:fld>
             <a:endParaRPr lang="ru-RU"/>
           </a:p>
@@ -2830,7 +2832,7 @@
           <a:p>
             <a:fld id="{BD9E5343-4C2F-4429-B1C5-87457F54369C}" type="datetime1">
               <a:rPr lang="ru-RU" smtClean="0"/>
-              <a:t>29.05.2023</a:t>
+              <a:t>30.05.2023</a:t>
             </a:fld>
             <a:endParaRPr lang="ru-RU"/>
           </a:p>
@@ -3118,7 +3120,7 @@
           <a:p>
             <a:fld id="{802D0396-A548-40ED-918D-A78893C27574}" type="datetime1">
               <a:rPr lang="ru-RU" smtClean="0"/>
-              <a:t>29.05.2023</a:t>
+              <a:t>30.05.2023</a:t>
             </a:fld>
             <a:endParaRPr lang="ru-RU"/>
           </a:p>
@@ -3359,7 +3361,7 @@
           <a:p>
             <a:fld id="{3ECCE158-C433-4D4B-A18E-F373B1318AC3}" type="datetime1">
               <a:rPr lang="ru-RU" smtClean="0"/>
-              <a:t>29.05.2023</a:t>
+              <a:t>30.05.2023</a:t>
             </a:fld>
             <a:endParaRPr lang="ru-RU"/>
           </a:p>
@@ -4026,7 +4028,7 @@
                 <a:latin typeface="Times New Roman" panose="02020603050405020304" pitchFamily="18" charset="0"/>
                 <a:cs typeface="Times New Roman" panose="02020603050405020304" pitchFamily="18" charset="0"/>
               </a:rPr>
-              <a:t>Классификация кода по наличию дефекта</a:t>
+              <a:t>Обучение модели градиентного бустинга</a:t>
             </a:r>
             <a:endParaRPr lang="ru-RU" sz="3600" dirty="0">
               <a:latin typeface="Times New Roman" panose="02020603050405020304" pitchFamily="18" charset="0"/>
@@ -4059,6 +4061,544 @@
             <a:fld id="{E83D2FD5-BBDA-43D0-B172-791327EA2B6A}" type="slidenum">
               <a:rPr lang="ru-RU" smtClean="0"/>
               <a:t>10</a:t>
+            </a:fld>
+            <a:endParaRPr lang="ru-RU"/>
+          </a:p>
+        </p:txBody>
+      </p:sp>
+      <p:pic>
+        <p:nvPicPr>
+          <p:cNvPr id="11" name="Рисунок 10"/>
+          <p:cNvPicPr>
+            <a:picLocks noChangeAspect="1"/>
+          </p:cNvPicPr>
+          <p:nvPr/>
+        </p:nvPicPr>
+        <p:blipFill rotWithShape="1">
+          <a:blip r:embed="rId2"/>
+          <a:srcRect l="19221" t="-12618" r="20428" b="-11216"/>
+          <a:stretch/>
+        </p:blipFill>
+        <p:spPr>
+          <a:xfrm>
+            <a:off x="182173" y="2247293"/>
+            <a:ext cx="6359726" cy="699570"/>
+          </a:xfrm>
+          <a:prstGeom prst="rect">
+            <a:avLst/>
+          </a:prstGeom>
+        </p:spPr>
+      </p:pic>
+      <p:pic>
+        <p:nvPicPr>
+          <p:cNvPr id="12" name="Рисунок 11"/>
+          <p:cNvPicPr>
+            <a:picLocks noChangeAspect="1"/>
+          </p:cNvPicPr>
+          <p:nvPr/>
+        </p:nvPicPr>
+        <p:blipFill rotWithShape="1">
+          <a:blip r:embed="rId3"/>
+          <a:srcRect l="31895" t="-5415" r="33705" b="6721"/>
+          <a:stretch/>
+        </p:blipFill>
+        <p:spPr>
+          <a:xfrm>
+            <a:off x="7462982" y="2050070"/>
+            <a:ext cx="3509321" cy="938897"/>
+          </a:xfrm>
+          <a:prstGeom prst="rect">
+            <a:avLst/>
+          </a:prstGeom>
+        </p:spPr>
+      </p:pic>
+      <p:sp>
+        <p:nvSpPr>
+          <p:cNvPr id="3" name="TextBox 2"/>
+          <p:cNvSpPr txBox="1"/>
+          <p:nvPr/>
+        </p:nvSpPr>
+        <p:spPr>
+          <a:xfrm>
+            <a:off x="955963" y="1691815"/>
+            <a:ext cx="4812145" cy="461665"/>
+          </a:xfrm>
+          <a:prstGeom prst="rect">
+            <a:avLst/>
+          </a:prstGeom>
+          <a:noFill/>
+        </p:spPr>
+        <p:txBody>
+          <a:bodyPr wrap="square" rtlCol="0">
+            <a:spAutoFit/>
+          </a:bodyPr>
+          <a:lstStyle/>
+          <a:p>
+            <a:r>
+              <a:rPr lang="ru-RU" sz="2400" dirty="0" smtClean="0">
+                <a:latin typeface="Times New Roman" panose="02020603050405020304" pitchFamily="18" charset="0"/>
+                <a:cs typeface="Times New Roman" panose="02020603050405020304" pitchFamily="18" charset="0"/>
+              </a:rPr>
+              <a:t>Логарифмическая функция потерь</a:t>
+            </a:r>
+            <a:endParaRPr lang="ru-RU" sz="2400" dirty="0">
+              <a:latin typeface="Times New Roman" panose="02020603050405020304" pitchFamily="18" charset="0"/>
+              <a:cs typeface="Times New Roman" panose="02020603050405020304" pitchFamily="18" charset="0"/>
+            </a:endParaRPr>
+          </a:p>
+        </p:txBody>
+      </p:sp>
+      <p:sp>
+        <p:nvSpPr>
+          <p:cNvPr id="9" name="TextBox 8"/>
+          <p:cNvSpPr txBox="1"/>
+          <p:nvPr/>
+        </p:nvSpPr>
+        <p:spPr>
+          <a:xfrm>
+            <a:off x="8232743" y="1517134"/>
+            <a:ext cx="2139694" cy="461665"/>
+          </a:xfrm>
+          <a:prstGeom prst="rect">
+            <a:avLst/>
+          </a:prstGeom>
+          <a:noFill/>
+        </p:spPr>
+        <p:txBody>
+          <a:bodyPr wrap="square" rtlCol="0">
+            <a:spAutoFit/>
+          </a:bodyPr>
+          <a:lstStyle/>
+          <a:p>
+            <a:r>
+              <a:rPr lang="ru-RU" sz="2400" dirty="0" smtClean="0">
+                <a:latin typeface="Times New Roman" panose="02020603050405020304" pitchFamily="18" charset="0"/>
+                <a:cs typeface="Times New Roman" panose="02020603050405020304" pitchFamily="18" charset="0"/>
+              </a:rPr>
+              <a:t>Антиградиент</a:t>
+            </a:r>
+            <a:endParaRPr lang="ru-RU" sz="2400" dirty="0">
+              <a:latin typeface="Times New Roman" panose="02020603050405020304" pitchFamily="18" charset="0"/>
+              <a:cs typeface="Times New Roman" panose="02020603050405020304" pitchFamily="18" charset="0"/>
+            </a:endParaRPr>
+          </a:p>
+        </p:txBody>
+      </p:sp>
+      <p:pic>
+        <p:nvPicPr>
+          <p:cNvPr id="4" name="Рисунок 3"/>
+          <p:cNvPicPr>
+            <a:picLocks noChangeAspect="1"/>
+          </p:cNvPicPr>
+          <p:nvPr/>
+        </p:nvPicPr>
+        <p:blipFill rotWithShape="1">
+          <a:blip r:embed="rId4"/>
+          <a:srcRect r="10082"/>
+          <a:stretch/>
+        </p:blipFill>
+        <p:spPr>
+          <a:xfrm>
+            <a:off x="428018" y="4798671"/>
+            <a:ext cx="9399474" cy="1605606"/>
+          </a:xfrm>
+          <a:prstGeom prst="rect">
+            <a:avLst/>
+          </a:prstGeom>
+        </p:spPr>
+      </p:pic>
+      <p:pic>
+        <p:nvPicPr>
+          <p:cNvPr id="5" name="Рисунок 4"/>
+          <p:cNvPicPr>
+            <a:picLocks noChangeAspect="1"/>
+          </p:cNvPicPr>
+          <p:nvPr/>
+        </p:nvPicPr>
+        <p:blipFill rotWithShape="1">
+          <a:blip r:embed="rId5"/>
+          <a:srcRect r="34459"/>
+          <a:stretch/>
+        </p:blipFill>
+        <p:spPr>
+          <a:xfrm>
+            <a:off x="428017" y="3727545"/>
+            <a:ext cx="6850238" cy="1071126"/>
+          </a:xfrm>
+          <a:prstGeom prst="rect">
+            <a:avLst/>
+          </a:prstGeom>
+        </p:spPr>
+      </p:pic>
+    </p:spTree>
+    <p:extLst>
+      <p:ext uri="{BB962C8B-B14F-4D97-AF65-F5344CB8AC3E}">
+        <p14:creationId xmlns:p14="http://schemas.microsoft.com/office/powerpoint/2010/main" val="2782269109"/>
+      </p:ext>
+    </p:extLst>
+  </p:cSld>
+  <p:clrMapOvr>
+    <a:masterClrMapping/>
+  </p:clrMapOvr>
+</p:sld>
+</file>
+
+<file path=ppt/slides/slide11.xml><?xml version="1.0" encoding="utf-8"?>
+<p:sld xmlns:a="http://schemas.openxmlformats.org/drawingml/2006/main" xmlns:r="http://schemas.openxmlformats.org/officeDocument/2006/relationships" xmlns:p="http://schemas.openxmlformats.org/presentationml/2006/main">
+  <p:cSld>
+    <p:spTree>
+      <p:nvGrpSpPr>
+        <p:cNvPr id="1" name=""/>
+        <p:cNvGrpSpPr/>
+        <p:nvPr/>
+      </p:nvGrpSpPr>
+      <p:grpSpPr>
+        <a:xfrm>
+          <a:off x="0" y="0"/>
+          <a:ext cx="0" cy="0"/>
+          <a:chOff x="0" y="0"/>
+          <a:chExt cx="0" cy="0"/>
+        </a:xfrm>
+      </p:grpSpPr>
+      <p:sp>
+        <p:nvSpPr>
+          <p:cNvPr id="4" name="Номер слайда 3"/>
+          <p:cNvSpPr>
+            <a:spLocks noGrp="1"/>
+          </p:cNvSpPr>
+          <p:nvPr>
+            <p:ph type="sldNum" sz="quarter" idx="12"/>
+          </p:nvPr>
+        </p:nvSpPr>
+        <p:spPr/>
+        <p:txBody>
+          <a:bodyPr/>
+          <a:lstStyle/>
+          <a:p>
+            <a:fld id="{E83D2FD5-BBDA-43D0-B172-791327EA2B6A}" type="slidenum">
+              <a:rPr lang="ru-RU" smtClean="0"/>
+              <a:t>11</a:t>
+            </a:fld>
+            <a:endParaRPr lang="ru-RU"/>
+          </a:p>
+        </p:txBody>
+      </p:sp>
+      <p:pic>
+        <p:nvPicPr>
+          <p:cNvPr id="5" name="Рисунок 4"/>
+          <p:cNvPicPr>
+            <a:picLocks noChangeAspect="1"/>
+          </p:cNvPicPr>
+          <p:nvPr/>
+        </p:nvPicPr>
+        <p:blipFill rotWithShape="1">
+          <a:blip r:embed="rId2"/>
+          <a:srcRect l="17711" t="-6989" r="18768" b="2856"/>
+          <a:stretch/>
+        </p:blipFill>
+        <p:spPr>
+          <a:xfrm>
+            <a:off x="428017" y="2021184"/>
+            <a:ext cx="6702455" cy="589050"/>
+          </a:xfrm>
+          <a:prstGeom prst="rect">
+            <a:avLst/>
+          </a:prstGeom>
+        </p:spPr>
+      </p:pic>
+      <p:sp>
+        <p:nvSpPr>
+          <p:cNvPr id="7" name="Заголовок 1">
+            <a:extLst>
+              <a:ext uri="{FF2B5EF4-FFF2-40B4-BE49-F238E27FC236}">
+                <a16:creationId xmlns:a16="http://schemas.microsoft.com/office/drawing/2014/main" id="{1802D59D-6A83-151A-EEA2-678960399BE4}"/>
+              </a:ext>
+            </a:extLst>
+          </p:cNvPr>
+          <p:cNvSpPr>
+            <a:spLocks noGrp="1"/>
+          </p:cNvSpPr>
+          <p:nvPr>
+            <p:ph type="title"/>
+          </p:nvPr>
+        </p:nvSpPr>
+        <p:spPr>
+          <a:xfrm>
+            <a:off x="428017" y="-72232"/>
+            <a:ext cx="10818160" cy="1325563"/>
+          </a:xfrm>
+        </p:spPr>
+        <p:txBody>
+          <a:bodyPr>
+            <a:normAutofit/>
+          </a:bodyPr>
+          <a:lstStyle/>
+          <a:p>
+            <a:r>
+              <a:rPr lang="ru-RU" sz="3600" dirty="0" smtClean="0">
+                <a:latin typeface="Times New Roman" panose="02020603050405020304" pitchFamily="18" charset="0"/>
+                <a:cs typeface="Times New Roman" panose="02020603050405020304" pitchFamily="18" charset="0"/>
+              </a:rPr>
+              <a:t>Обучение модели градиентного бустинга</a:t>
+            </a:r>
+            <a:endParaRPr lang="ru-RU" sz="3600" dirty="0">
+              <a:latin typeface="Times New Roman" panose="02020603050405020304" pitchFamily="18" charset="0"/>
+              <a:cs typeface="Times New Roman" panose="02020603050405020304" pitchFamily="18" charset="0"/>
+            </a:endParaRPr>
+          </a:p>
+        </p:txBody>
+      </p:sp>
+      <p:sp>
+        <p:nvSpPr>
+          <p:cNvPr id="8" name="TextBox 7"/>
+          <p:cNvSpPr txBox="1"/>
+          <p:nvPr/>
+        </p:nvSpPr>
+        <p:spPr>
+          <a:xfrm>
+            <a:off x="6816436" y="3989770"/>
+            <a:ext cx="184731" cy="369332"/>
+          </a:xfrm>
+          <a:prstGeom prst="rect">
+            <a:avLst/>
+          </a:prstGeom>
+          <a:noFill/>
+        </p:spPr>
+        <p:txBody>
+          <a:bodyPr wrap="none" rtlCol="0">
+            <a:spAutoFit/>
+          </a:bodyPr>
+          <a:lstStyle/>
+          <a:p>
+            <a:endParaRPr lang="ru-RU" dirty="0"/>
+          </a:p>
+        </p:txBody>
+      </p:sp>
+      <p:pic>
+        <p:nvPicPr>
+          <p:cNvPr id="9" name="Рисунок 8"/>
+          <p:cNvPicPr>
+            <a:picLocks noChangeAspect="1"/>
+          </p:cNvPicPr>
+          <p:nvPr/>
+        </p:nvPicPr>
+        <p:blipFill rotWithShape="1">
+          <a:blip r:embed="rId3"/>
+          <a:srcRect r="19464"/>
+          <a:stretch/>
+        </p:blipFill>
+        <p:spPr>
+          <a:xfrm>
+            <a:off x="667108" y="2986828"/>
+            <a:ext cx="7230023" cy="2379499"/>
+          </a:xfrm>
+          <a:prstGeom prst="rect">
+            <a:avLst/>
+          </a:prstGeom>
+        </p:spPr>
+      </p:pic>
+      <p:sp>
+        <p:nvSpPr>
+          <p:cNvPr id="10" name="TextBox 9"/>
+          <p:cNvSpPr txBox="1"/>
+          <p:nvPr/>
+        </p:nvSpPr>
+        <p:spPr>
+          <a:xfrm>
+            <a:off x="8289476" y="2315709"/>
+            <a:ext cx="3736270" cy="2308324"/>
+          </a:xfrm>
+          <a:prstGeom prst="rect">
+            <a:avLst/>
+          </a:prstGeom>
+          <a:noFill/>
+        </p:spPr>
+        <p:txBody>
+          <a:bodyPr wrap="square" rtlCol="0">
+            <a:spAutoFit/>
+          </a:bodyPr>
+          <a:lstStyle/>
+          <a:p>
+            <a:r>
+              <a:rPr lang="ru-RU" sz="2400" dirty="0" smtClean="0">
+                <a:latin typeface="Times New Roman" panose="02020603050405020304" pitchFamily="18" charset="0"/>
+                <a:cs typeface="Times New Roman" panose="02020603050405020304" pitchFamily="18" charset="0"/>
+              </a:rPr>
+              <a:t>Модель обучается на </a:t>
+            </a:r>
+            <a:r>
+              <a:rPr lang="ru-RU" sz="2400" dirty="0" smtClean="0">
+                <a:latin typeface="Times New Roman" panose="02020603050405020304" pitchFamily="18" charset="0"/>
+                <a:cs typeface="Times New Roman" panose="02020603050405020304" pitchFamily="18" charset="0"/>
+              </a:rPr>
+              <a:t>наборе</a:t>
+            </a:r>
+            <a:r>
+              <a:rPr lang="en-US" sz="2400" dirty="0" smtClean="0">
+                <a:latin typeface="Times New Roman" panose="02020603050405020304" pitchFamily="18" charset="0"/>
+                <a:cs typeface="Times New Roman" panose="02020603050405020304" pitchFamily="18" charset="0"/>
+              </a:rPr>
+              <a:t> </a:t>
+            </a:r>
+            <a:r>
+              <a:rPr lang="ru-RU" sz="2400" dirty="0" smtClean="0">
+                <a:latin typeface="Times New Roman" panose="02020603050405020304" pitchFamily="18" charset="0"/>
+                <a:cs typeface="Times New Roman" panose="02020603050405020304" pitchFamily="18" charset="0"/>
+              </a:rPr>
+              <a:t>данных</a:t>
+            </a:r>
+            <a:r>
+              <a:rPr lang="en-US" sz="2400" dirty="0" smtClean="0">
+                <a:latin typeface="Times New Roman" panose="02020603050405020304" pitchFamily="18" charset="0"/>
+                <a:cs typeface="Times New Roman" panose="02020603050405020304" pitchFamily="18" charset="0"/>
+              </a:rPr>
+              <a:t> JM1</a:t>
+            </a:r>
+            <a:r>
+              <a:rPr lang="ru-RU" sz="2400" dirty="0" smtClean="0">
+                <a:latin typeface="Times New Roman" panose="02020603050405020304" pitchFamily="18" charset="0"/>
+                <a:cs typeface="Times New Roman" panose="02020603050405020304" pitchFamily="18" charset="0"/>
+              </a:rPr>
+              <a:t>, </a:t>
+            </a:r>
+            <a:r>
+              <a:rPr lang="ru-RU" sz="2400" dirty="0" smtClean="0">
+                <a:latin typeface="Times New Roman" panose="02020603050405020304" pitchFamily="18" charset="0"/>
+                <a:cs typeface="Times New Roman" panose="02020603050405020304" pitchFamily="18" charset="0"/>
+              </a:rPr>
+              <a:t>который представляет собой матрицу </a:t>
+            </a:r>
+            <a:r>
+              <a:rPr lang="ru-RU" sz="2400" dirty="0" smtClean="0">
+                <a:latin typeface="Times New Roman" panose="02020603050405020304" pitchFamily="18" charset="0"/>
+                <a:cs typeface="Times New Roman" panose="02020603050405020304" pitchFamily="18" charset="0"/>
+              </a:rPr>
+              <a:t>метрик, </a:t>
+            </a:r>
+            <a:r>
+              <a:rPr lang="ru-RU" sz="2400" dirty="0" smtClean="0">
+                <a:latin typeface="Times New Roman" panose="02020603050405020304" pitchFamily="18" charset="0"/>
+                <a:cs typeface="Times New Roman" panose="02020603050405020304" pitchFamily="18" charset="0"/>
+              </a:rPr>
+              <a:t>вычисленных для модулей на </a:t>
+            </a:r>
+            <a:r>
+              <a:rPr lang="en-US" sz="2400" dirty="0" smtClean="0">
+                <a:latin typeface="Times New Roman" panose="02020603050405020304" pitchFamily="18" charset="0"/>
+                <a:cs typeface="Times New Roman" panose="02020603050405020304" pitchFamily="18" charset="0"/>
+              </a:rPr>
+              <a:t>C++</a:t>
+            </a:r>
+            <a:r>
+              <a:rPr lang="ru-RU" sz="2400" dirty="0" smtClean="0">
+                <a:latin typeface="Times New Roman" panose="02020603050405020304" pitchFamily="18" charset="0"/>
+                <a:cs typeface="Times New Roman" panose="02020603050405020304" pitchFamily="18" charset="0"/>
+              </a:rPr>
+              <a:t>.</a:t>
+            </a:r>
+            <a:endParaRPr lang="ru-RU" sz="2400" dirty="0">
+              <a:latin typeface="Times New Roman" panose="02020603050405020304" pitchFamily="18" charset="0"/>
+              <a:cs typeface="Times New Roman" panose="02020603050405020304" pitchFamily="18" charset="0"/>
+            </a:endParaRPr>
+          </a:p>
+        </p:txBody>
+      </p:sp>
+    </p:spTree>
+    <p:extLst>
+      <p:ext uri="{BB962C8B-B14F-4D97-AF65-F5344CB8AC3E}">
+        <p14:creationId xmlns:p14="http://schemas.microsoft.com/office/powerpoint/2010/main" val="2934405594"/>
+      </p:ext>
+    </p:extLst>
+  </p:cSld>
+  <p:clrMapOvr>
+    <a:masterClrMapping/>
+  </p:clrMapOvr>
+</p:sld>
+</file>
+
+<file path=ppt/slides/slide12.xml><?xml version="1.0" encoding="utf-8"?>
+<p:sld xmlns:a="http://schemas.openxmlformats.org/drawingml/2006/main" xmlns:r="http://schemas.openxmlformats.org/officeDocument/2006/relationships" xmlns:p="http://schemas.openxmlformats.org/presentationml/2006/main">
+  <p:cSld>
+    <p:spTree>
+      <p:nvGrpSpPr>
+        <p:cNvPr id="1" name=""/>
+        <p:cNvGrpSpPr/>
+        <p:nvPr/>
+      </p:nvGrpSpPr>
+      <p:grpSpPr>
+        <a:xfrm>
+          <a:off x="0" y="0"/>
+          <a:ext cx="0" cy="0"/>
+          <a:chOff x="0" y="0"/>
+          <a:chExt cx="0" cy="0"/>
+        </a:xfrm>
+      </p:grpSpPr>
+      <p:sp>
+        <p:nvSpPr>
+          <p:cNvPr id="2" name="Заголовок 1">
+            <a:extLst>
+              <a:ext uri="{FF2B5EF4-FFF2-40B4-BE49-F238E27FC236}">
+                <a16:creationId xmlns:a16="http://schemas.microsoft.com/office/drawing/2014/main" id="{1802D59D-6A83-151A-EEA2-678960399BE4}"/>
+              </a:ext>
+            </a:extLst>
+          </p:cNvPr>
+          <p:cNvSpPr>
+            <a:spLocks noGrp="1"/>
+          </p:cNvSpPr>
+          <p:nvPr>
+            <p:ph type="title"/>
+          </p:nvPr>
+        </p:nvSpPr>
+        <p:spPr>
+          <a:xfrm>
+            <a:off x="428017" y="-72232"/>
+            <a:ext cx="10818160" cy="1325563"/>
+          </a:xfrm>
+        </p:spPr>
+        <p:txBody>
+          <a:bodyPr>
+            <a:normAutofit/>
+          </a:bodyPr>
+          <a:lstStyle/>
+          <a:p>
+            <a:r>
+              <a:rPr lang="ru-RU" sz="3600" dirty="0" smtClean="0">
+                <a:latin typeface="Times New Roman" panose="02020603050405020304" pitchFamily="18" charset="0"/>
+                <a:cs typeface="Times New Roman" panose="02020603050405020304" pitchFamily="18" charset="0"/>
+              </a:rPr>
+              <a:t>Классификация кода по наличию дефекта</a:t>
+            </a:r>
+            <a:endParaRPr lang="ru-RU" sz="3600" dirty="0">
+              <a:latin typeface="Times New Roman" panose="02020603050405020304" pitchFamily="18" charset="0"/>
+              <a:cs typeface="Times New Roman" panose="02020603050405020304" pitchFamily="18" charset="0"/>
+            </a:endParaRPr>
+          </a:p>
+        </p:txBody>
+      </p:sp>
+      <p:sp>
+        <p:nvSpPr>
+          <p:cNvPr id="8" name="Номер слайда 7">
+            <a:extLst>
+              <a:ext uri="{FF2B5EF4-FFF2-40B4-BE49-F238E27FC236}">
+                <a16:creationId xmlns:a16="http://schemas.microsoft.com/office/drawing/2014/main" id="{356084EE-032E-E484-80F4-B50DED37102A}"/>
+              </a:ext>
+            </a:extLst>
+          </p:cNvPr>
+          <p:cNvSpPr>
+            <a:spLocks noGrp="1"/>
+          </p:cNvSpPr>
+          <p:nvPr>
+            <p:ph type="sldNum" sz="quarter" idx="12"/>
+          </p:nvPr>
+        </p:nvSpPr>
+        <p:spPr/>
+        <p:txBody>
+          <a:bodyPr/>
+          <a:lstStyle/>
+          <a:p>
+            <a:fld id="{E83D2FD5-BBDA-43D0-B172-791327EA2B6A}" type="slidenum">
+              <a:rPr lang="ru-RU" smtClean="0"/>
+              <a:t>12</a:t>
             </a:fld>
             <a:endParaRPr lang="ru-RU"/>
           </a:p>
@@ -4107,7 +4647,7 @@
 </p:sld>
 </file>
 
-<file path=ppt/slides/slide11.xml><?xml version="1.0" encoding="utf-8"?>
+<file path=ppt/slides/slide13.xml><?xml version="1.0" encoding="utf-8"?>
 <p:sld xmlns:a="http://schemas.openxmlformats.org/drawingml/2006/main" xmlns:r="http://schemas.openxmlformats.org/officeDocument/2006/relationships" xmlns:p="http://schemas.openxmlformats.org/presentationml/2006/main">
   <p:cSld>
     <p:spTree>
@@ -4189,7 +4729,7 @@
           <a:p>
             <a:fld id="{E83D2FD5-BBDA-43D0-B172-791327EA2B6A}" type="slidenum">
               <a:rPr lang="ru-RU" smtClean="0"/>
-              <a:t>11</a:t>
+              <a:t>13</a:t>
             </a:fld>
             <a:endParaRPr lang="ru-RU"/>
           </a:p>
@@ -4486,7 +5026,7 @@
 </p:sld>
 </file>
 
-<file path=ppt/slides/slide12.xml><?xml version="1.0" encoding="utf-8"?>
+<file path=ppt/slides/slide14.xml><?xml version="1.0" encoding="utf-8"?>
 <p:sld xmlns:a="http://schemas.openxmlformats.org/drawingml/2006/main" xmlns:r="http://schemas.openxmlformats.org/officeDocument/2006/relationships" xmlns:p="http://schemas.openxmlformats.org/presentationml/2006/main">
   <p:cSld>
     <p:spTree>
@@ -4568,7 +5108,7 @@
           <a:p>
             <a:fld id="{E83D2FD5-BBDA-43D0-B172-791327EA2B6A}" type="slidenum">
               <a:rPr lang="ru-RU" smtClean="0"/>
-              <a:t>12</a:t>
+              <a:t>14</a:t>
             </a:fld>
             <a:endParaRPr lang="ru-RU"/>
           </a:p>
@@ -4617,7 +5157,7 @@
 </p:sld>
 </file>
 
-<file path=ppt/slides/slide13.xml><?xml version="1.0" encoding="utf-8"?>
+<file path=ppt/slides/slide15.xml><?xml version="1.0" encoding="utf-8"?>
 <p:sld xmlns:a="http://schemas.openxmlformats.org/drawingml/2006/main" xmlns:r="http://schemas.openxmlformats.org/officeDocument/2006/relationships" xmlns:p="http://schemas.openxmlformats.org/presentationml/2006/main">
   <p:cSld>
     <p:spTree>
@@ -4699,7 +5239,7 @@
           <a:p>
             <a:fld id="{E83D2FD5-BBDA-43D0-B172-791327EA2B6A}" type="slidenum">
               <a:rPr lang="ru-RU" smtClean="0"/>
-              <a:t>13</a:t>
+              <a:t>15</a:t>
             </a:fld>
             <a:endParaRPr lang="ru-RU"/>
           </a:p>
@@ -4714,7 +5254,7 @@
           <p:nvPr/>
         </p:nvPicPr>
         <p:blipFill>
-          <a:blip r:embed="rId3">
+          <a:blip r:embed="rId2">
             <a:extLst>
               <a:ext uri="{28A0092B-C50C-407E-A947-70E740481C1C}">
                 <a14:useLocalDpi xmlns:a14="http://schemas.microsoft.com/office/drawing/2010/main" val="0"/>
@@ -4876,7 +5416,7 @@
 </p:sld>
 </file>
 
-<file path=ppt/slides/slide14.xml><?xml version="1.0" encoding="utf-8"?>
+<file path=ppt/slides/slide16.xml><?xml version="1.0" encoding="utf-8"?>
 <p:sld xmlns:a="http://schemas.openxmlformats.org/drawingml/2006/main" xmlns:r="http://schemas.openxmlformats.org/officeDocument/2006/relationships" xmlns:p="http://schemas.openxmlformats.org/presentationml/2006/main">
   <p:cSld>
     <p:spTree>
@@ -4926,7 +5466,7 @@
                 <a:latin typeface="Times New Roman" panose="02020603050405020304" pitchFamily="18" charset="0"/>
                 <a:cs typeface="Times New Roman" panose="02020603050405020304" pitchFamily="18" charset="0"/>
               </a:rPr>
-              <a:t>Анализ времени выполнения программы</a:t>
+              <a:t>Оценка времени выполнения программы</a:t>
             </a:r>
             <a:endParaRPr lang="ru-RU" sz="3600" dirty="0">
               <a:latin typeface="Times New Roman" panose="02020603050405020304" pitchFamily="18" charset="0"/>
@@ -4958,7 +5498,7 @@
           <a:p>
             <a:fld id="{E83D2FD5-BBDA-43D0-B172-791327EA2B6A}" type="slidenum">
               <a:rPr lang="ru-RU" smtClean="0"/>
-              <a:t>14</a:t>
+              <a:t>16</a:t>
             </a:fld>
             <a:endParaRPr lang="ru-RU"/>
           </a:p>
@@ -4973,7 +5513,7 @@
           <p:nvPr/>
         </p:nvPicPr>
         <p:blipFill>
-          <a:blip r:embed="rId3">
+          <a:blip r:embed="rId2">
             <a:extLst>
               <a:ext uri="{28A0092B-C50C-407E-A947-70E740481C1C}">
                 <a14:useLocalDpi xmlns:a14="http://schemas.microsoft.com/office/drawing/2010/main" val="0"/>
@@ -5007,7 +5547,7 @@
 </p:sld>
 </file>
 
-<file path=ppt/slides/slide15.xml><?xml version="1.0" encoding="utf-8"?>
+<file path=ppt/slides/slide17.xml><?xml version="1.0" encoding="utf-8"?>
 <p:sld xmlns:a="http://schemas.openxmlformats.org/drawingml/2006/main" xmlns:r="http://schemas.openxmlformats.org/officeDocument/2006/relationships" xmlns:p="http://schemas.openxmlformats.org/presentationml/2006/main">
   <p:cSld>
     <p:spTree>
@@ -5089,7 +5629,7 @@
           <a:p>
             <a:fld id="{E83D2FD5-BBDA-43D0-B172-791327EA2B6A}" type="slidenum">
               <a:rPr lang="ru-RU" smtClean="0"/>
-              <a:t>15</a:t>
+              <a:t>17</a:t>
             </a:fld>
             <a:endParaRPr lang="ru-RU" dirty="0"/>
           </a:p>
@@ -5157,10 +5697,6 @@
               </a:rPr>
               <a:t>:</a:t>
             </a:r>
-            <a:endParaRPr lang="ru-RU" sz="2400" dirty="0">
-              <a:latin typeface="Times New Roman" panose="02020603050405020304" pitchFamily="18" charset="0"/>
-              <a:ea typeface="Times New Roman" panose="02020603050405020304" pitchFamily="18" charset="0"/>
-            </a:endParaRPr>
           </a:p>
           <a:p>
             <a:pPr marL="342900" lvl="0" indent="-342900" algn="just">
@@ -5697,14 +6233,7 @@
                 <a:latin typeface="Times New Roman" panose="02020603050405020304" pitchFamily="18" charset="0"/>
                 <a:cs typeface="Times New Roman" panose="02020603050405020304" pitchFamily="18" charset="0"/>
               </a:rPr>
-              <a:t>Дефект </a:t>
-            </a:r>
-            <a:r>
-              <a:rPr lang="ru-RU" sz="2400" dirty="0" smtClean="0">
-                <a:latin typeface="Times New Roman" panose="02020603050405020304" pitchFamily="18" charset="0"/>
-                <a:cs typeface="Times New Roman" panose="02020603050405020304" pitchFamily="18" charset="0"/>
-              </a:rPr>
-              <a:t>–</a:t>
+              <a:t>Дефект –</a:t>
             </a:r>
             <a:r>
               <a:rPr lang="en-US" sz="2400" dirty="0" smtClean="0">
@@ -5830,7 +6359,7 @@
                 <a14:useLocalDpi xmlns:a14="http://schemas.microsoft.com/office/drawing/2010/main" val="0"/>
               </a:ext>
               <a:ext uri="{96DAC541-7B7A-43D3-8B79-37D633B846F1}">
-                <asvg:svgBlip xmlns="" xmlns:asvg="http://schemas.microsoft.com/office/drawing/2016/SVG/main" r:embed="rId3"/>
+                <asvg:svgBlip xmlns:asvg="http://schemas.microsoft.com/office/drawing/2016/SVG/main" xmlns="" r:embed="rId3"/>
               </a:ext>
             </a:extLst>
           </a:blip>
@@ -8015,7 +8544,36 @@
       </p:grpSpPr>
       <p:sp>
         <p:nvSpPr>
-          <p:cNvPr id="2" name="Заголовок 1">
+          <p:cNvPr id="8" name="Номер слайда 7">
+            <a:extLst>
+              <a:ext uri="{FF2B5EF4-FFF2-40B4-BE49-F238E27FC236}">
+                <a16:creationId xmlns:a16="http://schemas.microsoft.com/office/drawing/2014/main" id="{356084EE-032E-E484-80F4-B50DED37102A}"/>
+              </a:ext>
+            </a:extLst>
+          </p:cNvPr>
+          <p:cNvSpPr>
+            <a:spLocks noGrp="1"/>
+          </p:cNvSpPr>
+          <p:nvPr>
+            <p:ph type="sldNum" sz="quarter" idx="12"/>
+          </p:nvPr>
+        </p:nvSpPr>
+        <p:spPr/>
+        <p:txBody>
+          <a:bodyPr/>
+          <a:lstStyle/>
+          <a:p>
+            <a:fld id="{E83D2FD5-BBDA-43D0-B172-791327EA2B6A}" type="slidenum">
+              <a:rPr lang="ru-RU" smtClean="0"/>
+              <a:t>9</a:t>
+            </a:fld>
+            <a:endParaRPr lang="ru-RU"/>
+          </a:p>
+        </p:txBody>
+      </p:sp>
+      <p:sp>
+        <p:nvSpPr>
+          <p:cNvPr id="17" name="Заголовок 1">
             <a:extLst>
               <a:ext uri="{FF2B5EF4-FFF2-40B4-BE49-F238E27FC236}">
                 <a16:creationId xmlns:a16="http://schemas.microsoft.com/office/drawing/2014/main" id="{1802D59D-6A83-151A-EEA2-678960399BE4}"/>
@@ -8055,271 +8613,36 @@
           </a:p>
         </p:txBody>
       </p:sp>
-      <p:sp>
-        <p:nvSpPr>
-          <p:cNvPr id="8" name="Номер слайда 7">
-            <a:extLst>
-              <a:ext uri="{FF2B5EF4-FFF2-40B4-BE49-F238E27FC236}">
-                <a16:creationId xmlns:a16="http://schemas.microsoft.com/office/drawing/2014/main" id="{356084EE-032E-E484-80F4-B50DED37102A}"/>
-              </a:ext>
-            </a:extLst>
-          </p:cNvPr>
-          <p:cNvSpPr>
-            <a:spLocks noGrp="1"/>
-          </p:cNvSpPr>
-          <p:nvPr>
-            <p:ph type="sldNum" sz="quarter" idx="12"/>
-          </p:nvPr>
-        </p:nvSpPr>
-        <p:spPr/>
-        <p:txBody>
-          <a:bodyPr/>
-          <a:lstStyle/>
-          <a:p>
-            <a:fld id="{E83D2FD5-BBDA-43D0-B172-791327EA2B6A}" type="slidenum">
-              <a:rPr lang="ru-RU" smtClean="0"/>
-              <a:t>9</a:t>
-            </a:fld>
-            <a:endParaRPr lang="ru-RU"/>
-          </a:p>
-        </p:txBody>
-      </p:sp>
       <p:pic>
         <p:nvPicPr>
-          <p:cNvPr id="7" name="Рисунок 6"/>
+          <p:cNvPr id="18" name="Рисунок 17"/>
           <p:cNvPicPr>
             <a:picLocks noChangeAspect="1"/>
           </p:cNvPicPr>
           <p:nvPr/>
         </p:nvPicPr>
-        <p:blipFill rotWithShape="1">
-          <a:blip r:embed="rId2"/>
-          <a:srcRect l="34608" t="-13941" r="36003" b="-23649"/>
-          <a:stretch/>
+        <p:blipFill>
+          <a:blip r:embed="rId2" cstate="hqprint">
+            <a:extLst>
+              <a:ext uri="{28A0092B-C50C-407E-A947-70E740481C1C}">
+                <a14:useLocalDpi xmlns:a14="http://schemas.microsoft.com/office/drawing/2010/main" val="0"/>
+              </a:ext>
+            </a:extLst>
+          </a:blip>
+          <a:stretch>
+            <a:fillRect/>
+          </a:stretch>
         </p:blipFill>
         <p:spPr>
           <a:xfrm>
-            <a:off x="5213863" y="1630190"/>
-            <a:ext cx="2980895" cy="748146"/>
+            <a:off x="2146709" y="1013143"/>
+            <a:ext cx="7835491" cy="5708332"/>
           </a:xfrm>
           <a:prstGeom prst="rect">
             <a:avLst/>
           </a:prstGeom>
         </p:spPr>
       </p:pic>
-      <p:pic>
-        <p:nvPicPr>
-          <p:cNvPr id="10" name="Рисунок 9"/>
-          <p:cNvPicPr>
-            <a:picLocks noChangeAspect="1"/>
-          </p:cNvPicPr>
-          <p:nvPr/>
-        </p:nvPicPr>
-        <p:blipFill rotWithShape="1">
-          <a:blip r:embed="rId3"/>
-          <a:srcRect l="17711" t="-6989" r="18768" b="2856"/>
-          <a:stretch/>
-        </p:blipFill>
-        <p:spPr>
-          <a:xfrm>
-            <a:off x="5306227" y="2764487"/>
-            <a:ext cx="6702455" cy="589050"/>
-          </a:xfrm>
-          <a:prstGeom prst="rect">
-            <a:avLst/>
-          </a:prstGeom>
-        </p:spPr>
-      </p:pic>
-      <p:pic>
-        <p:nvPicPr>
-          <p:cNvPr id="11" name="Рисунок 10"/>
-          <p:cNvPicPr>
-            <a:picLocks noChangeAspect="1"/>
-          </p:cNvPicPr>
-          <p:nvPr/>
-        </p:nvPicPr>
-        <p:blipFill rotWithShape="1">
-          <a:blip r:embed="rId4"/>
-          <a:srcRect l="19221" t="-12618" r="20428" b="-11216"/>
-          <a:stretch/>
-        </p:blipFill>
-        <p:spPr>
-          <a:xfrm>
-            <a:off x="5306227" y="3929466"/>
-            <a:ext cx="6359726" cy="699570"/>
-          </a:xfrm>
-          <a:prstGeom prst="rect">
-            <a:avLst/>
-          </a:prstGeom>
-        </p:spPr>
-      </p:pic>
-      <p:pic>
-        <p:nvPicPr>
-          <p:cNvPr id="12" name="Рисунок 11"/>
-          <p:cNvPicPr>
-            <a:picLocks noChangeAspect="1"/>
-          </p:cNvPicPr>
-          <p:nvPr/>
-        </p:nvPicPr>
-        <p:blipFill rotWithShape="1">
-          <a:blip r:embed="rId5"/>
-          <a:srcRect l="31895" t="-5415" r="33705" b="6721"/>
-          <a:stretch/>
-        </p:blipFill>
-        <p:spPr>
-          <a:xfrm>
-            <a:off x="5489544" y="4946635"/>
-            <a:ext cx="3509321" cy="938897"/>
-          </a:xfrm>
-          <a:prstGeom prst="rect">
-            <a:avLst/>
-          </a:prstGeom>
-        </p:spPr>
-      </p:pic>
-      <p:sp>
-        <p:nvSpPr>
-          <p:cNvPr id="13" name="TextBox 12"/>
-          <p:cNvSpPr txBox="1"/>
-          <p:nvPr/>
-        </p:nvSpPr>
-        <p:spPr>
-          <a:xfrm>
-            <a:off x="646544" y="1683985"/>
-            <a:ext cx="2567709" cy="461665"/>
-          </a:xfrm>
-          <a:prstGeom prst="rect">
-            <a:avLst/>
-          </a:prstGeom>
-          <a:noFill/>
-        </p:spPr>
-        <p:txBody>
-          <a:bodyPr wrap="square" rtlCol="0">
-            <a:spAutoFit/>
-          </a:bodyPr>
-          <a:lstStyle/>
-          <a:p>
-            <a:r>
-              <a:rPr lang="ru-RU" sz="2400" dirty="0" smtClean="0">
-                <a:latin typeface="Times New Roman" panose="02020603050405020304" pitchFamily="18" charset="0"/>
-                <a:cs typeface="Times New Roman" panose="02020603050405020304" pitchFamily="18" charset="0"/>
-              </a:rPr>
-              <a:t>Критерий Джини:</a:t>
-            </a:r>
-            <a:endParaRPr lang="ru-RU" sz="2400" dirty="0">
-              <a:latin typeface="Times New Roman" panose="02020603050405020304" pitchFamily="18" charset="0"/>
-              <a:cs typeface="Times New Roman" panose="02020603050405020304" pitchFamily="18" charset="0"/>
-            </a:endParaRPr>
-          </a:p>
-        </p:txBody>
-      </p:sp>
-      <p:sp>
-        <p:nvSpPr>
-          <p:cNvPr id="14" name="TextBox 13"/>
-          <p:cNvSpPr txBox="1"/>
-          <p:nvPr/>
-        </p:nvSpPr>
-        <p:spPr>
-          <a:xfrm>
-            <a:off x="646544" y="2764487"/>
-            <a:ext cx="4438075" cy="461665"/>
-          </a:xfrm>
-          <a:prstGeom prst="rect">
-            <a:avLst/>
-          </a:prstGeom>
-          <a:noFill/>
-        </p:spPr>
-        <p:txBody>
-          <a:bodyPr wrap="square" rtlCol="0">
-            <a:spAutoFit/>
-          </a:bodyPr>
-          <a:lstStyle/>
-          <a:p>
-            <a:r>
-              <a:rPr lang="ru-RU" sz="2400" dirty="0" smtClean="0">
-                <a:latin typeface="Times New Roman" panose="02020603050405020304" pitchFamily="18" charset="0"/>
-                <a:cs typeface="Times New Roman" panose="02020603050405020304" pitchFamily="18" charset="0"/>
-              </a:rPr>
-              <a:t>Модель градиентного бустинга:</a:t>
-            </a:r>
-            <a:endParaRPr lang="ru-RU" sz="2400" dirty="0">
-              <a:latin typeface="Times New Roman" panose="02020603050405020304" pitchFamily="18" charset="0"/>
-              <a:cs typeface="Times New Roman" panose="02020603050405020304" pitchFamily="18" charset="0"/>
-            </a:endParaRPr>
-          </a:p>
-        </p:txBody>
-      </p:sp>
-      <p:sp>
-        <p:nvSpPr>
-          <p:cNvPr id="15" name="TextBox 14"/>
-          <p:cNvSpPr txBox="1"/>
-          <p:nvPr/>
-        </p:nvSpPr>
-        <p:spPr>
-          <a:xfrm>
-            <a:off x="646544" y="3951212"/>
-            <a:ext cx="5095328" cy="461665"/>
-          </a:xfrm>
-          <a:prstGeom prst="rect">
-            <a:avLst/>
-          </a:prstGeom>
-          <a:noFill/>
-        </p:spPr>
-        <p:txBody>
-          <a:bodyPr wrap="square" rtlCol="0">
-            <a:spAutoFit/>
-          </a:bodyPr>
-          <a:lstStyle/>
-          <a:p>
-            <a:r>
-              <a:rPr lang="ru-RU" sz="2400" dirty="0" smtClean="0">
-                <a:latin typeface="Times New Roman" panose="02020603050405020304" pitchFamily="18" charset="0"/>
-                <a:cs typeface="Times New Roman" panose="02020603050405020304" pitchFamily="18" charset="0"/>
-              </a:rPr>
-              <a:t>Логарифмическая функция потерь:</a:t>
-            </a:r>
-            <a:endParaRPr lang="ru-RU" sz="2400" dirty="0">
-              <a:latin typeface="Times New Roman" panose="02020603050405020304" pitchFamily="18" charset="0"/>
-              <a:cs typeface="Times New Roman" panose="02020603050405020304" pitchFamily="18" charset="0"/>
-            </a:endParaRPr>
-          </a:p>
-        </p:txBody>
-      </p:sp>
-      <p:sp>
-        <p:nvSpPr>
-          <p:cNvPr id="16" name="TextBox 15"/>
-          <p:cNvSpPr txBox="1"/>
-          <p:nvPr/>
-        </p:nvSpPr>
-        <p:spPr>
-          <a:xfrm>
-            <a:off x="646543" y="5195874"/>
-            <a:ext cx="2567709" cy="461665"/>
-          </a:xfrm>
-          <a:prstGeom prst="rect">
-            <a:avLst/>
-          </a:prstGeom>
-          <a:noFill/>
-        </p:spPr>
-        <p:txBody>
-          <a:bodyPr wrap="square" rtlCol="0">
-            <a:spAutoFit/>
-          </a:bodyPr>
-          <a:lstStyle/>
-          <a:p>
-            <a:r>
-              <a:rPr lang="ru-RU" sz="2400" dirty="0" smtClean="0">
-                <a:latin typeface="Times New Roman" panose="02020603050405020304" pitchFamily="18" charset="0"/>
-                <a:cs typeface="Times New Roman" panose="02020603050405020304" pitchFamily="18" charset="0"/>
-              </a:rPr>
-              <a:t>Антиградиент:</a:t>
-            </a:r>
-            <a:endParaRPr lang="ru-RU" sz="2400" dirty="0">
-              <a:latin typeface="Times New Roman" panose="02020603050405020304" pitchFamily="18" charset="0"/>
-              <a:cs typeface="Times New Roman" panose="02020603050405020304" pitchFamily="18" charset="0"/>
-            </a:endParaRPr>
-          </a:p>
-        </p:txBody>
-      </p:sp>
     </p:spTree>
     <p:extLst>
       <p:ext uri="{BB962C8B-B14F-4D97-AF65-F5344CB8AC3E}">

--- a/doc/presentation/КлимовИС_ВКР_презентация.pptx
+++ b/doc/presentation/КлимовИС_ВКР_презентация.pptx
@@ -1,30 +1,32 @@
 
 <file path=ppt/presentation.xml><?xml version="1.0" encoding="utf-8"?>
-<p:presentation xmlns:a="http://schemas.openxmlformats.org/drawingml/2006/main" xmlns:r="http://schemas.openxmlformats.org/officeDocument/2006/relationships" xmlns:p="http://schemas.openxmlformats.org/presentationml/2006/main" showSpecialPlsOnTitleSld="0" saveSubsetFonts="1">
+<p:presentation xmlns:a="http://schemas.openxmlformats.org/drawingml/2006/main" xmlns:r="http://schemas.openxmlformats.org/officeDocument/2006/relationships" xmlns:p="http://schemas.openxmlformats.org/presentationml/2006/main" showSpecialPlsOnTitleSld="0" saveSubsetFonts="1" bookmarkIdSeed="4">
   <p:sldMasterIdLst>
     <p:sldMasterId id="2147483648" r:id="rId1"/>
   </p:sldMasterIdLst>
   <p:notesMasterIdLst>
-    <p:notesMasterId r:id="rId19"/>
+    <p:notesMasterId r:id="rId21"/>
   </p:notesMasterIdLst>
   <p:sldIdLst>
     <p:sldId id="256" r:id="rId2"/>
-    <p:sldId id="257" r:id="rId3"/>
-    <p:sldId id="258" r:id="rId4"/>
-    <p:sldId id="268" r:id="rId5"/>
-    <p:sldId id="278" r:id="rId6"/>
-    <p:sldId id="271" r:id="rId7"/>
+    <p:sldId id="290" r:id="rId3"/>
+    <p:sldId id="257" r:id="rId4"/>
+    <p:sldId id="258" r:id="rId5"/>
+    <p:sldId id="271" r:id="rId6"/>
+    <p:sldId id="278" r:id="rId7"/>
     <p:sldId id="261" r:id="rId8"/>
     <p:sldId id="279" r:id="rId9"/>
-    <p:sldId id="280" r:id="rId10"/>
-    <p:sldId id="286" r:id="rId11"/>
-    <p:sldId id="287" r:id="rId12"/>
-    <p:sldId id="281" r:id="rId13"/>
-    <p:sldId id="282" r:id="rId14"/>
-    <p:sldId id="283" r:id="rId15"/>
-    <p:sldId id="284" r:id="rId16"/>
-    <p:sldId id="285" r:id="rId17"/>
-    <p:sldId id="266" r:id="rId18"/>
+    <p:sldId id="288" r:id="rId10"/>
+    <p:sldId id="280" r:id="rId11"/>
+    <p:sldId id="286" r:id="rId12"/>
+    <p:sldId id="287" r:id="rId13"/>
+    <p:sldId id="281" r:id="rId14"/>
+    <p:sldId id="282" r:id="rId15"/>
+    <p:sldId id="283" r:id="rId16"/>
+    <p:sldId id="284" r:id="rId17"/>
+    <p:sldId id="289" r:id="rId18"/>
+    <p:sldId id="285" r:id="rId19"/>
+    <p:sldId id="266" r:id="rId20"/>
   </p:sldIdLst>
   <p:sldSz cx="12192000" cy="6858000"/>
   <p:notesSz cx="6858000" cy="9144000"/>
@@ -213,7 +215,7 @@
           <a:p>
             <a:fld id="{A1FA72BB-6139-4A02-8082-35B9C9D89E0C}" type="datetimeFigureOut">
               <a:rPr lang="ru-RU" smtClean="0"/>
-              <a:t>30.05.2023</a:t>
+              <a:t>04.06.2023</a:t>
             </a:fld>
             <a:endParaRPr lang="ru-RU"/>
           </a:p>
@@ -545,7 +547,7 @@
           <a:p>
             <a:fld id="{E3BF92F7-6176-4844-94CE-FF1FD83770F1}" type="slidenum">
               <a:rPr lang="ru-RU" smtClean="0"/>
-              <a:t>17</a:t>
+              <a:t>19</a:t>
             </a:fld>
             <a:endParaRPr lang="ru-RU"/>
           </a:p>
@@ -709,9 +711,9 @@
           <a:bodyPr/>
           <a:lstStyle/>
           <a:p>
-            <a:fld id="{D006F585-C031-4F3D-8109-2C1271EAF95C}" type="datetime1">
+            <a:fld id="{DF31C505-8CDF-4126-9AAE-618479E11536}" type="datetime1">
               <a:rPr lang="ru-RU" smtClean="0"/>
-              <a:t>30.05.2023</a:t>
+              <a:t>04.06.2023</a:t>
             </a:fld>
             <a:endParaRPr lang="ru-RU"/>
           </a:p>
@@ -907,9 +909,9 @@
           <a:bodyPr/>
           <a:lstStyle/>
           <a:p>
-            <a:fld id="{863B978C-907D-410C-AC33-C70FB0065AB1}" type="datetime1">
+            <a:fld id="{EB758B29-C593-44B5-AA8F-A40D79F5CFBD}" type="datetime1">
               <a:rPr lang="ru-RU" smtClean="0"/>
-              <a:t>30.05.2023</a:t>
+              <a:t>04.06.2023</a:t>
             </a:fld>
             <a:endParaRPr lang="ru-RU"/>
           </a:p>
@@ -1115,9 +1117,9 @@
           <a:bodyPr/>
           <a:lstStyle/>
           <a:p>
-            <a:fld id="{7370F86F-261F-4C2A-B7CA-06D91EEBB15B}" type="datetime1">
+            <a:fld id="{C5597570-738F-4584-ACB1-B8877AC97716}" type="datetime1">
               <a:rPr lang="ru-RU" smtClean="0"/>
-              <a:t>30.05.2023</a:t>
+              <a:t>04.06.2023</a:t>
             </a:fld>
             <a:endParaRPr lang="ru-RU"/>
           </a:p>
@@ -1313,9 +1315,9 @@
           <a:bodyPr/>
           <a:lstStyle/>
           <a:p>
-            <a:fld id="{AFEE3786-D129-4BD2-B6F3-55FC5BC12532}" type="datetime1">
+            <a:fld id="{2C894202-A429-48EA-BA67-F92D0B559E72}" type="datetime1">
               <a:rPr lang="ru-RU" smtClean="0"/>
-              <a:t>30.05.2023</a:t>
+              <a:t>04.06.2023</a:t>
             </a:fld>
             <a:endParaRPr lang="ru-RU"/>
           </a:p>
@@ -1588,9 +1590,9 @@
           <a:bodyPr/>
           <a:lstStyle/>
           <a:p>
-            <a:fld id="{C9466CFB-2389-4A9C-AD12-8B6FB05D3E41}" type="datetime1">
+            <a:fld id="{A4019B20-2080-4AFF-AAD0-58D0C999139B}" type="datetime1">
               <a:rPr lang="ru-RU" smtClean="0"/>
-              <a:t>30.05.2023</a:t>
+              <a:t>04.06.2023</a:t>
             </a:fld>
             <a:endParaRPr lang="ru-RU"/>
           </a:p>
@@ -1853,9 +1855,9 @@
           <a:bodyPr/>
           <a:lstStyle/>
           <a:p>
-            <a:fld id="{6E930FF5-4E67-4BB3-A0D6-D5DBBB9A8A64}" type="datetime1">
+            <a:fld id="{51C9A731-39DD-437F-9532-E995C8E38CF4}" type="datetime1">
               <a:rPr lang="ru-RU" smtClean="0"/>
-              <a:t>30.05.2023</a:t>
+              <a:t>04.06.2023</a:t>
             </a:fld>
             <a:endParaRPr lang="ru-RU"/>
           </a:p>
@@ -2265,9 +2267,9 @@
           <a:bodyPr/>
           <a:lstStyle/>
           <a:p>
-            <a:fld id="{1F915F62-A180-4781-87B2-C363CCD39E80}" type="datetime1">
+            <a:fld id="{E0CCF97D-5367-472D-9EBA-F5D9B11744D7}" type="datetime1">
               <a:rPr lang="ru-RU" smtClean="0"/>
-              <a:t>30.05.2023</a:t>
+              <a:t>04.06.2023</a:t>
             </a:fld>
             <a:endParaRPr lang="ru-RU"/>
           </a:p>
@@ -2406,9 +2408,9 @@
           <a:bodyPr/>
           <a:lstStyle/>
           <a:p>
-            <a:fld id="{67FD249C-BC1A-4A70-A502-0DCD1E4E82B3}" type="datetime1">
+            <a:fld id="{99C9C029-568D-48F8-B973-2AA5E9AD1B17}" type="datetime1">
               <a:rPr lang="ru-RU" smtClean="0"/>
-              <a:t>30.05.2023</a:t>
+              <a:t>04.06.2023</a:t>
             </a:fld>
             <a:endParaRPr lang="ru-RU"/>
           </a:p>
@@ -2519,9 +2521,9 @@
           <a:bodyPr/>
           <a:lstStyle/>
           <a:p>
-            <a:fld id="{45D5B91C-A2D9-4813-A97B-31FA3A6207FE}" type="datetime1">
+            <a:fld id="{E04554BF-1F82-48DF-8855-69DE2594EA89}" type="datetime1">
               <a:rPr lang="ru-RU" smtClean="0"/>
-              <a:t>30.05.2023</a:t>
+              <a:t>04.06.2023</a:t>
             </a:fld>
             <a:endParaRPr lang="ru-RU"/>
           </a:p>
@@ -2830,9 +2832,9 @@
           <a:bodyPr/>
           <a:lstStyle/>
           <a:p>
-            <a:fld id="{BD9E5343-4C2F-4429-B1C5-87457F54369C}" type="datetime1">
+            <a:fld id="{2F8C87D8-E2AB-4978-B669-F6A3AE17224C}" type="datetime1">
               <a:rPr lang="ru-RU" smtClean="0"/>
-              <a:t>30.05.2023</a:t>
+              <a:t>04.06.2023</a:t>
             </a:fld>
             <a:endParaRPr lang="ru-RU"/>
           </a:p>
@@ -3118,9 +3120,9 @@
           <a:bodyPr/>
           <a:lstStyle/>
           <a:p>
-            <a:fld id="{802D0396-A548-40ED-918D-A78893C27574}" type="datetime1">
+            <a:fld id="{B03EBF71-39E6-4320-B41E-3344EF99AAF7}" type="datetime1">
               <a:rPr lang="ru-RU" smtClean="0"/>
-              <a:t>30.05.2023</a:t>
+              <a:t>04.06.2023</a:t>
             </a:fld>
             <a:endParaRPr lang="ru-RU"/>
           </a:p>
@@ -3359,9 +3361,9 @@
             </a:lvl1pPr>
           </a:lstStyle>
           <a:p>
-            <a:fld id="{3ECCE158-C433-4D4B-A18E-F373B1318AC3}" type="datetime1">
+            <a:fld id="{3ECF8B35-D068-4B52-B5AF-949663A078F4}" type="datetime1">
               <a:rPr lang="ru-RU" smtClean="0"/>
-              <a:t>30.05.2023</a:t>
+              <a:t>04.06.2023</a:t>
             </a:fld>
             <a:endParaRPr lang="ru-RU"/>
           </a:p>
@@ -3794,7 +3796,7 @@
         <p:spPr>
           <a:xfrm>
             <a:off x="337934" y="5258281"/>
-            <a:ext cx="7974794" cy="830997"/>
+            <a:ext cx="11711826" cy="830997"/>
           </a:xfrm>
           <a:prstGeom prst="rect">
             <a:avLst/>
@@ -3832,8 +3834,19 @@
                 <a:latin typeface="Times New Roman" panose="02020603050405020304" pitchFamily="18" charset="0"/>
                 <a:cs typeface="Times New Roman" panose="02020603050405020304" pitchFamily="18" charset="0"/>
               </a:rPr>
-              <a:t>Научный руководитель: Вишневская Татьяна Ивановна</a:t>
-            </a:r>
+              <a:t>Научный руководитель: Вишневская Татьяна </a:t>
+            </a:r>
+            <a:r>
+              <a:rPr lang="ru-RU" sz="2400" dirty="0" smtClean="0">
+                <a:latin typeface="Times New Roman" panose="02020603050405020304" pitchFamily="18" charset="0"/>
+                <a:cs typeface="Times New Roman" panose="02020603050405020304" pitchFamily="18" charset="0"/>
+              </a:rPr>
+              <a:t>Ивановна, доцент кафедры ИУ7, к.ф.-м.н.</a:t>
+            </a:r>
+            <a:endParaRPr lang="ru-RU" sz="2400" dirty="0">
+              <a:latin typeface="Times New Roman" panose="02020603050405020304" pitchFamily="18" charset="0"/>
+              <a:cs typeface="Times New Roman" panose="02020603050405020304" pitchFamily="18" charset="0"/>
+            </a:endParaRPr>
           </a:p>
         </p:txBody>
       </p:sp>
@@ -3975,6 +3988,13 @@
   <p:clrMapOvr>
     <a:masterClrMapping/>
   </p:clrMapOvr>
+  <p:timing>
+    <p:tnLst>
+      <p:par>
+        <p:cTn id="1" dur="indefinite" restart="never" nodeType="tmRoot"/>
+      </p:par>
+    </p:tnLst>
+  </p:timing>
 </p:sld>
 </file>
 
@@ -3997,6 +4017,144 @@
       </p:grpSpPr>
       <p:sp>
         <p:nvSpPr>
+          <p:cNvPr id="8" name="Номер слайда 7">
+            <a:extLst>
+              <a:ext uri="{FF2B5EF4-FFF2-40B4-BE49-F238E27FC236}">
+                <a16:creationId xmlns:a16="http://schemas.microsoft.com/office/drawing/2014/main" id="{356084EE-032E-E484-80F4-B50DED37102A}"/>
+              </a:ext>
+            </a:extLst>
+          </p:cNvPr>
+          <p:cNvSpPr>
+            <a:spLocks noGrp="1"/>
+          </p:cNvSpPr>
+          <p:nvPr>
+            <p:ph type="sldNum" sz="quarter" idx="12"/>
+          </p:nvPr>
+        </p:nvSpPr>
+        <p:spPr/>
+        <p:txBody>
+          <a:bodyPr/>
+          <a:lstStyle/>
+          <a:p>
+            <a:fld id="{E83D2FD5-BBDA-43D0-B172-791327EA2B6A}" type="slidenum">
+              <a:rPr lang="ru-RU" smtClean="0"/>
+              <a:t>10</a:t>
+            </a:fld>
+            <a:endParaRPr lang="ru-RU"/>
+          </a:p>
+        </p:txBody>
+      </p:sp>
+      <p:sp>
+        <p:nvSpPr>
+          <p:cNvPr id="17" name="Заголовок 1">
+            <a:extLst>
+              <a:ext uri="{FF2B5EF4-FFF2-40B4-BE49-F238E27FC236}">
+                <a16:creationId xmlns:a16="http://schemas.microsoft.com/office/drawing/2014/main" id="{1802D59D-6A83-151A-EEA2-678960399BE4}"/>
+              </a:ext>
+            </a:extLst>
+          </p:cNvPr>
+          <p:cNvSpPr>
+            <a:spLocks noGrp="1"/>
+          </p:cNvSpPr>
+          <p:nvPr>
+            <p:ph type="title"/>
+          </p:nvPr>
+        </p:nvSpPr>
+        <p:spPr>
+          <a:xfrm>
+            <a:off x="428017" y="-72232"/>
+            <a:ext cx="10818160" cy="1325563"/>
+          </a:xfrm>
+        </p:spPr>
+        <p:txBody>
+          <a:bodyPr>
+            <a:normAutofit/>
+          </a:bodyPr>
+          <a:lstStyle/>
+          <a:p>
+            <a:r>
+              <a:rPr lang="ru-RU" sz="3600" dirty="0" smtClean="0">
+                <a:latin typeface="Times New Roman" panose="02020603050405020304" pitchFamily="18" charset="0"/>
+                <a:cs typeface="Times New Roman" panose="02020603050405020304" pitchFamily="18" charset="0"/>
+              </a:rPr>
+              <a:t>Обучение модели градиентного бустинга</a:t>
+            </a:r>
+            <a:endParaRPr lang="ru-RU" sz="3600" dirty="0">
+              <a:latin typeface="Times New Roman" panose="02020603050405020304" pitchFamily="18" charset="0"/>
+              <a:cs typeface="Times New Roman" panose="02020603050405020304" pitchFamily="18" charset="0"/>
+            </a:endParaRPr>
+          </a:p>
+        </p:txBody>
+      </p:sp>
+      <p:pic>
+        <p:nvPicPr>
+          <p:cNvPr id="3" name="Рисунок 2"/>
+          <p:cNvPicPr>
+            <a:picLocks noChangeAspect="1"/>
+          </p:cNvPicPr>
+          <p:nvPr/>
+        </p:nvPicPr>
+        <p:blipFill>
+          <a:blip r:embed="rId2" cstate="hqprint">
+            <a:extLst>
+              <a:ext uri="{28A0092B-C50C-407E-A947-70E740481C1C}">
+                <a14:useLocalDpi xmlns:a14="http://schemas.microsoft.com/office/drawing/2010/main" val="0"/>
+              </a:ext>
+            </a:extLst>
+          </a:blip>
+          <a:stretch>
+            <a:fillRect/>
+          </a:stretch>
+        </p:blipFill>
+        <p:spPr>
+          <a:xfrm>
+            <a:off x="1904286" y="1018359"/>
+            <a:ext cx="7865622" cy="5730283"/>
+          </a:xfrm>
+          <a:prstGeom prst="rect">
+            <a:avLst/>
+          </a:prstGeom>
+        </p:spPr>
+      </p:pic>
+    </p:spTree>
+    <p:extLst>
+      <p:ext uri="{BB962C8B-B14F-4D97-AF65-F5344CB8AC3E}">
+        <p14:creationId xmlns:p14="http://schemas.microsoft.com/office/powerpoint/2010/main" val="3784532776"/>
+      </p:ext>
+    </p:extLst>
+  </p:cSld>
+  <p:clrMapOvr>
+    <a:masterClrMapping/>
+  </p:clrMapOvr>
+  <p:timing>
+    <p:tnLst>
+      <p:par>
+        <p:cTn id="1" dur="indefinite" restart="never" nodeType="tmRoot"/>
+      </p:par>
+    </p:tnLst>
+  </p:timing>
+</p:sld>
+</file>
+
+<file path=ppt/slides/slide11.xml><?xml version="1.0" encoding="utf-8"?>
+<p:sld xmlns:a="http://schemas.openxmlformats.org/drawingml/2006/main" xmlns:r="http://schemas.openxmlformats.org/officeDocument/2006/relationships" xmlns:p="http://schemas.openxmlformats.org/presentationml/2006/main">
+  <p:cSld>
+    <p:spTree>
+      <p:nvGrpSpPr>
+        <p:cNvPr id="1" name=""/>
+        <p:cNvGrpSpPr/>
+        <p:nvPr/>
+      </p:nvGrpSpPr>
+      <p:grpSpPr>
+        <a:xfrm>
+          <a:off x="0" y="0"/>
+          <a:ext cx="0" cy="0"/>
+          <a:chOff x="0" y="0"/>
+          <a:chExt cx="0" cy="0"/>
+        </a:xfrm>
+      </p:grpSpPr>
+      <p:sp>
+        <p:nvSpPr>
           <p:cNvPr id="2" name="Заголовок 1">
             <a:extLst>
               <a:ext uri="{FF2B5EF4-FFF2-40B4-BE49-F238E27FC236}">
@@ -4060,7 +4218,7 @@
           <a:p>
             <a:fld id="{E83D2FD5-BBDA-43D0-B172-791327EA2B6A}" type="slidenum">
               <a:rPr lang="ru-RU" smtClean="0"/>
-              <a:t>10</a:t>
+              <a:t>11</a:t>
             </a:fld>
             <a:endParaRPr lang="ru-RU"/>
           </a:p>
@@ -4076,13 +4234,13 @@
         </p:nvPicPr>
         <p:blipFill rotWithShape="1">
           <a:blip r:embed="rId2"/>
-          <a:srcRect l="19221" t="-12618" r="20428" b="-11216"/>
+          <a:srcRect l="21032" t="-12618" r="20428" b="-11216"/>
           <a:stretch/>
         </p:blipFill>
         <p:spPr>
           <a:xfrm>
-            <a:off x="182173" y="2247293"/>
-            <a:ext cx="6359726" cy="699570"/>
+            <a:off x="583584" y="1891552"/>
+            <a:ext cx="6168907" cy="699570"/>
           </a:xfrm>
           <a:prstGeom prst="rect">
             <a:avLst/>
@@ -4104,7 +4262,7 @@
         </p:blipFill>
         <p:spPr>
           <a:xfrm>
-            <a:off x="7462982" y="2050070"/>
+            <a:off x="7450670" y="1803274"/>
             <a:ext cx="3509321" cy="938897"/>
           </a:xfrm>
           <a:prstGeom prst="rect">
@@ -4120,7 +4278,7 @@
         </p:nvSpPr>
         <p:spPr>
           <a:xfrm>
-            <a:off x="955963" y="1691815"/>
+            <a:off x="1134536" y="1341609"/>
             <a:ext cx="4812145" cy="461665"/>
           </a:xfrm>
           <a:prstGeom prst="rect">
@@ -4156,7 +4314,7 @@
         </p:nvSpPr>
         <p:spPr>
           <a:xfrm>
-            <a:off x="8232743" y="1517134"/>
+            <a:off x="8220431" y="1270338"/>
             <a:ext cx="2139694" cy="461665"/>
           </a:xfrm>
           <a:prstGeom prst="rect">
@@ -4199,8 +4357,8 @@
         </p:blipFill>
         <p:spPr>
           <a:xfrm>
-            <a:off x="428018" y="4798671"/>
-            <a:ext cx="9399474" cy="1605606"/>
+            <a:off x="583584" y="3986386"/>
+            <a:ext cx="8776942" cy="1499266"/>
           </a:xfrm>
           <a:prstGeom prst="rect">
             <a:avLst/>
@@ -4222,181 +4380,14 @@
         </p:blipFill>
         <p:spPr>
           <a:xfrm>
-            <a:off x="428017" y="3727545"/>
-            <a:ext cx="6850238" cy="1071126"/>
+            <a:off x="583584" y="2981150"/>
+            <a:ext cx="6428842" cy="1005236"/>
           </a:xfrm>
           <a:prstGeom prst="rect">
             <a:avLst/>
           </a:prstGeom>
         </p:spPr>
       </p:pic>
-    </p:spTree>
-    <p:extLst>
-      <p:ext uri="{BB962C8B-B14F-4D97-AF65-F5344CB8AC3E}">
-        <p14:creationId xmlns:p14="http://schemas.microsoft.com/office/powerpoint/2010/main" val="2782269109"/>
-      </p:ext>
-    </p:extLst>
-  </p:cSld>
-  <p:clrMapOvr>
-    <a:masterClrMapping/>
-  </p:clrMapOvr>
-</p:sld>
-</file>
-
-<file path=ppt/slides/slide11.xml><?xml version="1.0" encoding="utf-8"?>
-<p:sld xmlns:a="http://schemas.openxmlformats.org/drawingml/2006/main" xmlns:r="http://schemas.openxmlformats.org/officeDocument/2006/relationships" xmlns:p="http://schemas.openxmlformats.org/presentationml/2006/main">
-  <p:cSld>
-    <p:spTree>
-      <p:nvGrpSpPr>
-        <p:cNvPr id="1" name=""/>
-        <p:cNvGrpSpPr/>
-        <p:nvPr/>
-      </p:nvGrpSpPr>
-      <p:grpSpPr>
-        <a:xfrm>
-          <a:off x="0" y="0"/>
-          <a:ext cx="0" cy="0"/>
-          <a:chOff x="0" y="0"/>
-          <a:chExt cx="0" cy="0"/>
-        </a:xfrm>
-      </p:grpSpPr>
-      <p:sp>
-        <p:nvSpPr>
-          <p:cNvPr id="4" name="Номер слайда 3"/>
-          <p:cNvSpPr>
-            <a:spLocks noGrp="1"/>
-          </p:cNvSpPr>
-          <p:nvPr>
-            <p:ph type="sldNum" sz="quarter" idx="12"/>
-          </p:nvPr>
-        </p:nvSpPr>
-        <p:spPr/>
-        <p:txBody>
-          <a:bodyPr/>
-          <a:lstStyle/>
-          <a:p>
-            <a:fld id="{E83D2FD5-BBDA-43D0-B172-791327EA2B6A}" type="slidenum">
-              <a:rPr lang="ru-RU" smtClean="0"/>
-              <a:t>11</a:t>
-            </a:fld>
-            <a:endParaRPr lang="ru-RU"/>
-          </a:p>
-        </p:txBody>
-      </p:sp>
-      <p:pic>
-        <p:nvPicPr>
-          <p:cNvPr id="5" name="Рисунок 4"/>
-          <p:cNvPicPr>
-            <a:picLocks noChangeAspect="1"/>
-          </p:cNvPicPr>
-          <p:nvPr/>
-        </p:nvPicPr>
-        <p:blipFill rotWithShape="1">
-          <a:blip r:embed="rId2"/>
-          <a:srcRect l="17711" t="-6989" r="18768" b="2856"/>
-          <a:stretch/>
-        </p:blipFill>
-        <p:spPr>
-          <a:xfrm>
-            <a:off x="428017" y="2021184"/>
-            <a:ext cx="6702455" cy="589050"/>
-          </a:xfrm>
-          <a:prstGeom prst="rect">
-            <a:avLst/>
-          </a:prstGeom>
-        </p:spPr>
-      </p:pic>
-      <p:sp>
-        <p:nvSpPr>
-          <p:cNvPr id="7" name="Заголовок 1">
-            <a:extLst>
-              <a:ext uri="{FF2B5EF4-FFF2-40B4-BE49-F238E27FC236}">
-                <a16:creationId xmlns:a16="http://schemas.microsoft.com/office/drawing/2014/main" id="{1802D59D-6A83-151A-EEA2-678960399BE4}"/>
-              </a:ext>
-            </a:extLst>
-          </p:cNvPr>
-          <p:cNvSpPr>
-            <a:spLocks noGrp="1"/>
-          </p:cNvSpPr>
-          <p:nvPr>
-            <p:ph type="title"/>
-          </p:nvPr>
-        </p:nvSpPr>
-        <p:spPr>
-          <a:xfrm>
-            <a:off x="428017" y="-72232"/>
-            <a:ext cx="10818160" cy="1325563"/>
-          </a:xfrm>
-        </p:spPr>
-        <p:txBody>
-          <a:bodyPr>
-            <a:normAutofit/>
-          </a:bodyPr>
-          <a:lstStyle/>
-          <a:p>
-            <a:r>
-              <a:rPr lang="ru-RU" sz="3600" dirty="0" smtClean="0">
-                <a:latin typeface="Times New Roman" panose="02020603050405020304" pitchFamily="18" charset="0"/>
-                <a:cs typeface="Times New Roman" panose="02020603050405020304" pitchFamily="18" charset="0"/>
-              </a:rPr>
-              <a:t>Обучение модели градиентного бустинга</a:t>
-            </a:r>
-            <a:endParaRPr lang="ru-RU" sz="3600" dirty="0">
-              <a:latin typeface="Times New Roman" panose="02020603050405020304" pitchFamily="18" charset="0"/>
-              <a:cs typeface="Times New Roman" panose="02020603050405020304" pitchFamily="18" charset="0"/>
-            </a:endParaRPr>
-          </a:p>
-        </p:txBody>
-      </p:sp>
-      <p:sp>
-        <p:nvSpPr>
-          <p:cNvPr id="8" name="TextBox 7"/>
-          <p:cNvSpPr txBox="1"/>
-          <p:nvPr/>
-        </p:nvSpPr>
-        <p:spPr>
-          <a:xfrm>
-            <a:off x="6816436" y="3989770"/>
-            <a:ext cx="184731" cy="369332"/>
-          </a:xfrm>
-          <a:prstGeom prst="rect">
-            <a:avLst/>
-          </a:prstGeom>
-          <a:noFill/>
-        </p:spPr>
-        <p:txBody>
-          <a:bodyPr wrap="none" rtlCol="0">
-            <a:spAutoFit/>
-          </a:bodyPr>
-          <a:lstStyle/>
-          <a:p>
-            <a:endParaRPr lang="ru-RU" dirty="0"/>
-          </a:p>
-        </p:txBody>
-      </p:sp>
-      <p:pic>
-        <p:nvPicPr>
-          <p:cNvPr id="9" name="Рисунок 8"/>
-          <p:cNvPicPr>
-            <a:picLocks noChangeAspect="1"/>
-          </p:cNvPicPr>
-          <p:nvPr/>
-        </p:nvPicPr>
-        <p:blipFill rotWithShape="1">
-          <a:blip r:embed="rId3"/>
-          <a:srcRect r="19464"/>
-          <a:stretch/>
-        </p:blipFill>
-        <p:spPr>
-          <a:xfrm>
-            <a:off x="667108" y="2986828"/>
-            <a:ext cx="7230023" cy="2379499"/>
-          </a:xfrm>
-          <a:prstGeom prst="rect">
-            <a:avLst/>
-          </a:prstGeom>
-        </p:spPr>
-      </p:pic>
       <p:sp>
         <p:nvSpPr>
           <p:cNvPr id="10" name="TextBox 9"/>
@@ -4405,8 +4396,8 @@
         </p:nvSpPr>
         <p:spPr>
           <a:xfrm>
-            <a:off x="8289476" y="2315709"/>
-            <a:ext cx="3736270" cy="2308324"/>
+            <a:off x="583584" y="5793009"/>
+            <a:ext cx="10504265" cy="707886"/>
           </a:xfrm>
           <a:prstGeom prst="rect">
             <a:avLst/>
@@ -4420,99 +4411,118 @@
           <a:lstStyle/>
           <a:p>
             <a:r>
-              <a:rPr lang="ru-RU" sz="2400" dirty="0" smtClean="0">
+              <a:rPr lang="ru-RU" sz="2000" dirty="0" smtClean="0">
                 <a:latin typeface="Times New Roman" panose="02020603050405020304" pitchFamily="18" charset="0"/>
                 <a:cs typeface="Times New Roman" panose="02020603050405020304" pitchFamily="18" charset="0"/>
               </a:rPr>
-              <a:t>Модель обучается на </a:t>
-            </a:r>
-            <a:r>
-              <a:rPr lang="ru-RU" sz="2400" dirty="0" smtClean="0">
+              <a:t>Объект – набор из 17 значений метрик, посчитанных для определенного кода.</a:t>
+            </a:r>
+          </a:p>
+          <a:p>
+            <a:r>
+              <a:rPr lang="ru-RU" sz="2000" dirty="0">
                 <a:latin typeface="Times New Roman" panose="02020603050405020304" pitchFamily="18" charset="0"/>
                 <a:cs typeface="Times New Roman" panose="02020603050405020304" pitchFamily="18" charset="0"/>
               </a:rPr>
-              <a:t>наборе</a:t>
-            </a:r>
-            <a:r>
-              <a:rPr lang="en-US" sz="2400" dirty="0" smtClean="0">
+              <a:t>Целевая переменная – переменная</a:t>
+            </a:r>
+            <a:r>
+              <a:rPr lang="en-US" sz="2000">
                 <a:latin typeface="Times New Roman" panose="02020603050405020304" pitchFamily="18" charset="0"/>
                 <a:cs typeface="Times New Roman" panose="02020603050405020304" pitchFamily="18" charset="0"/>
               </a:rPr>
-              <a:t> </a:t>
-            </a:r>
-            <a:r>
-              <a:rPr lang="ru-RU" sz="2400" dirty="0" smtClean="0">
+              <a:t>, </a:t>
+            </a:r>
+            <a:r>
+              <a:rPr lang="ru-RU" sz="2000">
                 <a:latin typeface="Times New Roman" panose="02020603050405020304" pitchFamily="18" charset="0"/>
                 <a:cs typeface="Times New Roman" panose="02020603050405020304" pitchFamily="18" charset="0"/>
               </a:rPr>
-              <a:t>данных</a:t>
-            </a:r>
-            <a:r>
-              <a:rPr lang="en-US" sz="2400" dirty="0" smtClean="0">
+              <a:t>показывающая вероятность наличия </a:t>
+            </a:r>
+            <a:r>
+              <a:rPr lang="ru-RU" sz="2000" smtClean="0">
                 <a:latin typeface="Times New Roman" panose="02020603050405020304" pitchFamily="18" charset="0"/>
                 <a:cs typeface="Times New Roman" panose="02020603050405020304" pitchFamily="18" charset="0"/>
               </a:rPr>
-              <a:t> JM1</a:t>
-            </a:r>
-            <a:r>
-              <a:rPr lang="ru-RU" sz="2400" dirty="0" smtClean="0">
-                <a:latin typeface="Times New Roman" panose="02020603050405020304" pitchFamily="18" charset="0"/>
-                <a:cs typeface="Times New Roman" panose="02020603050405020304" pitchFamily="18" charset="0"/>
-              </a:rPr>
-              <a:t>, </a:t>
-            </a:r>
-            <a:r>
-              <a:rPr lang="ru-RU" sz="2400" dirty="0" smtClean="0">
-                <a:latin typeface="Times New Roman" panose="02020603050405020304" pitchFamily="18" charset="0"/>
-                <a:cs typeface="Times New Roman" panose="02020603050405020304" pitchFamily="18" charset="0"/>
-              </a:rPr>
-              <a:t>который представляет собой матрицу </a:t>
-            </a:r>
-            <a:r>
-              <a:rPr lang="ru-RU" sz="2400" dirty="0" smtClean="0">
-                <a:latin typeface="Times New Roman" panose="02020603050405020304" pitchFamily="18" charset="0"/>
-                <a:cs typeface="Times New Roman" panose="02020603050405020304" pitchFamily="18" charset="0"/>
-              </a:rPr>
-              <a:t>метрик, </a:t>
-            </a:r>
-            <a:r>
-              <a:rPr lang="ru-RU" sz="2400" dirty="0" smtClean="0">
-                <a:latin typeface="Times New Roman" panose="02020603050405020304" pitchFamily="18" charset="0"/>
-                <a:cs typeface="Times New Roman" panose="02020603050405020304" pitchFamily="18" charset="0"/>
-              </a:rPr>
-              <a:t>вычисленных для модулей на </a:t>
-            </a:r>
-            <a:r>
-              <a:rPr lang="en-US" sz="2400" dirty="0" smtClean="0">
-                <a:latin typeface="Times New Roman" panose="02020603050405020304" pitchFamily="18" charset="0"/>
-                <a:cs typeface="Times New Roman" panose="02020603050405020304" pitchFamily="18" charset="0"/>
-              </a:rPr>
-              <a:t>C++</a:t>
-            </a:r>
-            <a:r>
-              <a:rPr lang="ru-RU" sz="2400" dirty="0" smtClean="0">
-                <a:latin typeface="Times New Roman" panose="02020603050405020304" pitchFamily="18" charset="0"/>
-                <a:cs typeface="Times New Roman" panose="02020603050405020304" pitchFamily="18" charset="0"/>
-              </a:rPr>
-              <a:t>.</a:t>
-            </a:r>
-            <a:endParaRPr lang="ru-RU" sz="2400" dirty="0">
+              <a:t>дефекта для объекта. </a:t>
+            </a:r>
+            <a:endParaRPr lang="ru-RU" sz="2000">
               <a:latin typeface="Times New Roman" panose="02020603050405020304" pitchFamily="18" charset="0"/>
               <a:cs typeface="Times New Roman" panose="02020603050405020304" pitchFamily="18" charset="0"/>
             </a:endParaRPr>
           </a:p>
         </p:txBody>
       </p:sp>
+      <p:sp>
+        <p:nvSpPr>
+          <p:cNvPr id="13" name="Прямоугольник 12"/>
+          <p:cNvSpPr/>
+          <p:nvPr/>
+        </p:nvSpPr>
+        <p:spPr>
+          <a:xfrm>
+            <a:off x="451327" y="5644869"/>
+            <a:ext cx="89219" cy="1004166"/>
+          </a:xfrm>
+          <a:prstGeom prst="rect">
+            <a:avLst/>
+          </a:prstGeom>
+          <a:solidFill>
+            <a:schemeClr val="bg1">
+              <a:lumMod val="95000"/>
+            </a:schemeClr>
+          </a:solidFill>
+          <a:ln>
+            <a:solidFill>
+              <a:schemeClr val="bg1">
+                <a:lumMod val="95000"/>
+              </a:schemeClr>
+            </a:solidFill>
+          </a:ln>
+        </p:spPr>
+        <p:style>
+          <a:lnRef idx="2">
+            <a:schemeClr val="accent1">
+              <a:shade val="50000"/>
+            </a:schemeClr>
+          </a:lnRef>
+          <a:fillRef idx="1">
+            <a:schemeClr val="accent1"/>
+          </a:fillRef>
+          <a:effectRef idx="0">
+            <a:schemeClr val="accent1"/>
+          </a:effectRef>
+          <a:fontRef idx="minor">
+            <a:schemeClr val="lt1"/>
+          </a:fontRef>
+        </p:style>
+        <p:txBody>
+          <a:bodyPr rtlCol="0" anchor="ctr"/>
+          <a:lstStyle/>
+          <a:p>
+            <a:pPr algn="ctr"/>
+            <a:endParaRPr lang="ru-RU"/>
+          </a:p>
+        </p:txBody>
+      </p:sp>
     </p:spTree>
     <p:extLst>
       <p:ext uri="{BB962C8B-B14F-4D97-AF65-F5344CB8AC3E}">
-        <p14:creationId xmlns:p14="http://schemas.microsoft.com/office/powerpoint/2010/main" val="2934405594"/>
+        <p14:creationId xmlns:p14="http://schemas.microsoft.com/office/powerpoint/2010/main" val="2782269109"/>
       </p:ext>
     </p:extLst>
   </p:cSld>
   <p:clrMapOvr>
     <a:masterClrMapping/>
   </p:clrMapOvr>
+  <p:timing>
+    <p:tnLst>
+      <p:par>
+        <p:cTn id="1" dur="indefinite" restart="never" nodeType="tmRoot"/>
+      </p:par>
+    </p:tnLst>
+  </p:timing>
 </p:sld>
 </file>
 
@@ -4535,6 +4545,180 @@
       </p:grpSpPr>
       <p:sp>
         <p:nvSpPr>
+          <p:cNvPr id="4" name="Номер слайда 3"/>
+          <p:cNvSpPr>
+            <a:spLocks noGrp="1"/>
+          </p:cNvSpPr>
+          <p:nvPr>
+            <p:ph type="sldNum" sz="quarter" idx="12"/>
+          </p:nvPr>
+        </p:nvSpPr>
+        <p:spPr/>
+        <p:txBody>
+          <a:bodyPr/>
+          <a:lstStyle/>
+          <a:p>
+            <a:fld id="{E83D2FD5-BBDA-43D0-B172-791327EA2B6A}" type="slidenum">
+              <a:rPr lang="ru-RU" smtClean="0"/>
+              <a:t>12</a:t>
+            </a:fld>
+            <a:endParaRPr lang="ru-RU"/>
+          </a:p>
+        </p:txBody>
+      </p:sp>
+      <p:pic>
+        <p:nvPicPr>
+          <p:cNvPr id="5" name="Рисунок 4"/>
+          <p:cNvPicPr>
+            <a:picLocks noChangeAspect="1"/>
+          </p:cNvPicPr>
+          <p:nvPr/>
+        </p:nvPicPr>
+        <p:blipFill rotWithShape="1">
+          <a:blip r:embed="rId2"/>
+          <a:srcRect l="17711" t="-6989" r="18768" b="2856"/>
+          <a:stretch/>
+        </p:blipFill>
+        <p:spPr>
+          <a:xfrm>
+            <a:off x="2689069" y="1795184"/>
+            <a:ext cx="7272707" cy="639167"/>
+          </a:xfrm>
+          <a:prstGeom prst="rect">
+            <a:avLst/>
+          </a:prstGeom>
+        </p:spPr>
+      </p:pic>
+      <p:sp>
+        <p:nvSpPr>
+          <p:cNvPr id="7" name="Заголовок 1">
+            <a:extLst>
+              <a:ext uri="{FF2B5EF4-FFF2-40B4-BE49-F238E27FC236}">
+                <a16:creationId xmlns:a16="http://schemas.microsoft.com/office/drawing/2014/main" id="{1802D59D-6A83-151A-EEA2-678960399BE4}"/>
+              </a:ext>
+            </a:extLst>
+          </p:cNvPr>
+          <p:cNvSpPr>
+            <a:spLocks noGrp="1"/>
+          </p:cNvSpPr>
+          <p:nvPr>
+            <p:ph type="title"/>
+          </p:nvPr>
+        </p:nvSpPr>
+        <p:spPr>
+          <a:xfrm>
+            <a:off x="428017" y="-72232"/>
+            <a:ext cx="10818160" cy="1325563"/>
+          </a:xfrm>
+        </p:spPr>
+        <p:txBody>
+          <a:bodyPr>
+            <a:normAutofit/>
+          </a:bodyPr>
+          <a:lstStyle/>
+          <a:p>
+            <a:r>
+              <a:rPr lang="ru-RU" sz="3600" dirty="0" smtClean="0">
+                <a:latin typeface="Times New Roman" panose="02020603050405020304" pitchFamily="18" charset="0"/>
+                <a:cs typeface="Times New Roman" panose="02020603050405020304" pitchFamily="18" charset="0"/>
+              </a:rPr>
+              <a:t>Результат обучения модели градиентного бустинга</a:t>
+            </a:r>
+            <a:endParaRPr lang="ru-RU" sz="3600" dirty="0">
+              <a:latin typeface="Times New Roman" panose="02020603050405020304" pitchFamily="18" charset="0"/>
+              <a:cs typeface="Times New Roman" panose="02020603050405020304" pitchFamily="18" charset="0"/>
+            </a:endParaRPr>
+          </a:p>
+        </p:txBody>
+      </p:sp>
+      <p:sp>
+        <p:nvSpPr>
+          <p:cNvPr id="8" name="TextBox 7"/>
+          <p:cNvSpPr txBox="1"/>
+          <p:nvPr/>
+        </p:nvSpPr>
+        <p:spPr>
+          <a:xfrm>
+            <a:off x="6816436" y="3989770"/>
+            <a:ext cx="184731" cy="369332"/>
+          </a:xfrm>
+          <a:prstGeom prst="rect">
+            <a:avLst/>
+          </a:prstGeom>
+          <a:noFill/>
+        </p:spPr>
+        <p:txBody>
+          <a:bodyPr wrap="none" rtlCol="0">
+            <a:spAutoFit/>
+          </a:bodyPr>
+          <a:lstStyle/>
+          <a:p>
+            <a:endParaRPr lang="ru-RU" dirty="0"/>
+          </a:p>
+        </p:txBody>
+      </p:sp>
+      <p:pic>
+        <p:nvPicPr>
+          <p:cNvPr id="9" name="Рисунок 8"/>
+          <p:cNvPicPr>
+            <a:picLocks noChangeAspect="1"/>
+          </p:cNvPicPr>
+          <p:nvPr/>
+        </p:nvPicPr>
+        <p:blipFill rotWithShape="1">
+          <a:blip r:embed="rId3"/>
+          <a:srcRect r="19464"/>
+          <a:stretch/>
+        </p:blipFill>
+        <p:spPr>
+          <a:xfrm>
+            <a:off x="1128927" y="3128333"/>
+            <a:ext cx="8006834" cy="2635158"/>
+          </a:xfrm>
+          <a:prstGeom prst="rect">
+            <a:avLst/>
+          </a:prstGeom>
+        </p:spPr>
+      </p:pic>
+    </p:spTree>
+    <p:extLst>
+      <p:ext uri="{BB962C8B-B14F-4D97-AF65-F5344CB8AC3E}">
+        <p14:creationId xmlns:p14="http://schemas.microsoft.com/office/powerpoint/2010/main" val="2934405594"/>
+      </p:ext>
+    </p:extLst>
+  </p:cSld>
+  <p:clrMapOvr>
+    <a:masterClrMapping/>
+  </p:clrMapOvr>
+  <p:timing>
+    <p:tnLst>
+      <p:par>
+        <p:cTn id="1" dur="indefinite" restart="never" nodeType="tmRoot"/>
+      </p:par>
+    </p:tnLst>
+  </p:timing>
+</p:sld>
+</file>
+
+<file path=ppt/slides/slide13.xml><?xml version="1.0" encoding="utf-8"?>
+<p:sld xmlns:a="http://schemas.openxmlformats.org/drawingml/2006/main" xmlns:r="http://schemas.openxmlformats.org/officeDocument/2006/relationships" xmlns:p="http://schemas.openxmlformats.org/presentationml/2006/main">
+  <p:cSld>
+    <p:spTree>
+      <p:nvGrpSpPr>
+        <p:cNvPr id="1" name=""/>
+        <p:cNvGrpSpPr/>
+        <p:nvPr/>
+      </p:nvGrpSpPr>
+      <p:grpSpPr>
+        <a:xfrm>
+          <a:off x="0" y="0"/>
+          <a:ext cx="0" cy="0"/>
+          <a:chOff x="0" y="0"/>
+          <a:chExt cx="0" cy="0"/>
+        </a:xfrm>
+      </p:grpSpPr>
+      <p:sp>
+        <p:nvSpPr>
           <p:cNvPr id="2" name="Заголовок 1">
             <a:extLst>
               <a:ext uri="{FF2B5EF4-FFF2-40B4-BE49-F238E27FC236}">
@@ -4598,7 +4782,7 @@
           <a:p>
             <a:fld id="{E83D2FD5-BBDA-43D0-B172-791327EA2B6A}" type="slidenum">
               <a:rPr lang="ru-RU" smtClean="0"/>
-              <a:t>12</a:t>
+              <a:t>13</a:t>
             </a:fld>
             <a:endParaRPr lang="ru-RU"/>
           </a:p>
@@ -4644,10 +4828,17 @@
   <p:clrMapOvr>
     <a:masterClrMapping/>
   </p:clrMapOvr>
+  <p:timing>
+    <p:tnLst>
+      <p:par>
+        <p:cTn id="1" dur="indefinite" restart="never" nodeType="tmRoot"/>
+      </p:par>
+    </p:tnLst>
+  </p:timing>
 </p:sld>
 </file>
 
-<file path=ppt/slides/slide13.xml><?xml version="1.0" encoding="utf-8"?>
+<file path=ppt/slides/slide14.xml><?xml version="1.0" encoding="utf-8"?>
 <p:sld xmlns:a="http://schemas.openxmlformats.org/drawingml/2006/main" xmlns:r="http://schemas.openxmlformats.org/officeDocument/2006/relationships" xmlns:p="http://schemas.openxmlformats.org/presentationml/2006/main">
   <p:cSld>
     <p:spTree>
@@ -4729,7 +4920,7 @@
           <a:p>
             <a:fld id="{E83D2FD5-BBDA-43D0-B172-791327EA2B6A}" type="slidenum">
               <a:rPr lang="ru-RU" smtClean="0"/>
-              <a:t>13</a:t>
+              <a:t>14</a:t>
             </a:fld>
             <a:endParaRPr lang="ru-RU"/>
           </a:p>
@@ -5023,10 +5214,17 @@
   <p:clrMapOvr>
     <a:masterClrMapping/>
   </p:clrMapOvr>
+  <p:timing>
+    <p:tnLst>
+      <p:par>
+        <p:cTn id="1" dur="indefinite" restart="never" nodeType="tmRoot"/>
+      </p:par>
+    </p:tnLst>
+  </p:timing>
 </p:sld>
 </file>
 
-<file path=ppt/slides/slide14.xml><?xml version="1.0" encoding="utf-8"?>
+<file path=ppt/slides/slide15.xml><?xml version="1.0" encoding="utf-8"?>
 <p:sld xmlns:a="http://schemas.openxmlformats.org/drawingml/2006/main" xmlns:r="http://schemas.openxmlformats.org/officeDocument/2006/relationships" xmlns:p="http://schemas.openxmlformats.org/presentationml/2006/main">
   <p:cSld>
     <p:spTree>
@@ -5076,7 +5274,7 @@
                 <a:latin typeface="Times New Roman" panose="02020603050405020304" pitchFamily="18" charset="0"/>
                 <a:cs typeface="Times New Roman" panose="02020603050405020304" pitchFamily="18" charset="0"/>
               </a:rPr>
-              <a:t>Пример работы программы</a:t>
+              <a:t>Разработанная система обнаружения дефектов ПО</a:t>
             </a:r>
             <a:endParaRPr lang="ru-RU" sz="3600" dirty="0">
               <a:latin typeface="Times New Roman" panose="02020603050405020304" pitchFamily="18" charset="0"/>
@@ -5108,7 +5306,7 @@
           <a:p>
             <a:fld id="{E83D2FD5-BBDA-43D0-B172-791327EA2B6A}" type="slidenum">
               <a:rPr lang="ru-RU" smtClean="0"/>
-              <a:t>14</a:t>
+              <a:t>15</a:t>
             </a:fld>
             <a:endParaRPr lang="ru-RU"/>
           </a:p>
@@ -5136,8 +5334,8 @@
         </p:blipFill>
         <p:spPr>
           <a:xfrm>
-            <a:off x="2368766" y="1108604"/>
-            <a:ext cx="7613434" cy="5247746"/>
+            <a:off x="2290618" y="1173804"/>
+            <a:ext cx="7656946" cy="5277739"/>
           </a:xfrm>
           <a:prstGeom prst="rect">
             <a:avLst/>
@@ -5154,10 +5352,17 @@
   <p:clrMapOvr>
     <a:masterClrMapping/>
   </p:clrMapOvr>
+  <p:timing>
+    <p:tnLst>
+      <p:par>
+        <p:cTn id="1" dur="indefinite" restart="never" nodeType="tmRoot"/>
+      </p:par>
+    </p:tnLst>
+  </p:timing>
 </p:sld>
 </file>
 
-<file path=ppt/slides/slide15.xml><?xml version="1.0" encoding="utf-8"?>
+<file path=ppt/slides/slide16.xml><?xml version="1.0" encoding="utf-8"?>
 <p:sld xmlns:a="http://schemas.openxmlformats.org/drawingml/2006/main" xmlns:r="http://schemas.openxmlformats.org/officeDocument/2006/relationships" xmlns:p="http://schemas.openxmlformats.org/presentationml/2006/main">
   <p:cSld>
     <p:spTree>
@@ -5207,7 +5412,7 @@
                 <a:latin typeface="Times New Roman" panose="02020603050405020304" pitchFamily="18" charset="0"/>
                 <a:cs typeface="Times New Roman" panose="02020603050405020304" pitchFamily="18" charset="0"/>
               </a:rPr>
-              <a:t>Анализ точности метода</a:t>
+              <a:t>Анализ функции потерь</a:t>
             </a:r>
             <a:endParaRPr lang="ru-RU" sz="3600" dirty="0">
               <a:latin typeface="Times New Roman" panose="02020603050405020304" pitchFamily="18" charset="0"/>
@@ -5239,7 +5444,7 @@
           <a:p>
             <a:fld id="{E83D2FD5-BBDA-43D0-B172-791327EA2B6A}" type="slidenum">
               <a:rPr lang="ru-RU" smtClean="0"/>
-              <a:t>15</a:t>
+              <a:t>16</a:t>
             </a:fld>
             <a:endParaRPr lang="ru-RU"/>
           </a:p>
@@ -5267,8 +5472,8 @@
         </p:blipFill>
         <p:spPr>
           <a:xfrm>
-            <a:off x="289471" y="1501679"/>
-            <a:ext cx="8012239" cy="4189701"/>
+            <a:off x="428018" y="1544270"/>
+            <a:ext cx="7962712" cy="4163803"/>
           </a:xfrm>
           <a:prstGeom prst="rect">
             <a:avLst/>
@@ -5277,14 +5482,14 @@
       </p:pic>
       <p:sp>
         <p:nvSpPr>
-          <p:cNvPr id="10" name="TextBox 9"/>
+          <p:cNvPr id="3" name="TextBox 2"/>
           <p:cNvSpPr txBox="1"/>
           <p:nvPr/>
         </p:nvSpPr>
         <p:spPr>
           <a:xfrm>
-            <a:off x="8684490" y="1692159"/>
-            <a:ext cx="2669310" cy="461665"/>
+            <a:off x="8610600" y="1793950"/>
+            <a:ext cx="3421056" cy="2308324"/>
           </a:xfrm>
           <a:prstGeom prst="rect">
             <a:avLst/>
@@ -5298,108 +5503,16 @@
           <a:lstStyle/>
           <a:p>
             <a:r>
-              <a:rPr lang="en-US" sz="2400" dirty="0" smtClean="0">
+              <a:rPr lang="ru-RU" sz="2400" dirty="0" smtClean="0">
                 <a:latin typeface="Times New Roman" panose="02020603050405020304" pitchFamily="18" charset="0"/>
                 <a:cs typeface="Times New Roman" panose="02020603050405020304" pitchFamily="18" charset="0"/>
               </a:rPr>
-              <a:t>Accuracy = 0.941</a:t>
-            </a:r>
-          </a:p>
-        </p:txBody>
-      </p:sp>
-      <p:sp>
-        <p:nvSpPr>
-          <p:cNvPr id="11" name="TextBox 10"/>
-          <p:cNvSpPr txBox="1"/>
-          <p:nvPr/>
-        </p:nvSpPr>
-        <p:spPr>
-          <a:xfrm>
-            <a:off x="8684490" y="2957711"/>
-            <a:ext cx="2669310" cy="461665"/>
-          </a:xfrm>
-          <a:prstGeom prst="rect">
-            <a:avLst/>
-          </a:prstGeom>
-          <a:noFill/>
-        </p:spPr>
-        <p:txBody>
-          <a:bodyPr wrap="square" rtlCol="0">
-            <a:spAutoFit/>
-          </a:bodyPr>
-          <a:lstStyle/>
-          <a:p>
-            <a:r>
-              <a:rPr lang="en-US" sz="2400" dirty="0" smtClean="0">
-                <a:latin typeface="Times New Roman" panose="02020603050405020304" pitchFamily="18" charset="0"/>
-                <a:cs typeface="Times New Roman" panose="02020603050405020304" pitchFamily="18" charset="0"/>
-              </a:rPr>
-              <a:t>Recall = 0.936</a:t>
-            </a:r>
-          </a:p>
-        </p:txBody>
-      </p:sp>
-      <p:sp>
-        <p:nvSpPr>
-          <p:cNvPr id="12" name="TextBox 11"/>
-          <p:cNvSpPr txBox="1"/>
-          <p:nvPr/>
-        </p:nvSpPr>
-        <p:spPr>
-          <a:xfrm>
-            <a:off x="8684490" y="2324935"/>
-            <a:ext cx="2669310" cy="461665"/>
-          </a:xfrm>
-          <a:prstGeom prst="rect">
-            <a:avLst/>
-          </a:prstGeom>
-          <a:noFill/>
-        </p:spPr>
-        <p:txBody>
-          <a:bodyPr wrap="square" rtlCol="0">
-            <a:spAutoFit/>
-          </a:bodyPr>
-          <a:lstStyle/>
-          <a:p>
-            <a:r>
-              <a:rPr lang="en-US" sz="2400" dirty="0" smtClean="0">
-                <a:latin typeface="Times New Roman" panose="02020603050405020304" pitchFamily="18" charset="0"/>
-                <a:cs typeface="Times New Roman" panose="02020603050405020304" pitchFamily="18" charset="0"/>
-              </a:rPr>
-              <a:t>Precision = 0.818</a:t>
-            </a:r>
-          </a:p>
-        </p:txBody>
-      </p:sp>
-      <p:sp>
-        <p:nvSpPr>
-          <p:cNvPr id="13" name="TextBox 12"/>
-          <p:cNvSpPr txBox="1"/>
-          <p:nvPr/>
-        </p:nvSpPr>
-        <p:spPr>
-          <a:xfrm>
-            <a:off x="8684490" y="3596530"/>
-            <a:ext cx="2669310" cy="461665"/>
-          </a:xfrm>
-          <a:prstGeom prst="rect">
-            <a:avLst/>
-          </a:prstGeom>
-          <a:noFill/>
-        </p:spPr>
-        <p:txBody>
-          <a:bodyPr wrap="square" rtlCol="0">
-            <a:spAutoFit/>
-          </a:bodyPr>
-          <a:lstStyle/>
-          <a:p>
-            <a:r>
-              <a:rPr lang="en-US" sz="2400" dirty="0" smtClean="0">
-                <a:latin typeface="Times New Roman" panose="02020603050405020304" pitchFamily="18" charset="0"/>
-                <a:cs typeface="Times New Roman" panose="02020603050405020304" pitchFamily="18" charset="0"/>
-              </a:rPr>
-              <a:t>F-measure = 0.873</a:t>
-            </a:r>
+              <a:t>Обучение проходит верно. Функция потерь имеет гиперболическую форму, к концу обучения изменения становятся незначительными.</a:t>
+            </a:r>
+            <a:endParaRPr lang="ru-RU" sz="2400" dirty="0">
+              <a:latin typeface="Times New Roman" panose="02020603050405020304" pitchFamily="18" charset="0"/>
+              <a:cs typeface="Times New Roman" panose="02020603050405020304" pitchFamily="18" charset="0"/>
+            </a:endParaRPr>
           </a:p>
         </p:txBody>
       </p:sp>
@@ -5413,137 +5526,13 @@
   <p:clrMapOvr>
     <a:masterClrMapping/>
   </p:clrMapOvr>
-</p:sld>
-</file>
-
-<file path=ppt/slides/slide16.xml><?xml version="1.0" encoding="utf-8"?>
-<p:sld xmlns:a="http://schemas.openxmlformats.org/drawingml/2006/main" xmlns:r="http://schemas.openxmlformats.org/officeDocument/2006/relationships" xmlns:p="http://schemas.openxmlformats.org/presentationml/2006/main">
-  <p:cSld>
-    <p:spTree>
-      <p:nvGrpSpPr>
-        <p:cNvPr id="1" name=""/>
-        <p:cNvGrpSpPr/>
-        <p:nvPr/>
-      </p:nvGrpSpPr>
-      <p:grpSpPr>
-        <a:xfrm>
-          <a:off x="0" y="0"/>
-          <a:ext cx="0" cy="0"/>
-          <a:chOff x="0" y="0"/>
-          <a:chExt cx="0" cy="0"/>
-        </a:xfrm>
-      </p:grpSpPr>
-      <p:sp>
-        <p:nvSpPr>
-          <p:cNvPr id="2" name="Заголовок 1">
-            <a:extLst>
-              <a:ext uri="{FF2B5EF4-FFF2-40B4-BE49-F238E27FC236}">
-                <a16:creationId xmlns:a16="http://schemas.microsoft.com/office/drawing/2014/main" id="{1802D59D-6A83-151A-EEA2-678960399BE4}"/>
-              </a:ext>
-            </a:extLst>
-          </p:cNvPr>
-          <p:cNvSpPr>
-            <a:spLocks noGrp="1"/>
-          </p:cNvSpPr>
-          <p:nvPr>
-            <p:ph type="title"/>
-          </p:nvPr>
-        </p:nvSpPr>
-        <p:spPr>
-          <a:xfrm>
-            <a:off x="428017" y="-72232"/>
-            <a:ext cx="10818160" cy="1325563"/>
-          </a:xfrm>
-        </p:spPr>
-        <p:txBody>
-          <a:bodyPr>
-            <a:normAutofit/>
-          </a:bodyPr>
-          <a:lstStyle/>
-          <a:p>
-            <a:r>
-              <a:rPr lang="ru-RU" sz="3600" dirty="0" smtClean="0">
-                <a:latin typeface="Times New Roman" panose="02020603050405020304" pitchFamily="18" charset="0"/>
-                <a:cs typeface="Times New Roman" panose="02020603050405020304" pitchFamily="18" charset="0"/>
-              </a:rPr>
-              <a:t>Оценка времени выполнения программы</a:t>
-            </a:r>
-            <a:endParaRPr lang="ru-RU" sz="3600" dirty="0">
-              <a:latin typeface="Times New Roman" panose="02020603050405020304" pitchFamily="18" charset="0"/>
-              <a:cs typeface="Times New Roman" panose="02020603050405020304" pitchFamily="18" charset="0"/>
-            </a:endParaRPr>
-          </a:p>
-        </p:txBody>
-      </p:sp>
-      <p:sp>
-        <p:nvSpPr>
-          <p:cNvPr id="8" name="Номер слайда 7">
-            <a:extLst>
-              <a:ext uri="{FF2B5EF4-FFF2-40B4-BE49-F238E27FC236}">
-                <a16:creationId xmlns:a16="http://schemas.microsoft.com/office/drawing/2014/main" id="{356084EE-032E-E484-80F4-B50DED37102A}"/>
-              </a:ext>
-            </a:extLst>
-          </p:cNvPr>
-          <p:cNvSpPr>
-            <a:spLocks noGrp="1"/>
-          </p:cNvSpPr>
-          <p:nvPr>
-            <p:ph type="sldNum" sz="quarter" idx="12"/>
-          </p:nvPr>
-        </p:nvSpPr>
-        <p:spPr/>
-        <p:txBody>
-          <a:bodyPr/>
-          <a:lstStyle/>
-          <a:p>
-            <a:fld id="{E83D2FD5-BBDA-43D0-B172-791327EA2B6A}" type="slidenum">
-              <a:rPr lang="ru-RU" smtClean="0"/>
-              <a:t>16</a:t>
-            </a:fld>
-            <a:endParaRPr lang="ru-RU"/>
-          </a:p>
-        </p:txBody>
-      </p:sp>
-      <p:pic>
-        <p:nvPicPr>
-          <p:cNvPr id="3" name="Рисунок 2"/>
-          <p:cNvPicPr>
-            <a:picLocks noChangeAspect="1"/>
-          </p:cNvPicPr>
-          <p:nvPr/>
-        </p:nvPicPr>
-        <p:blipFill>
-          <a:blip r:embed="rId2">
-            <a:extLst>
-              <a:ext uri="{28A0092B-C50C-407E-A947-70E740481C1C}">
-                <a14:useLocalDpi xmlns:a14="http://schemas.microsoft.com/office/drawing/2010/main" val="0"/>
-              </a:ext>
-            </a:extLst>
-          </a:blip>
-          <a:stretch>
-            <a:fillRect/>
-          </a:stretch>
-        </p:blipFill>
-        <p:spPr>
-          <a:xfrm>
-            <a:off x="1182254" y="1325563"/>
-            <a:ext cx="9772073" cy="5042485"/>
-          </a:xfrm>
-          <a:prstGeom prst="rect">
-            <a:avLst/>
-          </a:prstGeom>
-        </p:spPr>
-      </p:pic>
-    </p:spTree>
-    <p:extLst>
-      <p:ext uri="{BB962C8B-B14F-4D97-AF65-F5344CB8AC3E}">
-        <p14:creationId xmlns:p14="http://schemas.microsoft.com/office/powerpoint/2010/main" val="1539733540"/>
-      </p:ext>
-    </p:extLst>
-  </p:cSld>
-  <p:clrMapOvr>
-    <a:masterClrMapping/>
-  </p:clrMapOvr>
+  <p:timing>
+    <p:tnLst>
+      <p:par>
+        <p:cTn id="1" dur="indefinite" restart="never" nodeType="tmRoot"/>
+      </p:par>
+    </p:tnLst>
+  </p:timing>
 </p:sld>
 </file>
 
@@ -5566,6 +5555,3143 @@
       </p:grpSpPr>
       <p:sp>
         <p:nvSpPr>
+          <p:cNvPr id="4" name="Номер слайда 3"/>
+          <p:cNvSpPr>
+            <a:spLocks noGrp="1"/>
+          </p:cNvSpPr>
+          <p:nvPr>
+            <p:ph type="sldNum" sz="quarter" idx="12"/>
+          </p:nvPr>
+        </p:nvSpPr>
+        <p:spPr/>
+        <p:txBody>
+          <a:bodyPr/>
+          <a:lstStyle/>
+          <a:p>
+            <a:fld id="{E83D2FD5-BBDA-43D0-B172-791327EA2B6A}" type="slidenum">
+              <a:rPr lang="ru-RU" smtClean="0"/>
+              <a:t>17</a:t>
+            </a:fld>
+            <a:endParaRPr lang="ru-RU"/>
+          </a:p>
+        </p:txBody>
+      </p:sp>
+      <p:sp>
+        <p:nvSpPr>
+          <p:cNvPr id="5" name="Заголовок 1">
+            <a:extLst>
+              <a:ext uri="{FF2B5EF4-FFF2-40B4-BE49-F238E27FC236}">
+                <a16:creationId xmlns:a16="http://schemas.microsoft.com/office/drawing/2014/main" id="{1802D59D-6A83-151A-EEA2-678960399BE4}"/>
+              </a:ext>
+            </a:extLst>
+          </p:cNvPr>
+          <p:cNvSpPr txBox="1">
+            <a:spLocks/>
+          </p:cNvSpPr>
+          <p:nvPr/>
+        </p:nvSpPr>
+        <p:spPr>
+          <a:xfrm>
+            <a:off x="428017" y="-72232"/>
+            <a:ext cx="10818160" cy="1325563"/>
+          </a:xfrm>
+          <a:prstGeom prst="rect">
+            <a:avLst/>
+          </a:prstGeom>
+        </p:spPr>
+        <p:txBody>
+          <a:bodyPr vert="horz" lIns="91440" tIns="45720" rIns="91440" bIns="45720" rtlCol="0" anchor="ctr">
+            <a:normAutofit/>
+          </a:bodyPr>
+          <a:lstStyle>
+            <a:lvl1pPr algn="l" defTabSz="914400" rtl="0" eaLnBrk="1" latinLnBrk="0" hangingPunct="1">
+              <a:lnSpc>
+                <a:spcPct val="90000"/>
+              </a:lnSpc>
+              <a:spcBef>
+                <a:spcPct val="0"/>
+              </a:spcBef>
+              <a:buNone/>
+              <a:defRPr sz="4400" kern="1200">
+                <a:solidFill>
+                  <a:schemeClr val="tx1"/>
+                </a:solidFill>
+                <a:latin typeface="+mj-lt"/>
+                <a:ea typeface="+mj-ea"/>
+                <a:cs typeface="+mj-cs"/>
+              </a:defRPr>
+            </a:lvl1pPr>
+          </a:lstStyle>
+          <a:p>
+            <a:r>
+              <a:rPr lang="ru-RU" sz="3600" dirty="0" smtClean="0">
+                <a:latin typeface="Times New Roman" panose="02020603050405020304" pitchFamily="18" charset="0"/>
+                <a:cs typeface="Times New Roman" panose="02020603050405020304" pitchFamily="18" charset="0"/>
+              </a:rPr>
+              <a:t>Сравнение точности разработанного метода </a:t>
+            </a:r>
+            <a:endParaRPr lang="ru-RU" sz="3600" dirty="0">
+              <a:latin typeface="Times New Roman" panose="02020603050405020304" pitchFamily="18" charset="0"/>
+              <a:cs typeface="Times New Roman" panose="02020603050405020304" pitchFamily="18" charset="0"/>
+            </a:endParaRPr>
+          </a:p>
+        </p:txBody>
+      </p:sp>
+      <p:sp>
+        <p:nvSpPr>
+          <p:cNvPr id="8" name="Rectangle 2"/>
+          <p:cNvSpPr>
+            <a:spLocks noChangeArrowheads="1"/>
+          </p:cNvSpPr>
+          <p:nvPr/>
+        </p:nvSpPr>
+        <p:spPr bwMode="auto">
+          <a:xfrm>
+            <a:off x="3038475" y="3200400"/>
+            <a:ext cx="12192000" cy="457200"/>
+          </a:xfrm>
+          <a:prstGeom prst="rect">
+            <a:avLst/>
+          </a:prstGeom>
+          <a:noFill/>
+          <a:ln>
+            <a:noFill/>
+          </a:ln>
+          <a:effectLst/>
+          <a:extLst>
+            <a:ext uri="{909E8E84-426E-40DD-AFC4-6F175D3DCCD1}">
+              <a14:hiddenFill xmlns:a14="http://schemas.microsoft.com/office/drawing/2010/main">
+                <a:solidFill>
+                  <a:schemeClr val="accent1"/>
+                </a:solidFill>
+              </a14:hiddenFill>
+            </a:ext>
+            <a:ext uri="{91240B29-F687-4F45-9708-019B960494DF}">
+              <a14:hiddenLine xmlns:a14="http://schemas.microsoft.com/office/drawing/2010/main" w="9525">
+                <a:solidFill>
+                  <a:schemeClr val="tx1"/>
+                </a:solidFill>
+                <a:miter lim="800000"/>
+                <a:headEnd/>
+                <a:tailEnd/>
+              </a14:hiddenLine>
+            </a:ext>
+            <a:ext uri="{AF507438-7753-43E0-B8FC-AC1667EBCBE1}">
+              <a14:hiddenEffects xmlns:a14="http://schemas.microsoft.com/office/drawing/2010/main">
+                <a:effectLst>
+                  <a:outerShdw dist="35921" dir="2700000" algn="ctr" rotWithShape="0">
+                    <a:schemeClr val="bg2"/>
+                  </a:outerShdw>
+                </a:effectLst>
+              </a14:hiddenEffects>
+            </a:ext>
+          </a:extLst>
+        </p:spPr>
+        <p:txBody>
+          <a:bodyPr vert="horz" wrap="none" lIns="91440" tIns="45720" rIns="91440" bIns="45720" numCol="1" anchor="ctr" anchorCtr="0" compatLnSpc="1">
+            <a:prstTxWarp prst="textNoShape">
+              <a:avLst/>
+            </a:prstTxWarp>
+            <a:spAutoFit/>
+          </a:bodyPr>
+          <a:lstStyle/>
+          <a:p>
+            <a:endParaRPr lang="ru-RU"/>
+          </a:p>
+        </p:txBody>
+      </p:sp>
+      <p:graphicFrame>
+        <p:nvGraphicFramePr>
+          <p:cNvPr id="19" name="Таблица 18"/>
+          <p:cNvGraphicFramePr>
+            <a:graphicFrameLocks noGrp="1"/>
+          </p:cNvGraphicFramePr>
+          <p:nvPr>
+            <p:extLst>
+              <p:ext uri="{D42A27DB-BD31-4B8C-83A1-F6EECF244321}">
+                <p14:modId xmlns:p14="http://schemas.microsoft.com/office/powerpoint/2010/main" val="2686929185"/>
+              </p:ext>
+            </p:extLst>
+          </p:nvPr>
+        </p:nvGraphicFramePr>
+        <p:xfrm>
+          <a:off x="1260194" y="1164587"/>
+          <a:ext cx="9153806" cy="4982213"/>
+        </p:xfrm>
+        <a:graphic>
+          <a:graphicData uri="http://schemas.openxmlformats.org/drawingml/2006/table">
+            <a:tbl>
+              <a:tblPr firstRow="1" firstCol="1" bandRow="1"/>
+              <a:tblGrid>
+                <a:gridCol w="3229692">
+                  <a:extLst>
+                    <a:ext uri="{9D8B030D-6E8A-4147-A177-3AD203B41FA5}">
+                      <a16:colId xmlns:a16="http://schemas.microsoft.com/office/drawing/2014/main" val="248292598"/>
+                    </a:ext>
+                  </a:extLst>
+                </a:gridCol>
+                <a:gridCol w="1483168">
+                  <a:extLst>
+                    <a:ext uri="{9D8B030D-6E8A-4147-A177-3AD203B41FA5}">
+                      <a16:colId xmlns:a16="http://schemas.microsoft.com/office/drawing/2014/main" val="171585513"/>
+                    </a:ext>
+                  </a:extLst>
+                </a:gridCol>
+                <a:gridCol w="1482217">
+                  <a:extLst>
+                    <a:ext uri="{9D8B030D-6E8A-4147-A177-3AD203B41FA5}">
+                      <a16:colId xmlns:a16="http://schemas.microsoft.com/office/drawing/2014/main" val="3960164039"/>
+                    </a:ext>
+                  </a:extLst>
+                </a:gridCol>
+                <a:gridCol w="1486971">
+                  <a:extLst>
+                    <a:ext uri="{9D8B030D-6E8A-4147-A177-3AD203B41FA5}">
+                      <a16:colId xmlns:a16="http://schemas.microsoft.com/office/drawing/2014/main" val="1071384753"/>
+                    </a:ext>
+                  </a:extLst>
+                </a:gridCol>
+                <a:gridCol w="1471758">
+                  <a:extLst>
+                    <a:ext uri="{9D8B030D-6E8A-4147-A177-3AD203B41FA5}">
+                      <a16:colId xmlns:a16="http://schemas.microsoft.com/office/drawing/2014/main" val="1244039849"/>
+                    </a:ext>
+                  </a:extLst>
+                </a:gridCol>
+              </a:tblGrid>
+              <a:tr h="995850">
+                <a:tc>
+                  <a:txBody>
+                    <a:bodyPr/>
+                    <a:lstStyle/>
+                    <a:p>
+                      <a:pPr>
+                        <a:lnSpc>
+                          <a:spcPct val="150000"/>
+                        </a:lnSpc>
+                        <a:spcAft>
+                          <a:spcPts val="0"/>
+                        </a:spcAft>
+                      </a:pPr>
+                      <a:r>
+                        <a:rPr lang="ru-RU" sz="1800" b="1" dirty="0">
+                          <a:effectLst/>
+                          <a:latin typeface="Times New Roman" panose="02020603050405020304" pitchFamily="18" charset="0"/>
+                          <a:cs typeface="Times New Roman" panose="02020603050405020304" pitchFamily="18" charset="0"/>
+                        </a:rPr>
+                        <a:t>                          </a:t>
+                      </a:r>
+                      <a:r>
+                        <a:rPr lang="ru-RU" sz="1800" b="1" dirty="0" smtClean="0">
+                          <a:effectLst/>
+                          <a:latin typeface="Times New Roman" panose="02020603050405020304" pitchFamily="18" charset="0"/>
+                          <a:cs typeface="Times New Roman" panose="02020603050405020304" pitchFamily="18" charset="0"/>
+                        </a:rPr>
+                        <a:t>        </a:t>
+                      </a:r>
+                      <a:r>
+                        <a:rPr lang="ru-RU" sz="1800" b="1" dirty="0">
+                          <a:effectLst/>
+                          <a:latin typeface="Times New Roman" panose="02020603050405020304" pitchFamily="18" charset="0"/>
+                          <a:cs typeface="Times New Roman" panose="02020603050405020304" pitchFamily="18" charset="0"/>
+                        </a:rPr>
+                        <a:t>Метрики </a:t>
+                      </a:r>
+                      <a:r>
+                        <a:rPr lang="ru-RU" sz="1800" b="1" dirty="0" smtClean="0">
+                          <a:effectLst/>
+                          <a:latin typeface="Times New Roman" panose="02020603050405020304" pitchFamily="18" charset="0"/>
+                          <a:cs typeface="Times New Roman" panose="02020603050405020304" pitchFamily="18" charset="0"/>
+                        </a:rPr>
+                        <a:t>       </a:t>
+                      </a:r>
+                      <a:endParaRPr lang="ru-RU" sz="1800" dirty="0">
+                        <a:effectLst/>
+                        <a:latin typeface="Times New Roman" panose="02020603050405020304" pitchFamily="18" charset="0"/>
+                        <a:cs typeface="Times New Roman" panose="02020603050405020304" pitchFamily="18" charset="0"/>
+                      </a:endParaRPr>
+                    </a:p>
+                  </a:txBody>
+                  <a:tcPr marL="68580" marR="68580" marT="0" marB="0">
+                    <a:lnL w="12700" cap="flat" cmpd="sng" algn="ctr">
+                      <a:solidFill>
+                        <a:srgbClr val="000000"/>
+                      </a:solidFill>
+                      <a:prstDash val="solid"/>
+                      <a:round/>
+                      <a:headEnd type="none" w="med" len="med"/>
+                      <a:tailEnd type="none" w="med" len="med"/>
+                    </a:lnL>
+                    <a:lnR w="12700" cap="flat" cmpd="sng" algn="ctr">
+                      <a:solidFill>
+                        <a:srgbClr val="000000"/>
+                      </a:solidFill>
+                      <a:prstDash val="solid"/>
+                      <a:round/>
+                      <a:headEnd type="none" w="med" len="med"/>
+                      <a:tailEnd type="none" w="med" len="med"/>
+                    </a:lnR>
+                    <a:lnT w="12700" cap="flat" cmpd="sng" algn="ctr">
+                      <a:solidFill>
+                        <a:srgbClr val="000000"/>
+                      </a:solidFill>
+                      <a:prstDash val="solid"/>
+                      <a:round/>
+                      <a:headEnd type="none" w="med" len="med"/>
+                      <a:tailEnd type="none" w="med" len="med"/>
+                    </a:lnT>
+                    <a:lnB w="12700" cap="flat" cmpd="sng" algn="ctr">
+                      <a:solidFill>
+                        <a:srgbClr val="000000"/>
+                      </a:solidFill>
+                      <a:prstDash val="solid"/>
+                      <a:round/>
+                      <a:headEnd type="none" w="med" len="med"/>
+                      <a:tailEnd type="none" w="med" len="med"/>
+                    </a:lnB>
+                  </a:tcPr>
+                </a:tc>
+                <a:tc>
+                  <a:txBody>
+                    <a:bodyPr/>
+                    <a:lstStyle/>
+                    <a:p>
+                      <a:pPr algn="ctr">
+                        <a:lnSpc>
+                          <a:spcPct val="150000"/>
+                        </a:lnSpc>
+                        <a:spcAft>
+                          <a:spcPts val="0"/>
+                        </a:spcAft>
+                      </a:pPr>
+                      <a:r>
+                        <a:rPr lang="ru-RU" sz="1800" b="1">
+                          <a:effectLst/>
+                          <a:latin typeface="Times New Roman" panose="02020603050405020304" pitchFamily="18" charset="0"/>
+                          <a:cs typeface="Times New Roman" panose="02020603050405020304" pitchFamily="18" charset="0"/>
+                        </a:rPr>
+                        <a:t>Accuracy</a:t>
+                      </a:r>
+                      <a:endParaRPr lang="ru-RU" sz="1800">
+                        <a:effectLst/>
+                        <a:latin typeface="Times New Roman" panose="02020603050405020304" pitchFamily="18" charset="0"/>
+                        <a:cs typeface="Times New Roman" panose="02020603050405020304" pitchFamily="18" charset="0"/>
+                      </a:endParaRPr>
+                    </a:p>
+                    <a:p>
+                      <a:pPr algn="ctr">
+                        <a:lnSpc>
+                          <a:spcPct val="150000"/>
+                        </a:lnSpc>
+                        <a:spcAft>
+                          <a:spcPts val="0"/>
+                        </a:spcAft>
+                      </a:pPr>
+                      <a:r>
+                        <a:rPr lang="en-US" sz="1800" b="1">
+                          <a:effectLst/>
+                          <a:latin typeface="Times New Roman" panose="02020603050405020304" pitchFamily="18" charset="0"/>
+                          <a:cs typeface="Times New Roman" panose="02020603050405020304" pitchFamily="18" charset="0"/>
+                        </a:rPr>
+                        <a:t>(</a:t>
+                      </a:r>
+                      <a:r>
+                        <a:rPr lang="ru-RU" sz="1800" b="1">
+                          <a:effectLst/>
+                          <a:latin typeface="Times New Roman" panose="02020603050405020304" pitchFamily="18" charset="0"/>
+                          <a:cs typeface="Times New Roman" panose="02020603050405020304" pitchFamily="18" charset="0"/>
+                        </a:rPr>
+                        <a:t>точность)</a:t>
+                      </a:r>
+                      <a:endParaRPr lang="ru-RU" sz="1800">
+                        <a:effectLst/>
+                        <a:latin typeface="Times New Roman" panose="02020603050405020304" pitchFamily="18" charset="0"/>
+                        <a:cs typeface="Times New Roman" panose="02020603050405020304" pitchFamily="18" charset="0"/>
+                      </a:endParaRPr>
+                    </a:p>
+                  </a:txBody>
+                  <a:tcPr marL="68580" marR="68580" marT="0" marB="0">
+                    <a:lnL w="12700" cap="flat" cmpd="sng" algn="ctr">
+                      <a:solidFill>
+                        <a:srgbClr val="000000"/>
+                      </a:solidFill>
+                      <a:prstDash val="solid"/>
+                      <a:round/>
+                      <a:headEnd type="none" w="med" len="med"/>
+                      <a:tailEnd type="none" w="med" len="med"/>
+                    </a:lnL>
+                    <a:lnR w="12700" cap="flat" cmpd="sng" algn="ctr">
+                      <a:solidFill>
+                        <a:srgbClr val="000000"/>
+                      </a:solidFill>
+                      <a:prstDash val="solid"/>
+                      <a:round/>
+                      <a:headEnd type="none" w="med" len="med"/>
+                      <a:tailEnd type="none" w="med" len="med"/>
+                    </a:lnR>
+                    <a:lnT w="12700" cap="flat" cmpd="sng" algn="ctr">
+                      <a:solidFill>
+                        <a:srgbClr val="000000"/>
+                      </a:solidFill>
+                      <a:prstDash val="solid"/>
+                      <a:round/>
+                      <a:headEnd type="none" w="med" len="med"/>
+                      <a:tailEnd type="none" w="med" len="med"/>
+                    </a:lnT>
+                    <a:lnB w="12700" cap="flat" cmpd="sng" algn="ctr">
+                      <a:solidFill>
+                        <a:srgbClr val="000000"/>
+                      </a:solidFill>
+                      <a:prstDash val="solid"/>
+                      <a:round/>
+                      <a:headEnd type="none" w="med" len="med"/>
+                      <a:tailEnd type="none" w="med" len="med"/>
+                    </a:lnB>
+                  </a:tcPr>
+                </a:tc>
+                <a:tc>
+                  <a:txBody>
+                    <a:bodyPr/>
+                    <a:lstStyle/>
+                    <a:p>
+                      <a:pPr algn="ctr">
+                        <a:lnSpc>
+                          <a:spcPct val="150000"/>
+                        </a:lnSpc>
+                        <a:spcAft>
+                          <a:spcPts val="0"/>
+                        </a:spcAft>
+                      </a:pPr>
+                      <a:r>
+                        <a:rPr lang="en-US" sz="1800" b="1">
+                          <a:effectLst/>
+                          <a:latin typeface="Times New Roman" panose="02020603050405020304" pitchFamily="18" charset="0"/>
+                          <a:cs typeface="Times New Roman" panose="02020603050405020304" pitchFamily="18" charset="0"/>
+                        </a:rPr>
+                        <a:t>Precision</a:t>
+                      </a:r>
+                      <a:endParaRPr lang="ru-RU" sz="1800">
+                        <a:effectLst/>
+                        <a:latin typeface="Times New Roman" panose="02020603050405020304" pitchFamily="18" charset="0"/>
+                        <a:cs typeface="Times New Roman" panose="02020603050405020304" pitchFamily="18" charset="0"/>
+                      </a:endParaRPr>
+                    </a:p>
+                    <a:p>
+                      <a:pPr algn="ctr">
+                        <a:lnSpc>
+                          <a:spcPct val="150000"/>
+                        </a:lnSpc>
+                        <a:spcAft>
+                          <a:spcPts val="0"/>
+                        </a:spcAft>
+                      </a:pPr>
+                      <a:r>
+                        <a:rPr lang="ru-RU" sz="1800" b="1">
+                          <a:effectLst/>
+                          <a:latin typeface="Times New Roman" panose="02020603050405020304" pitchFamily="18" charset="0"/>
+                          <a:cs typeface="Times New Roman" panose="02020603050405020304" pitchFamily="18" charset="0"/>
+                        </a:rPr>
+                        <a:t>(точность)</a:t>
+                      </a:r>
+                      <a:endParaRPr lang="ru-RU" sz="1800">
+                        <a:effectLst/>
+                        <a:latin typeface="Times New Roman" panose="02020603050405020304" pitchFamily="18" charset="0"/>
+                        <a:cs typeface="Times New Roman" panose="02020603050405020304" pitchFamily="18" charset="0"/>
+                      </a:endParaRPr>
+                    </a:p>
+                  </a:txBody>
+                  <a:tcPr marL="68580" marR="68580" marT="0" marB="0">
+                    <a:lnL w="12700" cap="flat" cmpd="sng" algn="ctr">
+                      <a:solidFill>
+                        <a:srgbClr val="000000"/>
+                      </a:solidFill>
+                      <a:prstDash val="solid"/>
+                      <a:round/>
+                      <a:headEnd type="none" w="med" len="med"/>
+                      <a:tailEnd type="none" w="med" len="med"/>
+                    </a:lnL>
+                    <a:lnR w="12700" cap="flat" cmpd="sng" algn="ctr">
+                      <a:solidFill>
+                        <a:srgbClr val="000000"/>
+                      </a:solidFill>
+                      <a:prstDash val="solid"/>
+                      <a:round/>
+                      <a:headEnd type="none" w="med" len="med"/>
+                      <a:tailEnd type="none" w="med" len="med"/>
+                    </a:lnR>
+                    <a:lnT w="12700" cap="flat" cmpd="sng" algn="ctr">
+                      <a:solidFill>
+                        <a:srgbClr val="000000"/>
+                      </a:solidFill>
+                      <a:prstDash val="solid"/>
+                      <a:round/>
+                      <a:headEnd type="none" w="med" len="med"/>
+                      <a:tailEnd type="none" w="med" len="med"/>
+                    </a:lnT>
+                    <a:lnB w="12700" cap="flat" cmpd="sng" algn="ctr">
+                      <a:solidFill>
+                        <a:srgbClr val="000000"/>
+                      </a:solidFill>
+                      <a:prstDash val="solid"/>
+                      <a:round/>
+                      <a:headEnd type="none" w="med" len="med"/>
+                      <a:tailEnd type="none" w="med" len="med"/>
+                    </a:lnB>
+                  </a:tcPr>
+                </a:tc>
+                <a:tc>
+                  <a:txBody>
+                    <a:bodyPr/>
+                    <a:lstStyle/>
+                    <a:p>
+                      <a:pPr algn="ctr">
+                        <a:lnSpc>
+                          <a:spcPct val="150000"/>
+                        </a:lnSpc>
+                        <a:spcAft>
+                          <a:spcPts val="0"/>
+                        </a:spcAft>
+                      </a:pPr>
+                      <a:r>
+                        <a:rPr lang="en-US" sz="1800" b="1">
+                          <a:effectLst/>
+                          <a:latin typeface="Times New Roman" panose="02020603050405020304" pitchFamily="18" charset="0"/>
+                          <a:cs typeface="Times New Roman" panose="02020603050405020304" pitchFamily="18" charset="0"/>
+                        </a:rPr>
+                        <a:t>Recall</a:t>
+                      </a:r>
+                      <a:endParaRPr lang="ru-RU" sz="1800">
+                        <a:effectLst/>
+                        <a:latin typeface="Times New Roman" panose="02020603050405020304" pitchFamily="18" charset="0"/>
+                        <a:cs typeface="Times New Roman" panose="02020603050405020304" pitchFamily="18" charset="0"/>
+                      </a:endParaRPr>
+                    </a:p>
+                    <a:p>
+                      <a:pPr algn="ctr">
+                        <a:lnSpc>
+                          <a:spcPct val="150000"/>
+                        </a:lnSpc>
+                        <a:spcAft>
+                          <a:spcPts val="0"/>
+                        </a:spcAft>
+                      </a:pPr>
+                      <a:r>
+                        <a:rPr lang="ru-RU" sz="1800" b="1">
+                          <a:effectLst/>
+                          <a:latin typeface="Times New Roman" panose="02020603050405020304" pitchFamily="18" charset="0"/>
+                          <a:cs typeface="Times New Roman" panose="02020603050405020304" pitchFamily="18" charset="0"/>
+                        </a:rPr>
+                        <a:t>(полнота)</a:t>
+                      </a:r>
+                      <a:endParaRPr lang="ru-RU" sz="1800">
+                        <a:effectLst/>
+                        <a:latin typeface="Times New Roman" panose="02020603050405020304" pitchFamily="18" charset="0"/>
+                        <a:cs typeface="Times New Roman" panose="02020603050405020304" pitchFamily="18" charset="0"/>
+                      </a:endParaRPr>
+                    </a:p>
+                  </a:txBody>
+                  <a:tcPr marL="68580" marR="68580" marT="0" marB="0">
+                    <a:lnL w="12700" cap="flat" cmpd="sng" algn="ctr">
+                      <a:solidFill>
+                        <a:srgbClr val="000000"/>
+                      </a:solidFill>
+                      <a:prstDash val="solid"/>
+                      <a:round/>
+                      <a:headEnd type="none" w="med" len="med"/>
+                      <a:tailEnd type="none" w="med" len="med"/>
+                    </a:lnL>
+                    <a:lnR w="12700" cap="flat" cmpd="sng" algn="ctr">
+                      <a:solidFill>
+                        <a:srgbClr val="000000"/>
+                      </a:solidFill>
+                      <a:prstDash val="solid"/>
+                      <a:round/>
+                      <a:headEnd type="none" w="med" len="med"/>
+                      <a:tailEnd type="none" w="med" len="med"/>
+                    </a:lnR>
+                    <a:lnT w="12700" cap="flat" cmpd="sng" algn="ctr">
+                      <a:solidFill>
+                        <a:srgbClr val="000000"/>
+                      </a:solidFill>
+                      <a:prstDash val="solid"/>
+                      <a:round/>
+                      <a:headEnd type="none" w="med" len="med"/>
+                      <a:tailEnd type="none" w="med" len="med"/>
+                    </a:lnT>
+                    <a:lnB w="12700" cap="flat" cmpd="sng" algn="ctr">
+                      <a:solidFill>
+                        <a:srgbClr val="000000"/>
+                      </a:solidFill>
+                      <a:prstDash val="solid"/>
+                      <a:round/>
+                      <a:headEnd type="none" w="med" len="med"/>
+                      <a:tailEnd type="none" w="med" len="med"/>
+                    </a:lnB>
+                  </a:tcPr>
+                </a:tc>
+                <a:tc>
+                  <a:txBody>
+                    <a:bodyPr/>
+                    <a:lstStyle/>
+                    <a:p>
+                      <a:pPr algn="ctr">
+                        <a:lnSpc>
+                          <a:spcPct val="150000"/>
+                        </a:lnSpc>
+                        <a:spcAft>
+                          <a:spcPts val="0"/>
+                        </a:spcAft>
+                      </a:pPr>
+                      <a:r>
+                        <a:rPr lang="ru-RU" sz="1800" b="1">
+                          <a:effectLst/>
+                          <a:latin typeface="Times New Roman" panose="02020603050405020304" pitchFamily="18" charset="0"/>
+                          <a:cs typeface="Times New Roman" panose="02020603050405020304" pitchFamily="18" charset="0"/>
+                        </a:rPr>
+                        <a:t>F-</a:t>
+                      </a:r>
+                      <a:r>
+                        <a:rPr lang="en-US" sz="1800" b="1">
+                          <a:effectLst/>
+                          <a:latin typeface="Times New Roman" panose="02020603050405020304" pitchFamily="18" charset="0"/>
+                          <a:cs typeface="Times New Roman" panose="02020603050405020304" pitchFamily="18" charset="0"/>
+                        </a:rPr>
+                        <a:t>measure</a:t>
+                      </a:r>
+                      <a:endParaRPr lang="ru-RU" sz="1800">
+                        <a:effectLst/>
+                        <a:latin typeface="Times New Roman" panose="02020603050405020304" pitchFamily="18" charset="0"/>
+                        <a:cs typeface="Times New Roman" panose="02020603050405020304" pitchFamily="18" charset="0"/>
+                      </a:endParaRPr>
+                    </a:p>
+                    <a:p>
+                      <a:pPr algn="ctr">
+                        <a:lnSpc>
+                          <a:spcPct val="150000"/>
+                        </a:lnSpc>
+                        <a:spcAft>
+                          <a:spcPts val="0"/>
+                        </a:spcAft>
+                      </a:pPr>
+                      <a:r>
+                        <a:rPr lang="ru-RU" sz="1800" b="1">
+                          <a:effectLst/>
+                          <a:latin typeface="Times New Roman" panose="02020603050405020304" pitchFamily="18" charset="0"/>
+                          <a:cs typeface="Times New Roman" panose="02020603050405020304" pitchFamily="18" charset="0"/>
+                        </a:rPr>
+                        <a:t>(</a:t>
+                      </a:r>
+                      <a:r>
+                        <a:rPr lang="en-US" sz="1800" b="1">
+                          <a:effectLst/>
+                          <a:latin typeface="Times New Roman" panose="02020603050405020304" pitchFamily="18" charset="0"/>
+                          <a:cs typeface="Times New Roman" panose="02020603050405020304" pitchFamily="18" charset="0"/>
+                        </a:rPr>
+                        <a:t>F-</a:t>
+                      </a:r>
+                      <a:r>
+                        <a:rPr lang="ru-RU" sz="1800" b="1">
+                          <a:effectLst/>
+                          <a:latin typeface="Times New Roman" panose="02020603050405020304" pitchFamily="18" charset="0"/>
+                          <a:cs typeface="Times New Roman" panose="02020603050405020304" pitchFamily="18" charset="0"/>
+                        </a:rPr>
+                        <a:t>мера)</a:t>
+                      </a:r>
+                      <a:endParaRPr lang="ru-RU" sz="1800">
+                        <a:effectLst/>
+                        <a:latin typeface="Times New Roman" panose="02020603050405020304" pitchFamily="18" charset="0"/>
+                        <a:cs typeface="Times New Roman" panose="02020603050405020304" pitchFamily="18" charset="0"/>
+                      </a:endParaRPr>
+                    </a:p>
+                  </a:txBody>
+                  <a:tcPr marL="68580" marR="68580" marT="0" marB="0">
+                    <a:lnL w="12700" cap="flat" cmpd="sng" algn="ctr">
+                      <a:solidFill>
+                        <a:srgbClr val="000000"/>
+                      </a:solidFill>
+                      <a:prstDash val="solid"/>
+                      <a:round/>
+                      <a:headEnd type="none" w="med" len="med"/>
+                      <a:tailEnd type="none" w="med" len="med"/>
+                    </a:lnL>
+                    <a:lnR w="12700" cap="flat" cmpd="sng" algn="ctr">
+                      <a:solidFill>
+                        <a:srgbClr val="000000"/>
+                      </a:solidFill>
+                      <a:prstDash val="solid"/>
+                      <a:round/>
+                      <a:headEnd type="none" w="med" len="med"/>
+                      <a:tailEnd type="none" w="med" len="med"/>
+                    </a:lnR>
+                    <a:lnT w="12700" cap="flat" cmpd="sng" algn="ctr">
+                      <a:solidFill>
+                        <a:srgbClr val="000000"/>
+                      </a:solidFill>
+                      <a:prstDash val="solid"/>
+                      <a:round/>
+                      <a:headEnd type="none" w="med" len="med"/>
+                      <a:tailEnd type="none" w="med" len="med"/>
+                    </a:lnT>
+                    <a:lnB w="12700" cap="flat" cmpd="sng" algn="ctr">
+                      <a:solidFill>
+                        <a:srgbClr val="000000"/>
+                      </a:solidFill>
+                      <a:prstDash val="solid"/>
+                      <a:round/>
+                      <a:headEnd type="none" w="med" len="med"/>
+                      <a:tailEnd type="none" w="med" len="med"/>
+                    </a:lnB>
+                  </a:tcPr>
+                </a:tc>
+                <a:extLst>
+                  <a:ext uri="{0D108BD9-81ED-4DB2-BD59-A6C34878D82A}">
+                    <a16:rowId xmlns:a16="http://schemas.microsoft.com/office/drawing/2014/main" val="4077754754"/>
+                  </a:ext>
+                </a:extLst>
+              </a:tr>
+              <a:tr h="995850">
+                <a:tc>
+                  <a:txBody>
+                    <a:bodyPr/>
+                    <a:lstStyle/>
+                    <a:p>
+                      <a:pPr algn="ctr">
+                        <a:lnSpc>
+                          <a:spcPct val="150000"/>
+                        </a:lnSpc>
+                        <a:spcAft>
+                          <a:spcPts val="0"/>
+                        </a:spcAft>
+                      </a:pPr>
+                      <a:r>
+                        <a:rPr lang="ru-RU" sz="1800" dirty="0">
+                          <a:effectLst/>
+                          <a:latin typeface="Times New Roman" panose="02020603050405020304" pitchFamily="18" charset="0"/>
+                          <a:cs typeface="Times New Roman" panose="02020603050405020304" pitchFamily="18" charset="0"/>
+                        </a:rPr>
+                        <a:t>Наивный байесовский классификатор</a:t>
+                      </a:r>
+                    </a:p>
+                  </a:txBody>
+                  <a:tcPr marL="68580" marR="68580" marT="0" marB="0">
+                    <a:lnL w="12700" cap="flat" cmpd="sng" algn="ctr">
+                      <a:solidFill>
+                        <a:srgbClr val="000000"/>
+                      </a:solidFill>
+                      <a:prstDash val="solid"/>
+                      <a:round/>
+                      <a:headEnd type="none" w="med" len="med"/>
+                      <a:tailEnd type="none" w="med" len="med"/>
+                    </a:lnL>
+                    <a:lnR w="12700" cap="flat" cmpd="sng" algn="ctr">
+                      <a:solidFill>
+                        <a:srgbClr val="000000"/>
+                      </a:solidFill>
+                      <a:prstDash val="solid"/>
+                      <a:round/>
+                      <a:headEnd type="none" w="med" len="med"/>
+                      <a:tailEnd type="none" w="med" len="med"/>
+                    </a:lnR>
+                    <a:lnT w="12700" cap="flat" cmpd="sng" algn="ctr">
+                      <a:solidFill>
+                        <a:srgbClr val="000000"/>
+                      </a:solidFill>
+                      <a:prstDash val="solid"/>
+                      <a:round/>
+                      <a:headEnd type="none" w="med" len="med"/>
+                      <a:tailEnd type="none" w="med" len="med"/>
+                    </a:lnT>
+                    <a:lnB w="12700" cap="flat" cmpd="sng" algn="ctr">
+                      <a:solidFill>
+                        <a:srgbClr val="000000"/>
+                      </a:solidFill>
+                      <a:prstDash val="solid"/>
+                      <a:round/>
+                      <a:headEnd type="none" w="med" len="med"/>
+                      <a:tailEnd type="none" w="med" len="med"/>
+                    </a:lnB>
+                  </a:tcPr>
+                </a:tc>
+                <a:tc>
+                  <a:txBody>
+                    <a:bodyPr/>
+                    <a:lstStyle/>
+                    <a:p>
+                      <a:pPr algn="ctr">
+                        <a:lnSpc>
+                          <a:spcPct val="150000"/>
+                        </a:lnSpc>
+                        <a:spcAft>
+                          <a:spcPts val="0"/>
+                        </a:spcAft>
+                      </a:pPr>
+                      <a:r>
+                        <a:rPr lang="ru-RU" sz="1800" dirty="0">
+                          <a:effectLst/>
+                          <a:latin typeface="Times New Roman" panose="02020603050405020304" pitchFamily="18" charset="0"/>
+                          <a:cs typeface="Times New Roman" panose="02020603050405020304" pitchFamily="18" charset="0"/>
+                        </a:rPr>
+                        <a:t>0.795</a:t>
+                      </a:r>
+                    </a:p>
+                  </a:txBody>
+                  <a:tcPr marL="68580" marR="68580" marT="0" marB="0">
+                    <a:lnL w="12700" cap="flat" cmpd="sng" algn="ctr">
+                      <a:solidFill>
+                        <a:srgbClr val="000000"/>
+                      </a:solidFill>
+                      <a:prstDash val="solid"/>
+                      <a:round/>
+                      <a:headEnd type="none" w="med" len="med"/>
+                      <a:tailEnd type="none" w="med" len="med"/>
+                    </a:lnL>
+                    <a:lnR w="12700" cap="flat" cmpd="sng" algn="ctr">
+                      <a:solidFill>
+                        <a:srgbClr val="000000"/>
+                      </a:solidFill>
+                      <a:prstDash val="solid"/>
+                      <a:round/>
+                      <a:headEnd type="none" w="med" len="med"/>
+                      <a:tailEnd type="none" w="med" len="med"/>
+                    </a:lnR>
+                    <a:lnT w="12700" cap="flat" cmpd="sng" algn="ctr">
+                      <a:solidFill>
+                        <a:srgbClr val="000000"/>
+                      </a:solidFill>
+                      <a:prstDash val="solid"/>
+                      <a:round/>
+                      <a:headEnd type="none" w="med" len="med"/>
+                      <a:tailEnd type="none" w="med" len="med"/>
+                    </a:lnT>
+                    <a:lnB w="12700" cap="flat" cmpd="sng" algn="ctr">
+                      <a:solidFill>
+                        <a:srgbClr val="000000"/>
+                      </a:solidFill>
+                      <a:prstDash val="solid"/>
+                      <a:round/>
+                      <a:headEnd type="none" w="med" len="med"/>
+                      <a:tailEnd type="none" w="med" len="med"/>
+                    </a:lnB>
+                  </a:tcPr>
+                </a:tc>
+                <a:tc>
+                  <a:txBody>
+                    <a:bodyPr/>
+                    <a:lstStyle/>
+                    <a:p>
+                      <a:pPr algn="ctr">
+                        <a:lnSpc>
+                          <a:spcPct val="150000"/>
+                        </a:lnSpc>
+                        <a:spcAft>
+                          <a:spcPts val="0"/>
+                        </a:spcAft>
+                      </a:pPr>
+                      <a:r>
+                        <a:rPr lang="ru-RU" sz="1800">
+                          <a:effectLst/>
+                          <a:latin typeface="Times New Roman" panose="02020603050405020304" pitchFamily="18" charset="0"/>
+                          <a:cs typeface="Times New Roman" panose="02020603050405020304" pitchFamily="18" charset="0"/>
+                        </a:rPr>
+                        <a:t>0.845</a:t>
+                      </a:r>
+                    </a:p>
+                  </a:txBody>
+                  <a:tcPr marL="68580" marR="68580" marT="0" marB="0">
+                    <a:lnL w="12700" cap="flat" cmpd="sng" algn="ctr">
+                      <a:solidFill>
+                        <a:srgbClr val="000000"/>
+                      </a:solidFill>
+                      <a:prstDash val="solid"/>
+                      <a:round/>
+                      <a:headEnd type="none" w="med" len="med"/>
+                      <a:tailEnd type="none" w="med" len="med"/>
+                    </a:lnL>
+                    <a:lnR w="12700" cap="flat" cmpd="sng" algn="ctr">
+                      <a:solidFill>
+                        <a:srgbClr val="000000"/>
+                      </a:solidFill>
+                      <a:prstDash val="solid"/>
+                      <a:round/>
+                      <a:headEnd type="none" w="med" len="med"/>
+                      <a:tailEnd type="none" w="med" len="med"/>
+                    </a:lnR>
+                    <a:lnT w="12700" cap="flat" cmpd="sng" algn="ctr">
+                      <a:solidFill>
+                        <a:srgbClr val="000000"/>
+                      </a:solidFill>
+                      <a:prstDash val="solid"/>
+                      <a:round/>
+                      <a:headEnd type="none" w="med" len="med"/>
+                      <a:tailEnd type="none" w="med" len="med"/>
+                    </a:lnT>
+                    <a:lnB w="12700" cap="flat" cmpd="sng" algn="ctr">
+                      <a:solidFill>
+                        <a:srgbClr val="000000"/>
+                      </a:solidFill>
+                      <a:prstDash val="solid"/>
+                      <a:round/>
+                      <a:headEnd type="none" w="med" len="med"/>
+                      <a:tailEnd type="none" w="med" len="med"/>
+                    </a:lnB>
+                  </a:tcPr>
+                </a:tc>
+                <a:tc>
+                  <a:txBody>
+                    <a:bodyPr/>
+                    <a:lstStyle/>
+                    <a:p>
+                      <a:pPr algn="ctr">
+                        <a:lnSpc>
+                          <a:spcPct val="150000"/>
+                        </a:lnSpc>
+                        <a:spcAft>
+                          <a:spcPts val="0"/>
+                        </a:spcAft>
+                      </a:pPr>
+                      <a:r>
+                        <a:rPr lang="ru-RU" sz="1800">
+                          <a:effectLst/>
+                          <a:latin typeface="Times New Roman" panose="02020603050405020304" pitchFamily="18" charset="0"/>
+                          <a:cs typeface="Times New Roman" panose="02020603050405020304" pitchFamily="18" charset="0"/>
+                        </a:rPr>
+                        <a:t>0.803</a:t>
+                      </a:r>
+                    </a:p>
+                  </a:txBody>
+                  <a:tcPr marL="68580" marR="68580" marT="0" marB="0">
+                    <a:lnL w="12700" cap="flat" cmpd="sng" algn="ctr">
+                      <a:solidFill>
+                        <a:srgbClr val="000000"/>
+                      </a:solidFill>
+                      <a:prstDash val="solid"/>
+                      <a:round/>
+                      <a:headEnd type="none" w="med" len="med"/>
+                      <a:tailEnd type="none" w="med" len="med"/>
+                    </a:lnL>
+                    <a:lnR w="12700" cap="flat" cmpd="sng" algn="ctr">
+                      <a:solidFill>
+                        <a:srgbClr val="000000"/>
+                      </a:solidFill>
+                      <a:prstDash val="solid"/>
+                      <a:round/>
+                      <a:headEnd type="none" w="med" len="med"/>
+                      <a:tailEnd type="none" w="med" len="med"/>
+                    </a:lnR>
+                    <a:lnT w="12700" cap="flat" cmpd="sng" algn="ctr">
+                      <a:solidFill>
+                        <a:srgbClr val="000000"/>
+                      </a:solidFill>
+                      <a:prstDash val="solid"/>
+                      <a:round/>
+                      <a:headEnd type="none" w="med" len="med"/>
+                      <a:tailEnd type="none" w="med" len="med"/>
+                    </a:lnT>
+                    <a:lnB w="12700" cap="flat" cmpd="sng" algn="ctr">
+                      <a:solidFill>
+                        <a:srgbClr val="000000"/>
+                      </a:solidFill>
+                      <a:prstDash val="solid"/>
+                      <a:round/>
+                      <a:headEnd type="none" w="med" len="med"/>
+                      <a:tailEnd type="none" w="med" len="med"/>
+                    </a:lnB>
+                  </a:tcPr>
+                </a:tc>
+                <a:tc>
+                  <a:txBody>
+                    <a:bodyPr/>
+                    <a:lstStyle/>
+                    <a:p>
+                      <a:pPr algn="ctr">
+                        <a:lnSpc>
+                          <a:spcPct val="150000"/>
+                        </a:lnSpc>
+                        <a:spcAft>
+                          <a:spcPts val="0"/>
+                        </a:spcAft>
+                      </a:pPr>
+                      <a:r>
+                        <a:rPr lang="ru-RU" sz="1800">
+                          <a:effectLst/>
+                          <a:latin typeface="Times New Roman" panose="02020603050405020304" pitchFamily="18" charset="0"/>
+                          <a:cs typeface="Times New Roman" panose="02020603050405020304" pitchFamily="18" charset="0"/>
+                        </a:rPr>
+                        <a:t>0.849</a:t>
+                      </a:r>
+                    </a:p>
+                  </a:txBody>
+                  <a:tcPr marL="68580" marR="68580" marT="0" marB="0">
+                    <a:lnL w="12700" cap="flat" cmpd="sng" algn="ctr">
+                      <a:solidFill>
+                        <a:srgbClr val="000000"/>
+                      </a:solidFill>
+                      <a:prstDash val="solid"/>
+                      <a:round/>
+                      <a:headEnd type="none" w="med" len="med"/>
+                      <a:tailEnd type="none" w="med" len="med"/>
+                    </a:lnL>
+                    <a:lnR w="12700" cap="flat" cmpd="sng" algn="ctr">
+                      <a:solidFill>
+                        <a:srgbClr val="000000"/>
+                      </a:solidFill>
+                      <a:prstDash val="solid"/>
+                      <a:round/>
+                      <a:headEnd type="none" w="med" len="med"/>
+                      <a:tailEnd type="none" w="med" len="med"/>
+                    </a:lnR>
+                    <a:lnT w="12700" cap="flat" cmpd="sng" algn="ctr">
+                      <a:solidFill>
+                        <a:srgbClr val="000000"/>
+                      </a:solidFill>
+                      <a:prstDash val="solid"/>
+                      <a:round/>
+                      <a:headEnd type="none" w="med" len="med"/>
+                      <a:tailEnd type="none" w="med" len="med"/>
+                    </a:lnT>
+                    <a:lnB w="12700" cap="flat" cmpd="sng" algn="ctr">
+                      <a:solidFill>
+                        <a:srgbClr val="000000"/>
+                      </a:solidFill>
+                      <a:prstDash val="solid"/>
+                      <a:round/>
+                      <a:headEnd type="none" w="med" len="med"/>
+                      <a:tailEnd type="none" w="med" len="med"/>
+                    </a:lnB>
+                  </a:tcPr>
+                </a:tc>
+                <a:extLst>
+                  <a:ext uri="{0D108BD9-81ED-4DB2-BD59-A6C34878D82A}">
+                    <a16:rowId xmlns:a16="http://schemas.microsoft.com/office/drawing/2014/main" val="2696664314"/>
+                  </a:ext>
+                </a:extLst>
+              </a:tr>
+              <a:tr h="500888">
+                <a:tc>
+                  <a:txBody>
+                    <a:bodyPr/>
+                    <a:lstStyle/>
+                    <a:p>
+                      <a:pPr algn="ctr">
+                        <a:lnSpc>
+                          <a:spcPct val="150000"/>
+                        </a:lnSpc>
+                        <a:spcAft>
+                          <a:spcPts val="0"/>
+                        </a:spcAft>
+                      </a:pPr>
+                      <a:r>
+                        <a:rPr lang="ru-RU" sz="1800">
+                          <a:effectLst/>
+                          <a:latin typeface="Times New Roman" panose="02020603050405020304" pitchFamily="18" charset="0"/>
+                          <a:cs typeface="Times New Roman" panose="02020603050405020304" pitchFamily="18" charset="0"/>
+                        </a:rPr>
+                        <a:t>Метод опорных векторов</a:t>
+                      </a:r>
+                    </a:p>
+                  </a:txBody>
+                  <a:tcPr marL="68580" marR="68580" marT="0" marB="0">
+                    <a:lnL w="12700" cap="flat" cmpd="sng" algn="ctr">
+                      <a:solidFill>
+                        <a:srgbClr val="000000"/>
+                      </a:solidFill>
+                      <a:prstDash val="solid"/>
+                      <a:round/>
+                      <a:headEnd type="none" w="med" len="med"/>
+                      <a:tailEnd type="none" w="med" len="med"/>
+                    </a:lnL>
+                    <a:lnR w="12700" cap="flat" cmpd="sng" algn="ctr">
+                      <a:solidFill>
+                        <a:srgbClr val="000000"/>
+                      </a:solidFill>
+                      <a:prstDash val="solid"/>
+                      <a:round/>
+                      <a:headEnd type="none" w="med" len="med"/>
+                      <a:tailEnd type="none" w="med" len="med"/>
+                    </a:lnR>
+                    <a:lnT w="12700" cap="flat" cmpd="sng" algn="ctr">
+                      <a:solidFill>
+                        <a:srgbClr val="000000"/>
+                      </a:solidFill>
+                      <a:prstDash val="solid"/>
+                      <a:round/>
+                      <a:headEnd type="none" w="med" len="med"/>
+                      <a:tailEnd type="none" w="med" len="med"/>
+                    </a:lnT>
+                    <a:lnB w="12700" cap="flat" cmpd="sng" algn="ctr">
+                      <a:solidFill>
+                        <a:srgbClr val="000000"/>
+                      </a:solidFill>
+                      <a:prstDash val="solid"/>
+                      <a:round/>
+                      <a:headEnd type="none" w="med" len="med"/>
+                      <a:tailEnd type="none" w="med" len="med"/>
+                    </a:lnB>
+                  </a:tcPr>
+                </a:tc>
+                <a:tc>
+                  <a:txBody>
+                    <a:bodyPr/>
+                    <a:lstStyle/>
+                    <a:p>
+                      <a:pPr algn="ctr">
+                        <a:lnSpc>
+                          <a:spcPct val="150000"/>
+                        </a:lnSpc>
+                        <a:spcAft>
+                          <a:spcPts val="0"/>
+                        </a:spcAft>
+                      </a:pPr>
+                      <a:r>
+                        <a:rPr lang="ru-RU" sz="1800" dirty="0">
+                          <a:effectLst/>
+                          <a:latin typeface="Times New Roman" panose="02020603050405020304" pitchFamily="18" charset="0"/>
+                          <a:cs typeface="Times New Roman" panose="02020603050405020304" pitchFamily="18" charset="0"/>
+                        </a:rPr>
+                        <a:t>0.841</a:t>
+                      </a:r>
+                    </a:p>
+                  </a:txBody>
+                  <a:tcPr marL="68580" marR="68580" marT="0" marB="0">
+                    <a:lnL w="12700" cap="flat" cmpd="sng" algn="ctr">
+                      <a:solidFill>
+                        <a:srgbClr val="000000"/>
+                      </a:solidFill>
+                      <a:prstDash val="solid"/>
+                      <a:round/>
+                      <a:headEnd type="none" w="med" len="med"/>
+                      <a:tailEnd type="none" w="med" len="med"/>
+                    </a:lnL>
+                    <a:lnR w="12700" cap="flat" cmpd="sng" algn="ctr">
+                      <a:solidFill>
+                        <a:srgbClr val="000000"/>
+                      </a:solidFill>
+                      <a:prstDash val="solid"/>
+                      <a:round/>
+                      <a:headEnd type="none" w="med" len="med"/>
+                      <a:tailEnd type="none" w="med" len="med"/>
+                    </a:lnR>
+                    <a:lnT w="12700" cap="flat" cmpd="sng" algn="ctr">
+                      <a:solidFill>
+                        <a:srgbClr val="000000"/>
+                      </a:solidFill>
+                      <a:prstDash val="solid"/>
+                      <a:round/>
+                      <a:headEnd type="none" w="med" len="med"/>
+                      <a:tailEnd type="none" w="med" len="med"/>
+                    </a:lnT>
+                    <a:lnB w="12700" cap="flat" cmpd="sng" algn="ctr">
+                      <a:solidFill>
+                        <a:srgbClr val="000000"/>
+                      </a:solidFill>
+                      <a:prstDash val="solid"/>
+                      <a:round/>
+                      <a:headEnd type="none" w="med" len="med"/>
+                      <a:tailEnd type="none" w="med" len="med"/>
+                    </a:lnB>
+                  </a:tcPr>
+                </a:tc>
+                <a:tc>
+                  <a:txBody>
+                    <a:bodyPr/>
+                    <a:lstStyle/>
+                    <a:p>
+                      <a:pPr algn="ctr">
+                        <a:lnSpc>
+                          <a:spcPct val="150000"/>
+                        </a:lnSpc>
+                        <a:spcAft>
+                          <a:spcPts val="0"/>
+                        </a:spcAft>
+                      </a:pPr>
+                      <a:r>
+                        <a:rPr lang="ru-RU" sz="1800" dirty="0">
+                          <a:effectLst/>
+                          <a:latin typeface="Times New Roman" panose="02020603050405020304" pitchFamily="18" charset="0"/>
+                          <a:cs typeface="Times New Roman" panose="02020603050405020304" pitchFamily="18" charset="0"/>
+                        </a:rPr>
+                        <a:t>0.901</a:t>
+                      </a:r>
+                    </a:p>
+                  </a:txBody>
+                  <a:tcPr marL="68580" marR="68580" marT="0" marB="0">
+                    <a:lnL w="12700" cap="flat" cmpd="sng" algn="ctr">
+                      <a:solidFill>
+                        <a:srgbClr val="000000"/>
+                      </a:solidFill>
+                      <a:prstDash val="solid"/>
+                      <a:round/>
+                      <a:headEnd type="none" w="med" len="med"/>
+                      <a:tailEnd type="none" w="med" len="med"/>
+                    </a:lnL>
+                    <a:lnR w="12700" cap="flat" cmpd="sng" algn="ctr">
+                      <a:solidFill>
+                        <a:srgbClr val="000000"/>
+                      </a:solidFill>
+                      <a:prstDash val="solid"/>
+                      <a:round/>
+                      <a:headEnd type="none" w="med" len="med"/>
+                      <a:tailEnd type="none" w="med" len="med"/>
+                    </a:lnR>
+                    <a:lnT w="12700" cap="flat" cmpd="sng" algn="ctr">
+                      <a:solidFill>
+                        <a:srgbClr val="000000"/>
+                      </a:solidFill>
+                      <a:prstDash val="solid"/>
+                      <a:round/>
+                      <a:headEnd type="none" w="med" len="med"/>
+                      <a:tailEnd type="none" w="med" len="med"/>
+                    </a:lnT>
+                    <a:lnB w="12700" cap="flat" cmpd="sng" algn="ctr">
+                      <a:solidFill>
+                        <a:srgbClr val="000000"/>
+                      </a:solidFill>
+                      <a:prstDash val="solid"/>
+                      <a:round/>
+                      <a:headEnd type="none" w="med" len="med"/>
+                      <a:tailEnd type="none" w="med" len="med"/>
+                    </a:lnB>
+                  </a:tcPr>
+                </a:tc>
+                <a:tc>
+                  <a:txBody>
+                    <a:bodyPr/>
+                    <a:lstStyle/>
+                    <a:p>
+                      <a:pPr algn="ctr">
+                        <a:lnSpc>
+                          <a:spcPct val="150000"/>
+                        </a:lnSpc>
+                        <a:spcAft>
+                          <a:spcPts val="0"/>
+                        </a:spcAft>
+                      </a:pPr>
+                      <a:r>
+                        <a:rPr lang="ru-RU" sz="1800">
+                          <a:effectLst/>
+                          <a:latin typeface="Times New Roman" panose="02020603050405020304" pitchFamily="18" charset="0"/>
+                          <a:cs typeface="Times New Roman" panose="02020603050405020304" pitchFamily="18" charset="0"/>
+                        </a:rPr>
+                        <a:t>0.879</a:t>
+                      </a:r>
+                    </a:p>
+                  </a:txBody>
+                  <a:tcPr marL="68580" marR="68580" marT="0" marB="0">
+                    <a:lnL w="12700" cap="flat" cmpd="sng" algn="ctr">
+                      <a:solidFill>
+                        <a:srgbClr val="000000"/>
+                      </a:solidFill>
+                      <a:prstDash val="solid"/>
+                      <a:round/>
+                      <a:headEnd type="none" w="med" len="med"/>
+                      <a:tailEnd type="none" w="med" len="med"/>
+                    </a:lnL>
+                    <a:lnR w="12700" cap="flat" cmpd="sng" algn="ctr">
+                      <a:solidFill>
+                        <a:srgbClr val="000000"/>
+                      </a:solidFill>
+                      <a:prstDash val="solid"/>
+                      <a:round/>
+                      <a:headEnd type="none" w="med" len="med"/>
+                      <a:tailEnd type="none" w="med" len="med"/>
+                    </a:lnR>
+                    <a:lnT w="12700" cap="flat" cmpd="sng" algn="ctr">
+                      <a:solidFill>
+                        <a:srgbClr val="000000"/>
+                      </a:solidFill>
+                      <a:prstDash val="solid"/>
+                      <a:round/>
+                      <a:headEnd type="none" w="med" len="med"/>
+                      <a:tailEnd type="none" w="med" len="med"/>
+                    </a:lnT>
+                    <a:lnB w="12700" cap="flat" cmpd="sng" algn="ctr">
+                      <a:solidFill>
+                        <a:srgbClr val="000000"/>
+                      </a:solidFill>
+                      <a:prstDash val="solid"/>
+                      <a:round/>
+                      <a:headEnd type="none" w="med" len="med"/>
+                      <a:tailEnd type="none" w="med" len="med"/>
+                    </a:lnB>
+                  </a:tcPr>
+                </a:tc>
+                <a:tc>
+                  <a:txBody>
+                    <a:bodyPr/>
+                    <a:lstStyle/>
+                    <a:p>
+                      <a:pPr algn="ctr">
+                        <a:lnSpc>
+                          <a:spcPct val="150000"/>
+                        </a:lnSpc>
+                        <a:spcAft>
+                          <a:spcPts val="0"/>
+                        </a:spcAft>
+                      </a:pPr>
+                      <a:r>
+                        <a:rPr lang="ru-RU" sz="1800">
+                          <a:effectLst/>
+                          <a:latin typeface="Times New Roman" panose="02020603050405020304" pitchFamily="18" charset="0"/>
+                          <a:cs typeface="Times New Roman" panose="02020603050405020304" pitchFamily="18" charset="0"/>
+                        </a:rPr>
+                        <a:t>0.902</a:t>
+                      </a:r>
+                    </a:p>
+                  </a:txBody>
+                  <a:tcPr marL="68580" marR="68580" marT="0" marB="0">
+                    <a:lnL w="12700" cap="flat" cmpd="sng" algn="ctr">
+                      <a:solidFill>
+                        <a:srgbClr val="000000"/>
+                      </a:solidFill>
+                      <a:prstDash val="solid"/>
+                      <a:round/>
+                      <a:headEnd type="none" w="med" len="med"/>
+                      <a:tailEnd type="none" w="med" len="med"/>
+                    </a:lnL>
+                    <a:lnR w="12700" cap="flat" cmpd="sng" algn="ctr">
+                      <a:solidFill>
+                        <a:srgbClr val="000000"/>
+                      </a:solidFill>
+                      <a:prstDash val="solid"/>
+                      <a:round/>
+                      <a:headEnd type="none" w="med" len="med"/>
+                      <a:tailEnd type="none" w="med" len="med"/>
+                    </a:lnR>
+                    <a:lnT w="12700" cap="flat" cmpd="sng" algn="ctr">
+                      <a:solidFill>
+                        <a:srgbClr val="000000"/>
+                      </a:solidFill>
+                      <a:prstDash val="solid"/>
+                      <a:round/>
+                      <a:headEnd type="none" w="med" len="med"/>
+                      <a:tailEnd type="none" w="med" len="med"/>
+                    </a:lnT>
+                    <a:lnB w="12700" cap="flat" cmpd="sng" algn="ctr">
+                      <a:solidFill>
+                        <a:srgbClr val="000000"/>
+                      </a:solidFill>
+                      <a:prstDash val="solid"/>
+                      <a:round/>
+                      <a:headEnd type="none" w="med" len="med"/>
+                      <a:tailEnd type="none" w="med" len="med"/>
+                    </a:lnB>
+                  </a:tcPr>
+                </a:tc>
+                <a:extLst>
+                  <a:ext uri="{0D108BD9-81ED-4DB2-BD59-A6C34878D82A}">
+                    <a16:rowId xmlns:a16="http://schemas.microsoft.com/office/drawing/2014/main" val="2525730625"/>
+                  </a:ext>
+                </a:extLst>
+              </a:tr>
+              <a:tr h="497925">
+                <a:tc>
+                  <a:txBody>
+                    <a:bodyPr/>
+                    <a:lstStyle/>
+                    <a:p>
+                      <a:pPr algn="ctr">
+                        <a:lnSpc>
+                          <a:spcPct val="150000"/>
+                        </a:lnSpc>
+                        <a:spcAft>
+                          <a:spcPts val="0"/>
+                        </a:spcAft>
+                      </a:pPr>
+                      <a:r>
+                        <a:rPr lang="ru-RU" sz="1800">
+                          <a:effectLst/>
+                          <a:latin typeface="Times New Roman" panose="02020603050405020304" pitchFamily="18" charset="0"/>
+                          <a:cs typeface="Times New Roman" panose="02020603050405020304" pitchFamily="18" charset="0"/>
+                        </a:rPr>
+                        <a:t>Дерево решений</a:t>
+                      </a:r>
+                    </a:p>
+                  </a:txBody>
+                  <a:tcPr marL="68580" marR="68580" marT="0" marB="0">
+                    <a:lnL w="12700" cap="flat" cmpd="sng" algn="ctr">
+                      <a:solidFill>
+                        <a:srgbClr val="000000"/>
+                      </a:solidFill>
+                      <a:prstDash val="solid"/>
+                      <a:round/>
+                      <a:headEnd type="none" w="med" len="med"/>
+                      <a:tailEnd type="none" w="med" len="med"/>
+                    </a:lnL>
+                    <a:lnR w="12700" cap="flat" cmpd="sng" algn="ctr">
+                      <a:solidFill>
+                        <a:srgbClr val="000000"/>
+                      </a:solidFill>
+                      <a:prstDash val="solid"/>
+                      <a:round/>
+                      <a:headEnd type="none" w="med" len="med"/>
+                      <a:tailEnd type="none" w="med" len="med"/>
+                    </a:lnR>
+                    <a:lnT w="12700" cap="flat" cmpd="sng" algn="ctr">
+                      <a:solidFill>
+                        <a:srgbClr val="000000"/>
+                      </a:solidFill>
+                      <a:prstDash val="solid"/>
+                      <a:round/>
+                      <a:headEnd type="none" w="med" len="med"/>
+                      <a:tailEnd type="none" w="med" len="med"/>
+                    </a:lnT>
+                    <a:lnB w="12700" cap="flat" cmpd="sng" algn="ctr">
+                      <a:solidFill>
+                        <a:srgbClr val="000000"/>
+                      </a:solidFill>
+                      <a:prstDash val="solid"/>
+                      <a:round/>
+                      <a:headEnd type="none" w="med" len="med"/>
+                      <a:tailEnd type="none" w="med" len="med"/>
+                    </a:lnB>
+                  </a:tcPr>
+                </a:tc>
+                <a:tc>
+                  <a:txBody>
+                    <a:bodyPr/>
+                    <a:lstStyle/>
+                    <a:p>
+                      <a:pPr algn="ctr">
+                        <a:lnSpc>
+                          <a:spcPct val="150000"/>
+                        </a:lnSpc>
+                        <a:spcAft>
+                          <a:spcPts val="0"/>
+                        </a:spcAft>
+                      </a:pPr>
+                      <a:r>
+                        <a:rPr lang="ru-RU" sz="1800">
+                          <a:effectLst/>
+                          <a:latin typeface="Times New Roman" panose="02020603050405020304" pitchFamily="18" charset="0"/>
+                          <a:cs typeface="Times New Roman" panose="02020603050405020304" pitchFamily="18" charset="0"/>
+                        </a:rPr>
+                        <a:t>0.823</a:t>
+                      </a:r>
+                    </a:p>
+                  </a:txBody>
+                  <a:tcPr marL="68580" marR="68580" marT="0" marB="0">
+                    <a:lnL w="12700" cap="flat" cmpd="sng" algn="ctr">
+                      <a:solidFill>
+                        <a:srgbClr val="000000"/>
+                      </a:solidFill>
+                      <a:prstDash val="solid"/>
+                      <a:round/>
+                      <a:headEnd type="none" w="med" len="med"/>
+                      <a:tailEnd type="none" w="med" len="med"/>
+                    </a:lnL>
+                    <a:lnR w="12700" cap="flat" cmpd="sng" algn="ctr">
+                      <a:solidFill>
+                        <a:srgbClr val="000000"/>
+                      </a:solidFill>
+                      <a:prstDash val="solid"/>
+                      <a:round/>
+                      <a:headEnd type="none" w="med" len="med"/>
+                      <a:tailEnd type="none" w="med" len="med"/>
+                    </a:lnR>
+                    <a:lnT w="12700" cap="flat" cmpd="sng" algn="ctr">
+                      <a:solidFill>
+                        <a:srgbClr val="000000"/>
+                      </a:solidFill>
+                      <a:prstDash val="solid"/>
+                      <a:round/>
+                      <a:headEnd type="none" w="med" len="med"/>
+                      <a:tailEnd type="none" w="med" len="med"/>
+                    </a:lnT>
+                    <a:lnB w="12700" cap="flat" cmpd="sng" algn="ctr">
+                      <a:solidFill>
+                        <a:srgbClr val="000000"/>
+                      </a:solidFill>
+                      <a:prstDash val="solid"/>
+                      <a:round/>
+                      <a:headEnd type="none" w="med" len="med"/>
+                      <a:tailEnd type="none" w="med" len="med"/>
+                    </a:lnB>
+                  </a:tcPr>
+                </a:tc>
+                <a:tc>
+                  <a:txBody>
+                    <a:bodyPr/>
+                    <a:lstStyle/>
+                    <a:p>
+                      <a:pPr algn="ctr">
+                        <a:lnSpc>
+                          <a:spcPct val="150000"/>
+                        </a:lnSpc>
+                        <a:spcAft>
+                          <a:spcPts val="0"/>
+                        </a:spcAft>
+                      </a:pPr>
+                      <a:r>
+                        <a:rPr lang="ru-RU" sz="1800" dirty="0">
+                          <a:effectLst/>
+                          <a:latin typeface="Times New Roman" panose="02020603050405020304" pitchFamily="18" charset="0"/>
+                          <a:cs typeface="Times New Roman" panose="02020603050405020304" pitchFamily="18" charset="0"/>
+                        </a:rPr>
+                        <a:t>0.845</a:t>
+                      </a:r>
+                    </a:p>
+                  </a:txBody>
+                  <a:tcPr marL="68580" marR="68580" marT="0" marB="0">
+                    <a:lnL w="12700" cap="flat" cmpd="sng" algn="ctr">
+                      <a:solidFill>
+                        <a:srgbClr val="000000"/>
+                      </a:solidFill>
+                      <a:prstDash val="solid"/>
+                      <a:round/>
+                      <a:headEnd type="none" w="med" len="med"/>
+                      <a:tailEnd type="none" w="med" len="med"/>
+                    </a:lnL>
+                    <a:lnR w="12700" cap="flat" cmpd="sng" algn="ctr">
+                      <a:solidFill>
+                        <a:srgbClr val="000000"/>
+                      </a:solidFill>
+                      <a:prstDash val="solid"/>
+                      <a:round/>
+                      <a:headEnd type="none" w="med" len="med"/>
+                      <a:tailEnd type="none" w="med" len="med"/>
+                    </a:lnR>
+                    <a:lnT w="12700" cap="flat" cmpd="sng" algn="ctr">
+                      <a:solidFill>
+                        <a:srgbClr val="000000"/>
+                      </a:solidFill>
+                      <a:prstDash val="solid"/>
+                      <a:round/>
+                      <a:headEnd type="none" w="med" len="med"/>
+                      <a:tailEnd type="none" w="med" len="med"/>
+                    </a:lnT>
+                    <a:lnB w="12700" cap="flat" cmpd="sng" algn="ctr">
+                      <a:solidFill>
+                        <a:srgbClr val="000000"/>
+                      </a:solidFill>
+                      <a:prstDash val="solid"/>
+                      <a:round/>
+                      <a:headEnd type="none" w="med" len="med"/>
+                      <a:tailEnd type="none" w="med" len="med"/>
+                    </a:lnB>
+                  </a:tcPr>
+                </a:tc>
+                <a:tc>
+                  <a:txBody>
+                    <a:bodyPr/>
+                    <a:lstStyle/>
+                    <a:p>
+                      <a:pPr algn="ctr">
+                        <a:lnSpc>
+                          <a:spcPct val="150000"/>
+                        </a:lnSpc>
+                        <a:spcAft>
+                          <a:spcPts val="0"/>
+                        </a:spcAft>
+                      </a:pPr>
+                      <a:r>
+                        <a:rPr lang="ru-RU" sz="1800">
+                          <a:effectLst/>
+                          <a:latin typeface="Times New Roman" panose="02020603050405020304" pitchFamily="18" charset="0"/>
+                          <a:cs typeface="Times New Roman" panose="02020603050405020304" pitchFamily="18" charset="0"/>
+                        </a:rPr>
+                        <a:t>0.878</a:t>
+                      </a:r>
+                    </a:p>
+                  </a:txBody>
+                  <a:tcPr marL="68580" marR="68580" marT="0" marB="0">
+                    <a:lnL w="12700" cap="flat" cmpd="sng" algn="ctr">
+                      <a:solidFill>
+                        <a:srgbClr val="000000"/>
+                      </a:solidFill>
+                      <a:prstDash val="solid"/>
+                      <a:round/>
+                      <a:headEnd type="none" w="med" len="med"/>
+                      <a:tailEnd type="none" w="med" len="med"/>
+                    </a:lnL>
+                    <a:lnR w="12700" cap="flat" cmpd="sng" algn="ctr">
+                      <a:solidFill>
+                        <a:srgbClr val="000000"/>
+                      </a:solidFill>
+                      <a:prstDash val="solid"/>
+                      <a:round/>
+                      <a:headEnd type="none" w="med" len="med"/>
+                      <a:tailEnd type="none" w="med" len="med"/>
+                    </a:lnR>
+                    <a:lnT w="12700" cap="flat" cmpd="sng" algn="ctr">
+                      <a:solidFill>
+                        <a:srgbClr val="000000"/>
+                      </a:solidFill>
+                      <a:prstDash val="solid"/>
+                      <a:round/>
+                      <a:headEnd type="none" w="med" len="med"/>
+                      <a:tailEnd type="none" w="med" len="med"/>
+                    </a:lnT>
+                    <a:lnB w="12700" cap="flat" cmpd="sng" algn="ctr">
+                      <a:solidFill>
+                        <a:srgbClr val="000000"/>
+                      </a:solidFill>
+                      <a:prstDash val="solid"/>
+                      <a:round/>
+                      <a:headEnd type="none" w="med" len="med"/>
+                      <a:tailEnd type="none" w="med" len="med"/>
+                    </a:lnB>
+                  </a:tcPr>
+                </a:tc>
+                <a:tc>
+                  <a:txBody>
+                    <a:bodyPr/>
+                    <a:lstStyle/>
+                    <a:p>
+                      <a:pPr algn="ctr">
+                        <a:lnSpc>
+                          <a:spcPct val="150000"/>
+                        </a:lnSpc>
+                        <a:spcAft>
+                          <a:spcPts val="0"/>
+                        </a:spcAft>
+                      </a:pPr>
+                      <a:r>
+                        <a:rPr lang="ru-RU" sz="1800">
+                          <a:effectLst/>
+                          <a:latin typeface="Times New Roman" panose="02020603050405020304" pitchFamily="18" charset="0"/>
+                          <a:cs typeface="Times New Roman" panose="02020603050405020304" pitchFamily="18" charset="0"/>
+                        </a:rPr>
+                        <a:t>0.889</a:t>
+                      </a:r>
+                    </a:p>
+                  </a:txBody>
+                  <a:tcPr marL="68580" marR="68580" marT="0" marB="0">
+                    <a:lnL w="12700" cap="flat" cmpd="sng" algn="ctr">
+                      <a:solidFill>
+                        <a:srgbClr val="000000"/>
+                      </a:solidFill>
+                      <a:prstDash val="solid"/>
+                      <a:round/>
+                      <a:headEnd type="none" w="med" len="med"/>
+                      <a:tailEnd type="none" w="med" len="med"/>
+                    </a:lnL>
+                    <a:lnR w="12700" cap="flat" cmpd="sng" algn="ctr">
+                      <a:solidFill>
+                        <a:srgbClr val="000000"/>
+                      </a:solidFill>
+                      <a:prstDash val="solid"/>
+                      <a:round/>
+                      <a:headEnd type="none" w="med" len="med"/>
+                      <a:tailEnd type="none" w="med" len="med"/>
+                    </a:lnR>
+                    <a:lnT w="12700" cap="flat" cmpd="sng" algn="ctr">
+                      <a:solidFill>
+                        <a:srgbClr val="000000"/>
+                      </a:solidFill>
+                      <a:prstDash val="solid"/>
+                      <a:round/>
+                      <a:headEnd type="none" w="med" len="med"/>
+                      <a:tailEnd type="none" w="med" len="med"/>
+                    </a:lnT>
+                    <a:lnB w="12700" cap="flat" cmpd="sng" algn="ctr">
+                      <a:solidFill>
+                        <a:srgbClr val="000000"/>
+                      </a:solidFill>
+                      <a:prstDash val="solid"/>
+                      <a:round/>
+                      <a:headEnd type="none" w="med" len="med"/>
+                      <a:tailEnd type="none" w="med" len="med"/>
+                    </a:lnB>
+                  </a:tcPr>
+                </a:tc>
+                <a:extLst>
+                  <a:ext uri="{0D108BD9-81ED-4DB2-BD59-A6C34878D82A}">
+                    <a16:rowId xmlns:a16="http://schemas.microsoft.com/office/drawing/2014/main" val="1539215590"/>
+                  </a:ext>
+                </a:extLst>
+              </a:tr>
+              <a:tr h="497925">
+                <a:tc>
+                  <a:txBody>
+                    <a:bodyPr/>
+                    <a:lstStyle/>
+                    <a:p>
+                      <a:pPr algn="ctr">
+                        <a:lnSpc>
+                          <a:spcPct val="150000"/>
+                        </a:lnSpc>
+                        <a:spcAft>
+                          <a:spcPts val="0"/>
+                        </a:spcAft>
+                      </a:pPr>
+                      <a:r>
+                        <a:rPr lang="ru-RU" sz="1800">
+                          <a:effectLst/>
+                          <a:latin typeface="Times New Roman" panose="02020603050405020304" pitchFamily="18" charset="0"/>
+                          <a:cs typeface="Times New Roman" panose="02020603050405020304" pitchFamily="18" charset="0"/>
+                        </a:rPr>
+                        <a:t>Случайный лес</a:t>
+                      </a:r>
+                    </a:p>
+                  </a:txBody>
+                  <a:tcPr marL="68580" marR="68580" marT="0" marB="0">
+                    <a:lnL w="12700" cap="flat" cmpd="sng" algn="ctr">
+                      <a:solidFill>
+                        <a:srgbClr val="000000"/>
+                      </a:solidFill>
+                      <a:prstDash val="solid"/>
+                      <a:round/>
+                      <a:headEnd type="none" w="med" len="med"/>
+                      <a:tailEnd type="none" w="med" len="med"/>
+                    </a:lnL>
+                    <a:lnR w="12700" cap="flat" cmpd="sng" algn="ctr">
+                      <a:solidFill>
+                        <a:srgbClr val="000000"/>
+                      </a:solidFill>
+                      <a:prstDash val="solid"/>
+                      <a:round/>
+                      <a:headEnd type="none" w="med" len="med"/>
+                      <a:tailEnd type="none" w="med" len="med"/>
+                    </a:lnR>
+                    <a:lnT w="12700" cap="flat" cmpd="sng" algn="ctr">
+                      <a:solidFill>
+                        <a:srgbClr val="000000"/>
+                      </a:solidFill>
+                      <a:prstDash val="solid"/>
+                      <a:round/>
+                      <a:headEnd type="none" w="med" len="med"/>
+                      <a:tailEnd type="none" w="med" len="med"/>
+                    </a:lnT>
+                    <a:lnB w="12700" cap="flat" cmpd="sng" algn="ctr">
+                      <a:solidFill>
+                        <a:srgbClr val="000000"/>
+                      </a:solidFill>
+                      <a:prstDash val="solid"/>
+                      <a:round/>
+                      <a:headEnd type="none" w="med" len="med"/>
+                      <a:tailEnd type="none" w="med" len="med"/>
+                    </a:lnB>
+                  </a:tcPr>
+                </a:tc>
+                <a:tc>
+                  <a:txBody>
+                    <a:bodyPr/>
+                    <a:lstStyle/>
+                    <a:p>
+                      <a:pPr algn="ctr">
+                        <a:lnSpc>
+                          <a:spcPct val="150000"/>
+                        </a:lnSpc>
+                        <a:spcAft>
+                          <a:spcPts val="0"/>
+                        </a:spcAft>
+                      </a:pPr>
+                      <a:r>
+                        <a:rPr lang="ru-RU" sz="1800">
+                          <a:effectLst/>
+                          <a:latin typeface="Times New Roman" panose="02020603050405020304" pitchFamily="18" charset="0"/>
+                          <a:cs typeface="Times New Roman" panose="02020603050405020304" pitchFamily="18" charset="0"/>
+                        </a:rPr>
+                        <a:t>0.845</a:t>
+                      </a:r>
+                    </a:p>
+                  </a:txBody>
+                  <a:tcPr marL="68580" marR="68580" marT="0" marB="0">
+                    <a:lnL w="12700" cap="flat" cmpd="sng" algn="ctr">
+                      <a:solidFill>
+                        <a:srgbClr val="000000"/>
+                      </a:solidFill>
+                      <a:prstDash val="solid"/>
+                      <a:round/>
+                      <a:headEnd type="none" w="med" len="med"/>
+                      <a:tailEnd type="none" w="med" len="med"/>
+                    </a:lnL>
+                    <a:lnR w="12700" cap="flat" cmpd="sng" algn="ctr">
+                      <a:solidFill>
+                        <a:srgbClr val="000000"/>
+                      </a:solidFill>
+                      <a:prstDash val="solid"/>
+                      <a:round/>
+                      <a:headEnd type="none" w="med" len="med"/>
+                      <a:tailEnd type="none" w="med" len="med"/>
+                    </a:lnR>
+                    <a:lnT w="12700" cap="flat" cmpd="sng" algn="ctr">
+                      <a:solidFill>
+                        <a:srgbClr val="000000"/>
+                      </a:solidFill>
+                      <a:prstDash val="solid"/>
+                      <a:round/>
+                      <a:headEnd type="none" w="med" len="med"/>
+                      <a:tailEnd type="none" w="med" len="med"/>
+                    </a:lnT>
+                    <a:lnB w="12700" cap="flat" cmpd="sng" algn="ctr">
+                      <a:solidFill>
+                        <a:srgbClr val="000000"/>
+                      </a:solidFill>
+                      <a:prstDash val="solid"/>
+                      <a:round/>
+                      <a:headEnd type="none" w="med" len="med"/>
+                      <a:tailEnd type="none" w="med" len="med"/>
+                    </a:lnB>
+                  </a:tcPr>
+                </a:tc>
+                <a:tc>
+                  <a:txBody>
+                    <a:bodyPr/>
+                    <a:lstStyle/>
+                    <a:p>
+                      <a:pPr algn="ctr">
+                        <a:lnSpc>
+                          <a:spcPct val="150000"/>
+                        </a:lnSpc>
+                        <a:spcAft>
+                          <a:spcPts val="0"/>
+                        </a:spcAft>
+                      </a:pPr>
+                      <a:r>
+                        <a:rPr lang="ru-RU" sz="1800">
+                          <a:effectLst/>
+                          <a:latin typeface="Times New Roman" panose="02020603050405020304" pitchFamily="18" charset="0"/>
+                          <a:cs typeface="Times New Roman" panose="02020603050405020304" pitchFamily="18" charset="0"/>
+                        </a:rPr>
+                        <a:t>0.859</a:t>
+                      </a:r>
+                    </a:p>
+                  </a:txBody>
+                  <a:tcPr marL="68580" marR="68580" marT="0" marB="0">
+                    <a:lnL w="12700" cap="flat" cmpd="sng" algn="ctr">
+                      <a:solidFill>
+                        <a:srgbClr val="000000"/>
+                      </a:solidFill>
+                      <a:prstDash val="solid"/>
+                      <a:round/>
+                      <a:headEnd type="none" w="med" len="med"/>
+                      <a:tailEnd type="none" w="med" len="med"/>
+                    </a:lnL>
+                    <a:lnR w="12700" cap="flat" cmpd="sng" algn="ctr">
+                      <a:solidFill>
+                        <a:srgbClr val="000000"/>
+                      </a:solidFill>
+                      <a:prstDash val="solid"/>
+                      <a:round/>
+                      <a:headEnd type="none" w="med" len="med"/>
+                      <a:tailEnd type="none" w="med" len="med"/>
+                    </a:lnR>
+                    <a:lnT w="12700" cap="flat" cmpd="sng" algn="ctr">
+                      <a:solidFill>
+                        <a:srgbClr val="000000"/>
+                      </a:solidFill>
+                      <a:prstDash val="solid"/>
+                      <a:round/>
+                      <a:headEnd type="none" w="med" len="med"/>
+                      <a:tailEnd type="none" w="med" len="med"/>
+                    </a:lnT>
+                    <a:lnB w="12700" cap="flat" cmpd="sng" algn="ctr">
+                      <a:solidFill>
+                        <a:srgbClr val="000000"/>
+                      </a:solidFill>
+                      <a:prstDash val="solid"/>
+                      <a:round/>
+                      <a:headEnd type="none" w="med" len="med"/>
+                      <a:tailEnd type="none" w="med" len="med"/>
+                    </a:lnB>
+                  </a:tcPr>
+                </a:tc>
+                <a:tc>
+                  <a:txBody>
+                    <a:bodyPr/>
+                    <a:lstStyle/>
+                    <a:p>
+                      <a:pPr algn="ctr">
+                        <a:lnSpc>
+                          <a:spcPct val="150000"/>
+                        </a:lnSpc>
+                        <a:spcAft>
+                          <a:spcPts val="0"/>
+                        </a:spcAft>
+                      </a:pPr>
+                      <a:r>
+                        <a:rPr lang="ru-RU" sz="1800" dirty="0">
+                          <a:effectLst/>
+                          <a:latin typeface="Times New Roman" panose="02020603050405020304" pitchFamily="18" charset="0"/>
+                          <a:cs typeface="Times New Roman" panose="02020603050405020304" pitchFamily="18" charset="0"/>
+                        </a:rPr>
+                        <a:t>0.863</a:t>
+                      </a:r>
+                    </a:p>
+                  </a:txBody>
+                  <a:tcPr marL="68580" marR="68580" marT="0" marB="0">
+                    <a:lnL w="12700" cap="flat" cmpd="sng" algn="ctr">
+                      <a:solidFill>
+                        <a:srgbClr val="000000"/>
+                      </a:solidFill>
+                      <a:prstDash val="solid"/>
+                      <a:round/>
+                      <a:headEnd type="none" w="med" len="med"/>
+                      <a:tailEnd type="none" w="med" len="med"/>
+                    </a:lnL>
+                    <a:lnR w="12700" cap="flat" cmpd="sng" algn="ctr">
+                      <a:solidFill>
+                        <a:srgbClr val="000000"/>
+                      </a:solidFill>
+                      <a:prstDash val="solid"/>
+                      <a:round/>
+                      <a:headEnd type="none" w="med" len="med"/>
+                      <a:tailEnd type="none" w="med" len="med"/>
+                    </a:lnR>
+                    <a:lnT w="12700" cap="flat" cmpd="sng" algn="ctr">
+                      <a:solidFill>
+                        <a:srgbClr val="000000"/>
+                      </a:solidFill>
+                      <a:prstDash val="solid"/>
+                      <a:round/>
+                      <a:headEnd type="none" w="med" len="med"/>
+                      <a:tailEnd type="none" w="med" len="med"/>
+                    </a:lnT>
+                    <a:lnB w="12700" cap="flat" cmpd="sng" algn="ctr">
+                      <a:solidFill>
+                        <a:srgbClr val="000000"/>
+                      </a:solidFill>
+                      <a:prstDash val="solid"/>
+                      <a:round/>
+                      <a:headEnd type="none" w="med" len="med"/>
+                      <a:tailEnd type="none" w="med" len="med"/>
+                    </a:lnB>
+                  </a:tcPr>
+                </a:tc>
+                <a:tc>
+                  <a:txBody>
+                    <a:bodyPr/>
+                    <a:lstStyle/>
+                    <a:p>
+                      <a:pPr algn="ctr">
+                        <a:lnSpc>
+                          <a:spcPct val="150000"/>
+                        </a:lnSpc>
+                        <a:spcAft>
+                          <a:spcPts val="0"/>
+                        </a:spcAft>
+                      </a:pPr>
+                      <a:r>
+                        <a:rPr lang="ru-RU" sz="1800" dirty="0">
+                          <a:effectLst/>
+                          <a:latin typeface="Times New Roman" panose="02020603050405020304" pitchFamily="18" charset="0"/>
+                          <a:cs typeface="Times New Roman" panose="02020603050405020304" pitchFamily="18" charset="0"/>
+                        </a:rPr>
+                        <a:t>0.890</a:t>
+                      </a:r>
+                    </a:p>
+                  </a:txBody>
+                  <a:tcPr marL="68580" marR="68580" marT="0" marB="0">
+                    <a:lnL w="12700" cap="flat" cmpd="sng" algn="ctr">
+                      <a:solidFill>
+                        <a:srgbClr val="000000"/>
+                      </a:solidFill>
+                      <a:prstDash val="solid"/>
+                      <a:round/>
+                      <a:headEnd type="none" w="med" len="med"/>
+                      <a:tailEnd type="none" w="med" len="med"/>
+                    </a:lnL>
+                    <a:lnR w="12700" cap="flat" cmpd="sng" algn="ctr">
+                      <a:solidFill>
+                        <a:srgbClr val="000000"/>
+                      </a:solidFill>
+                      <a:prstDash val="solid"/>
+                      <a:round/>
+                      <a:headEnd type="none" w="med" len="med"/>
+                      <a:tailEnd type="none" w="med" len="med"/>
+                    </a:lnR>
+                    <a:lnT w="12700" cap="flat" cmpd="sng" algn="ctr">
+                      <a:solidFill>
+                        <a:srgbClr val="000000"/>
+                      </a:solidFill>
+                      <a:prstDash val="solid"/>
+                      <a:round/>
+                      <a:headEnd type="none" w="med" len="med"/>
+                      <a:tailEnd type="none" w="med" len="med"/>
+                    </a:lnT>
+                    <a:lnB w="12700" cap="flat" cmpd="sng" algn="ctr">
+                      <a:solidFill>
+                        <a:srgbClr val="000000"/>
+                      </a:solidFill>
+                      <a:prstDash val="solid"/>
+                      <a:round/>
+                      <a:headEnd type="none" w="med" len="med"/>
+                      <a:tailEnd type="none" w="med" len="med"/>
+                    </a:lnB>
+                  </a:tcPr>
+                </a:tc>
+                <a:extLst>
+                  <a:ext uri="{0D108BD9-81ED-4DB2-BD59-A6C34878D82A}">
+                    <a16:rowId xmlns:a16="http://schemas.microsoft.com/office/drawing/2014/main" val="1226630755"/>
+                  </a:ext>
+                </a:extLst>
+              </a:tr>
+              <a:tr h="497925">
+                <a:tc>
+                  <a:txBody>
+                    <a:bodyPr/>
+                    <a:lstStyle/>
+                    <a:p>
+                      <a:pPr algn="ctr">
+                        <a:lnSpc>
+                          <a:spcPct val="150000"/>
+                        </a:lnSpc>
+                        <a:spcAft>
+                          <a:spcPts val="0"/>
+                        </a:spcAft>
+                      </a:pPr>
+                      <a:r>
+                        <a:rPr lang="ru-RU" sz="1800">
+                          <a:effectLst/>
+                          <a:latin typeface="Times New Roman" panose="02020603050405020304" pitchFamily="18" charset="0"/>
+                          <a:cs typeface="Times New Roman" panose="02020603050405020304" pitchFamily="18" charset="0"/>
+                        </a:rPr>
+                        <a:t>Градиентный бустинг</a:t>
+                      </a:r>
+                    </a:p>
+                  </a:txBody>
+                  <a:tcPr marL="68580" marR="68580" marT="0" marB="0">
+                    <a:lnL w="12700" cap="flat" cmpd="sng" algn="ctr">
+                      <a:solidFill>
+                        <a:srgbClr val="000000"/>
+                      </a:solidFill>
+                      <a:prstDash val="solid"/>
+                      <a:round/>
+                      <a:headEnd type="none" w="med" len="med"/>
+                      <a:tailEnd type="none" w="med" len="med"/>
+                    </a:lnL>
+                    <a:lnR w="12700" cap="flat" cmpd="sng" algn="ctr">
+                      <a:solidFill>
+                        <a:srgbClr val="000000"/>
+                      </a:solidFill>
+                      <a:prstDash val="solid"/>
+                      <a:round/>
+                      <a:headEnd type="none" w="med" len="med"/>
+                      <a:tailEnd type="none" w="med" len="med"/>
+                    </a:lnR>
+                    <a:lnT w="12700" cap="flat" cmpd="sng" algn="ctr">
+                      <a:solidFill>
+                        <a:srgbClr val="000000"/>
+                      </a:solidFill>
+                      <a:prstDash val="solid"/>
+                      <a:round/>
+                      <a:headEnd type="none" w="med" len="med"/>
+                      <a:tailEnd type="none" w="med" len="med"/>
+                    </a:lnT>
+                    <a:lnB w="12700" cap="flat" cmpd="sng" algn="ctr">
+                      <a:solidFill>
+                        <a:srgbClr val="000000"/>
+                      </a:solidFill>
+                      <a:prstDash val="solid"/>
+                      <a:round/>
+                      <a:headEnd type="none" w="med" len="med"/>
+                      <a:tailEnd type="none" w="med" len="med"/>
+                    </a:lnB>
+                  </a:tcPr>
+                </a:tc>
+                <a:tc>
+                  <a:txBody>
+                    <a:bodyPr/>
+                    <a:lstStyle/>
+                    <a:p>
+                      <a:pPr algn="ctr">
+                        <a:lnSpc>
+                          <a:spcPct val="150000"/>
+                        </a:lnSpc>
+                        <a:spcAft>
+                          <a:spcPts val="0"/>
+                        </a:spcAft>
+                      </a:pPr>
+                      <a:r>
+                        <a:rPr lang="ru-RU" sz="1800" b="0" dirty="0">
+                          <a:effectLst/>
+                          <a:latin typeface="Times New Roman" panose="02020603050405020304" pitchFamily="18" charset="0"/>
+                          <a:cs typeface="Times New Roman" panose="02020603050405020304" pitchFamily="18" charset="0"/>
+                        </a:rPr>
+                        <a:t>0.847</a:t>
+                      </a:r>
+                    </a:p>
+                  </a:txBody>
+                  <a:tcPr marL="68580" marR="68580" marT="0" marB="0">
+                    <a:lnL w="12700" cap="flat" cmpd="sng" algn="ctr">
+                      <a:solidFill>
+                        <a:srgbClr val="000000"/>
+                      </a:solidFill>
+                      <a:prstDash val="solid"/>
+                      <a:round/>
+                      <a:headEnd type="none" w="med" len="med"/>
+                      <a:tailEnd type="none" w="med" len="med"/>
+                    </a:lnL>
+                    <a:lnR w="12700" cap="flat" cmpd="sng" algn="ctr">
+                      <a:solidFill>
+                        <a:srgbClr val="000000"/>
+                      </a:solidFill>
+                      <a:prstDash val="solid"/>
+                      <a:round/>
+                      <a:headEnd type="none" w="med" len="med"/>
+                      <a:tailEnd type="none" w="med" len="med"/>
+                    </a:lnR>
+                    <a:lnT w="12700" cap="flat" cmpd="sng" algn="ctr">
+                      <a:solidFill>
+                        <a:srgbClr val="000000"/>
+                      </a:solidFill>
+                      <a:prstDash val="solid"/>
+                      <a:round/>
+                      <a:headEnd type="none" w="med" len="med"/>
+                      <a:tailEnd type="none" w="med" len="med"/>
+                    </a:lnT>
+                    <a:lnB w="12700" cap="flat" cmpd="sng" algn="ctr">
+                      <a:solidFill>
+                        <a:srgbClr val="000000"/>
+                      </a:solidFill>
+                      <a:prstDash val="solid"/>
+                      <a:round/>
+                      <a:headEnd type="none" w="med" len="med"/>
+                      <a:tailEnd type="none" w="med" len="med"/>
+                    </a:lnB>
+                  </a:tcPr>
+                </a:tc>
+                <a:tc>
+                  <a:txBody>
+                    <a:bodyPr/>
+                    <a:lstStyle/>
+                    <a:p>
+                      <a:pPr algn="ctr">
+                        <a:lnSpc>
+                          <a:spcPct val="150000"/>
+                        </a:lnSpc>
+                        <a:spcAft>
+                          <a:spcPts val="0"/>
+                        </a:spcAft>
+                      </a:pPr>
+                      <a:r>
+                        <a:rPr lang="ru-RU" sz="1800" b="1">
+                          <a:effectLst/>
+                          <a:latin typeface="Times New Roman" panose="02020603050405020304" pitchFamily="18" charset="0"/>
+                          <a:cs typeface="Times New Roman" panose="02020603050405020304" pitchFamily="18" charset="0"/>
+                        </a:rPr>
+                        <a:t>0.903</a:t>
+                      </a:r>
+                      <a:endParaRPr lang="ru-RU" sz="1800">
+                        <a:effectLst/>
+                        <a:latin typeface="Times New Roman" panose="02020603050405020304" pitchFamily="18" charset="0"/>
+                        <a:cs typeface="Times New Roman" panose="02020603050405020304" pitchFamily="18" charset="0"/>
+                      </a:endParaRPr>
+                    </a:p>
+                  </a:txBody>
+                  <a:tcPr marL="68580" marR="68580" marT="0" marB="0">
+                    <a:lnL w="12700" cap="flat" cmpd="sng" algn="ctr">
+                      <a:solidFill>
+                        <a:srgbClr val="000000"/>
+                      </a:solidFill>
+                      <a:prstDash val="solid"/>
+                      <a:round/>
+                      <a:headEnd type="none" w="med" len="med"/>
+                      <a:tailEnd type="none" w="med" len="med"/>
+                    </a:lnL>
+                    <a:lnR w="12700" cap="flat" cmpd="sng" algn="ctr">
+                      <a:solidFill>
+                        <a:srgbClr val="000000"/>
+                      </a:solidFill>
+                      <a:prstDash val="solid"/>
+                      <a:round/>
+                      <a:headEnd type="none" w="med" len="med"/>
+                      <a:tailEnd type="none" w="med" len="med"/>
+                    </a:lnR>
+                    <a:lnT w="12700" cap="flat" cmpd="sng" algn="ctr">
+                      <a:solidFill>
+                        <a:srgbClr val="000000"/>
+                      </a:solidFill>
+                      <a:prstDash val="solid"/>
+                      <a:round/>
+                      <a:headEnd type="none" w="med" len="med"/>
+                      <a:tailEnd type="none" w="med" len="med"/>
+                    </a:lnT>
+                    <a:lnB w="12700" cap="flat" cmpd="sng" algn="ctr">
+                      <a:solidFill>
+                        <a:srgbClr val="000000"/>
+                      </a:solidFill>
+                      <a:prstDash val="solid"/>
+                      <a:round/>
+                      <a:headEnd type="none" w="med" len="med"/>
+                      <a:tailEnd type="none" w="med" len="med"/>
+                    </a:lnB>
+                  </a:tcPr>
+                </a:tc>
+                <a:tc>
+                  <a:txBody>
+                    <a:bodyPr/>
+                    <a:lstStyle/>
+                    <a:p>
+                      <a:pPr algn="ctr">
+                        <a:lnSpc>
+                          <a:spcPct val="150000"/>
+                        </a:lnSpc>
+                        <a:spcAft>
+                          <a:spcPts val="0"/>
+                        </a:spcAft>
+                      </a:pPr>
+                      <a:r>
+                        <a:rPr lang="ru-RU" sz="1800" b="0" dirty="0">
+                          <a:effectLst/>
+                          <a:latin typeface="Times New Roman" panose="02020603050405020304" pitchFamily="18" charset="0"/>
+                          <a:cs typeface="Times New Roman" panose="02020603050405020304" pitchFamily="18" charset="0"/>
+                        </a:rPr>
+                        <a:t>0.883</a:t>
+                      </a:r>
+                    </a:p>
+                  </a:txBody>
+                  <a:tcPr marL="68580" marR="68580" marT="0" marB="0">
+                    <a:lnL w="12700" cap="flat" cmpd="sng" algn="ctr">
+                      <a:solidFill>
+                        <a:srgbClr val="000000"/>
+                      </a:solidFill>
+                      <a:prstDash val="solid"/>
+                      <a:round/>
+                      <a:headEnd type="none" w="med" len="med"/>
+                      <a:tailEnd type="none" w="med" len="med"/>
+                    </a:lnL>
+                    <a:lnR w="12700" cap="flat" cmpd="sng" algn="ctr">
+                      <a:solidFill>
+                        <a:srgbClr val="000000"/>
+                      </a:solidFill>
+                      <a:prstDash val="solid"/>
+                      <a:round/>
+                      <a:headEnd type="none" w="med" len="med"/>
+                      <a:tailEnd type="none" w="med" len="med"/>
+                    </a:lnR>
+                    <a:lnT w="12700" cap="flat" cmpd="sng" algn="ctr">
+                      <a:solidFill>
+                        <a:srgbClr val="000000"/>
+                      </a:solidFill>
+                      <a:prstDash val="solid"/>
+                      <a:round/>
+                      <a:headEnd type="none" w="med" len="med"/>
+                      <a:tailEnd type="none" w="med" len="med"/>
+                    </a:lnT>
+                    <a:lnB w="12700" cap="flat" cmpd="sng" algn="ctr">
+                      <a:solidFill>
+                        <a:srgbClr val="000000"/>
+                      </a:solidFill>
+                      <a:prstDash val="solid"/>
+                      <a:round/>
+                      <a:headEnd type="none" w="med" len="med"/>
+                      <a:tailEnd type="none" w="med" len="med"/>
+                    </a:lnB>
+                  </a:tcPr>
+                </a:tc>
+                <a:tc>
+                  <a:txBody>
+                    <a:bodyPr/>
+                    <a:lstStyle/>
+                    <a:p>
+                      <a:pPr algn="ctr">
+                        <a:lnSpc>
+                          <a:spcPct val="150000"/>
+                        </a:lnSpc>
+                        <a:spcAft>
+                          <a:spcPts val="0"/>
+                        </a:spcAft>
+                      </a:pPr>
+                      <a:r>
+                        <a:rPr lang="ru-RU" sz="1800" b="1">
+                          <a:effectLst/>
+                          <a:latin typeface="Times New Roman" panose="02020603050405020304" pitchFamily="18" charset="0"/>
+                          <a:cs typeface="Times New Roman" panose="02020603050405020304" pitchFamily="18" charset="0"/>
+                        </a:rPr>
+                        <a:t>0.903</a:t>
+                      </a:r>
+                      <a:endParaRPr lang="ru-RU" sz="1800">
+                        <a:effectLst/>
+                        <a:latin typeface="Times New Roman" panose="02020603050405020304" pitchFamily="18" charset="0"/>
+                        <a:cs typeface="Times New Roman" panose="02020603050405020304" pitchFamily="18" charset="0"/>
+                      </a:endParaRPr>
+                    </a:p>
+                  </a:txBody>
+                  <a:tcPr marL="68580" marR="68580" marT="0" marB="0">
+                    <a:lnL w="12700" cap="flat" cmpd="sng" algn="ctr">
+                      <a:solidFill>
+                        <a:srgbClr val="000000"/>
+                      </a:solidFill>
+                      <a:prstDash val="solid"/>
+                      <a:round/>
+                      <a:headEnd type="none" w="med" len="med"/>
+                      <a:tailEnd type="none" w="med" len="med"/>
+                    </a:lnL>
+                    <a:lnR w="12700" cap="flat" cmpd="sng" algn="ctr">
+                      <a:solidFill>
+                        <a:srgbClr val="000000"/>
+                      </a:solidFill>
+                      <a:prstDash val="solid"/>
+                      <a:round/>
+                      <a:headEnd type="none" w="med" len="med"/>
+                      <a:tailEnd type="none" w="med" len="med"/>
+                    </a:lnR>
+                    <a:lnT w="12700" cap="flat" cmpd="sng" algn="ctr">
+                      <a:solidFill>
+                        <a:srgbClr val="000000"/>
+                      </a:solidFill>
+                      <a:prstDash val="solid"/>
+                      <a:round/>
+                      <a:headEnd type="none" w="med" len="med"/>
+                      <a:tailEnd type="none" w="med" len="med"/>
+                    </a:lnT>
+                    <a:lnB w="12700" cap="flat" cmpd="sng" algn="ctr">
+                      <a:solidFill>
+                        <a:srgbClr val="000000"/>
+                      </a:solidFill>
+                      <a:prstDash val="solid"/>
+                      <a:round/>
+                      <a:headEnd type="none" w="med" len="med"/>
+                      <a:tailEnd type="none" w="med" len="med"/>
+                    </a:lnB>
+                  </a:tcPr>
+                </a:tc>
+                <a:extLst>
+                  <a:ext uri="{0D108BD9-81ED-4DB2-BD59-A6C34878D82A}">
+                    <a16:rowId xmlns:a16="http://schemas.microsoft.com/office/drawing/2014/main" val="2503543649"/>
+                  </a:ext>
+                </a:extLst>
+              </a:tr>
+              <a:tr h="497925">
+                <a:tc>
+                  <a:txBody>
+                    <a:bodyPr/>
+                    <a:lstStyle/>
+                    <a:p>
+                      <a:pPr algn="ctr">
+                        <a:lnSpc>
+                          <a:spcPct val="150000"/>
+                        </a:lnSpc>
+                        <a:spcAft>
+                          <a:spcPts val="0"/>
+                        </a:spcAft>
+                      </a:pPr>
+                      <a:r>
+                        <a:rPr lang="ru-RU" sz="1800">
+                          <a:effectLst/>
+                          <a:latin typeface="Times New Roman" panose="02020603050405020304" pitchFamily="18" charset="0"/>
+                          <a:cs typeface="Times New Roman" panose="02020603050405020304" pitchFamily="18" charset="0"/>
+                        </a:rPr>
+                        <a:t>Адаптивный бустинг</a:t>
+                      </a:r>
+                    </a:p>
+                  </a:txBody>
+                  <a:tcPr marL="68580" marR="68580" marT="0" marB="0">
+                    <a:lnL w="12700" cap="flat" cmpd="sng" algn="ctr">
+                      <a:solidFill>
+                        <a:srgbClr val="000000"/>
+                      </a:solidFill>
+                      <a:prstDash val="solid"/>
+                      <a:round/>
+                      <a:headEnd type="none" w="med" len="med"/>
+                      <a:tailEnd type="none" w="med" len="med"/>
+                    </a:lnL>
+                    <a:lnR w="12700" cap="flat" cmpd="sng" algn="ctr">
+                      <a:solidFill>
+                        <a:srgbClr val="000000"/>
+                      </a:solidFill>
+                      <a:prstDash val="solid"/>
+                      <a:round/>
+                      <a:headEnd type="none" w="med" len="med"/>
+                      <a:tailEnd type="none" w="med" len="med"/>
+                    </a:lnR>
+                    <a:lnT w="12700" cap="flat" cmpd="sng" algn="ctr">
+                      <a:solidFill>
+                        <a:srgbClr val="000000"/>
+                      </a:solidFill>
+                      <a:prstDash val="solid"/>
+                      <a:round/>
+                      <a:headEnd type="none" w="med" len="med"/>
+                      <a:tailEnd type="none" w="med" len="med"/>
+                    </a:lnT>
+                    <a:lnB w="12700" cap="flat" cmpd="sng" algn="ctr">
+                      <a:solidFill>
+                        <a:srgbClr val="000000"/>
+                      </a:solidFill>
+                      <a:prstDash val="solid"/>
+                      <a:round/>
+                      <a:headEnd type="none" w="med" len="med"/>
+                      <a:tailEnd type="none" w="med" len="med"/>
+                    </a:lnB>
+                  </a:tcPr>
+                </a:tc>
+                <a:tc>
+                  <a:txBody>
+                    <a:bodyPr/>
+                    <a:lstStyle/>
+                    <a:p>
+                      <a:pPr algn="ctr">
+                        <a:lnSpc>
+                          <a:spcPct val="150000"/>
+                        </a:lnSpc>
+                        <a:spcAft>
+                          <a:spcPts val="0"/>
+                        </a:spcAft>
+                      </a:pPr>
+                      <a:r>
+                        <a:rPr lang="ru-RU" sz="1800">
+                          <a:effectLst/>
+                          <a:latin typeface="Times New Roman" panose="02020603050405020304" pitchFamily="18" charset="0"/>
+                          <a:cs typeface="Times New Roman" panose="02020603050405020304" pitchFamily="18" charset="0"/>
+                        </a:rPr>
+                        <a:t>0.835</a:t>
+                      </a:r>
+                    </a:p>
+                  </a:txBody>
+                  <a:tcPr marL="68580" marR="68580" marT="0" marB="0">
+                    <a:lnL w="12700" cap="flat" cmpd="sng" algn="ctr">
+                      <a:solidFill>
+                        <a:srgbClr val="000000"/>
+                      </a:solidFill>
+                      <a:prstDash val="solid"/>
+                      <a:round/>
+                      <a:headEnd type="none" w="med" len="med"/>
+                      <a:tailEnd type="none" w="med" len="med"/>
+                    </a:lnL>
+                    <a:lnR w="12700" cap="flat" cmpd="sng" algn="ctr">
+                      <a:solidFill>
+                        <a:srgbClr val="000000"/>
+                      </a:solidFill>
+                      <a:prstDash val="solid"/>
+                      <a:round/>
+                      <a:headEnd type="none" w="med" len="med"/>
+                      <a:tailEnd type="none" w="med" len="med"/>
+                    </a:lnR>
+                    <a:lnT w="12700" cap="flat" cmpd="sng" algn="ctr">
+                      <a:solidFill>
+                        <a:srgbClr val="000000"/>
+                      </a:solidFill>
+                      <a:prstDash val="solid"/>
+                      <a:round/>
+                      <a:headEnd type="none" w="med" len="med"/>
+                      <a:tailEnd type="none" w="med" len="med"/>
+                    </a:lnT>
+                    <a:lnB w="12700" cap="flat" cmpd="sng" algn="ctr">
+                      <a:solidFill>
+                        <a:srgbClr val="000000"/>
+                      </a:solidFill>
+                      <a:prstDash val="solid"/>
+                      <a:round/>
+                      <a:headEnd type="none" w="med" len="med"/>
+                      <a:tailEnd type="none" w="med" len="med"/>
+                    </a:lnB>
+                  </a:tcPr>
+                </a:tc>
+                <a:tc>
+                  <a:txBody>
+                    <a:bodyPr/>
+                    <a:lstStyle/>
+                    <a:p>
+                      <a:pPr algn="ctr">
+                        <a:lnSpc>
+                          <a:spcPct val="150000"/>
+                        </a:lnSpc>
+                        <a:spcAft>
+                          <a:spcPts val="0"/>
+                        </a:spcAft>
+                      </a:pPr>
+                      <a:r>
+                        <a:rPr lang="ru-RU" sz="1800">
+                          <a:effectLst/>
+                          <a:latin typeface="Times New Roman" panose="02020603050405020304" pitchFamily="18" charset="0"/>
+                          <a:cs typeface="Times New Roman" panose="02020603050405020304" pitchFamily="18" charset="0"/>
+                        </a:rPr>
+                        <a:t>0.858</a:t>
+                      </a:r>
+                    </a:p>
+                  </a:txBody>
+                  <a:tcPr marL="68580" marR="68580" marT="0" marB="0">
+                    <a:lnL w="12700" cap="flat" cmpd="sng" algn="ctr">
+                      <a:solidFill>
+                        <a:srgbClr val="000000"/>
+                      </a:solidFill>
+                      <a:prstDash val="solid"/>
+                      <a:round/>
+                      <a:headEnd type="none" w="med" len="med"/>
+                      <a:tailEnd type="none" w="med" len="med"/>
+                    </a:lnL>
+                    <a:lnR w="12700" cap="flat" cmpd="sng" algn="ctr">
+                      <a:solidFill>
+                        <a:srgbClr val="000000"/>
+                      </a:solidFill>
+                      <a:prstDash val="solid"/>
+                      <a:round/>
+                      <a:headEnd type="none" w="med" len="med"/>
+                      <a:tailEnd type="none" w="med" len="med"/>
+                    </a:lnR>
+                    <a:lnT w="12700" cap="flat" cmpd="sng" algn="ctr">
+                      <a:solidFill>
+                        <a:srgbClr val="000000"/>
+                      </a:solidFill>
+                      <a:prstDash val="solid"/>
+                      <a:round/>
+                      <a:headEnd type="none" w="med" len="med"/>
+                      <a:tailEnd type="none" w="med" len="med"/>
+                    </a:lnT>
+                    <a:lnB w="12700" cap="flat" cmpd="sng" algn="ctr">
+                      <a:solidFill>
+                        <a:srgbClr val="000000"/>
+                      </a:solidFill>
+                      <a:prstDash val="solid"/>
+                      <a:round/>
+                      <a:headEnd type="none" w="med" len="med"/>
+                      <a:tailEnd type="none" w="med" len="med"/>
+                    </a:lnB>
+                  </a:tcPr>
+                </a:tc>
+                <a:tc>
+                  <a:txBody>
+                    <a:bodyPr/>
+                    <a:lstStyle/>
+                    <a:p>
+                      <a:pPr algn="ctr">
+                        <a:lnSpc>
+                          <a:spcPct val="150000"/>
+                        </a:lnSpc>
+                        <a:spcAft>
+                          <a:spcPts val="0"/>
+                        </a:spcAft>
+                      </a:pPr>
+                      <a:r>
+                        <a:rPr lang="ru-RU" sz="1800" dirty="0">
+                          <a:effectLst/>
+                          <a:latin typeface="Times New Roman" panose="02020603050405020304" pitchFamily="18" charset="0"/>
+                          <a:cs typeface="Times New Roman" panose="02020603050405020304" pitchFamily="18" charset="0"/>
+                        </a:rPr>
+                        <a:t>0.861</a:t>
+                      </a:r>
+                    </a:p>
+                  </a:txBody>
+                  <a:tcPr marL="68580" marR="68580" marT="0" marB="0">
+                    <a:lnL w="12700" cap="flat" cmpd="sng" algn="ctr">
+                      <a:solidFill>
+                        <a:srgbClr val="000000"/>
+                      </a:solidFill>
+                      <a:prstDash val="solid"/>
+                      <a:round/>
+                      <a:headEnd type="none" w="med" len="med"/>
+                      <a:tailEnd type="none" w="med" len="med"/>
+                    </a:lnL>
+                    <a:lnR w="12700" cap="flat" cmpd="sng" algn="ctr">
+                      <a:solidFill>
+                        <a:srgbClr val="000000"/>
+                      </a:solidFill>
+                      <a:prstDash val="solid"/>
+                      <a:round/>
+                      <a:headEnd type="none" w="med" len="med"/>
+                      <a:tailEnd type="none" w="med" len="med"/>
+                    </a:lnR>
+                    <a:lnT w="12700" cap="flat" cmpd="sng" algn="ctr">
+                      <a:solidFill>
+                        <a:srgbClr val="000000"/>
+                      </a:solidFill>
+                      <a:prstDash val="solid"/>
+                      <a:round/>
+                      <a:headEnd type="none" w="med" len="med"/>
+                      <a:tailEnd type="none" w="med" len="med"/>
+                    </a:lnT>
+                    <a:lnB w="12700" cap="flat" cmpd="sng" algn="ctr">
+                      <a:solidFill>
+                        <a:srgbClr val="000000"/>
+                      </a:solidFill>
+                      <a:prstDash val="solid"/>
+                      <a:round/>
+                      <a:headEnd type="none" w="med" len="med"/>
+                      <a:tailEnd type="none" w="med" len="med"/>
+                    </a:lnB>
+                  </a:tcPr>
+                </a:tc>
+                <a:tc>
+                  <a:txBody>
+                    <a:bodyPr/>
+                    <a:lstStyle/>
+                    <a:p>
+                      <a:pPr algn="ctr">
+                        <a:lnSpc>
+                          <a:spcPct val="150000"/>
+                        </a:lnSpc>
+                        <a:spcAft>
+                          <a:spcPts val="0"/>
+                        </a:spcAft>
+                      </a:pPr>
+                      <a:r>
+                        <a:rPr lang="ru-RU" sz="1800" dirty="0">
+                          <a:effectLst/>
+                          <a:latin typeface="Times New Roman" panose="02020603050405020304" pitchFamily="18" charset="0"/>
+                          <a:cs typeface="Times New Roman" panose="02020603050405020304" pitchFamily="18" charset="0"/>
+                        </a:rPr>
+                        <a:t>0.889</a:t>
+                      </a:r>
+                    </a:p>
+                  </a:txBody>
+                  <a:tcPr marL="68580" marR="68580" marT="0" marB="0">
+                    <a:lnL w="12700" cap="flat" cmpd="sng" algn="ctr">
+                      <a:solidFill>
+                        <a:srgbClr val="000000"/>
+                      </a:solidFill>
+                      <a:prstDash val="solid"/>
+                      <a:round/>
+                      <a:headEnd type="none" w="med" len="med"/>
+                      <a:tailEnd type="none" w="med" len="med"/>
+                    </a:lnL>
+                    <a:lnR w="12700" cap="flat" cmpd="sng" algn="ctr">
+                      <a:solidFill>
+                        <a:srgbClr val="000000"/>
+                      </a:solidFill>
+                      <a:prstDash val="solid"/>
+                      <a:round/>
+                      <a:headEnd type="none" w="med" len="med"/>
+                      <a:tailEnd type="none" w="med" len="med"/>
+                    </a:lnR>
+                    <a:lnT w="12700" cap="flat" cmpd="sng" algn="ctr">
+                      <a:solidFill>
+                        <a:srgbClr val="000000"/>
+                      </a:solidFill>
+                      <a:prstDash val="solid"/>
+                      <a:round/>
+                      <a:headEnd type="none" w="med" len="med"/>
+                      <a:tailEnd type="none" w="med" len="med"/>
+                    </a:lnT>
+                    <a:lnB w="12700" cap="flat" cmpd="sng" algn="ctr">
+                      <a:solidFill>
+                        <a:srgbClr val="000000"/>
+                      </a:solidFill>
+                      <a:prstDash val="solid"/>
+                      <a:round/>
+                      <a:headEnd type="none" w="med" len="med"/>
+                      <a:tailEnd type="none" w="med" len="med"/>
+                    </a:lnB>
+                  </a:tcPr>
+                </a:tc>
+                <a:extLst>
+                  <a:ext uri="{0D108BD9-81ED-4DB2-BD59-A6C34878D82A}">
+                    <a16:rowId xmlns:a16="http://schemas.microsoft.com/office/drawing/2014/main" val="1574149260"/>
+                  </a:ext>
+                </a:extLst>
+              </a:tr>
+              <a:tr h="497925">
+                <a:tc>
+                  <a:txBody>
+                    <a:bodyPr/>
+                    <a:lstStyle/>
+                    <a:p>
+                      <a:pPr algn="ctr">
+                        <a:lnSpc>
+                          <a:spcPct val="150000"/>
+                        </a:lnSpc>
+                        <a:spcAft>
+                          <a:spcPts val="0"/>
+                        </a:spcAft>
+                      </a:pPr>
+                      <a:r>
+                        <a:rPr lang="ru-RU" sz="1800" dirty="0" smtClean="0">
+                          <a:effectLst/>
+                          <a:latin typeface="Times New Roman" panose="02020603050405020304" pitchFamily="18" charset="0"/>
+                          <a:cs typeface="Times New Roman" panose="02020603050405020304" pitchFamily="18" charset="0"/>
+                        </a:rPr>
+                        <a:t>Разработанный</a:t>
+                      </a:r>
+                      <a:r>
+                        <a:rPr lang="ru-RU" sz="1800" baseline="0" dirty="0" smtClean="0">
+                          <a:effectLst/>
+                          <a:latin typeface="Times New Roman" panose="02020603050405020304" pitchFamily="18" charset="0"/>
+                          <a:cs typeface="Times New Roman" panose="02020603050405020304" pitchFamily="18" charset="0"/>
+                        </a:rPr>
+                        <a:t> метод</a:t>
+                      </a:r>
+                      <a:r>
+                        <a:rPr lang="ru-RU" sz="1800" dirty="0">
+                          <a:effectLst/>
+                          <a:latin typeface="Times New Roman" panose="02020603050405020304" pitchFamily="18" charset="0"/>
+                          <a:cs typeface="Times New Roman" panose="02020603050405020304" pitchFamily="18" charset="0"/>
+                        </a:rPr>
+                        <a:t> </a:t>
+                      </a:r>
+                    </a:p>
+                  </a:txBody>
+                  <a:tcPr marL="68580" marR="68580" marT="0" marB="0">
+                    <a:lnL w="12700" cap="flat" cmpd="sng" algn="ctr">
+                      <a:solidFill>
+                        <a:srgbClr val="000000"/>
+                      </a:solidFill>
+                      <a:prstDash val="solid"/>
+                      <a:round/>
+                      <a:headEnd type="none" w="med" len="med"/>
+                      <a:tailEnd type="none" w="med" len="med"/>
+                    </a:lnL>
+                    <a:lnR w="12700" cap="flat" cmpd="sng" algn="ctr">
+                      <a:solidFill>
+                        <a:srgbClr val="000000"/>
+                      </a:solidFill>
+                      <a:prstDash val="solid"/>
+                      <a:round/>
+                      <a:headEnd type="none" w="med" len="med"/>
+                      <a:tailEnd type="none" w="med" len="med"/>
+                    </a:lnR>
+                    <a:lnT w="12700" cap="flat" cmpd="sng" algn="ctr">
+                      <a:solidFill>
+                        <a:srgbClr val="000000"/>
+                      </a:solidFill>
+                      <a:prstDash val="solid"/>
+                      <a:round/>
+                      <a:headEnd type="none" w="med" len="med"/>
+                      <a:tailEnd type="none" w="med" len="med"/>
+                    </a:lnT>
+                    <a:lnB w="12700" cap="flat" cmpd="sng" algn="ctr">
+                      <a:solidFill>
+                        <a:srgbClr val="000000"/>
+                      </a:solidFill>
+                      <a:prstDash val="solid"/>
+                      <a:round/>
+                      <a:headEnd type="none" w="med" len="med"/>
+                      <a:tailEnd type="none" w="med" len="med"/>
+                    </a:lnB>
+                  </a:tcPr>
+                </a:tc>
+                <a:tc>
+                  <a:txBody>
+                    <a:bodyPr/>
+                    <a:lstStyle/>
+                    <a:p>
+                      <a:pPr algn="ctr">
+                        <a:lnSpc>
+                          <a:spcPct val="150000"/>
+                        </a:lnSpc>
+                        <a:spcAft>
+                          <a:spcPts val="0"/>
+                        </a:spcAft>
+                      </a:pPr>
+                      <a:r>
+                        <a:rPr lang="ru-RU" sz="1800" b="1" dirty="0" smtClean="0">
+                          <a:effectLst/>
+                          <a:latin typeface="Times New Roman" panose="02020603050405020304" pitchFamily="18" charset="0"/>
+                          <a:cs typeface="Times New Roman" panose="02020603050405020304" pitchFamily="18" charset="0"/>
+                        </a:rPr>
+                        <a:t>0.941</a:t>
+                      </a:r>
+                      <a:r>
+                        <a:rPr lang="ru-RU" sz="1800" dirty="0">
+                          <a:effectLst/>
+                          <a:latin typeface="Times New Roman" panose="02020603050405020304" pitchFamily="18" charset="0"/>
+                          <a:cs typeface="Times New Roman" panose="02020603050405020304" pitchFamily="18" charset="0"/>
+                        </a:rPr>
+                        <a:t> </a:t>
+                      </a:r>
+                    </a:p>
+                  </a:txBody>
+                  <a:tcPr marL="68580" marR="68580" marT="0" marB="0">
+                    <a:lnL w="12700" cap="flat" cmpd="sng" algn="ctr">
+                      <a:solidFill>
+                        <a:srgbClr val="000000"/>
+                      </a:solidFill>
+                      <a:prstDash val="solid"/>
+                      <a:round/>
+                      <a:headEnd type="none" w="med" len="med"/>
+                      <a:tailEnd type="none" w="med" len="med"/>
+                    </a:lnL>
+                    <a:lnR w="12700" cap="flat" cmpd="sng" algn="ctr">
+                      <a:solidFill>
+                        <a:srgbClr val="000000"/>
+                      </a:solidFill>
+                      <a:prstDash val="solid"/>
+                      <a:round/>
+                      <a:headEnd type="none" w="med" len="med"/>
+                      <a:tailEnd type="none" w="med" len="med"/>
+                    </a:lnR>
+                    <a:lnT w="12700" cap="flat" cmpd="sng" algn="ctr">
+                      <a:solidFill>
+                        <a:srgbClr val="000000"/>
+                      </a:solidFill>
+                      <a:prstDash val="solid"/>
+                      <a:round/>
+                      <a:headEnd type="none" w="med" len="med"/>
+                      <a:tailEnd type="none" w="med" len="med"/>
+                    </a:lnT>
+                    <a:lnB w="12700" cap="flat" cmpd="sng" algn="ctr">
+                      <a:solidFill>
+                        <a:srgbClr val="000000"/>
+                      </a:solidFill>
+                      <a:prstDash val="solid"/>
+                      <a:round/>
+                      <a:headEnd type="none" w="med" len="med"/>
+                      <a:tailEnd type="none" w="med" len="med"/>
+                    </a:lnB>
+                  </a:tcPr>
+                </a:tc>
+                <a:tc>
+                  <a:txBody>
+                    <a:bodyPr/>
+                    <a:lstStyle/>
+                    <a:p>
+                      <a:pPr algn="ctr">
+                        <a:lnSpc>
+                          <a:spcPct val="150000"/>
+                        </a:lnSpc>
+                        <a:spcAft>
+                          <a:spcPts val="0"/>
+                        </a:spcAft>
+                      </a:pPr>
+                      <a:r>
+                        <a:rPr lang="ru-RU" sz="1800" dirty="0" smtClean="0">
+                          <a:effectLst/>
+                          <a:latin typeface="Times New Roman" panose="02020603050405020304" pitchFamily="18" charset="0"/>
+                          <a:cs typeface="Times New Roman" panose="02020603050405020304" pitchFamily="18" charset="0"/>
+                        </a:rPr>
+                        <a:t>0.818</a:t>
+                      </a:r>
+                      <a:endParaRPr lang="ru-RU" sz="1800" dirty="0">
+                        <a:effectLst/>
+                        <a:latin typeface="Times New Roman" panose="02020603050405020304" pitchFamily="18" charset="0"/>
+                        <a:cs typeface="Times New Roman" panose="02020603050405020304" pitchFamily="18" charset="0"/>
+                      </a:endParaRPr>
+                    </a:p>
+                  </a:txBody>
+                  <a:tcPr marL="68580" marR="68580" marT="0" marB="0">
+                    <a:lnL w="12700" cap="flat" cmpd="sng" algn="ctr">
+                      <a:solidFill>
+                        <a:srgbClr val="000000"/>
+                      </a:solidFill>
+                      <a:prstDash val="solid"/>
+                      <a:round/>
+                      <a:headEnd type="none" w="med" len="med"/>
+                      <a:tailEnd type="none" w="med" len="med"/>
+                    </a:lnL>
+                    <a:lnR w="12700" cap="flat" cmpd="sng" algn="ctr">
+                      <a:solidFill>
+                        <a:srgbClr val="000000"/>
+                      </a:solidFill>
+                      <a:prstDash val="solid"/>
+                      <a:round/>
+                      <a:headEnd type="none" w="med" len="med"/>
+                      <a:tailEnd type="none" w="med" len="med"/>
+                    </a:lnR>
+                    <a:lnT w="12700" cap="flat" cmpd="sng" algn="ctr">
+                      <a:solidFill>
+                        <a:srgbClr val="000000"/>
+                      </a:solidFill>
+                      <a:prstDash val="solid"/>
+                      <a:round/>
+                      <a:headEnd type="none" w="med" len="med"/>
+                      <a:tailEnd type="none" w="med" len="med"/>
+                    </a:lnT>
+                    <a:lnB w="12700" cap="flat" cmpd="sng" algn="ctr">
+                      <a:solidFill>
+                        <a:srgbClr val="000000"/>
+                      </a:solidFill>
+                      <a:prstDash val="solid"/>
+                      <a:round/>
+                      <a:headEnd type="none" w="med" len="med"/>
+                      <a:tailEnd type="none" w="med" len="med"/>
+                    </a:lnB>
+                  </a:tcPr>
+                </a:tc>
+                <a:tc>
+                  <a:txBody>
+                    <a:bodyPr/>
+                    <a:lstStyle/>
+                    <a:p>
+                      <a:pPr algn="ctr">
+                        <a:lnSpc>
+                          <a:spcPct val="150000"/>
+                        </a:lnSpc>
+                        <a:spcAft>
+                          <a:spcPts val="0"/>
+                        </a:spcAft>
+                      </a:pPr>
+                      <a:r>
+                        <a:rPr lang="ru-RU" sz="1800" b="1" dirty="0" smtClean="0">
+                          <a:effectLst/>
+                          <a:latin typeface="Times New Roman" panose="02020603050405020304" pitchFamily="18" charset="0"/>
+                          <a:cs typeface="Times New Roman" panose="02020603050405020304" pitchFamily="18" charset="0"/>
+                        </a:rPr>
+                        <a:t>0.936</a:t>
+                      </a:r>
+                      <a:endParaRPr lang="ru-RU" sz="1800" b="1" dirty="0">
+                        <a:effectLst/>
+                        <a:latin typeface="Times New Roman" panose="02020603050405020304" pitchFamily="18" charset="0"/>
+                        <a:cs typeface="Times New Roman" panose="02020603050405020304" pitchFamily="18" charset="0"/>
+                      </a:endParaRPr>
+                    </a:p>
+                  </a:txBody>
+                  <a:tcPr marL="68580" marR="68580" marT="0" marB="0">
+                    <a:lnL w="12700" cap="flat" cmpd="sng" algn="ctr">
+                      <a:solidFill>
+                        <a:srgbClr val="000000"/>
+                      </a:solidFill>
+                      <a:prstDash val="solid"/>
+                      <a:round/>
+                      <a:headEnd type="none" w="med" len="med"/>
+                      <a:tailEnd type="none" w="med" len="med"/>
+                    </a:lnL>
+                    <a:lnR w="12700" cap="flat" cmpd="sng" algn="ctr">
+                      <a:solidFill>
+                        <a:srgbClr val="000000"/>
+                      </a:solidFill>
+                      <a:prstDash val="solid"/>
+                      <a:round/>
+                      <a:headEnd type="none" w="med" len="med"/>
+                      <a:tailEnd type="none" w="med" len="med"/>
+                    </a:lnR>
+                    <a:lnT w="12700" cap="flat" cmpd="sng" algn="ctr">
+                      <a:solidFill>
+                        <a:srgbClr val="000000"/>
+                      </a:solidFill>
+                      <a:prstDash val="solid"/>
+                      <a:round/>
+                      <a:headEnd type="none" w="med" len="med"/>
+                      <a:tailEnd type="none" w="med" len="med"/>
+                    </a:lnT>
+                    <a:lnB w="12700" cap="flat" cmpd="sng" algn="ctr">
+                      <a:solidFill>
+                        <a:srgbClr val="000000"/>
+                      </a:solidFill>
+                      <a:prstDash val="solid"/>
+                      <a:round/>
+                      <a:headEnd type="none" w="med" len="med"/>
+                      <a:tailEnd type="none" w="med" len="med"/>
+                    </a:lnB>
+                  </a:tcPr>
+                </a:tc>
+                <a:tc>
+                  <a:txBody>
+                    <a:bodyPr/>
+                    <a:lstStyle/>
+                    <a:p>
+                      <a:pPr algn="ctr">
+                        <a:lnSpc>
+                          <a:spcPct val="150000"/>
+                        </a:lnSpc>
+                        <a:spcAft>
+                          <a:spcPts val="0"/>
+                        </a:spcAft>
+                      </a:pPr>
+                      <a:r>
+                        <a:rPr lang="ru-RU" sz="1800" dirty="0" smtClean="0">
+                          <a:effectLst/>
+                          <a:latin typeface="Times New Roman" panose="02020603050405020304" pitchFamily="18" charset="0"/>
+                          <a:cs typeface="Times New Roman" panose="02020603050405020304" pitchFamily="18" charset="0"/>
+                        </a:rPr>
+                        <a:t>0.873</a:t>
+                      </a:r>
+                      <a:r>
+                        <a:rPr lang="ru-RU" sz="1800" dirty="0">
+                          <a:effectLst/>
+                          <a:latin typeface="Times New Roman" panose="02020603050405020304" pitchFamily="18" charset="0"/>
+                          <a:cs typeface="Times New Roman" panose="02020603050405020304" pitchFamily="18" charset="0"/>
+                        </a:rPr>
+                        <a:t> </a:t>
+                      </a:r>
+                    </a:p>
+                  </a:txBody>
+                  <a:tcPr marL="68580" marR="68580" marT="0" marB="0">
+                    <a:lnL w="12700" cap="flat" cmpd="sng" algn="ctr">
+                      <a:solidFill>
+                        <a:srgbClr val="000000"/>
+                      </a:solidFill>
+                      <a:prstDash val="solid"/>
+                      <a:round/>
+                      <a:headEnd type="none" w="med" len="med"/>
+                      <a:tailEnd type="none" w="med" len="med"/>
+                    </a:lnL>
+                    <a:lnR w="12700" cap="flat" cmpd="sng" algn="ctr">
+                      <a:solidFill>
+                        <a:srgbClr val="000000"/>
+                      </a:solidFill>
+                      <a:prstDash val="solid"/>
+                      <a:round/>
+                      <a:headEnd type="none" w="med" len="med"/>
+                      <a:tailEnd type="none" w="med" len="med"/>
+                    </a:lnR>
+                    <a:lnT w="12700" cap="flat" cmpd="sng" algn="ctr">
+                      <a:solidFill>
+                        <a:srgbClr val="000000"/>
+                      </a:solidFill>
+                      <a:prstDash val="solid"/>
+                      <a:round/>
+                      <a:headEnd type="none" w="med" len="med"/>
+                      <a:tailEnd type="none" w="med" len="med"/>
+                    </a:lnT>
+                    <a:lnB w="12700" cap="flat" cmpd="sng" algn="ctr">
+                      <a:solidFill>
+                        <a:srgbClr val="000000"/>
+                      </a:solidFill>
+                      <a:prstDash val="solid"/>
+                      <a:round/>
+                      <a:headEnd type="none" w="med" len="med"/>
+                      <a:tailEnd type="none" w="med" len="med"/>
+                    </a:lnB>
+                  </a:tcPr>
+                </a:tc>
+                <a:extLst>
+                  <a:ext uri="{0D108BD9-81ED-4DB2-BD59-A6C34878D82A}">
+                    <a16:rowId xmlns:a16="http://schemas.microsoft.com/office/drawing/2014/main" val="585434429"/>
+                  </a:ext>
+                </a:extLst>
+              </a:tr>
+            </a:tbl>
+          </a:graphicData>
+        </a:graphic>
+      </p:graphicFrame>
+      <p:sp>
+        <p:nvSpPr>
+          <p:cNvPr id="20" name="Rectangle 8"/>
+          <p:cNvSpPr>
+            <a:spLocks noChangeArrowheads="1"/>
+          </p:cNvSpPr>
+          <p:nvPr/>
+        </p:nvSpPr>
+        <p:spPr bwMode="auto">
+          <a:xfrm>
+            <a:off x="3038475" y="2400300"/>
+            <a:ext cx="12192000" cy="457200"/>
+          </a:xfrm>
+          <a:prstGeom prst="rect">
+            <a:avLst/>
+          </a:prstGeom>
+          <a:noFill/>
+          <a:ln>
+            <a:noFill/>
+          </a:ln>
+          <a:effectLst/>
+          <a:extLst>
+            <a:ext uri="{909E8E84-426E-40DD-AFC4-6F175D3DCCD1}">
+              <a14:hiddenFill xmlns:a14="http://schemas.microsoft.com/office/drawing/2010/main">
+                <a:solidFill>
+                  <a:schemeClr val="accent1"/>
+                </a:solidFill>
+              </a14:hiddenFill>
+            </a:ext>
+            <a:ext uri="{91240B29-F687-4F45-9708-019B960494DF}">
+              <a14:hiddenLine xmlns:a14="http://schemas.microsoft.com/office/drawing/2010/main" w="9525">
+                <a:solidFill>
+                  <a:schemeClr val="tx1"/>
+                </a:solidFill>
+                <a:miter lim="800000"/>
+                <a:headEnd/>
+                <a:tailEnd/>
+              </a14:hiddenLine>
+            </a:ext>
+            <a:ext uri="{AF507438-7753-43E0-B8FC-AC1667EBCBE1}">
+              <a14:hiddenEffects xmlns:a14="http://schemas.microsoft.com/office/drawing/2010/main">
+                <a:effectLst>
+                  <a:outerShdw dist="35921" dir="2700000" algn="ctr" rotWithShape="0">
+                    <a:schemeClr val="bg2"/>
+                  </a:outerShdw>
+                </a:effectLst>
+              </a14:hiddenEffects>
+            </a:ext>
+          </a:extLst>
+        </p:spPr>
+        <p:txBody>
+          <a:bodyPr vert="horz" wrap="none" lIns="91440" tIns="45720" rIns="91440" bIns="45720" numCol="1" anchor="ctr" anchorCtr="0" compatLnSpc="1">
+            <a:prstTxWarp prst="textNoShape">
+              <a:avLst/>
+            </a:prstTxWarp>
+            <a:spAutoFit/>
+          </a:bodyPr>
+          <a:lstStyle/>
+          <a:p>
+            <a:endParaRPr lang="ru-RU"/>
+          </a:p>
+        </p:txBody>
+      </p:sp>
+      <p:cxnSp>
+        <p:nvCxnSpPr>
+          <p:cNvPr id="21" name="Прямая соединительная линия 20"/>
+          <p:cNvCxnSpPr/>
+          <p:nvPr/>
+        </p:nvCxnSpPr>
+        <p:spPr>
+          <a:xfrm>
+            <a:off x="1260194" y="1164587"/>
+            <a:ext cx="3240686" cy="979173"/>
+          </a:xfrm>
+          <a:prstGeom prst="line">
+            <a:avLst/>
+          </a:prstGeom>
+        </p:spPr>
+        <p:style>
+          <a:lnRef idx="1">
+            <a:schemeClr val="dk1"/>
+          </a:lnRef>
+          <a:fillRef idx="0">
+            <a:schemeClr val="dk1"/>
+          </a:fillRef>
+          <a:effectRef idx="0">
+            <a:schemeClr val="dk1"/>
+          </a:effectRef>
+          <a:fontRef idx="minor">
+            <a:schemeClr val="tx1"/>
+          </a:fontRef>
+        </p:style>
+      </p:cxnSp>
+      <p:sp>
+        <p:nvSpPr>
+          <p:cNvPr id="25" name="TextBox 24"/>
+          <p:cNvSpPr txBox="1"/>
+          <p:nvPr/>
+        </p:nvSpPr>
+        <p:spPr>
+          <a:xfrm>
+            <a:off x="1534159" y="1694537"/>
+            <a:ext cx="1137921" cy="369332"/>
+          </a:xfrm>
+          <a:prstGeom prst="rect">
+            <a:avLst/>
+          </a:prstGeom>
+          <a:noFill/>
+        </p:spPr>
+        <p:txBody>
+          <a:bodyPr wrap="square" rtlCol="0">
+            <a:spAutoFit/>
+          </a:bodyPr>
+          <a:lstStyle/>
+          <a:p>
+            <a:r>
+              <a:rPr lang="ru-RU" b="1" dirty="0" smtClean="0">
+                <a:latin typeface="Times New Roman" panose="02020603050405020304" pitchFamily="18" charset="0"/>
+                <a:cs typeface="Times New Roman" panose="02020603050405020304" pitchFamily="18" charset="0"/>
+              </a:rPr>
+              <a:t>Методы</a:t>
+            </a:r>
+            <a:endParaRPr lang="ru-RU" b="1" dirty="0">
+              <a:latin typeface="Times New Roman" panose="02020603050405020304" pitchFamily="18" charset="0"/>
+              <a:cs typeface="Times New Roman" panose="02020603050405020304" pitchFamily="18" charset="0"/>
+            </a:endParaRPr>
+          </a:p>
+        </p:txBody>
+      </p:sp>
+    </p:spTree>
+    <p:extLst>
+      <p:ext uri="{BB962C8B-B14F-4D97-AF65-F5344CB8AC3E}">
+        <p14:creationId xmlns:p14="http://schemas.microsoft.com/office/powerpoint/2010/main" val="3600674591"/>
+      </p:ext>
+    </p:extLst>
+  </p:cSld>
+  <p:clrMapOvr>
+    <a:masterClrMapping/>
+  </p:clrMapOvr>
+  <p:timing>
+    <p:tnLst>
+      <p:par>
+        <p:cTn id="1" dur="indefinite" restart="never" nodeType="tmRoot"/>
+      </p:par>
+    </p:tnLst>
+  </p:timing>
+</p:sld>
+</file>
+
+<file path=ppt/slides/slide18.xml><?xml version="1.0" encoding="utf-8"?>
+<p:sld xmlns:a="http://schemas.openxmlformats.org/drawingml/2006/main" xmlns:r="http://schemas.openxmlformats.org/officeDocument/2006/relationships" xmlns:p="http://schemas.openxmlformats.org/presentationml/2006/main">
+  <p:cSld>
+    <p:spTree>
+      <p:nvGrpSpPr>
+        <p:cNvPr id="1" name=""/>
+        <p:cNvGrpSpPr/>
+        <p:nvPr/>
+      </p:nvGrpSpPr>
+      <p:grpSpPr>
+        <a:xfrm>
+          <a:off x="0" y="0"/>
+          <a:ext cx="0" cy="0"/>
+          <a:chOff x="0" y="0"/>
+          <a:chExt cx="0" cy="0"/>
+        </a:xfrm>
+      </p:grpSpPr>
+      <p:sp>
+        <p:nvSpPr>
           <p:cNvPr id="2" name="Заголовок 1">
             <a:extLst>
               <a:ext uri="{FF2B5EF4-FFF2-40B4-BE49-F238E27FC236}">
@@ -5583,6 +8709,201 @@
         <p:spPr>
           <a:xfrm>
             <a:off x="428017" y="-72232"/>
+            <a:ext cx="10818160" cy="1325563"/>
+          </a:xfrm>
+        </p:spPr>
+        <p:txBody>
+          <a:bodyPr>
+            <a:normAutofit/>
+          </a:bodyPr>
+          <a:lstStyle/>
+          <a:p>
+            <a:r>
+              <a:rPr lang="ru-RU" sz="3600" dirty="0" smtClean="0">
+                <a:latin typeface="Times New Roman" panose="02020603050405020304" pitchFamily="18" charset="0"/>
+                <a:cs typeface="Times New Roman" panose="02020603050405020304" pitchFamily="18" charset="0"/>
+              </a:rPr>
+              <a:t>Оценка времени выполнения программы</a:t>
+            </a:r>
+            <a:endParaRPr lang="ru-RU" sz="3600" dirty="0">
+              <a:latin typeface="Times New Roman" panose="02020603050405020304" pitchFamily="18" charset="0"/>
+              <a:cs typeface="Times New Roman" panose="02020603050405020304" pitchFamily="18" charset="0"/>
+            </a:endParaRPr>
+          </a:p>
+        </p:txBody>
+      </p:sp>
+      <p:sp>
+        <p:nvSpPr>
+          <p:cNvPr id="8" name="Номер слайда 7">
+            <a:extLst>
+              <a:ext uri="{FF2B5EF4-FFF2-40B4-BE49-F238E27FC236}">
+                <a16:creationId xmlns:a16="http://schemas.microsoft.com/office/drawing/2014/main" id="{356084EE-032E-E484-80F4-B50DED37102A}"/>
+              </a:ext>
+            </a:extLst>
+          </p:cNvPr>
+          <p:cNvSpPr>
+            <a:spLocks noGrp="1"/>
+          </p:cNvSpPr>
+          <p:nvPr>
+            <p:ph type="sldNum" sz="quarter" idx="12"/>
+          </p:nvPr>
+        </p:nvSpPr>
+        <p:spPr/>
+        <p:txBody>
+          <a:bodyPr/>
+          <a:lstStyle/>
+          <a:p>
+            <a:fld id="{E83D2FD5-BBDA-43D0-B172-791327EA2B6A}" type="slidenum">
+              <a:rPr lang="ru-RU" smtClean="0"/>
+              <a:t>18</a:t>
+            </a:fld>
+            <a:endParaRPr lang="ru-RU"/>
+          </a:p>
+        </p:txBody>
+      </p:sp>
+      <p:pic>
+        <p:nvPicPr>
+          <p:cNvPr id="6" name="Рисунок 5"/>
+          <p:cNvPicPr>
+            <a:picLocks noChangeAspect="1"/>
+          </p:cNvPicPr>
+          <p:nvPr/>
+        </p:nvPicPr>
+        <p:blipFill>
+          <a:blip r:embed="rId2">
+            <a:extLst>
+              <a:ext uri="{28A0092B-C50C-407E-A947-70E740481C1C}">
+                <a14:useLocalDpi xmlns:a14="http://schemas.microsoft.com/office/drawing/2010/main" val="0"/>
+              </a:ext>
+            </a:extLst>
+          </a:blip>
+          <a:stretch>
+            <a:fillRect/>
+          </a:stretch>
+        </p:blipFill>
+        <p:spPr>
+          <a:xfrm>
+            <a:off x="428017" y="1600540"/>
+            <a:ext cx="7960185" cy="4107533"/>
+          </a:xfrm>
+          <a:prstGeom prst="rect">
+            <a:avLst/>
+          </a:prstGeom>
+        </p:spPr>
+      </p:pic>
+      <p:sp>
+        <p:nvSpPr>
+          <p:cNvPr id="7" name="TextBox 6"/>
+          <p:cNvSpPr txBox="1"/>
+          <p:nvPr/>
+        </p:nvSpPr>
+        <p:spPr>
+          <a:xfrm>
+            <a:off x="8610600" y="1793950"/>
+            <a:ext cx="3489036" cy="3046988"/>
+          </a:xfrm>
+          <a:prstGeom prst="rect">
+            <a:avLst/>
+          </a:prstGeom>
+          <a:noFill/>
+        </p:spPr>
+        <p:txBody>
+          <a:bodyPr wrap="square" rtlCol="0">
+            <a:spAutoFit/>
+          </a:bodyPr>
+          <a:lstStyle/>
+          <a:p>
+            <a:r>
+              <a:rPr lang="ru-RU" sz="2400" dirty="0">
+                <a:latin typeface="Times New Roman" panose="02020603050405020304" pitchFamily="18" charset="0"/>
+                <a:cs typeface="Times New Roman" panose="02020603050405020304" pitchFamily="18" charset="0"/>
+              </a:rPr>
+              <a:t>З</a:t>
+            </a:r>
+            <a:r>
+              <a:rPr lang="ru-RU" sz="2400" dirty="0" smtClean="0">
+                <a:latin typeface="Times New Roman" panose="02020603050405020304" pitchFamily="18" charset="0"/>
+                <a:cs typeface="Times New Roman" panose="02020603050405020304" pitchFamily="18" charset="0"/>
+              </a:rPr>
+              <a:t>ависимость между объемом входных данных и временем выполнения программы прямая. Обработка максимального количества строк занимает меньше 200 </a:t>
+            </a:r>
+            <a:r>
+              <a:rPr lang="ru-RU" sz="2400" dirty="0" err="1" smtClean="0">
+                <a:latin typeface="Times New Roman" panose="02020603050405020304" pitchFamily="18" charset="0"/>
+                <a:cs typeface="Times New Roman" panose="02020603050405020304" pitchFamily="18" charset="0"/>
+              </a:rPr>
+              <a:t>мс</a:t>
+            </a:r>
+            <a:r>
+              <a:rPr lang="ru-RU" sz="2400" dirty="0" smtClean="0">
+                <a:latin typeface="Times New Roman" panose="02020603050405020304" pitchFamily="18" charset="0"/>
+                <a:cs typeface="Times New Roman" panose="02020603050405020304" pitchFamily="18" charset="0"/>
+              </a:rPr>
+              <a:t>.</a:t>
+            </a:r>
+            <a:endParaRPr lang="ru-RU" sz="2400" dirty="0">
+              <a:latin typeface="Times New Roman" panose="02020603050405020304" pitchFamily="18" charset="0"/>
+              <a:cs typeface="Times New Roman" panose="02020603050405020304" pitchFamily="18" charset="0"/>
+            </a:endParaRPr>
+          </a:p>
+        </p:txBody>
+      </p:sp>
+    </p:spTree>
+    <p:extLst>
+      <p:ext uri="{BB962C8B-B14F-4D97-AF65-F5344CB8AC3E}">
+        <p14:creationId xmlns:p14="http://schemas.microsoft.com/office/powerpoint/2010/main" val="1539733540"/>
+      </p:ext>
+    </p:extLst>
+  </p:cSld>
+  <p:clrMapOvr>
+    <a:masterClrMapping/>
+  </p:clrMapOvr>
+  <p:timing>
+    <p:tnLst>
+      <p:par>
+        <p:cTn id="1" dur="indefinite" restart="never" nodeType="tmRoot"/>
+      </p:par>
+    </p:tnLst>
+  </p:timing>
+</p:sld>
+</file>
+
+<file path=ppt/slides/slide19.xml><?xml version="1.0" encoding="utf-8"?>
+<p:sld xmlns:a="http://schemas.openxmlformats.org/drawingml/2006/main" xmlns:r="http://schemas.openxmlformats.org/officeDocument/2006/relationships" xmlns:p="http://schemas.openxmlformats.org/presentationml/2006/main">
+  <p:cSld>
+    <p:spTree>
+      <p:nvGrpSpPr>
+        <p:cNvPr id="1" name=""/>
+        <p:cNvGrpSpPr/>
+        <p:nvPr/>
+      </p:nvGrpSpPr>
+      <p:grpSpPr>
+        <a:xfrm>
+          <a:off x="0" y="0"/>
+          <a:ext cx="0" cy="0"/>
+          <a:chOff x="0" y="0"/>
+          <a:chExt cx="0" cy="0"/>
+        </a:xfrm>
+      </p:grpSpPr>
+      <p:sp>
+        <p:nvSpPr>
+          <p:cNvPr id="2" name="Заголовок 1">
+            <a:extLst>
+              <a:ext uri="{FF2B5EF4-FFF2-40B4-BE49-F238E27FC236}">
+                <a16:creationId xmlns:a16="http://schemas.microsoft.com/office/drawing/2014/main" id="{1802D59D-6A83-151A-EEA2-678960399BE4}"/>
+              </a:ext>
+            </a:extLst>
+          </p:cNvPr>
+          <p:cNvSpPr>
+            <a:spLocks noGrp="1"/>
+          </p:cNvSpPr>
+          <p:nvPr>
+            <p:ph type="title"/>
+          </p:nvPr>
+        </p:nvSpPr>
+        <p:spPr>
+          <a:xfrm>
+            <a:off x="428017" y="-72232"/>
             <a:ext cx="10515600" cy="1325563"/>
           </a:xfrm>
         </p:spPr>
@@ -5629,7 +8950,7 @@
           <a:p>
             <a:fld id="{E83D2FD5-BBDA-43D0-B172-791327EA2B6A}" type="slidenum">
               <a:rPr lang="ru-RU" smtClean="0"/>
-              <a:t>17</a:t>
+              <a:t>19</a:t>
             </a:fld>
             <a:endParaRPr lang="ru-RU" dirty="0"/>
           </a:p>
@@ -5707,11 +9028,18 @@
               <a:buAutoNum type="arabicParenR"/>
             </a:pPr>
             <a:r>
+              <a:rPr lang="ru-RU" sz="2400" dirty="0" smtClean="0">
+                <a:latin typeface="Times New Roman" panose="02020603050405020304" pitchFamily="18" charset="0"/>
+                <a:ea typeface="Times New Roman" panose="02020603050405020304" pitchFamily="18" charset="0"/>
+              </a:rPr>
+              <a:t>произведены анализ и сравнение существующих методов </a:t>
+            </a:r>
+            <a:r>
               <a:rPr lang="ru-RU" sz="2400" dirty="0">
                 <a:latin typeface="Times New Roman" panose="02020603050405020304" pitchFamily="18" charset="0"/>
                 <a:ea typeface="Times New Roman" panose="02020603050405020304" pitchFamily="18" charset="0"/>
               </a:rPr>
-              <a:t>проанализированы и сравнены существующие методы машинного обучения для обнаружения дефектов ПО;</a:t>
+              <a:t>машинного обучения для обнаружения дефектов ПО;</a:t>
             </a:r>
           </a:p>
           <a:p>
@@ -5743,7 +9071,21 @@
                 <a:latin typeface="Times New Roman" panose="02020603050405020304" pitchFamily="18" charset="0"/>
                 <a:ea typeface="Times New Roman" panose="02020603050405020304" pitchFamily="18" charset="0"/>
               </a:rPr>
-              <a:t>разработано программное обеспечение, реализующее метод обнаружения дефектов ПО;</a:t>
+              <a:t>р</a:t>
+            </a:r>
+            <a:r>
+              <a:rPr lang="ru-RU" sz="2400" dirty="0" smtClean="0">
+                <a:latin typeface="Times New Roman" panose="02020603050405020304" pitchFamily="18" charset="0"/>
+                <a:ea typeface="Times New Roman" panose="02020603050405020304" pitchFamily="18" charset="0"/>
+              </a:rPr>
+              <a:t>азработано ПО, реализующее </a:t>
+            </a:r>
+            <a:r>
+              <a:rPr lang="ru-RU" sz="2400" dirty="0">
+                <a:latin typeface="Times New Roman" panose="02020603050405020304" pitchFamily="18" charset="0"/>
+                <a:ea typeface="Times New Roman" panose="02020603050405020304" pitchFamily="18" charset="0"/>
+              </a:rPr>
+              <a:t>метод обнаружения дефектов ПО;</a:t>
             </a:r>
           </a:p>
           <a:p>
@@ -5788,6 +9130,13 @@
   <p:clrMapOvr>
     <a:masterClrMapping/>
   </p:clrMapOvr>
+  <p:timing>
+    <p:tnLst>
+      <p:par>
+        <p:cTn id="1" dur="indefinite" restart="never" nodeType="tmRoot"/>
+      </p:par>
+    </p:tnLst>
+  </p:timing>
 </p:sld>
 </file>
 
@@ -5810,7 +9159,7 @@
       </p:grpSpPr>
       <p:sp>
         <p:nvSpPr>
-          <p:cNvPr id="2" name="Заголовок 1">
+          <p:cNvPr id="5" name="Заголовок 1">
             <a:extLst>
               <a:ext uri="{FF2B5EF4-FFF2-40B4-BE49-F238E27FC236}">
                 <a16:creationId xmlns:a16="http://schemas.microsoft.com/office/drawing/2014/main" id="{1802D59D-6A83-151A-EEA2-678960399BE4}"/>
@@ -5841,7 +9190,7 @@
                 <a:latin typeface="Times New Roman" panose="02020603050405020304" pitchFamily="18" charset="0"/>
                 <a:cs typeface="Times New Roman" panose="02020603050405020304" pitchFamily="18" charset="0"/>
               </a:rPr>
-              <a:t>Цель и задачи</a:t>
+              <a:t>Актуальность</a:t>
             </a:r>
             <a:endParaRPr lang="ru-RU" sz="3600" dirty="0">
               <a:latin typeface="Times New Roman" panose="02020603050405020304" pitchFamily="18" charset="0"/>
@@ -5852,243 +9201,231 @@
       </p:sp>
       <p:sp>
         <p:nvSpPr>
-          <p:cNvPr id="3" name="Объект 2">
-            <a:extLst>
-              <a:ext uri="{FF2B5EF4-FFF2-40B4-BE49-F238E27FC236}">
-                <a16:creationId xmlns:a16="http://schemas.microsoft.com/office/drawing/2014/main" id="{68541323-2632-074C-E69F-FC80AB230174}"/>
-              </a:ext>
-            </a:extLst>
-          </p:cNvPr>
-          <p:cNvSpPr>
-            <a:spLocks noGrp="1"/>
-          </p:cNvSpPr>
-          <p:nvPr>
-            <p:ph idx="1"/>
-          </p:nvPr>
+          <p:cNvPr id="7" name="TextBox 6"/>
+          <p:cNvSpPr txBox="1"/>
+          <p:nvPr/>
         </p:nvSpPr>
         <p:spPr>
           <a:xfrm>
-            <a:off x="428017" y="1552581"/>
-            <a:ext cx="11182378" cy="5739051"/>
+            <a:off x="428017" y="1717040"/>
+            <a:ext cx="11042623" cy="3970318"/>
           </a:xfrm>
+          <a:prstGeom prst="rect">
+            <a:avLst/>
+          </a:prstGeom>
+          <a:noFill/>
         </p:spPr>
         <p:txBody>
-          <a:bodyPr>
-            <a:noAutofit/>
+          <a:bodyPr wrap="square" rtlCol="0">
+            <a:spAutoFit/>
           </a:bodyPr>
           <a:lstStyle/>
           <a:p>
-            <a:pPr indent="0" algn="just">
-              <a:lnSpc>
-                <a:spcPct val="100000"/>
-              </a:lnSpc>
-              <a:buNone/>
+            <a:pPr marL="342900" indent="-342900">
+              <a:buFont typeface="Arial" panose="020B0604020202020204" pitchFamily="34" charset="0"/>
+              <a:buChar char="•"/>
             </a:pPr>
             <a:r>
-              <a:rPr lang="ru-RU" sz="2400" b="1" dirty="0" smtClean="0">
-                <a:effectLst/>
-                <a:latin typeface="Times New Roman" panose="02020603050405020304" pitchFamily="18" charset="0"/>
-                <a:ea typeface="Times New Roman" panose="02020603050405020304" pitchFamily="18" charset="0"/>
-              </a:rPr>
-              <a:t>Цель</a:t>
-            </a:r>
-            <a:r>
-              <a:rPr lang="ru-RU" sz="2400" b="1" dirty="0">
-                <a:effectLst/>
-                <a:latin typeface="Times New Roman" panose="02020603050405020304" pitchFamily="18" charset="0"/>
-                <a:ea typeface="Times New Roman" panose="02020603050405020304" pitchFamily="18" charset="0"/>
-              </a:rPr>
-              <a:t>: </a:t>
-            </a:r>
-            <a:r>
-              <a:rPr lang="ru-RU" sz="2400" dirty="0">
-                <a:latin typeface="Times New Roman" panose="02020603050405020304" pitchFamily="18" charset="0"/>
-                <a:ea typeface="Times New Roman" panose="02020603050405020304" pitchFamily="18" charset="0"/>
-              </a:rPr>
-              <a:t>разработка и программная реализация метода обнаружения дефектов ПО с использованием алгоритмов машинного </a:t>
-            </a:r>
-            <a:r>
-              <a:rPr lang="ru-RU" sz="2400" dirty="0" smtClean="0">
-                <a:latin typeface="Times New Roman" panose="02020603050405020304" pitchFamily="18" charset="0"/>
-                <a:ea typeface="Times New Roman" panose="02020603050405020304" pitchFamily="18" charset="0"/>
+              <a:rPr lang="ru-RU" sz="2800" dirty="0" smtClean="0">
+                <a:latin typeface="Times New Roman" panose="02020603050405020304" pitchFamily="18" charset="0"/>
+                <a:cs typeface="Times New Roman" panose="02020603050405020304" pitchFamily="18" charset="0"/>
+              </a:rPr>
+              <a:t>Одна </a:t>
+            </a:r>
+            <a:r>
+              <a:rPr lang="ru-RU" sz="2800" dirty="0">
+                <a:latin typeface="Times New Roman" panose="02020603050405020304" pitchFamily="18" charset="0"/>
+                <a:cs typeface="Times New Roman" panose="02020603050405020304" pitchFamily="18" charset="0"/>
+              </a:rPr>
+              <a:t>из актуальных проблем </a:t>
+            </a:r>
+            <a:r>
+              <a:rPr lang="ru-RU" sz="2800" dirty="0" smtClean="0">
+                <a:latin typeface="Times New Roman" panose="02020603050405020304" pitchFamily="18" charset="0"/>
+                <a:cs typeface="Times New Roman" panose="02020603050405020304" pitchFamily="18" charset="0"/>
+              </a:rPr>
+              <a:t>разработки </a:t>
+            </a:r>
+            <a:r>
+              <a:rPr lang="ru-RU" sz="2800" dirty="0">
+                <a:latin typeface="Times New Roman" panose="02020603050405020304" pitchFamily="18" charset="0"/>
+                <a:cs typeface="Times New Roman" panose="02020603050405020304" pitchFamily="18" charset="0"/>
+              </a:rPr>
+              <a:t>программного </a:t>
+            </a:r>
+            <a:r>
+              <a:rPr lang="ru-RU" sz="2800" dirty="0" smtClean="0">
+                <a:latin typeface="Times New Roman" panose="02020603050405020304" pitchFamily="18" charset="0"/>
+                <a:cs typeface="Times New Roman" panose="02020603050405020304" pitchFamily="18" charset="0"/>
+              </a:rPr>
+              <a:t>обеспечения (ПО) </a:t>
+            </a:r>
+            <a:r>
+              <a:rPr lang="ru-RU" sz="2800" dirty="0">
+                <a:latin typeface="Times New Roman" panose="02020603050405020304" pitchFamily="18" charset="0"/>
+                <a:cs typeface="Times New Roman" panose="02020603050405020304" pitchFamily="18" charset="0"/>
+              </a:rPr>
+              <a:t>–</a:t>
+            </a:r>
+            <a:r>
+              <a:rPr lang="ru-RU" sz="2800" dirty="0" smtClean="0">
+                <a:latin typeface="Times New Roman" panose="02020603050405020304" pitchFamily="18" charset="0"/>
+                <a:cs typeface="Times New Roman" panose="02020603050405020304" pitchFamily="18" charset="0"/>
+              </a:rPr>
+              <a:t> </a:t>
+            </a:r>
+            <a:r>
+              <a:rPr lang="ru-RU" sz="2800" dirty="0">
+                <a:latin typeface="Times New Roman" panose="02020603050405020304" pitchFamily="18" charset="0"/>
+                <a:cs typeface="Times New Roman" panose="02020603050405020304" pitchFamily="18" charset="0"/>
+              </a:rPr>
+              <a:t>наличие </a:t>
+            </a:r>
+            <a:r>
+              <a:rPr lang="ru-RU" sz="2800" dirty="0" smtClean="0">
+                <a:latin typeface="Times New Roman" panose="02020603050405020304" pitchFamily="18" charset="0"/>
+                <a:cs typeface="Times New Roman" panose="02020603050405020304" pitchFamily="18" charset="0"/>
+              </a:rPr>
+              <a:t>дефектов.</a:t>
+            </a:r>
+            <a:r>
+              <a:rPr lang="en-US" sz="2800" dirty="0" smtClean="0">
+                <a:latin typeface="Times New Roman" panose="02020603050405020304" pitchFamily="18" charset="0"/>
+                <a:cs typeface="Times New Roman" panose="02020603050405020304" pitchFamily="18" charset="0"/>
+              </a:rPr>
+              <a:t> </a:t>
+            </a:r>
+          </a:p>
+          <a:p>
+            <a:pPr marL="342900" indent="-342900">
+              <a:buFont typeface="Arial" panose="020B0604020202020204" pitchFamily="34" charset="0"/>
+              <a:buChar char="•"/>
+            </a:pPr>
+            <a:endParaRPr lang="en-US" sz="2800" dirty="0" smtClean="0">
+              <a:latin typeface="Times New Roman" panose="02020603050405020304" pitchFamily="18" charset="0"/>
+              <a:cs typeface="Times New Roman" panose="02020603050405020304" pitchFamily="18" charset="0"/>
+            </a:endParaRPr>
+          </a:p>
+          <a:p>
+            <a:pPr marL="342900" indent="-342900">
+              <a:buFont typeface="Arial" panose="020B0604020202020204" pitchFamily="34" charset="0"/>
+              <a:buChar char="•"/>
+            </a:pPr>
+            <a:r>
+              <a:rPr lang="ru-RU" sz="2800" dirty="0" smtClean="0">
+                <a:latin typeface="Times New Roman" panose="02020603050405020304" pitchFamily="18" charset="0"/>
+                <a:cs typeface="Times New Roman" panose="02020603050405020304" pitchFamily="18" charset="0"/>
+              </a:rPr>
+              <a:t>Затраты </a:t>
+            </a:r>
+            <a:r>
+              <a:rPr lang="ru-RU" sz="2800" dirty="0">
+                <a:latin typeface="Times New Roman" panose="02020603050405020304" pitchFamily="18" charset="0"/>
+                <a:cs typeface="Times New Roman" panose="02020603050405020304" pitchFamily="18" charset="0"/>
+              </a:rPr>
+              <a:t>на выявление и устранение дефектов могут составлять до 80% от общей стоимости </a:t>
+            </a:r>
+            <a:r>
+              <a:rPr lang="ru-RU" sz="2800" dirty="0" smtClean="0">
+                <a:latin typeface="Times New Roman" panose="02020603050405020304" pitchFamily="18" charset="0"/>
+                <a:cs typeface="Times New Roman" panose="02020603050405020304" pitchFamily="18" charset="0"/>
+              </a:rPr>
+              <a:t>ПО.</a:t>
+            </a:r>
+            <a:endParaRPr lang="en-US" sz="2800" dirty="0" smtClean="0">
+              <a:latin typeface="Times New Roman" panose="02020603050405020304" pitchFamily="18" charset="0"/>
+              <a:cs typeface="Times New Roman" panose="02020603050405020304" pitchFamily="18" charset="0"/>
+            </a:endParaRPr>
+          </a:p>
+          <a:p>
+            <a:pPr marL="342900" indent="-342900">
+              <a:buFont typeface="Arial" panose="020B0604020202020204" pitchFamily="34" charset="0"/>
+              <a:buChar char="•"/>
+            </a:pPr>
+            <a:endParaRPr lang="en-US" sz="2800" dirty="0" smtClean="0">
+              <a:latin typeface="Times New Roman" panose="02020603050405020304" pitchFamily="18" charset="0"/>
+              <a:cs typeface="Times New Roman" panose="02020603050405020304" pitchFamily="18" charset="0"/>
+            </a:endParaRPr>
+          </a:p>
+          <a:p>
+            <a:pPr marL="342900" indent="-342900">
+              <a:buFont typeface="Arial" panose="020B0604020202020204" pitchFamily="34" charset="0"/>
+              <a:buChar char="•"/>
+            </a:pPr>
+            <a:r>
+              <a:rPr lang="ru-RU" sz="2800" dirty="0" smtClean="0">
+                <a:latin typeface="Times New Roman" panose="02020603050405020304" pitchFamily="18" charset="0"/>
+                <a:cs typeface="Times New Roman" panose="02020603050405020304" pitchFamily="18" charset="0"/>
+              </a:rPr>
+              <a:t>Существуют</a:t>
+            </a:r>
+            <a:r>
+              <a:rPr lang="en-US" sz="2800" dirty="0" smtClean="0">
+                <a:latin typeface="Times New Roman" panose="02020603050405020304" pitchFamily="18" charset="0"/>
+                <a:cs typeface="Times New Roman" panose="02020603050405020304" pitchFamily="18" charset="0"/>
+              </a:rPr>
+              <a:t> </a:t>
+            </a:r>
+            <a:r>
+              <a:rPr lang="ru-RU" sz="2800" dirty="0" smtClean="0">
+                <a:latin typeface="Times New Roman" panose="02020603050405020304" pitchFamily="18" charset="0"/>
+                <a:cs typeface="Times New Roman" panose="02020603050405020304" pitchFamily="18" charset="0"/>
+              </a:rPr>
+              <a:t>различные технологии </a:t>
+            </a:r>
+            <a:r>
+              <a:rPr lang="ru-RU" sz="2800" dirty="0">
+                <a:latin typeface="Times New Roman" panose="02020603050405020304" pitchFamily="18" charset="0"/>
+                <a:cs typeface="Times New Roman" panose="02020603050405020304" pitchFamily="18" charset="0"/>
+              </a:rPr>
+              <a:t>для определения </a:t>
+            </a:r>
+            <a:r>
+              <a:rPr lang="ru-RU" sz="2800" dirty="0" smtClean="0">
+                <a:latin typeface="Times New Roman" panose="02020603050405020304" pitchFamily="18" charset="0"/>
+                <a:cs typeface="Times New Roman" panose="02020603050405020304" pitchFamily="18" charset="0"/>
+              </a:rPr>
+              <a:t>дефектов. </a:t>
+            </a:r>
+            <a:r>
+              <a:rPr lang="ru-RU" sz="2800" dirty="0">
+                <a:latin typeface="Times New Roman" panose="02020603050405020304" pitchFamily="18" charset="0"/>
+                <a:cs typeface="Times New Roman" panose="02020603050405020304" pitchFamily="18" charset="0"/>
+              </a:rPr>
+              <a:t>В данной работе предлагается использовать </a:t>
+            </a:r>
+            <a:r>
+              <a:rPr lang="ru-RU" sz="2800" dirty="0" smtClean="0">
+                <a:latin typeface="Times New Roman" panose="02020603050405020304" pitchFamily="18" charset="0"/>
+                <a:cs typeface="Times New Roman" panose="02020603050405020304" pitchFamily="18" charset="0"/>
+              </a:rPr>
+              <a:t>методы </a:t>
+            </a:r>
+            <a:r>
+              <a:rPr lang="ru-RU" sz="2800" dirty="0">
+                <a:latin typeface="Times New Roman" panose="02020603050405020304" pitchFamily="18" charset="0"/>
+                <a:cs typeface="Times New Roman" panose="02020603050405020304" pitchFamily="18" charset="0"/>
+              </a:rPr>
+              <a:t>машинного </a:t>
+            </a:r>
+            <a:r>
+              <a:rPr lang="ru-RU" sz="2800" dirty="0" smtClean="0">
+                <a:latin typeface="Times New Roman" panose="02020603050405020304" pitchFamily="18" charset="0"/>
+                <a:cs typeface="Times New Roman" panose="02020603050405020304" pitchFamily="18" charset="0"/>
               </a:rPr>
               <a:t>обучения.</a:t>
             </a:r>
-            <a:r>
-              <a:rPr lang="ru-RU" sz="2400" dirty="0" smtClean="0">
-                <a:effectLst/>
-                <a:latin typeface="Times New Roman" panose="02020603050405020304" pitchFamily="18" charset="0"/>
-                <a:ea typeface="Times New Roman" panose="02020603050405020304" pitchFamily="18" charset="0"/>
-              </a:rPr>
-              <a:t> </a:t>
-            </a:r>
-            <a:endParaRPr lang="ru-RU" sz="2400" dirty="0">
+            <a:endParaRPr lang="ru-RU" sz="2800" dirty="0">
               <a:effectLst/>
               <a:latin typeface="Times New Roman" panose="02020603050405020304" pitchFamily="18" charset="0"/>
-              <a:ea typeface="Times New Roman" panose="02020603050405020304" pitchFamily="18" charset="0"/>
+              <a:cs typeface="Times New Roman" panose="02020603050405020304" pitchFamily="18" charset="0"/>
             </a:endParaRPr>
           </a:p>
-          <a:p>
-            <a:pPr indent="0" algn="just">
-              <a:lnSpc>
-                <a:spcPct val="100000"/>
-              </a:lnSpc>
-              <a:buNone/>
-            </a:pPr>
-            <a:r>
-              <a:rPr lang="ru-RU" sz="2400" b="1" dirty="0">
-                <a:latin typeface="Times New Roman" panose="02020603050405020304" pitchFamily="18" charset="0"/>
-                <a:ea typeface="Times New Roman" panose="02020603050405020304" pitchFamily="18" charset="0"/>
-              </a:rPr>
-              <a:t>Задачи</a:t>
-            </a:r>
-            <a:r>
-              <a:rPr lang="ru-RU" sz="2400" dirty="0">
-                <a:latin typeface="Times New Roman" panose="02020603050405020304" pitchFamily="18" charset="0"/>
-                <a:ea typeface="Times New Roman" panose="02020603050405020304" pitchFamily="18" charset="0"/>
-              </a:rPr>
-              <a:t>:</a:t>
-            </a:r>
-            <a:endParaRPr lang="ru-RU" sz="2400" dirty="0">
-              <a:effectLst/>
-              <a:latin typeface="Times New Roman" panose="02020603050405020304" pitchFamily="18" charset="0"/>
-              <a:ea typeface="Times New Roman" panose="02020603050405020304" pitchFamily="18" charset="0"/>
-            </a:endParaRPr>
-          </a:p>
-          <a:p>
-            <a:pPr marL="342900" lvl="0" indent="-342900" algn="just">
-              <a:lnSpc>
-                <a:spcPct val="100000"/>
-              </a:lnSpc>
-              <a:buFont typeface="+mj-lt"/>
-              <a:buAutoNum type="arabicParenR"/>
-            </a:pPr>
-            <a:r>
-              <a:rPr lang="ru-RU" sz="2400" dirty="0" smtClean="0">
-                <a:latin typeface="Times New Roman" panose="02020603050405020304" pitchFamily="18" charset="0"/>
-                <a:ea typeface="Times New Roman" panose="02020603050405020304" pitchFamily="18" charset="0"/>
-              </a:rPr>
-              <a:t>проанализировать </a:t>
-            </a:r>
-            <a:r>
-              <a:rPr lang="ru-RU" sz="2400" dirty="0">
-                <a:latin typeface="Times New Roman" panose="02020603050405020304" pitchFamily="18" charset="0"/>
-                <a:ea typeface="Times New Roman" panose="02020603050405020304" pitchFamily="18" charset="0"/>
-              </a:rPr>
-              <a:t>и сравнить существующие методы машинного обучения для обнаружения дефектов </a:t>
-            </a:r>
-            <a:r>
-              <a:rPr lang="ru-RU" sz="2400" dirty="0" smtClean="0">
-                <a:latin typeface="Times New Roman" panose="02020603050405020304" pitchFamily="18" charset="0"/>
-                <a:ea typeface="Times New Roman" panose="02020603050405020304" pitchFamily="18" charset="0"/>
-              </a:rPr>
-              <a:t>ПО;</a:t>
-            </a:r>
-          </a:p>
-          <a:p>
-            <a:pPr marL="342900" lvl="0" indent="-342900" algn="just">
-              <a:lnSpc>
-                <a:spcPct val="100000"/>
-              </a:lnSpc>
-              <a:buFont typeface="+mj-lt"/>
-              <a:buAutoNum type="arabicParenR"/>
-            </a:pPr>
-            <a:r>
-              <a:rPr lang="ru-RU" sz="2400" dirty="0" smtClean="0">
-                <a:latin typeface="Times New Roman" panose="02020603050405020304" pitchFamily="18" charset="0"/>
-                <a:ea typeface="Times New Roman" panose="02020603050405020304" pitchFamily="18" charset="0"/>
-              </a:rPr>
-              <a:t>разработать </a:t>
-            </a:r>
-            <a:r>
-              <a:rPr lang="ru-RU" sz="2400" dirty="0">
-                <a:latin typeface="Times New Roman" panose="02020603050405020304" pitchFamily="18" charset="0"/>
-                <a:ea typeface="Times New Roman" panose="02020603050405020304" pitchFamily="18" charset="0"/>
-              </a:rPr>
-              <a:t>метод обнаружения дефектов ПО с применением ансамбля деревьев решений (градиентного бустинга); </a:t>
-            </a:r>
-            <a:endParaRPr lang="ru-RU" sz="2400" dirty="0" smtClean="0">
-              <a:latin typeface="Times New Roman" panose="02020603050405020304" pitchFamily="18" charset="0"/>
-              <a:ea typeface="Times New Roman" panose="02020603050405020304" pitchFamily="18" charset="0"/>
-            </a:endParaRPr>
-          </a:p>
-          <a:p>
-            <a:pPr marL="342900" lvl="0" indent="-342900" algn="just">
-              <a:lnSpc>
-                <a:spcPct val="100000"/>
-              </a:lnSpc>
-              <a:buFont typeface="+mj-lt"/>
-              <a:buAutoNum type="arabicParenR"/>
-            </a:pPr>
-            <a:r>
-              <a:rPr lang="ru-RU" sz="2400" dirty="0" smtClean="0">
-                <a:latin typeface="Times New Roman" panose="02020603050405020304" pitchFamily="18" charset="0"/>
-                <a:ea typeface="Times New Roman" panose="02020603050405020304" pitchFamily="18" charset="0"/>
-              </a:rPr>
-              <a:t>разработать </a:t>
-            </a:r>
-            <a:r>
-              <a:rPr lang="ru-RU" sz="2400" dirty="0">
-                <a:latin typeface="Times New Roman" panose="02020603050405020304" pitchFamily="18" charset="0"/>
-                <a:ea typeface="Times New Roman" panose="02020603050405020304" pitchFamily="18" charset="0"/>
-              </a:rPr>
-              <a:t>программное обеспечение, реализующее метод обнаружения дефектов </a:t>
-            </a:r>
-            <a:r>
-              <a:rPr lang="ru-RU" sz="2400" dirty="0" smtClean="0">
-                <a:latin typeface="Times New Roman" panose="02020603050405020304" pitchFamily="18" charset="0"/>
-                <a:ea typeface="Times New Roman" panose="02020603050405020304" pitchFamily="18" charset="0"/>
-              </a:rPr>
-              <a:t>ПО;</a:t>
-            </a:r>
-          </a:p>
-          <a:p>
-            <a:pPr marL="342900" lvl="0" indent="-342900" algn="just">
-              <a:lnSpc>
-                <a:spcPct val="100000"/>
-              </a:lnSpc>
-              <a:buFont typeface="+mj-lt"/>
-              <a:buAutoNum type="arabicParenR"/>
-            </a:pPr>
-            <a:r>
-              <a:rPr lang="ru-RU" sz="2400" dirty="0" smtClean="0">
-                <a:latin typeface="Times New Roman" panose="02020603050405020304" pitchFamily="18" charset="0"/>
-                <a:ea typeface="Times New Roman" panose="02020603050405020304" pitchFamily="18" charset="0"/>
-              </a:rPr>
-              <a:t>провести </a:t>
-            </a:r>
-            <a:r>
-              <a:rPr lang="ru-RU" sz="2400" dirty="0">
-                <a:latin typeface="Times New Roman" panose="02020603050405020304" pitchFamily="18" charset="0"/>
-                <a:ea typeface="Times New Roman" panose="02020603050405020304" pitchFamily="18" charset="0"/>
-              </a:rPr>
-              <a:t>исследование эффективности разработанного метода и сравнение его с существующими реализациями.</a:t>
-            </a:r>
-          </a:p>
-          <a:p>
-            <a:pPr marL="0" lvl="0" indent="0" algn="just">
-              <a:lnSpc>
-                <a:spcPct val="100000"/>
-              </a:lnSpc>
-              <a:buNone/>
-            </a:pPr>
-            <a:endParaRPr lang="ru-RU" sz="2200" dirty="0">
-              <a:effectLst/>
-              <a:latin typeface="Times New Roman" panose="02020603050405020304" pitchFamily="18" charset="0"/>
-              <a:ea typeface="Times New Roman" panose="02020603050405020304" pitchFamily="18" charset="0"/>
-            </a:endParaRPr>
-          </a:p>
         </p:txBody>
       </p:sp>
       <p:sp>
         <p:nvSpPr>
-          <p:cNvPr id="4" name="Номер слайда 3">
-            <a:extLst>
-              <a:ext uri="{FF2B5EF4-FFF2-40B4-BE49-F238E27FC236}">
-                <a16:creationId xmlns:a16="http://schemas.microsoft.com/office/drawing/2014/main" id="{80FEEFAF-0D6B-464C-7360-370FF23083CC}"/>
-              </a:ext>
-            </a:extLst>
-          </p:cNvPr>
+          <p:cNvPr id="2" name="Номер слайда 1"/>
           <p:cNvSpPr>
             <a:spLocks noGrp="1"/>
           </p:cNvSpPr>
@@ -6105,20 +9442,27 @@
               <a:rPr lang="ru-RU" smtClean="0"/>
               <a:t>2</a:t>
             </a:fld>
-            <a:endParaRPr lang="ru-RU" dirty="0"/>
+            <a:endParaRPr lang="ru-RU"/>
           </a:p>
         </p:txBody>
       </p:sp>
     </p:spTree>
     <p:extLst>
       <p:ext uri="{BB962C8B-B14F-4D97-AF65-F5344CB8AC3E}">
-        <p14:creationId xmlns:p14="http://schemas.microsoft.com/office/powerpoint/2010/main" val="1652370341"/>
+        <p14:creationId xmlns:p14="http://schemas.microsoft.com/office/powerpoint/2010/main" val="2905680330"/>
       </p:ext>
     </p:extLst>
   </p:cSld>
   <p:clrMapOvr>
     <a:masterClrMapping/>
   </p:clrMapOvr>
+  <p:timing>
+    <p:tnLst>
+      <p:par>
+        <p:cTn id="1" dur="indefinite" restart="never" nodeType="tmRoot"/>
+      </p:par>
+    </p:tnLst>
+  </p:timing>
 </p:sld>
 </file>
 
@@ -6168,6 +9512,344 @@
           <a:lstStyle/>
           <a:p>
             <a:r>
+              <a:rPr lang="ru-RU" sz="3600" dirty="0" smtClean="0">
+                <a:latin typeface="Times New Roman" panose="02020603050405020304" pitchFamily="18" charset="0"/>
+                <a:cs typeface="Times New Roman" panose="02020603050405020304" pitchFamily="18" charset="0"/>
+              </a:rPr>
+              <a:t>Цель и задачи</a:t>
+            </a:r>
+            <a:endParaRPr lang="ru-RU" sz="3600" dirty="0">
+              <a:latin typeface="Times New Roman" panose="02020603050405020304" pitchFamily="18" charset="0"/>
+              <a:cs typeface="Times New Roman" panose="02020603050405020304" pitchFamily="18" charset="0"/>
+            </a:endParaRPr>
+          </a:p>
+        </p:txBody>
+      </p:sp>
+      <p:sp>
+        <p:nvSpPr>
+          <p:cNvPr id="3" name="Объект 2">
+            <a:extLst>
+              <a:ext uri="{FF2B5EF4-FFF2-40B4-BE49-F238E27FC236}">
+                <a16:creationId xmlns:a16="http://schemas.microsoft.com/office/drawing/2014/main" id="{68541323-2632-074C-E69F-FC80AB230174}"/>
+              </a:ext>
+            </a:extLst>
+          </p:cNvPr>
+          <p:cNvSpPr>
+            <a:spLocks noGrp="1"/>
+          </p:cNvSpPr>
+          <p:nvPr>
+            <p:ph idx="1"/>
+          </p:nvPr>
+        </p:nvSpPr>
+        <p:spPr>
+          <a:xfrm>
+            <a:off x="428017" y="1552581"/>
+            <a:ext cx="11182378" cy="4949819"/>
+          </a:xfrm>
+        </p:spPr>
+        <p:txBody>
+          <a:bodyPr>
+            <a:noAutofit/>
+          </a:bodyPr>
+          <a:lstStyle/>
+          <a:p>
+            <a:pPr indent="0" algn="just">
+              <a:lnSpc>
+                <a:spcPct val="100000"/>
+              </a:lnSpc>
+              <a:buNone/>
+            </a:pPr>
+            <a:r>
+              <a:rPr lang="ru-RU" sz="2400" b="1" dirty="0" smtClean="0">
+                <a:effectLst/>
+                <a:latin typeface="Times New Roman" panose="02020603050405020304" pitchFamily="18" charset="0"/>
+                <a:ea typeface="Times New Roman" panose="02020603050405020304" pitchFamily="18" charset="0"/>
+              </a:rPr>
+              <a:t>Цель</a:t>
+            </a:r>
+            <a:r>
+              <a:rPr lang="ru-RU" sz="2400" b="1" dirty="0">
+                <a:effectLst/>
+                <a:latin typeface="Times New Roman" panose="02020603050405020304" pitchFamily="18" charset="0"/>
+                <a:ea typeface="Times New Roman" panose="02020603050405020304" pitchFamily="18" charset="0"/>
+              </a:rPr>
+              <a:t>: </a:t>
+            </a:r>
+            <a:r>
+              <a:rPr lang="ru-RU" sz="2400" dirty="0">
+                <a:latin typeface="Times New Roman" panose="02020603050405020304" pitchFamily="18" charset="0"/>
+                <a:ea typeface="Times New Roman" panose="02020603050405020304" pitchFamily="18" charset="0"/>
+              </a:rPr>
+              <a:t>разработка и программная реализация метода обнаружения дефектов ПО с использованием алгоритмов машинного </a:t>
+            </a:r>
+            <a:r>
+              <a:rPr lang="ru-RU" sz="2400" dirty="0" smtClean="0">
+                <a:latin typeface="Times New Roman" panose="02020603050405020304" pitchFamily="18" charset="0"/>
+                <a:ea typeface="Times New Roman" panose="02020603050405020304" pitchFamily="18" charset="0"/>
+              </a:rPr>
+              <a:t>обучения.</a:t>
+            </a:r>
+            <a:r>
+              <a:rPr lang="ru-RU" sz="2400" dirty="0" smtClean="0">
+                <a:effectLst/>
+                <a:latin typeface="Times New Roman" panose="02020603050405020304" pitchFamily="18" charset="0"/>
+                <a:ea typeface="Times New Roman" panose="02020603050405020304" pitchFamily="18" charset="0"/>
+              </a:rPr>
+              <a:t> </a:t>
+            </a:r>
+            <a:endParaRPr lang="ru-RU" sz="2400" dirty="0">
+              <a:effectLst/>
+              <a:latin typeface="Times New Roman" panose="02020603050405020304" pitchFamily="18" charset="0"/>
+              <a:ea typeface="Times New Roman" panose="02020603050405020304" pitchFamily="18" charset="0"/>
+            </a:endParaRPr>
+          </a:p>
+          <a:p>
+            <a:pPr indent="0" algn="just">
+              <a:lnSpc>
+                <a:spcPct val="100000"/>
+              </a:lnSpc>
+              <a:buNone/>
+            </a:pPr>
+            <a:r>
+              <a:rPr lang="ru-RU" sz="2400" b="1" dirty="0">
+                <a:latin typeface="Times New Roman" panose="02020603050405020304" pitchFamily="18" charset="0"/>
+                <a:ea typeface="Times New Roman" panose="02020603050405020304" pitchFamily="18" charset="0"/>
+              </a:rPr>
+              <a:t>Задачи</a:t>
+            </a:r>
+            <a:r>
+              <a:rPr lang="ru-RU" sz="2400" dirty="0">
+                <a:latin typeface="Times New Roman" panose="02020603050405020304" pitchFamily="18" charset="0"/>
+                <a:ea typeface="Times New Roman" panose="02020603050405020304" pitchFamily="18" charset="0"/>
+              </a:rPr>
+              <a:t>:</a:t>
+            </a:r>
+            <a:endParaRPr lang="ru-RU" sz="2400" dirty="0">
+              <a:effectLst/>
+              <a:latin typeface="Times New Roman" panose="02020603050405020304" pitchFamily="18" charset="0"/>
+              <a:ea typeface="Times New Roman" panose="02020603050405020304" pitchFamily="18" charset="0"/>
+            </a:endParaRPr>
+          </a:p>
+          <a:p>
+            <a:pPr marL="342900" lvl="0" indent="-342900" algn="just">
+              <a:lnSpc>
+                <a:spcPct val="100000"/>
+              </a:lnSpc>
+              <a:buFont typeface="+mj-lt"/>
+              <a:buAutoNum type="arabicParenR"/>
+            </a:pPr>
+            <a:r>
+              <a:rPr lang="ru-RU" sz="2400" dirty="0" smtClean="0">
+                <a:latin typeface="Times New Roman" panose="02020603050405020304" pitchFamily="18" charset="0"/>
+                <a:ea typeface="Times New Roman" panose="02020603050405020304" pitchFamily="18" charset="0"/>
+              </a:rPr>
+              <a:t>проанализировать </a:t>
+            </a:r>
+            <a:r>
+              <a:rPr lang="ru-RU" sz="2400" dirty="0">
+                <a:latin typeface="Times New Roman" panose="02020603050405020304" pitchFamily="18" charset="0"/>
+                <a:ea typeface="Times New Roman" panose="02020603050405020304" pitchFamily="18" charset="0"/>
+              </a:rPr>
+              <a:t>и сравнить существующие методы машинного обучения для обнаружения дефектов </a:t>
+            </a:r>
+            <a:r>
+              <a:rPr lang="ru-RU" sz="2400" dirty="0" smtClean="0">
+                <a:latin typeface="Times New Roman" panose="02020603050405020304" pitchFamily="18" charset="0"/>
+                <a:ea typeface="Times New Roman" panose="02020603050405020304" pitchFamily="18" charset="0"/>
+              </a:rPr>
+              <a:t>ПО;</a:t>
+            </a:r>
+          </a:p>
+          <a:p>
+            <a:pPr marL="342900" lvl="0" indent="-342900" algn="just">
+              <a:lnSpc>
+                <a:spcPct val="100000"/>
+              </a:lnSpc>
+              <a:buFont typeface="+mj-lt"/>
+              <a:buAutoNum type="arabicParenR"/>
+            </a:pPr>
+            <a:r>
+              <a:rPr lang="ru-RU" sz="2400" dirty="0" smtClean="0">
+                <a:latin typeface="Times New Roman" panose="02020603050405020304" pitchFamily="18" charset="0"/>
+                <a:ea typeface="Times New Roman" panose="02020603050405020304" pitchFamily="18" charset="0"/>
+              </a:rPr>
+              <a:t>разработать </a:t>
+            </a:r>
+            <a:r>
+              <a:rPr lang="ru-RU" sz="2400" dirty="0">
+                <a:latin typeface="Times New Roman" panose="02020603050405020304" pitchFamily="18" charset="0"/>
+                <a:ea typeface="Times New Roman" panose="02020603050405020304" pitchFamily="18" charset="0"/>
+              </a:rPr>
+              <a:t>метод обнаружения дефектов ПО с применением ансамбля деревьев решений (градиентного бустинга); </a:t>
+            </a:r>
+            <a:endParaRPr lang="ru-RU" sz="2400" dirty="0" smtClean="0">
+              <a:latin typeface="Times New Roman" panose="02020603050405020304" pitchFamily="18" charset="0"/>
+              <a:ea typeface="Times New Roman" panose="02020603050405020304" pitchFamily="18" charset="0"/>
+            </a:endParaRPr>
+          </a:p>
+          <a:p>
+            <a:pPr marL="342900" lvl="0" indent="-342900" algn="just">
+              <a:lnSpc>
+                <a:spcPct val="100000"/>
+              </a:lnSpc>
+              <a:buFont typeface="+mj-lt"/>
+              <a:buAutoNum type="arabicParenR"/>
+            </a:pPr>
+            <a:r>
+              <a:rPr lang="ru-RU" sz="2400" dirty="0" smtClean="0">
+                <a:latin typeface="Times New Roman" panose="02020603050405020304" pitchFamily="18" charset="0"/>
+                <a:ea typeface="Times New Roman" panose="02020603050405020304" pitchFamily="18" charset="0"/>
+              </a:rPr>
+              <a:t>разработать ПО, реализующее </a:t>
+            </a:r>
+            <a:r>
+              <a:rPr lang="ru-RU" sz="2400" dirty="0">
+                <a:latin typeface="Times New Roman" panose="02020603050405020304" pitchFamily="18" charset="0"/>
+                <a:ea typeface="Times New Roman" panose="02020603050405020304" pitchFamily="18" charset="0"/>
+              </a:rPr>
+              <a:t>метод обнаружения дефектов </a:t>
+            </a:r>
+            <a:r>
+              <a:rPr lang="ru-RU" sz="2400" dirty="0" smtClean="0">
+                <a:latin typeface="Times New Roman" panose="02020603050405020304" pitchFamily="18" charset="0"/>
+                <a:ea typeface="Times New Roman" panose="02020603050405020304" pitchFamily="18" charset="0"/>
+              </a:rPr>
+              <a:t>ПО;</a:t>
+            </a:r>
+          </a:p>
+          <a:p>
+            <a:pPr marL="342900" lvl="0" indent="-342900" algn="just">
+              <a:lnSpc>
+                <a:spcPct val="100000"/>
+              </a:lnSpc>
+              <a:buFont typeface="+mj-lt"/>
+              <a:buAutoNum type="arabicParenR"/>
+            </a:pPr>
+            <a:r>
+              <a:rPr lang="ru-RU" sz="2400" dirty="0" smtClean="0">
+                <a:latin typeface="Times New Roman" panose="02020603050405020304" pitchFamily="18" charset="0"/>
+                <a:ea typeface="Times New Roman" panose="02020603050405020304" pitchFamily="18" charset="0"/>
+              </a:rPr>
+              <a:t>провести </a:t>
+            </a:r>
+            <a:r>
+              <a:rPr lang="ru-RU" sz="2400" dirty="0">
+                <a:latin typeface="Times New Roman" panose="02020603050405020304" pitchFamily="18" charset="0"/>
+                <a:ea typeface="Times New Roman" panose="02020603050405020304" pitchFamily="18" charset="0"/>
+              </a:rPr>
+              <a:t>исследование эффективности разработанного метода и сравнение его с существующими реализациями.</a:t>
+            </a:r>
+          </a:p>
+          <a:p>
+            <a:pPr marL="0" lvl="0" indent="0" algn="just">
+              <a:lnSpc>
+                <a:spcPct val="100000"/>
+              </a:lnSpc>
+              <a:buNone/>
+            </a:pPr>
+            <a:endParaRPr lang="ru-RU" sz="2200" dirty="0">
+              <a:effectLst/>
+              <a:latin typeface="Times New Roman" panose="02020603050405020304" pitchFamily="18" charset="0"/>
+              <a:ea typeface="Times New Roman" panose="02020603050405020304" pitchFamily="18" charset="0"/>
+            </a:endParaRPr>
+          </a:p>
+        </p:txBody>
+      </p:sp>
+      <p:sp>
+        <p:nvSpPr>
+          <p:cNvPr id="4" name="Номер слайда 3">
+            <a:extLst>
+              <a:ext uri="{FF2B5EF4-FFF2-40B4-BE49-F238E27FC236}">
+                <a16:creationId xmlns:a16="http://schemas.microsoft.com/office/drawing/2014/main" id="{80FEEFAF-0D6B-464C-7360-370FF23083CC}"/>
+              </a:ext>
+            </a:extLst>
+          </p:cNvPr>
+          <p:cNvSpPr>
+            <a:spLocks noGrp="1"/>
+          </p:cNvSpPr>
+          <p:nvPr>
+            <p:ph type="sldNum" sz="quarter" idx="12"/>
+          </p:nvPr>
+        </p:nvSpPr>
+        <p:spPr/>
+        <p:txBody>
+          <a:bodyPr/>
+          <a:lstStyle/>
+          <a:p>
+            <a:fld id="{E83D2FD5-BBDA-43D0-B172-791327EA2B6A}" type="slidenum">
+              <a:rPr lang="ru-RU" smtClean="0"/>
+              <a:t>3</a:t>
+            </a:fld>
+            <a:endParaRPr lang="ru-RU" dirty="0"/>
+          </a:p>
+        </p:txBody>
+      </p:sp>
+    </p:spTree>
+    <p:extLst>
+      <p:ext uri="{BB962C8B-B14F-4D97-AF65-F5344CB8AC3E}">
+        <p14:creationId xmlns:p14="http://schemas.microsoft.com/office/powerpoint/2010/main" val="1652370341"/>
+      </p:ext>
+    </p:extLst>
+  </p:cSld>
+  <p:clrMapOvr>
+    <a:masterClrMapping/>
+  </p:clrMapOvr>
+  <p:timing>
+    <p:tnLst>
+      <p:par>
+        <p:cTn id="1" dur="indefinite" restart="never" nodeType="tmRoot"/>
+      </p:par>
+    </p:tnLst>
+  </p:timing>
+</p:sld>
+</file>
+
+<file path=ppt/slides/slide4.xml><?xml version="1.0" encoding="utf-8"?>
+<p:sld xmlns:a="http://schemas.openxmlformats.org/drawingml/2006/main" xmlns:r="http://schemas.openxmlformats.org/officeDocument/2006/relationships" xmlns:p="http://schemas.openxmlformats.org/presentationml/2006/main">
+  <p:cSld>
+    <p:spTree>
+      <p:nvGrpSpPr>
+        <p:cNvPr id="1" name=""/>
+        <p:cNvGrpSpPr/>
+        <p:nvPr/>
+      </p:nvGrpSpPr>
+      <p:grpSpPr>
+        <a:xfrm>
+          <a:off x="0" y="0"/>
+          <a:ext cx="0" cy="0"/>
+          <a:chOff x="0" y="0"/>
+          <a:chExt cx="0" cy="0"/>
+        </a:xfrm>
+      </p:grpSpPr>
+      <p:sp>
+        <p:nvSpPr>
+          <p:cNvPr id="2" name="Заголовок 1">
+            <a:extLst>
+              <a:ext uri="{FF2B5EF4-FFF2-40B4-BE49-F238E27FC236}">
+                <a16:creationId xmlns:a16="http://schemas.microsoft.com/office/drawing/2014/main" id="{1802D59D-6A83-151A-EEA2-678960399BE4}"/>
+              </a:ext>
+            </a:extLst>
+          </p:cNvPr>
+          <p:cNvSpPr>
+            <a:spLocks noGrp="1"/>
+          </p:cNvSpPr>
+          <p:nvPr>
+            <p:ph type="title"/>
+          </p:nvPr>
+        </p:nvSpPr>
+        <p:spPr>
+          <a:xfrm>
+            <a:off x="428017" y="-72232"/>
+            <a:ext cx="10515600" cy="1325563"/>
+          </a:xfrm>
+        </p:spPr>
+        <p:txBody>
+          <a:bodyPr>
+            <a:normAutofit/>
+          </a:bodyPr>
+          <a:lstStyle/>
+          <a:p>
+            <a:r>
               <a:rPr lang="ru-RU" sz="3600" dirty="0">
                 <a:latin typeface="Times New Roman" panose="02020603050405020304" pitchFamily="18" charset="0"/>
                 <a:cs typeface="Times New Roman" panose="02020603050405020304" pitchFamily="18" charset="0"/>
@@ -6200,7 +9882,7 @@
           <a:p>
             <a:fld id="{E83D2FD5-BBDA-43D0-B172-791327EA2B6A}" type="slidenum">
               <a:rPr lang="ru-RU" smtClean="0"/>
-              <a:t>3</a:t>
+              <a:t>4</a:t>
             </a:fld>
             <a:endParaRPr lang="ru-RU"/>
           </a:p>
@@ -6214,8 +9896,8 @@
         </p:nvSpPr>
         <p:spPr>
           <a:xfrm>
-            <a:off x="428017" y="1466706"/>
-            <a:ext cx="3904671" cy="1938992"/>
+            <a:off x="428017" y="1253331"/>
+            <a:ext cx="3904671" cy="2677656"/>
           </a:xfrm>
           <a:prstGeom prst="rect">
             <a:avLst/>
@@ -6233,7 +9915,7 @@
                 <a:latin typeface="Times New Roman" panose="02020603050405020304" pitchFamily="18" charset="0"/>
                 <a:cs typeface="Times New Roman" panose="02020603050405020304" pitchFamily="18" charset="0"/>
               </a:rPr>
-              <a:t>Дефект –</a:t>
+              <a:t>Дефект ПО –</a:t>
             </a:r>
             <a:r>
               <a:rPr lang="en-US" sz="2400" dirty="0" smtClean="0">
@@ -6247,24 +9929,10 @@
                 <a:latin typeface="Times New Roman" panose="02020603050405020304" pitchFamily="18" charset="0"/>
                 <a:cs typeface="Times New Roman" panose="02020603050405020304" pitchFamily="18" charset="0"/>
               </a:rPr>
-              <a:t>отклонение </a:t>
-            </a:r>
-            <a:r>
-              <a:rPr lang="ru-RU" sz="2400" dirty="0">
-                <a:latin typeface="Times New Roman" panose="02020603050405020304" pitchFamily="18" charset="0"/>
-                <a:cs typeface="Times New Roman" panose="02020603050405020304" pitchFamily="18" charset="0"/>
-              </a:rPr>
-              <a:t>от первоначальных бизнес-требований, логическая ошибка в исходном коде </a:t>
-            </a:r>
-            <a:r>
-              <a:rPr lang="ru-RU" sz="2400" dirty="0" smtClean="0">
-                <a:latin typeface="Times New Roman" panose="02020603050405020304" pitchFamily="18" charset="0"/>
-                <a:cs typeface="Times New Roman" panose="02020603050405020304" pitchFamily="18" charset="0"/>
-              </a:rPr>
-              <a:t>программы</a:t>
-            </a:r>
-            <a:r>
-              <a:rPr lang="en-US" sz="2400" dirty="0">
+              <a:t>ошибка, изъян в компьютерной программе, из-за которой она выдает неправильный результат или ведет себя непреднамеренным образом</a:t>
+            </a:r>
+            <a:r>
+              <a:rPr lang="en-US" sz="2400" dirty="0" smtClean="0">
                 <a:latin typeface="Times New Roman" panose="02020603050405020304" pitchFamily="18" charset="0"/>
                 <a:cs typeface="Times New Roman" panose="02020603050405020304" pitchFamily="18" charset="0"/>
               </a:rPr>
@@ -6316,10 +9984,17 @@
   <p:clrMapOvr>
     <a:masterClrMapping/>
   </p:clrMapOvr>
+  <p:timing>
+    <p:tnLst>
+      <p:par>
+        <p:cTn id="1" dur="indefinite" restart="never" nodeType="tmRoot"/>
+      </p:par>
+    </p:tnLst>
+  </p:timing>
 </p:sld>
 </file>
 
-<file path=ppt/slides/slide4.xml><?xml version="1.0" encoding="utf-8"?>
+<file path=ppt/slides/slide5.xml><?xml version="1.0" encoding="utf-8"?>
 <p:sld xmlns:a="http://schemas.openxmlformats.org/drawingml/2006/main" xmlns:r="http://schemas.openxmlformats.org/officeDocument/2006/relationships" xmlns:p="http://schemas.openxmlformats.org/presentationml/2006/main">
   <p:cSld>
     <p:spTree>
@@ -6336,50 +10011,12 @@
           <a:chExt cx="0" cy="0"/>
         </a:xfrm>
       </p:grpSpPr>
-      <p:pic>
-        <p:nvPicPr>
-          <p:cNvPr id="7" name="Объект 6">
-            <a:extLst>
-              <a:ext uri="{FF2B5EF4-FFF2-40B4-BE49-F238E27FC236}">
-                <a16:creationId xmlns:a16="http://schemas.microsoft.com/office/drawing/2014/main" id="{F5243D9B-7D2B-F154-9F13-12E7510100B2}"/>
-              </a:ext>
-            </a:extLst>
-          </p:cNvPr>
-          <p:cNvPicPr>
-            <a:picLocks noGrp="1" noChangeAspect="1"/>
-          </p:cNvPicPr>
-          <p:nvPr>
-            <p:ph idx="1"/>
-          </p:nvPr>
-        </p:nvPicPr>
-        <p:blipFill>
-          <a:blip r:embed="rId2">
-            <a:extLst>
-              <a:ext uri="{28A0092B-C50C-407E-A947-70E740481C1C}">
-                <a14:useLocalDpi xmlns:a14="http://schemas.microsoft.com/office/drawing/2010/main" val="0"/>
-              </a:ext>
-              <a:ext uri="{96DAC541-7B7A-43D3-8B79-37D633B846F1}">
-                <asvg:svgBlip xmlns:asvg="http://schemas.microsoft.com/office/drawing/2016/SVG/main" xmlns="" r:embed="rId3"/>
-              </a:ext>
-            </a:extLst>
-          </a:blip>
-          <a:stretch>
-            <a:fillRect/>
-          </a:stretch>
-        </p:blipFill>
-        <p:spPr>
-          <a:xfrm>
-            <a:off x="549539" y="2083324"/>
-            <a:ext cx="11173817" cy="3329185"/>
-          </a:xfrm>
-        </p:spPr>
-      </p:pic>
       <p:sp>
         <p:nvSpPr>
           <p:cNvPr id="4" name="Номер слайда 3">
             <a:extLst>
               <a:ext uri="{FF2B5EF4-FFF2-40B4-BE49-F238E27FC236}">
-                <a16:creationId xmlns:a16="http://schemas.microsoft.com/office/drawing/2014/main" id="{9FBE6C3A-4E1D-C102-523A-5D5DF237527F}"/>
+                <a16:creationId xmlns:a16="http://schemas.microsoft.com/office/drawing/2014/main" id="{8905B4BD-2343-6030-EAF7-8269261C5C18}"/>
               </a:ext>
             </a:extLst>
           </p:cNvPr>
@@ -6397,18 +10034,1479 @@
           <a:p>
             <a:fld id="{E83D2FD5-BBDA-43D0-B172-791327EA2B6A}" type="slidenum">
               <a:rPr lang="ru-RU" smtClean="0"/>
-              <a:t>4</a:t>
+              <a:t>5</a:t>
             </a:fld>
             <a:endParaRPr lang="ru-RU"/>
           </a:p>
         </p:txBody>
       </p:sp>
-      <p:sp>
-        <p:nvSpPr>
-          <p:cNvPr id="6" name="Заголовок 1">
+      <p:graphicFrame>
+        <p:nvGraphicFramePr>
+          <p:cNvPr id="11" name="Таблица 10">
             <a:extLst>
               <a:ext uri="{FF2B5EF4-FFF2-40B4-BE49-F238E27FC236}">
-                <a16:creationId xmlns:a16="http://schemas.microsoft.com/office/drawing/2014/main" id="{D55E1712-96BB-FA13-6405-90E439221610}"/>
+                <a16:creationId xmlns:a16="http://schemas.microsoft.com/office/drawing/2014/main" id="{4BA01EB9-30E8-35A2-40B3-7FD89F42F224}"/>
+              </a:ext>
+            </a:extLst>
+          </p:cNvPr>
+          <p:cNvGraphicFramePr>
+            <a:graphicFrameLocks noGrp="1"/>
+          </p:cNvGraphicFramePr>
+          <p:nvPr>
+            <p:extLst>
+              <p:ext uri="{D42A27DB-BD31-4B8C-83A1-F6EECF244321}">
+                <p14:modId xmlns:p14="http://schemas.microsoft.com/office/powerpoint/2010/main" val="1749409702"/>
+              </p:ext>
+            </p:extLst>
+          </p:nvPr>
+        </p:nvGraphicFramePr>
+        <p:xfrm>
+          <a:off x="1216058" y="1781667"/>
+          <a:ext cx="9341962" cy="4260917"/>
+        </p:xfrm>
+        <a:graphic>
+          <a:graphicData uri="http://schemas.openxmlformats.org/drawingml/2006/table">
+            <a:tbl>
+              <a:tblPr firstRow="1" firstCol="1" bandRow="1">
+                <a:tableStyleId>{5940675A-B579-460E-94D1-54222C63F5DA}</a:tableStyleId>
+              </a:tblPr>
+              <a:tblGrid>
+                <a:gridCol w="3634156">
+                  <a:extLst>
+                    <a:ext uri="{9D8B030D-6E8A-4147-A177-3AD203B41FA5}">
+                      <a16:colId xmlns:a16="http://schemas.microsoft.com/office/drawing/2014/main" val="2688949868"/>
+                    </a:ext>
+                  </a:extLst>
+                </a:gridCol>
+                <a:gridCol w="1382434">
+                  <a:extLst>
+                    <a:ext uri="{9D8B030D-6E8A-4147-A177-3AD203B41FA5}">
+                      <a16:colId xmlns:a16="http://schemas.microsoft.com/office/drawing/2014/main" val="2057831177"/>
+                    </a:ext>
+                  </a:extLst>
+                </a:gridCol>
+                <a:gridCol w="1361374">
+                  <a:extLst>
+                    <a:ext uri="{9D8B030D-6E8A-4147-A177-3AD203B41FA5}">
+                      <a16:colId xmlns:a16="http://schemas.microsoft.com/office/drawing/2014/main" val="2823681173"/>
+                    </a:ext>
+                  </a:extLst>
+                </a:gridCol>
+                <a:gridCol w="1481999">
+                  <a:extLst>
+                    <a:ext uri="{9D8B030D-6E8A-4147-A177-3AD203B41FA5}">
+                      <a16:colId xmlns:a16="http://schemas.microsoft.com/office/drawing/2014/main" val="967016006"/>
+                    </a:ext>
+                  </a:extLst>
+                </a:gridCol>
+                <a:gridCol w="1481999">
+                  <a:extLst>
+                    <a:ext uri="{9D8B030D-6E8A-4147-A177-3AD203B41FA5}">
+                      <a16:colId xmlns:a16="http://schemas.microsoft.com/office/drawing/2014/main" val="3788308526"/>
+                    </a:ext>
+                  </a:extLst>
+                </a:gridCol>
+              </a:tblGrid>
+              <a:tr h="963706">
+                <a:tc>
+                  <a:txBody>
+                    <a:bodyPr/>
+                    <a:lstStyle/>
+                    <a:p>
+                      <a:pPr>
+                        <a:lnSpc>
+                          <a:spcPct val="150000"/>
+                        </a:lnSpc>
+                        <a:spcAft>
+                          <a:spcPts val="800"/>
+                        </a:spcAft>
+                      </a:pPr>
+                      <a:r>
+                        <a:rPr lang="ru-RU" sz="1800" b="1" dirty="0">
+                          <a:effectLst/>
+                          <a:latin typeface="Times New Roman" panose="02020603050405020304" pitchFamily="18" charset="0"/>
+                          <a:cs typeface="Times New Roman" panose="02020603050405020304" pitchFamily="18" charset="0"/>
+                        </a:rPr>
+                        <a:t>                                         Метрики</a:t>
+                      </a:r>
+                      <a:endParaRPr lang="ru-RU" sz="1400" b="1" dirty="0">
+                        <a:effectLst/>
+                        <a:latin typeface="Times New Roman" panose="02020603050405020304" pitchFamily="18" charset="0"/>
+                        <a:ea typeface="Calibri" panose="020F0502020204030204" pitchFamily="34" charset="0"/>
+                        <a:cs typeface="Times New Roman" panose="02020603050405020304" pitchFamily="18" charset="0"/>
+                      </a:endParaRPr>
+                    </a:p>
+                  </a:txBody>
+                  <a:tcPr marL="68580" marR="68580" marT="0" marB="0"/>
+                </a:tc>
+                <a:tc>
+                  <a:txBody>
+                    <a:bodyPr/>
+                    <a:lstStyle/>
+                    <a:p>
+                      <a:pPr algn="ctr">
+                        <a:lnSpc>
+                          <a:spcPct val="150000"/>
+                        </a:lnSpc>
+                        <a:spcAft>
+                          <a:spcPts val="800"/>
+                        </a:spcAft>
+                      </a:pPr>
+                      <a:r>
+                        <a:rPr lang="ru-RU" sz="1800" b="1" dirty="0" err="1">
+                          <a:effectLst/>
+                          <a:latin typeface="Times New Roman" panose="02020603050405020304" pitchFamily="18" charset="0"/>
+                          <a:cs typeface="Times New Roman" panose="02020603050405020304" pitchFamily="18" charset="0"/>
+                        </a:rPr>
+                        <a:t>Accuracy</a:t>
+                      </a:r>
+                    </a:p>
+                    <a:p>
+                      <a:pPr algn="ctr">
+                        <a:lnSpc>
+                          <a:spcPct val="150000"/>
+                        </a:lnSpc>
+                        <a:spcAft>
+                          <a:spcPts val="800"/>
+                        </a:spcAft>
+                      </a:pPr>
+                      <a:r>
+                        <a:rPr lang="en-US" sz="1800" b="1" dirty="0">
+                          <a:effectLst/>
+                          <a:latin typeface="Times New Roman" panose="02020603050405020304" pitchFamily="18" charset="0"/>
+                          <a:cs typeface="Times New Roman" panose="02020603050405020304" pitchFamily="18" charset="0"/>
+                        </a:rPr>
+                        <a:t>(</a:t>
+                      </a:r>
+                      <a:r>
+                        <a:rPr lang="ru-RU" sz="1800" b="1" dirty="0">
+                          <a:effectLst/>
+                          <a:latin typeface="Times New Roman" panose="02020603050405020304" pitchFamily="18" charset="0"/>
+                          <a:cs typeface="Times New Roman" panose="02020603050405020304" pitchFamily="18" charset="0"/>
+                        </a:rPr>
+                        <a:t>точность)</a:t>
+                      </a:r>
+                      <a:endParaRPr lang="ru-RU" sz="1400" b="1" dirty="0">
+                        <a:effectLst/>
+                        <a:latin typeface="Times New Roman" panose="02020603050405020304" pitchFamily="18" charset="0"/>
+                        <a:cs typeface="Times New Roman" panose="02020603050405020304" pitchFamily="18" charset="0"/>
+                      </a:endParaRPr>
+                    </a:p>
+                  </a:txBody>
+                  <a:tcPr marL="68580" marR="68580" marT="0" marB="0"/>
+                </a:tc>
+                <a:tc>
+                  <a:txBody>
+                    <a:bodyPr/>
+                    <a:lstStyle/>
+                    <a:p>
+                      <a:pPr algn="ctr">
+                        <a:lnSpc>
+                          <a:spcPct val="150000"/>
+                        </a:lnSpc>
+                        <a:spcAft>
+                          <a:spcPts val="800"/>
+                        </a:spcAft>
+                      </a:pPr>
+                      <a:r>
+                        <a:rPr lang="en-US" sz="1800" b="1" dirty="0">
+                          <a:effectLst/>
+                          <a:latin typeface="Times New Roman" panose="02020603050405020304" pitchFamily="18" charset="0"/>
+                          <a:cs typeface="Times New Roman" panose="02020603050405020304" pitchFamily="18" charset="0"/>
+                        </a:rPr>
+                        <a:t>Precision</a:t>
+                      </a:r>
+                    </a:p>
+                    <a:p>
+                      <a:pPr algn="ctr">
+                        <a:lnSpc>
+                          <a:spcPct val="150000"/>
+                        </a:lnSpc>
+                        <a:spcAft>
+                          <a:spcPts val="800"/>
+                        </a:spcAft>
+                      </a:pPr>
+                      <a:r>
+                        <a:rPr lang="ru-RU" sz="1800" b="1" dirty="0">
+                          <a:effectLst/>
+                          <a:latin typeface="Times New Roman" panose="02020603050405020304" pitchFamily="18" charset="0"/>
+                          <a:cs typeface="Times New Roman" panose="02020603050405020304" pitchFamily="18" charset="0"/>
+                        </a:rPr>
+                        <a:t>(точность)</a:t>
+                      </a:r>
+                      <a:endParaRPr lang="ru-RU" sz="1400" b="1" dirty="0">
+                        <a:effectLst/>
+                        <a:latin typeface="Times New Roman" panose="02020603050405020304" pitchFamily="18" charset="0"/>
+                        <a:cs typeface="Times New Roman" panose="02020603050405020304" pitchFamily="18" charset="0"/>
+                      </a:endParaRPr>
+                    </a:p>
+                  </a:txBody>
+                  <a:tcPr marL="68580" marR="68580" marT="0" marB="0"/>
+                </a:tc>
+                <a:tc>
+                  <a:txBody>
+                    <a:bodyPr/>
+                    <a:lstStyle/>
+                    <a:p>
+                      <a:pPr algn="ctr">
+                        <a:lnSpc>
+                          <a:spcPct val="150000"/>
+                        </a:lnSpc>
+                        <a:spcAft>
+                          <a:spcPts val="800"/>
+                        </a:spcAft>
+                      </a:pPr>
+                      <a:r>
+                        <a:rPr lang="en-US" sz="1800" b="1" dirty="0">
+                          <a:effectLst/>
+                          <a:latin typeface="Times New Roman" panose="02020603050405020304" pitchFamily="18" charset="0"/>
+                          <a:cs typeface="Times New Roman" panose="02020603050405020304" pitchFamily="18" charset="0"/>
+                        </a:rPr>
+                        <a:t>Recall</a:t>
+                      </a:r>
+                    </a:p>
+                    <a:p>
+                      <a:pPr algn="ctr">
+                        <a:lnSpc>
+                          <a:spcPct val="150000"/>
+                        </a:lnSpc>
+                        <a:spcAft>
+                          <a:spcPts val="800"/>
+                        </a:spcAft>
+                      </a:pPr>
+                      <a:r>
+                        <a:rPr lang="ru-RU" sz="1800" b="1" dirty="0">
+                          <a:effectLst/>
+                          <a:latin typeface="Times New Roman" panose="02020603050405020304" pitchFamily="18" charset="0"/>
+                          <a:cs typeface="Times New Roman" panose="02020603050405020304" pitchFamily="18" charset="0"/>
+                        </a:rPr>
+                        <a:t>(полнота)</a:t>
+                      </a:r>
+                      <a:endParaRPr lang="ru-RU" sz="1400" b="1" dirty="0">
+                        <a:effectLst/>
+                        <a:latin typeface="Times New Roman" panose="02020603050405020304" pitchFamily="18" charset="0"/>
+                        <a:cs typeface="Times New Roman" panose="02020603050405020304" pitchFamily="18" charset="0"/>
+                      </a:endParaRPr>
+                    </a:p>
+                  </a:txBody>
+                  <a:tcPr marL="68580" marR="68580" marT="0" marB="0"/>
+                </a:tc>
+                <a:tc>
+                  <a:txBody>
+                    <a:bodyPr/>
+                    <a:lstStyle/>
+                    <a:p>
+                      <a:pPr algn="ctr">
+                        <a:lnSpc>
+                          <a:spcPct val="150000"/>
+                        </a:lnSpc>
+                        <a:spcAft>
+                          <a:spcPts val="800"/>
+                        </a:spcAft>
+                      </a:pPr>
+                      <a:r>
+                        <a:rPr lang="ru-RU" sz="1800" b="1" dirty="0">
+                          <a:effectLst/>
+                          <a:latin typeface="Times New Roman" panose="02020603050405020304" pitchFamily="18" charset="0"/>
+                          <a:cs typeface="Times New Roman" panose="02020603050405020304" pitchFamily="18" charset="0"/>
+                        </a:rPr>
+                        <a:t>F-</a:t>
+                      </a:r>
+                      <a:r>
+                        <a:rPr lang="en-US" sz="1800" b="1" dirty="0">
+                          <a:effectLst/>
+                          <a:latin typeface="Times New Roman" panose="02020603050405020304" pitchFamily="18" charset="0"/>
+                          <a:cs typeface="Times New Roman" panose="02020603050405020304" pitchFamily="18" charset="0"/>
+                        </a:rPr>
+                        <a:t>measure</a:t>
+                      </a:r>
+                    </a:p>
+                    <a:p>
+                      <a:pPr algn="ctr">
+                        <a:lnSpc>
+                          <a:spcPct val="150000"/>
+                        </a:lnSpc>
+                        <a:spcAft>
+                          <a:spcPts val="800"/>
+                        </a:spcAft>
+                      </a:pPr>
+                      <a:r>
+                        <a:rPr lang="ru-RU" sz="1800" b="1" dirty="0">
+                          <a:effectLst/>
+                          <a:latin typeface="Times New Roman" panose="02020603050405020304" pitchFamily="18" charset="0"/>
+                          <a:cs typeface="Times New Roman" panose="02020603050405020304" pitchFamily="18" charset="0"/>
+                        </a:rPr>
+                        <a:t>(</a:t>
+                      </a:r>
+                      <a:r>
+                        <a:rPr lang="en-US" sz="1800" b="1" dirty="0">
+                          <a:effectLst/>
+                          <a:latin typeface="Times New Roman" panose="02020603050405020304" pitchFamily="18" charset="0"/>
+                          <a:cs typeface="Times New Roman" panose="02020603050405020304" pitchFamily="18" charset="0"/>
+                        </a:rPr>
+                        <a:t>F-</a:t>
+                      </a:r>
+                      <a:r>
+                        <a:rPr lang="ru-RU" sz="1800" b="1" dirty="0">
+                          <a:effectLst/>
+                          <a:latin typeface="Times New Roman" panose="02020603050405020304" pitchFamily="18" charset="0"/>
+                          <a:cs typeface="Times New Roman" panose="02020603050405020304" pitchFamily="18" charset="0"/>
+                        </a:rPr>
+                        <a:t>мера)</a:t>
+                      </a:r>
+                      <a:endParaRPr lang="ru-RU" sz="1400" b="1" dirty="0">
+                        <a:effectLst/>
+                        <a:latin typeface="Times New Roman" panose="02020603050405020304" pitchFamily="18" charset="0"/>
+                        <a:cs typeface="Times New Roman" panose="02020603050405020304" pitchFamily="18" charset="0"/>
+                      </a:endParaRPr>
+                    </a:p>
+                  </a:txBody>
+                  <a:tcPr marL="68580" marR="68580" marT="0" marB="0"/>
+                </a:tc>
+                <a:extLst>
+                  <a:ext uri="{0D108BD9-81ED-4DB2-BD59-A6C34878D82A}">
+                    <a16:rowId xmlns:a16="http://schemas.microsoft.com/office/drawing/2014/main" val="3579860630"/>
+                  </a:ext>
+                </a:extLst>
+              </a:tr>
+              <a:tr h="963706">
+                <a:tc>
+                  <a:txBody>
+                    <a:bodyPr/>
+                    <a:lstStyle/>
+                    <a:p>
+                      <a:pPr algn="ctr">
+                        <a:lnSpc>
+                          <a:spcPct val="150000"/>
+                        </a:lnSpc>
+                        <a:spcAft>
+                          <a:spcPts val="800"/>
+                        </a:spcAft>
+                      </a:pPr>
+                      <a:r>
+                        <a:rPr lang="ru-RU" sz="1800" dirty="0">
+                          <a:effectLst/>
+                          <a:latin typeface="Times New Roman" panose="02020603050405020304" pitchFamily="18" charset="0"/>
+                          <a:cs typeface="Times New Roman" panose="02020603050405020304" pitchFamily="18" charset="0"/>
+                        </a:rPr>
+                        <a:t>Наивный байесовский классификатор</a:t>
+                      </a:r>
+                      <a:endParaRPr lang="ru-RU" sz="1400" dirty="0">
+                        <a:effectLst/>
+                        <a:latin typeface="Times New Roman" panose="02020603050405020304" pitchFamily="18" charset="0"/>
+                        <a:ea typeface="Calibri" panose="020F0502020204030204" pitchFamily="34" charset="0"/>
+                        <a:cs typeface="Times New Roman" panose="02020603050405020304" pitchFamily="18" charset="0"/>
+                      </a:endParaRPr>
+                    </a:p>
+                  </a:txBody>
+                  <a:tcPr marL="68580" marR="68580" marT="0" marB="0"/>
+                </a:tc>
+                <a:tc>
+                  <a:txBody>
+                    <a:bodyPr/>
+                    <a:lstStyle/>
+                    <a:p>
+                      <a:pPr algn="ctr">
+                        <a:lnSpc>
+                          <a:spcPct val="150000"/>
+                        </a:lnSpc>
+                        <a:spcAft>
+                          <a:spcPts val="800"/>
+                        </a:spcAft>
+                      </a:pPr>
+                      <a:r>
+                        <a:rPr lang="ru-RU" sz="1800">
+                          <a:effectLst/>
+                          <a:latin typeface="Times New Roman" panose="02020603050405020304" pitchFamily="18" charset="0"/>
+                          <a:cs typeface="Times New Roman" panose="02020603050405020304" pitchFamily="18" charset="0"/>
+                        </a:rPr>
+                        <a:t>0.795</a:t>
+                      </a:r>
+                      <a:endParaRPr lang="ru-RU" sz="1400">
+                        <a:effectLst/>
+                        <a:latin typeface="Times New Roman" panose="02020603050405020304" pitchFamily="18" charset="0"/>
+                        <a:ea typeface="Calibri" panose="020F0502020204030204" pitchFamily="34" charset="0"/>
+                        <a:cs typeface="Times New Roman" panose="02020603050405020304" pitchFamily="18" charset="0"/>
+                      </a:endParaRPr>
+                    </a:p>
+                  </a:txBody>
+                  <a:tcPr marL="68580" marR="68580" marT="0" marB="0"/>
+                </a:tc>
+                <a:tc>
+                  <a:txBody>
+                    <a:bodyPr/>
+                    <a:lstStyle/>
+                    <a:p>
+                      <a:pPr algn="ctr">
+                        <a:lnSpc>
+                          <a:spcPct val="150000"/>
+                        </a:lnSpc>
+                        <a:spcAft>
+                          <a:spcPts val="800"/>
+                        </a:spcAft>
+                      </a:pPr>
+                      <a:r>
+                        <a:rPr lang="ru-RU" sz="1800">
+                          <a:effectLst/>
+                          <a:latin typeface="Times New Roman" panose="02020603050405020304" pitchFamily="18" charset="0"/>
+                          <a:cs typeface="Times New Roman" panose="02020603050405020304" pitchFamily="18" charset="0"/>
+                        </a:rPr>
+                        <a:t>0.845</a:t>
+                      </a:r>
+                      <a:endParaRPr lang="ru-RU" sz="1400">
+                        <a:effectLst/>
+                        <a:latin typeface="Times New Roman" panose="02020603050405020304" pitchFamily="18" charset="0"/>
+                        <a:ea typeface="Calibri" panose="020F0502020204030204" pitchFamily="34" charset="0"/>
+                        <a:cs typeface="Times New Roman" panose="02020603050405020304" pitchFamily="18" charset="0"/>
+                      </a:endParaRPr>
+                    </a:p>
+                  </a:txBody>
+                  <a:tcPr marL="68580" marR="68580" marT="0" marB="0"/>
+                </a:tc>
+                <a:tc>
+                  <a:txBody>
+                    <a:bodyPr/>
+                    <a:lstStyle/>
+                    <a:p>
+                      <a:pPr algn="ctr">
+                        <a:lnSpc>
+                          <a:spcPct val="150000"/>
+                        </a:lnSpc>
+                        <a:spcAft>
+                          <a:spcPts val="800"/>
+                        </a:spcAft>
+                      </a:pPr>
+                      <a:r>
+                        <a:rPr lang="ru-RU" sz="1800">
+                          <a:effectLst/>
+                          <a:latin typeface="Times New Roman" panose="02020603050405020304" pitchFamily="18" charset="0"/>
+                          <a:cs typeface="Times New Roman" panose="02020603050405020304" pitchFamily="18" charset="0"/>
+                        </a:rPr>
+                        <a:t>0.803</a:t>
+                      </a:r>
+                      <a:endParaRPr lang="ru-RU" sz="1400">
+                        <a:effectLst/>
+                        <a:latin typeface="Times New Roman" panose="02020603050405020304" pitchFamily="18" charset="0"/>
+                        <a:ea typeface="Calibri" panose="020F0502020204030204" pitchFamily="34" charset="0"/>
+                        <a:cs typeface="Times New Roman" panose="02020603050405020304" pitchFamily="18" charset="0"/>
+                      </a:endParaRPr>
+                    </a:p>
+                  </a:txBody>
+                  <a:tcPr marL="68580" marR="68580" marT="0" marB="0"/>
+                </a:tc>
+                <a:tc>
+                  <a:txBody>
+                    <a:bodyPr/>
+                    <a:lstStyle/>
+                    <a:p>
+                      <a:pPr algn="ctr">
+                        <a:lnSpc>
+                          <a:spcPct val="150000"/>
+                        </a:lnSpc>
+                        <a:spcAft>
+                          <a:spcPts val="800"/>
+                        </a:spcAft>
+                      </a:pPr>
+                      <a:r>
+                        <a:rPr lang="ru-RU" sz="1800" dirty="0">
+                          <a:effectLst/>
+                          <a:latin typeface="Times New Roman" panose="02020603050405020304" pitchFamily="18" charset="0"/>
+                          <a:cs typeface="Times New Roman" panose="02020603050405020304" pitchFamily="18" charset="0"/>
+                        </a:rPr>
+                        <a:t>0.849</a:t>
+                      </a:r>
+                      <a:endParaRPr lang="ru-RU" sz="1400" dirty="0">
+                        <a:effectLst/>
+                        <a:latin typeface="Times New Roman" panose="02020603050405020304" pitchFamily="18" charset="0"/>
+                        <a:ea typeface="Calibri" panose="020F0502020204030204" pitchFamily="34" charset="0"/>
+                        <a:cs typeface="Times New Roman" panose="02020603050405020304" pitchFamily="18" charset="0"/>
+                      </a:endParaRPr>
+                    </a:p>
+                  </a:txBody>
+                  <a:tcPr marL="68580" marR="68580" marT="0" marB="0"/>
+                </a:tc>
+                <a:extLst>
+                  <a:ext uri="{0D108BD9-81ED-4DB2-BD59-A6C34878D82A}">
+                    <a16:rowId xmlns:a16="http://schemas.microsoft.com/office/drawing/2014/main" val="3947226363"/>
+                  </a:ext>
+                </a:extLst>
+              </a:tr>
+              <a:tr h="511141">
+                <a:tc>
+                  <a:txBody>
+                    <a:bodyPr/>
+                    <a:lstStyle/>
+                    <a:p>
+                      <a:pPr algn="ctr">
+                        <a:lnSpc>
+                          <a:spcPct val="150000"/>
+                        </a:lnSpc>
+                        <a:spcAft>
+                          <a:spcPts val="800"/>
+                        </a:spcAft>
+                      </a:pPr>
+                      <a:r>
+                        <a:rPr lang="ru-RU" sz="1800" dirty="0">
+                          <a:effectLst/>
+                          <a:latin typeface="Times New Roman" panose="02020603050405020304" pitchFamily="18" charset="0"/>
+                          <a:cs typeface="Times New Roman" panose="02020603050405020304" pitchFamily="18" charset="0"/>
+                        </a:rPr>
+                        <a:t>Метод опорных векторов</a:t>
+                      </a:r>
+                      <a:endParaRPr lang="ru-RU" sz="1400" dirty="0">
+                        <a:effectLst/>
+                        <a:latin typeface="Times New Roman" panose="02020603050405020304" pitchFamily="18" charset="0"/>
+                        <a:ea typeface="Calibri" panose="020F0502020204030204" pitchFamily="34" charset="0"/>
+                        <a:cs typeface="Times New Roman" panose="02020603050405020304" pitchFamily="18" charset="0"/>
+                      </a:endParaRPr>
+                    </a:p>
+                  </a:txBody>
+                  <a:tcPr marL="68580" marR="68580" marT="0" marB="0"/>
+                </a:tc>
+                <a:tc>
+                  <a:txBody>
+                    <a:bodyPr/>
+                    <a:lstStyle/>
+                    <a:p>
+                      <a:pPr algn="ctr">
+                        <a:lnSpc>
+                          <a:spcPct val="150000"/>
+                        </a:lnSpc>
+                        <a:spcAft>
+                          <a:spcPts val="800"/>
+                        </a:spcAft>
+                      </a:pPr>
+                      <a:r>
+                        <a:rPr lang="ru-RU" sz="1800">
+                          <a:effectLst/>
+                          <a:latin typeface="Times New Roman" panose="02020603050405020304" pitchFamily="18" charset="0"/>
+                          <a:cs typeface="Times New Roman" panose="02020603050405020304" pitchFamily="18" charset="0"/>
+                        </a:rPr>
+                        <a:t>0.841</a:t>
+                      </a:r>
+                      <a:endParaRPr lang="ru-RU" sz="1400">
+                        <a:effectLst/>
+                        <a:latin typeface="Times New Roman" panose="02020603050405020304" pitchFamily="18" charset="0"/>
+                        <a:ea typeface="Calibri" panose="020F0502020204030204" pitchFamily="34" charset="0"/>
+                        <a:cs typeface="Times New Roman" panose="02020603050405020304" pitchFamily="18" charset="0"/>
+                      </a:endParaRPr>
+                    </a:p>
+                  </a:txBody>
+                  <a:tcPr marL="68580" marR="68580" marT="0" marB="0"/>
+                </a:tc>
+                <a:tc>
+                  <a:txBody>
+                    <a:bodyPr/>
+                    <a:lstStyle/>
+                    <a:p>
+                      <a:pPr algn="ctr">
+                        <a:lnSpc>
+                          <a:spcPct val="150000"/>
+                        </a:lnSpc>
+                        <a:spcAft>
+                          <a:spcPts val="800"/>
+                        </a:spcAft>
+                      </a:pPr>
+                      <a:r>
+                        <a:rPr lang="ru-RU" sz="1800" dirty="0">
+                          <a:effectLst/>
+                          <a:latin typeface="Times New Roman" panose="02020603050405020304" pitchFamily="18" charset="0"/>
+                          <a:cs typeface="Times New Roman" panose="02020603050405020304" pitchFamily="18" charset="0"/>
+                        </a:rPr>
+                        <a:t>0.901</a:t>
+                      </a:r>
+                      <a:endParaRPr lang="ru-RU" sz="1400" dirty="0">
+                        <a:effectLst/>
+                        <a:latin typeface="Times New Roman" panose="02020603050405020304" pitchFamily="18" charset="0"/>
+                        <a:ea typeface="Calibri" panose="020F0502020204030204" pitchFamily="34" charset="0"/>
+                        <a:cs typeface="Times New Roman" panose="02020603050405020304" pitchFamily="18" charset="0"/>
+                      </a:endParaRPr>
+                    </a:p>
+                  </a:txBody>
+                  <a:tcPr marL="68580" marR="68580" marT="0" marB="0"/>
+                </a:tc>
+                <a:tc>
+                  <a:txBody>
+                    <a:bodyPr/>
+                    <a:lstStyle/>
+                    <a:p>
+                      <a:pPr algn="ctr">
+                        <a:lnSpc>
+                          <a:spcPct val="150000"/>
+                        </a:lnSpc>
+                        <a:spcAft>
+                          <a:spcPts val="800"/>
+                        </a:spcAft>
+                      </a:pPr>
+                      <a:r>
+                        <a:rPr lang="ru-RU" sz="1800">
+                          <a:effectLst/>
+                          <a:latin typeface="Times New Roman" panose="02020603050405020304" pitchFamily="18" charset="0"/>
+                          <a:cs typeface="Times New Roman" panose="02020603050405020304" pitchFamily="18" charset="0"/>
+                        </a:rPr>
+                        <a:t>0.879</a:t>
+                      </a:r>
+                      <a:endParaRPr lang="ru-RU" sz="1400">
+                        <a:effectLst/>
+                        <a:latin typeface="Times New Roman" panose="02020603050405020304" pitchFamily="18" charset="0"/>
+                        <a:ea typeface="Calibri" panose="020F0502020204030204" pitchFamily="34" charset="0"/>
+                        <a:cs typeface="Times New Roman" panose="02020603050405020304" pitchFamily="18" charset="0"/>
+                      </a:endParaRPr>
+                    </a:p>
+                  </a:txBody>
+                  <a:tcPr marL="68580" marR="68580" marT="0" marB="0"/>
+                </a:tc>
+                <a:tc>
+                  <a:txBody>
+                    <a:bodyPr/>
+                    <a:lstStyle/>
+                    <a:p>
+                      <a:pPr algn="ctr">
+                        <a:lnSpc>
+                          <a:spcPct val="150000"/>
+                        </a:lnSpc>
+                        <a:spcAft>
+                          <a:spcPts val="800"/>
+                        </a:spcAft>
+                      </a:pPr>
+                      <a:r>
+                        <a:rPr lang="ru-RU" sz="1800">
+                          <a:effectLst/>
+                          <a:latin typeface="Times New Roman" panose="02020603050405020304" pitchFamily="18" charset="0"/>
+                          <a:cs typeface="Times New Roman" panose="02020603050405020304" pitchFamily="18" charset="0"/>
+                        </a:rPr>
+                        <a:t>0.902</a:t>
+                      </a:r>
+                      <a:endParaRPr lang="ru-RU" sz="1400">
+                        <a:effectLst/>
+                        <a:latin typeface="Times New Roman" panose="02020603050405020304" pitchFamily="18" charset="0"/>
+                        <a:ea typeface="Calibri" panose="020F0502020204030204" pitchFamily="34" charset="0"/>
+                        <a:cs typeface="Times New Roman" panose="02020603050405020304" pitchFamily="18" charset="0"/>
+                      </a:endParaRPr>
+                    </a:p>
+                  </a:txBody>
+                  <a:tcPr marL="68580" marR="68580" marT="0" marB="0"/>
+                </a:tc>
+                <a:extLst>
+                  <a:ext uri="{0D108BD9-81ED-4DB2-BD59-A6C34878D82A}">
+                    <a16:rowId xmlns:a16="http://schemas.microsoft.com/office/drawing/2014/main" val="1371609190"/>
+                  </a:ext>
+                </a:extLst>
+              </a:tr>
+              <a:tr h="455591">
+                <a:tc>
+                  <a:txBody>
+                    <a:bodyPr/>
+                    <a:lstStyle/>
+                    <a:p>
+                      <a:pPr algn="ctr">
+                        <a:lnSpc>
+                          <a:spcPct val="150000"/>
+                        </a:lnSpc>
+                        <a:spcAft>
+                          <a:spcPts val="800"/>
+                        </a:spcAft>
+                      </a:pPr>
+                      <a:r>
+                        <a:rPr lang="ru-RU" sz="1800">
+                          <a:effectLst/>
+                          <a:latin typeface="Times New Roman" panose="02020603050405020304" pitchFamily="18" charset="0"/>
+                          <a:cs typeface="Times New Roman" panose="02020603050405020304" pitchFamily="18" charset="0"/>
+                        </a:rPr>
+                        <a:t>Дерево решений</a:t>
+                      </a:r>
+                      <a:endParaRPr lang="ru-RU" sz="1400">
+                        <a:effectLst/>
+                        <a:latin typeface="Times New Roman" panose="02020603050405020304" pitchFamily="18" charset="0"/>
+                        <a:ea typeface="Calibri" panose="020F0502020204030204" pitchFamily="34" charset="0"/>
+                        <a:cs typeface="Times New Roman" panose="02020603050405020304" pitchFamily="18" charset="0"/>
+                      </a:endParaRPr>
+                    </a:p>
+                  </a:txBody>
+                  <a:tcPr marL="68580" marR="68580" marT="0" marB="0"/>
+                </a:tc>
+                <a:tc>
+                  <a:txBody>
+                    <a:bodyPr/>
+                    <a:lstStyle/>
+                    <a:p>
+                      <a:pPr algn="ctr">
+                        <a:lnSpc>
+                          <a:spcPct val="150000"/>
+                        </a:lnSpc>
+                        <a:spcAft>
+                          <a:spcPts val="800"/>
+                        </a:spcAft>
+                      </a:pPr>
+                      <a:r>
+                        <a:rPr lang="ru-RU" sz="1800">
+                          <a:effectLst/>
+                          <a:latin typeface="Times New Roman" panose="02020603050405020304" pitchFamily="18" charset="0"/>
+                          <a:cs typeface="Times New Roman" panose="02020603050405020304" pitchFamily="18" charset="0"/>
+                        </a:rPr>
+                        <a:t>0.823</a:t>
+                      </a:r>
+                      <a:endParaRPr lang="ru-RU" sz="1400">
+                        <a:effectLst/>
+                        <a:latin typeface="Times New Roman" panose="02020603050405020304" pitchFamily="18" charset="0"/>
+                        <a:ea typeface="Calibri" panose="020F0502020204030204" pitchFamily="34" charset="0"/>
+                        <a:cs typeface="Times New Roman" panose="02020603050405020304" pitchFamily="18" charset="0"/>
+                      </a:endParaRPr>
+                    </a:p>
+                  </a:txBody>
+                  <a:tcPr marL="68580" marR="68580" marT="0" marB="0"/>
+                </a:tc>
+                <a:tc>
+                  <a:txBody>
+                    <a:bodyPr/>
+                    <a:lstStyle/>
+                    <a:p>
+                      <a:pPr algn="ctr">
+                        <a:lnSpc>
+                          <a:spcPct val="150000"/>
+                        </a:lnSpc>
+                        <a:spcAft>
+                          <a:spcPts val="800"/>
+                        </a:spcAft>
+                      </a:pPr>
+                      <a:r>
+                        <a:rPr lang="ru-RU" sz="1800" dirty="0">
+                          <a:effectLst/>
+                          <a:latin typeface="Times New Roman" panose="02020603050405020304" pitchFamily="18" charset="0"/>
+                          <a:cs typeface="Times New Roman" panose="02020603050405020304" pitchFamily="18" charset="0"/>
+                        </a:rPr>
+                        <a:t>0.845</a:t>
+                      </a:r>
+                      <a:endParaRPr lang="ru-RU" sz="1400" dirty="0">
+                        <a:effectLst/>
+                        <a:latin typeface="Times New Roman" panose="02020603050405020304" pitchFamily="18" charset="0"/>
+                        <a:ea typeface="Calibri" panose="020F0502020204030204" pitchFamily="34" charset="0"/>
+                        <a:cs typeface="Times New Roman" panose="02020603050405020304" pitchFamily="18" charset="0"/>
+                      </a:endParaRPr>
+                    </a:p>
+                  </a:txBody>
+                  <a:tcPr marL="68580" marR="68580" marT="0" marB="0"/>
+                </a:tc>
+                <a:tc>
+                  <a:txBody>
+                    <a:bodyPr/>
+                    <a:lstStyle/>
+                    <a:p>
+                      <a:pPr algn="ctr">
+                        <a:lnSpc>
+                          <a:spcPct val="150000"/>
+                        </a:lnSpc>
+                        <a:spcAft>
+                          <a:spcPts val="800"/>
+                        </a:spcAft>
+                      </a:pPr>
+                      <a:r>
+                        <a:rPr lang="ru-RU" sz="1800">
+                          <a:effectLst/>
+                          <a:latin typeface="Times New Roman" panose="02020603050405020304" pitchFamily="18" charset="0"/>
+                          <a:cs typeface="Times New Roman" panose="02020603050405020304" pitchFamily="18" charset="0"/>
+                        </a:rPr>
+                        <a:t>0.878</a:t>
+                      </a:r>
+                      <a:endParaRPr lang="ru-RU" sz="1400">
+                        <a:effectLst/>
+                        <a:latin typeface="Times New Roman" panose="02020603050405020304" pitchFamily="18" charset="0"/>
+                        <a:ea typeface="Calibri" panose="020F0502020204030204" pitchFamily="34" charset="0"/>
+                        <a:cs typeface="Times New Roman" panose="02020603050405020304" pitchFamily="18" charset="0"/>
+                      </a:endParaRPr>
+                    </a:p>
+                  </a:txBody>
+                  <a:tcPr marL="68580" marR="68580" marT="0" marB="0"/>
+                </a:tc>
+                <a:tc>
+                  <a:txBody>
+                    <a:bodyPr/>
+                    <a:lstStyle/>
+                    <a:p>
+                      <a:pPr algn="ctr">
+                        <a:lnSpc>
+                          <a:spcPct val="150000"/>
+                        </a:lnSpc>
+                        <a:spcAft>
+                          <a:spcPts val="800"/>
+                        </a:spcAft>
+                      </a:pPr>
+                      <a:r>
+                        <a:rPr lang="ru-RU" sz="1800" dirty="0">
+                          <a:effectLst/>
+                          <a:latin typeface="Times New Roman" panose="02020603050405020304" pitchFamily="18" charset="0"/>
+                          <a:cs typeface="Times New Roman" panose="02020603050405020304" pitchFamily="18" charset="0"/>
+                        </a:rPr>
+                        <a:t>0.889</a:t>
+                      </a:r>
+                      <a:endParaRPr lang="ru-RU" sz="1400" dirty="0">
+                        <a:effectLst/>
+                        <a:latin typeface="Times New Roman" panose="02020603050405020304" pitchFamily="18" charset="0"/>
+                        <a:ea typeface="Calibri" panose="020F0502020204030204" pitchFamily="34" charset="0"/>
+                        <a:cs typeface="Times New Roman" panose="02020603050405020304" pitchFamily="18" charset="0"/>
+                      </a:endParaRPr>
+                    </a:p>
+                  </a:txBody>
+                  <a:tcPr marL="68580" marR="68580" marT="0" marB="0"/>
+                </a:tc>
+                <a:extLst>
+                  <a:ext uri="{0D108BD9-81ED-4DB2-BD59-A6C34878D82A}">
+                    <a16:rowId xmlns:a16="http://schemas.microsoft.com/office/drawing/2014/main" val="4115499108"/>
+                  </a:ext>
+                </a:extLst>
+              </a:tr>
+              <a:tr h="455591">
+                <a:tc>
+                  <a:txBody>
+                    <a:bodyPr/>
+                    <a:lstStyle/>
+                    <a:p>
+                      <a:pPr algn="ctr">
+                        <a:lnSpc>
+                          <a:spcPct val="150000"/>
+                        </a:lnSpc>
+                        <a:spcAft>
+                          <a:spcPts val="800"/>
+                        </a:spcAft>
+                      </a:pPr>
+                      <a:r>
+                        <a:rPr lang="ru-RU" sz="1800" dirty="0" smtClean="0">
+                          <a:effectLst/>
+                          <a:latin typeface="Times New Roman" panose="02020603050405020304" pitchFamily="18" charset="0"/>
+                          <a:cs typeface="Times New Roman" panose="02020603050405020304" pitchFamily="18" charset="0"/>
+                        </a:rPr>
+                        <a:t>Случайный лес</a:t>
+                      </a:r>
+                      <a:endParaRPr lang="ru-RU" sz="1400" dirty="0">
+                        <a:effectLst/>
+                        <a:latin typeface="Times New Roman" panose="02020603050405020304" pitchFamily="18" charset="0"/>
+                        <a:ea typeface="Calibri" panose="020F0502020204030204" pitchFamily="34" charset="0"/>
+                        <a:cs typeface="Times New Roman" panose="02020603050405020304" pitchFamily="18" charset="0"/>
+                      </a:endParaRPr>
+                    </a:p>
+                  </a:txBody>
+                  <a:tcPr marL="68580" marR="68580" marT="0" marB="0"/>
+                </a:tc>
+                <a:tc>
+                  <a:txBody>
+                    <a:bodyPr/>
+                    <a:lstStyle/>
+                    <a:p>
+                      <a:pPr algn="ctr">
+                        <a:lnSpc>
+                          <a:spcPct val="150000"/>
+                        </a:lnSpc>
+                        <a:spcAft>
+                          <a:spcPts val="800"/>
+                        </a:spcAft>
+                      </a:pPr>
+                      <a:r>
+                        <a:rPr lang="ru-RU" sz="1800" dirty="0" smtClean="0">
+                          <a:effectLst/>
+                          <a:latin typeface="Times New Roman" panose="02020603050405020304" pitchFamily="18" charset="0"/>
+                          <a:cs typeface="Times New Roman" panose="02020603050405020304" pitchFamily="18" charset="0"/>
+                        </a:rPr>
+                        <a:t>0.84</a:t>
+                      </a:r>
+                      <a:r>
+                        <a:rPr lang="en-US" sz="1800" dirty="0" smtClean="0">
+                          <a:effectLst/>
+                          <a:latin typeface="Times New Roman" panose="02020603050405020304" pitchFamily="18" charset="0"/>
+                          <a:cs typeface="Times New Roman" panose="02020603050405020304" pitchFamily="18" charset="0"/>
+                        </a:rPr>
+                        <a:t>5</a:t>
+                      </a:r>
+                      <a:endParaRPr lang="ru-RU" sz="1400" dirty="0">
+                        <a:effectLst/>
+                        <a:latin typeface="Times New Roman" panose="02020603050405020304" pitchFamily="18" charset="0"/>
+                        <a:ea typeface="Calibri" panose="020F0502020204030204" pitchFamily="34" charset="0"/>
+                        <a:cs typeface="Times New Roman" panose="02020603050405020304" pitchFamily="18" charset="0"/>
+                      </a:endParaRPr>
+                    </a:p>
+                  </a:txBody>
+                  <a:tcPr marL="68580" marR="68580" marT="0" marB="0"/>
+                </a:tc>
+                <a:tc>
+                  <a:txBody>
+                    <a:bodyPr/>
+                    <a:lstStyle/>
+                    <a:p>
+                      <a:pPr algn="ctr">
+                        <a:lnSpc>
+                          <a:spcPct val="150000"/>
+                        </a:lnSpc>
+                        <a:spcAft>
+                          <a:spcPts val="800"/>
+                        </a:spcAft>
+                      </a:pPr>
+                      <a:r>
+                        <a:rPr lang="ru-RU" sz="1800" dirty="0" smtClean="0">
+                          <a:effectLst/>
+                          <a:latin typeface="Times New Roman" panose="02020603050405020304" pitchFamily="18" charset="0"/>
+                          <a:cs typeface="Times New Roman" panose="02020603050405020304" pitchFamily="18" charset="0"/>
+                        </a:rPr>
+                        <a:t>0.</a:t>
+                      </a:r>
+                      <a:r>
+                        <a:rPr lang="en-US" sz="1800" dirty="0" smtClean="0">
+                          <a:effectLst/>
+                          <a:latin typeface="Times New Roman" panose="02020603050405020304" pitchFamily="18" charset="0"/>
+                          <a:cs typeface="Times New Roman" panose="02020603050405020304" pitchFamily="18" charset="0"/>
+                        </a:rPr>
+                        <a:t>859</a:t>
+                      </a:r>
+                      <a:endParaRPr lang="ru-RU" sz="1400" dirty="0">
+                        <a:effectLst/>
+                        <a:latin typeface="Times New Roman" panose="02020603050405020304" pitchFamily="18" charset="0"/>
+                        <a:ea typeface="Calibri" panose="020F0502020204030204" pitchFamily="34" charset="0"/>
+                        <a:cs typeface="Times New Roman" panose="02020603050405020304" pitchFamily="18" charset="0"/>
+                      </a:endParaRPr>
+                    </a:p>
+                  </a:txBody>
+                  <a:tcPr marL="68580" marR="68580" marT="0" marB="0"/>
+                </a:tc>
+                <a:tc>
+                  <a:txBody>
+                    <a:bodyPr/>
+                    <a:lstStyle/>
+                    <a:p>
+                      <a:pPr algn="ctr">
+                        <a:lnSpc>
+                          <a:spcPct val="150000"/>
+                        </a:lnSpc>
+                        <a:spcAft>
+                          <a:spcPts val="800"/>
+                        </a:spcAft>
+                      </a:pPr>
+                      <a:r>
+                        <a:rPr lang="ru-RU" sz="1800" dirty="0" smtClean="0">
+                          <a:effectLst/>
+                          <a:latin typeface="Times New Roman" panose="02020603050405020304" pitchFamily="18" charset="0"/>
+                          <a:cs typeface="Times New Roman" panose="02020603050405020304" pitchFamily="18" charset="0"/>
+                        </a:rPr>
+                        <a:t>0.8</a:t>
+                      </a:r>
+                      <a:r>
+                        <a:rPr lang="en-US" sz="1800" dirty="0" smtClean="0">
+                          <a:effectLst/>
+                          <a:latin typeface="Times New Roman" panose="02020603050405020304" pitchFamily="18" charset="0"/>
+                          <a:cs typeface="Times New Roman" panose="02020603050405020304" pitchFamily="18" charset="0"/>
+                        </a:rPr>
+                        <a:t>6</a:t>
+                      </a:r>
+                      <a:r>
+                        <a:rPr lang="ru-RU" sz="1800" dirty="0" smtClean="0">
+                          <a:effectLst/>
+                          <a:latin typeface="Times New Roman" panose="02020603050405020304" pitchFamily="18" charset="0"/>
+                          <a:cs typeface="Times New Roman" panose="02020603050405020304" pitchFamily="18" charset="0"/>
+                        </a:rPr>
+                        <a:t>3</a:t>
+                      </a:r>
+                      <a:endParaRPr lang="ru-RU" sz="1400" dirty="0">
+                        <a:effectLst/>
+                        <a:latin typeface="Times New Roman" panose="02020603050405020304" pitchFamily="18" charset="0"/>
+                        <a:ea typeface="Calibri" panose="020F0502020204030204" pitchFamily="34" charset="0"/>
+                        <a:cs typeface="Times New Roman" panose="02020603050405020304" pitchFamily="18" charset="0"/>
+                      </a:endParaRPr>
+                    </a:p>
+                  </a:txBody>
+                  <a:tcPr marL="68580" marR="68580" marT="0" marB="0"/>
+                </a:tc>
+                <a:tc>
+                  <a:txBody>
+                    <a:bodyPr/>
+                    <a:lstStyle/>
+                    <a:p>
+                      <a:pPr algn="ctr">
+                        <a:lnSpc>
+                          <a:spcPct val="150000"/>
+                        </a:lnSpc>
+                        <a:spcAft>
+                          <a:spcPts val="800"/>
+                        </a:spcAft>
+                      </a:pPr>
+                      <a:r>
+                        <a:rPr lang="ru-RU" sz="1800" dirty="0" smtClean="0">
+                          <a:effectLst/>
+                          <a:latin typeface="Times New Roman" panose="02020603050405020304" pitchFamily="18" charset="0"/>
+                          <a:cs typeface="Times New Roman" panose="02020603050405020304" pitchFamily="18" charset="0"/>
+                        </a:rPr>
+                        <a:t>0.</a:t>
+                      </a:r>
+                      <a:r>
+                        <a:rPr lang="en-US" sz="1800" dirty="0" smtClean="0">
+                          <a:effectLst/>
+                          <a:latin typeface="Times New Roman" panose="02020603050405020304" pitchFamily="18" charset="0"/>
+                          <a:cs typeface="Times New Roman" panose="02020603050405020304" pitchFamily="18" charset="0"/>
+                        </a:rPr>
+                        <a:t>890</a:t>
+                      </a:r>
+                      <a:endParaRPr lang="ru-RU" sz="1400" dirty="0">
+                        <a:effectLst/>
+                        <a:latin typeface="Times New Roman" panose="02020603050405020304" pitchFamily="18" charset="0"/>
+                        <a:ea typeface="Calibri" panose="020F0502020204030204" pitchFamily="34" charset="0"/>
+                        <a:cs typeface="Times New Roman" panose="02020603050405020304" pitchFamily="18" charset="0"/>
+                      </a:endParaRPr>
+                    </a:p>
+                  </a:txBody>
+                  <a:tcPr marL="68580" marR="68580" marT="0" marB="0"/>
+                </a:tc>
+                <a:extLst>
+                  <a:ext uri="{0D108BD9-81ED-4DB2-BD59-A6C34878D82A}">
+                    <a16:rowId xmlns:a16="http://schemas.microsoft.com/office/drawing/2014/main" val="488924281"/>
+                  </a:ext>
+                </a:extLst>
+              </a:tr>
+              <a:tr h="455591">
+                <a:tc>
+                  <a:txBody>
+                    <a:bodyPr/>
+                    <a:lstStyle/>
+                    <a:p>
+                      <a:pPr algn="ctr">
+                        <a:lnSpc>
+                          <a:spcPct val="150000"/>
+                        </a:lnSpc>
+                        <a:spcAft>
+                          <a:spcPts val="800"/>
+                        </a:spcAft>
+                      </a:pPr>
+                      <a:r>
+                        <a:rPr lang="ru-RU" sz="1800">
+                          <a:effectLst/>
+                          <a:latin typeface="Times New Roman" panose="02020603050405020304" pitchFamily="18" charset="0"/>
+                          <a:cs typeface="Times New Roman" panose="02020603050405020304" pitchFamily="18" charset="0"/>
+                        </a:rPr>
+                        <a:t>Градиентный бустинг</a:t>
+                      </a:r>
+                      <a:endParaRPr lang="ru-RU" sz="1400">
+                        <a:effectLst/>
+                        <a:latin typeface="Times New Roman" panose="02020603050405020304" pitchFamily="18" charset="0"/>
+                        <a:ea typeface="Calibri" panose="020F0502020204030204" pitchFamily="34" charset="0"/>
+                        <a:cs typeface="Times New Roman" panose="02020603050405020304" pitchFamily="18" charset="0"/>
+                      </a:endParaRPr>
+                    </a:p>
+                  </a:txBody>
+                  <a:tcPr marL="68580" marR="68580" marT="0" marB="0"/>
+                </a:tc>
+                <a:tc>
+                  <a:txBody>
+                    <a:bodyPr/>
+                    <a:lstStyle/>
+                    <a:p>
+                      <a:pPr algn="ctr">
+                        <a:lnSpc>
+                          <a:spcPct val="150000"/>
+                        </a:lnSpc>
+                        <a:spcAft>
+                          <a:spcPts val="800"/>
+                        </a:spcAft>
+                      </a:pPr>
+                      <a:r>
+                        <a:rPr lang="ru-RU" sz="1800" b="1" dirty="0" smtClean="0">
+                          <a:effectLst/>
+                          <a:latin typeface="Times New Roman" panose="02020603050405020304" pitchFamily="18" charset="0"/>
+                          <a:cs typeface="Times New Roman" panose="02020603050405020304" pitchFamily="18" charset="0"/>
+                        </a:rPr>
+                        <a:t>0.84</a:t>
+                      </a:r>
+                      <a:r>
+                        <a:rPr lang="en-US" sz="1800" b="1" dirty="0" smtClean="0">
+                          <a:effectLst/>
+                          <a:latin typeface="Times New Roman" panose="02020603050405020304" pitchFamily="18" charset="0"/>
+                          <a:cs typeface="Times New Roman" panose="02020603050405020304" pitchFamily="18" charset="0"/>
+                        </a:rPr>
+                        <a:t>7</a:t>
+                      </a:r>
+                      <a:endParaRPr lang="ru-RU" sz="1400" b="1" dirty="0">
+                        <a:effectLst/>
+                        <a:latin typeface="Times New Roman" panose="02020603050405020304" pitchFamily="18" charset="0"/>
+                        <a:ea typeface="Calibri" panose="020F0502020204030204" pitchFamily="34" charset="0"/>
+                        <a:cs typeface="Times New Roman" panose="02020603050405020304" pitchFamily="18" charset="0"/>
+                      </a:endParaRPr>
+                    </a:p>
+                  </a:txBody>
+                  <a:tcPr marL="68580" marR="68580" marT="0" marB="0"/>
+                </a:tc>
+                <a:tc>
+                  <a:txBody>
+                    <a:bodyPr/>
+                    <a:lstStyle/>
+                    <a:p>
+                      <a:pPr algn="ctr">
+                        <a:lnSpc>
+                          <a:spcPct val="150000"/>
+                        </a:lnSpc>
+                        <a:spcAft>
+                          <a:spcPts val="800"/>
+                        </a:spcAft>
+                      </a:pPr>
+                      <a:r>
+                        <a:rPr lang="ru-RU" sz="1800" b="1" dirty="0" smtClean="0">
+                          <a:effectLst/>
+                          <a:latin typeface="Times New Roman" panose="02020603050405020304" pitchFamily="18" charset="0"/>
+                          <a:cs typeface="Times New Roman" panose="02020603050405020304" pitchFamily="18" charset="0"/>
+                        </a:rPr>
+                        <a:t>0</a:t>
+                      </a:r>
+                      <a:r>
+                        <a:rPr lang="en-US" sz="1800" b="1" dirty="0" smtClean="0">
+                          <a:effectLst/>
+                          <a:latin typeface="Times New Roman" panose="02020603050405020304" pitchFamily="18" charset="0"/>
+                          <a:cs typeface="Times New Roman" panose="02020603050405020304" pitchFamily="18" charset="0"/>
+                        </a:rPr>
+                        <a:t>.903</a:t>
+                      </a:r>
+                      <a:endParaRPr lang="ru-RU" sz="1400" b="1" dirty="0">
+                        <a:effectLst/>
+                        <a:latin typeface="Times New Roman" panose="02020603050405020304" pitchFamily="18" charset="0"/>
+                        <a:ea typeface="Calibri" panose="020F0502020204030204" pitchFamily="34" charset="0"/>
+                        <a:cs typeface="Times New Roman" panose="02020603050405020304" pitchFamily="18" charset="0"/>
+                      </a:endParaRPr>
+                    </a:p>
+                  </a:txBody>
+                  <a:tcPr marL="68580" marR="68580" marT="0" marB="0"/>
+                </a:tc>
+                <a:tc>
+                  <a:txBody>
+                    <a:bodyPr/>
+                    <a:lstStyle/>
+                    <a:p>
+                      <a:pPr algn="ctr">
+                        <a:lnSpc>
+                          <a:spcPct val="150000"/>
+                        </a:lnSpc>
+                        <a:spcAft>
+                          <a:spcPts val="800"/>
+                        </a:spcAft>
+                      </a:pPr>
+                      <a:r>
+                        <a:rPr lang="ru-RU" sz="1800" b="1" dirty="0" smtClean="0">
+                          <a:effectLst/>
+                          <a:latin typeface="Times New Roman" panose="02020603050405020304" pitchFamily="18" charset="0"/>
+                          <a:cs typeface="Times New Roman" panose="02020603050405020304" pitchFamily="18" charset="0"/>
+                        </a:rPr>
+                        <a:t>0.8</a:t>
+                      </a:r>
+                      <a:r>
+                        <a:rPr lang="en-US" sz="1800" b="1" dirty="0" smtClean="0">
+                          <a:effectLst/>
+                          <a:latin typeface="Times New Roman" panose="02020603050405020304" pitchFamily="18" charset="0"/>
+                          <a:cs typeface="Times New Roman" panose="02020603050405020304" pitchFamily="18" charset="0"/>
+                        </a:rPr>
+                        <a:t>8</a:t>
+                      </a:r>
+                      <a:r>
+                        <a:rPr lang="ru-RU" sz="1800" b="1" dirty="0" smtClean="0">
+                          <a:effectLst/>
+                          <a:latin typeface="Times New Roman" panose="02020603050405020304" pitchFamily="18" charset="0"/>
+                          <a:cs typeface="Times New Roman" panose="02020603050405020304" pitchFamily="18" charset="0"/>
+                        </a:rPr>
+                        <a:t>3</a:t>
+                      </a:r>
+                      <a:endParaRPr lang="ru-RU" sz="1400" b="1" dirty="0">
+                        <a:effectLst/>
+                        <a:latin typeface="Times New Roman" panose="02020603050405020304" pitchFamily="18" charset="0"/>
+                        <a:ea typeface="Calibri" panose="020F0502020204030204" pitchFamily="34" charset="0"/>
+                        <a:cs typeface="Times New Roman" panose="02020603050405020304" pitchFamily="18" charset="0"/>
+                      </a:endParaRPr>
+                    </a:p>
+                  </a:txBody>
+                  <a:tcPr marL="68580" marR="68580" marT="0" marB="0"/>
+                </a:tc>
+                <a:tc>
+                  <a:txBody>
+                    <a:bodyPr/>
+                    <a:lstStyle/>
+                    <a:p>
+                      <a:pPr algn="ctr">
+                        <a:lnSpc>
+                          <a:spcPct val="150000"/>
+                        </a:lnSpc>
+                        <a:spcAft>
+                          <a:spcPts val="800"/>
+                        </a:spcAft>
+                      </a:pPr>
+                      <a:r>
+                        <a:rPr lang="ru-RU" sz="1800" b="1" dirty="0" smtClean="0">
+                          <a:effectLst/>
+                          <a:latin typeface="Times New Roman" panose="02020603050405020304" pitchFamily="18" charset="0"/>
+                          <a:cs typeface="Times New Roman" panose="02020603050405020304" pitchFamily="18" charset="0"/>
+                        </a:rPr>
+                        <a:t>0.</a:t>
+                      </a:r>
+                      <a:r>
+                        <a:rPr lang="en-US" sz="1800" b="1" dirty="0" smtClean="0">
+                          <a:effectLst/>
+                          <a:latin typeface="Times New Roman" panose="02020603050405020304" pitchFamily="18" charset="0"/>
+                          <a:cs typeface="Times New Roman" panose="02020603050405020304" pitchFamily="18" charset="0"/>
+                        </a:rPr>
+                        <a:t>903</a:t>
+                      </a:r>
+                      <a:endParaRPr lang="ru-RU" sz="1400" b="1" dirty="0">
+                        <a:effectLst/>
+                        <a:latin typeface="Times New Roman" panose="02020603050405020304" pitchFamily="18" charset="0"/>
+                        <a:ea typeface="Calibri" panose="020F0502020204030204" pitchFamily="34" charset="0"/>
+                        <a:cs typeface="Times New Roman" panose="02020603050405020304" pitchFamily="18" charset="0"/>
+                      </a:endParaRPr>
+                    </a:p>
+                  </a:txBody>
+                  <a:tcPr marL="68580" marR="68580" marT="0" marB="0"/>
+                </a:tc>
+                <a:extLst>
+                  <a:ext uri="{0D108BD9-81ED-4DB2-BD59-A6C34878D82A}">
+                    <a16:rowId xmlns:a16="http://schemas.microsoft.com/office/drawing/2014/main" val="3157714018"/>
+                  </a:ext>
+                </a:extLst>
+              </a:tr>
+              <a:tr h="455591">
+                <a:tc>
+                  <a:txBody>
+                    <a:bodyPr/>
+                    <a:lstStyle/>
+                    <a:p>
+                      <a:pPr algn="ctr">
+                        <a:lnSpc>
+                          <a:spcPct val="150000"/>
+                        </a:lnSpc>
+                        <a:spcAft>
+                          <a:spcPts val="800"/>
+                        </a:spcAft>
+                      </a:pPr>
+                      <a:r>
+                        <a:rPr lang="ru-RU" sz="1800">
+                          <a:effectLst/>
+                          <a:latin typeface="Times New Roman" panose="02020603050405020304" pitchFamily="18" charset="0"/>
+                          <a:cs typeface="Times New Roman" panose="02020603050405020304" pitchFamily="18" charset="0"/>
+                        </a:rPr>
+                        <a:t>Адаптивный бустинг</a:t>
+                      </a:r>
+                      <a:endParaRPr lang="ru-RU" sz="1400">
+                        <a:effectLst/>
+                        <a:latin typeface="Times New Roman" panose="02020603050405020304" pitchFamily="18" charset="0"/>
+                        <a:ea typeface="Calibri" panose="020F0502020204030204" pitchFamily="34" charset="0"/>
+                        <a:cs typeface="Times New Roman" panose="02020603050405020304" pitchFamily="18" charset="0"/>
+                      </a:endParaRPr>
+                    </a:p>
+                  </a:txBody>
+                  <a:tcPr marL="68580" marR="68580" marT="0" marB="0"/>
+                </a:tc>
+                <a:tc>
+                  <a:txBody>
+                    <a:bodyPr/>
+                    <a:lstStyle/>
+                    <a:p>
+                      <a:pPr algn="ctr">
+                        <a:lnSpc>
+                          <a:spcPct val="150000"/>
+                        </a:lnSpc>
+                        <a:spcAft>
+                          <a:spcPts val="800"/>
+                        </a:spcAft>
+                      </a:pPr>
+                      <a:r>
+                        <a:rPr lang="ru-RU" sz="1800">
+                          <a:effectLst/>
+                          <a:latin typeface="Times New Roman" panose="02020603050405020304" pitchFamily="18" charset="0"/>
+                          <a:cs typeface="Times New Roman" panose="02020603050405020304" pitchFamily="18" charset="0"/>
+                        </a:rPr>
+                        <a:t>0.835</a:t>
+                      </a:r>
+                      <a:endParaRPr lang="ru-RU" sz="1400">
+                        <a:effectLst/>
+                        <a:latin typeface="Times New Roman" panose="02020603050405020304" pitchFamily="18" charset="0"/>
+                        <a:ea typeface="Calibri" panose="020F0502020204030204" pitchFamily="34" charset="0"/>
+                        <a:cs typeface="Times New Roman" panose="02020603050405020304" pitchFamily="18" charset="0"/>
+                      </a:endParaRPr>
+                    </a:p>
+                  </a:txBody>
+                  <a:tcPr marL="68580" marR="68580" marT="0" marB="0"/>
+                </a:tc>
+                <a:tc>
+                  <a:txBody>
+                    <a:bodyPr/>
+                    <a:lstStyle/>
+                    <a:p>
+                      <a:pPr algn="ctr">
+                        <a:lnSpc>
+                          <a:spcPct val="150000"/>
+                        </a:lnSpc>
+                        <a:spcAft>
+                          <a:spcPts val="800"/>
+                        </a:spcAft>
+                      </a:pPr>
+                      <a:r>
+                        <a:rPr lang="ru-RU" sz="1800">
+                          <a:effectLst/>
+                          <a:latin typeface="Times New Roman" panose="02020603050405020304" pitchFamily="18" charset="0"/>
+                          <a:cs typeface="Times New Roman" panose="02020603050405020304" pitchFamily="18" charset="0"/>
+                        </a:rPr>
+                        <a:t>0.858</a:t>
+                      </a:r>
+                      <a:endParaRPr lang="ru-RU" sz="1400">
+                        <a:effectLst/>
+                        <a:latin typeface="Times New Roman" panose="02020603050405020304" pitchFamily="18" charset="0"/>
+                        <a:ea typeface="Calibri" panose="020F0502020204030204" pitchFamily="34" charset="0"/>
+                        <a:cs typeface="Times New Roman" panose="02020603050405020304" pitchFamily="18" charset="0"/>
+                      </a:endParaRPr>
+                    </a:p>
+                  </a:txBody>
+                  <a:tcPr marL="68580" marR="68580" marT="0" marB="0"/>
+                </a:tc>
+                <a:tc>
+                  <a:txBody>
+                    <a:bodyPr/>
+                    <a:lstStyle/>
+                    <a:p>
+                      <a:pPr algn="ctr">
+                        <a:lnSpc>
+                          <a:spcPct val="150000"/>
+                        </a:lnSpc>
+                        <a:spcAft>
+                          <a:spcPts val="800"/>
+                        </a:spcAft>
+                      </a:pPr>
+                      <a:r>
+                        <a:rPr lang="ru-RU" sz="1800">
+                          <a:effectLst/>
+                          <a:latin typeface="Times New Roman" panose="02020603050405020304" pitchFamily="18" charset="0"/>
+                          <a:cs typeface="Times New Roman" panose="02020603050405020304" pitchFamily="18" charset="0"/>
+                        </a:rPr>
+                        <a:t>0.861</a:t>
+                      </a:r>
+                      <a:endParaRPr lang="ru-RU" sz="1400">
+                        <a:effectLst/>
+                        <a:latin typeface="Times New Roman" panose="02020603050405020304" pitchFamily="18" charset="0"/>
+                        <a:ea typeface="Calibri" panose="020F0502020204030204" pitchFamily="34" charset="0"/>
+                        <a:cs typeface="Times New Roman" panose="02020603050405020304" pitchFamily="18" charset="0"/>
+                      </a:endParaRPr>
+                    </a:p>
+                  </a:txBody>
+                  <a:tcPr marL="68580" marR="68580" marT="0" marB="0"/>
+                </a:tc>
+                <a:tc>
+                  <a:txBody>
+                    <a:bodyPr/>
+                    <a:lstStyle/>
+                    <a:p>
+                      <a:pPr algn="ctr">
+                        <a:lnSpc>
+                          <a:spcPct val="150000"/>
+                        </a:lnSpc>
+                        <a:spcAft>
+                          <a:spcPts val="800"/>
+                        </a:spcAft>
+                      </a:pPr>
+                      <a:r>
+                        <a:rPr lang="ru-RU" sz="1800" dirty="0">
+                          <a:effectLst/>
+                          <a:latin typeface="Times New Roman" panose="02020603050405020304" pitchFamily="18" charset="0"/>
+                          <a:cs typeface="Times New Roman" panose="02020603050405020304" pitchFamily="18" charset="0"/>
+                        </a:rPr>
+                        <a:t>0.889</a:t>
+                      </a:r>
+                      <a:endParaRPr lang="ru-RU" sz="1400" dirty="0">
+                        <a:effectLst/>
+                        <a:latin typeface="Times New Roman" panose="02020603050405020304" pitchFamily="18" charset="0"/>
+                        <a:ea typeface="Calibri" panose="020F0502020204030204" pitchFamily="34" charset="0"/>
+                        <a:cs typeface="Times New Roman" panose="02020603050405020304" pitchFamily="18" charset="0"/>
+                      </a:endParaRPr>
+                    </a:p>
+                  </a:txBody>
+                  <a:tcPr marL="68580" marR="68580" marT="0" marB="0"/>
+                </a:tc>
+                <a:extLst>
+                  <a:ext uri="{0D108BD9-81ED-4DB2-BD59-A6C34878D82A}">
+                    <a16:rowId xmlns:a16="http://schemas.microsoft.com/office/drawing/2014/main" val="3897657952"/>
+                  </a:ext>
+                </a:extLst>
+              </a:tr>
+            </a:tbl>
+          </a:graphicData>
+        </a:graphic>
+      </p:graphicFrame>
+      <p:cxnSp>
+        <p:nvCxnSpPr>
+          <p:cNvPr id="14" name="Прямая соединительная линия 13">
+            <a:extLst>
+              <a:ext uri="{FF2B5EF4-FFF2-40B4-BE49-F238E27FC236}">
+                <a16:creationId xmlns:a16="http://schemas.microsoft.com/office/drawing/2014/main" id="{8D079842-0F04-74C9-DCB6-FE5EF2B99608}"/>
+              </a:ext>
+            </a:extLst>
+          </p:cNvPr>
+          <p:cNvCxnSpPr>
+            <a:cxnSpLocks/>
+          </p:cNvCxnSpPr>
+          <p:nvPr/>
+        </p:nvCxnSpPr>
+        <p:spPr>
+          <a:xfrm>
+            <a:off x="1206631" y="1791093"/>
+            <a:ext cx="3635879" cy="946392"/>
+          </a:xfrm>
+          <a:prstGeom prst="line">
+            <a:avLst/>
+          </a:prstGeom>
+        </p:spPr>
+        <p:style>
+          <a:lnRef idx="1">
+            <a:schemeClr val="dk1"/>
+          </a:lnRef>
+          <a:fillRef idx="0">
+            <a:schemeClr val="dk1"/>
+          </a:fillRef>
+          <a:effectRef idx="0">
+            <a:schemeClr val="dk1"/>
+          </a:effectRef>
+          <a:fontRef idx="minor">
+            <a:schemeClr val="tx1"/>
+          </a:fontRef>
+        </p:style>
+      </p:cxnSp>
+      <p:sp>
+        <p:nvSpPr>
+          <p:cNvPr id="15" name="TextBox 14">
+            <a:extLst>
+              <a:ext uri="{FF2B5EF4-FFF2-40B4-BE49-F238E27FC236}">
+                <a16:creationId xmlns:a16="http://schemas.microsoft.com/office/drawing/2014/main" id="{0FB9B4E2-C507-1F7B-FBD6-F681EC3A4610}"/>
+              </a:ext>
+            </a:extLst>
+          </p:cNvPr>
+          <p:cNvSpPr txBox="1"/>
+          <p:nvPr/>
+        </p:nvSpPr>
+        <p:spPr>
+          <a:xfrm>
+            <a:off x="1545996" y="2262433"/>
+            <a:ext cx="1006750" cy="369332"/>
+          </a:xfrm>
+          <a:prstGeom prst="rect">
+            <a:avLst/>
+          </a:prstGeom>
+          <a:noFill/>
+        </p:spPr>
+        <p:txBody>
+          <a:bodyPr wrap="none" rtlCol="0">
+            <a:spAutoFit/>
+          </a:bodyPr>
+          <a:lstStyle/>
+          <a:p>
+            <a:r>
+              <a:rPr lang="ru-RU" sz="1800" b="1" dirty="0" smtClean="0">
+                <a:effectLst/>
+              </a:rPr>
+              <a:t>Методы</a:t>
+            </a:r>
+            <a:endParaRPr lang="ru-RU" b="1" dirty="0"/>
+          </a:p>
+        </p:txBody>
+      </p:sp>
+      <p:sp>
+        <p:nvSpPr>
+          <p:cNvPr id="8" name="Заголовок 1">
+            <a:extLst>
+              <a:ext uri="{FF2B5EF4-FFF2-40B4-BE49-F238E27FC236}">
+                <a16:creationId xmlns:a16="http://schemas.microsoft.com/office/drawing/2014/main" id="{20E2FD92-8710-2F14-13E9-240D44DD4EAD}"/>
               </a:ext>
             </a:extLst>
           </p:cNvPr>
@@ -6419,8 +11517,8 @@
         </p:nvSpPr>
         <p:spPr>
           <a:xfrm>
-            <a:off x="428017" y="-61337"/>
-            <a:ext cx="11619439" cy="1325563"/>
+            <a:off x="428017" y="-72233"/>
+            <a:ext cx="12065470" cy="1325563"/>
           </a:xfrm>
           <a:prstGeom prst="rect">
             <a:avLst/>
@@ -6455,7 +11553,7 @@
                 <a:latin typeface="Times New Roman" panose="02020603050405020304" pitchFamily="18" charset="0"/>
                 <a:cs typeface="Times New Roman" panose="02020603050405020304" pitchFamily="18" charset="0"/>
               </a:rPr>
-              <a:t>Процесс обучения модели обнаружения дефектов ПО </a:t>
+              <a:t>Сравнительная таблица результатов работы методов машинного обучения</a:t>
             </a:r>
             <a:endParaRPr lang="ru-RU" sz="3600" dirty="0">
               <a:latin typeface="Times New Roman" panose="02020603050405020304" pitchFamily="18" charset="0"/>
@@ -6467,17 +11565,24 @@
     </p:spTree>
     <p:extLst>
       <p:ext uri="{BB962C8B-B14F-4D97-AF65-F5344CB8AC3E}">
-        <p14:creationId xmlns:p14="http://schemas.microsoft.com/office/powerpoint/2010/main" val="1250017185"/>
+        <p14:creationId xmlns:p14="http://schemas.microsoft.com/office/powerpoint/2010/main" val="2053046437"/>
       </p:ext>
     </p:extLst>
   </p:cSld>
   <p:clrMapOvr>
     <a:masterClrMapping/>
   </p:clrMapOvr>
+  <p:timing>
+    <p:tnLst>
+      <p:par>
+        <p:cTn id="1" dur="indefinite" restart="never" nodeType="tmRoot"/>
+      </p:par>
+    </p:tnLst>
+  </p:timing>
 </p:sld>
 </file>
 
-<file path=ppt/slides/slide5.xml><?xml version="1.0" encoding="utf-8"?>
+<file path=ppt/slides/slide6.xml><?xml version="1.0" encoding="utf-8"?>
 <p:sld xmlns:a="http://schemas.openxmlformats.org/drawingml/2006/main" xmlns:r="http://schemas.openxmlformats.org/officeDocument/2006/relationships" xmlns:p="http://schemas.openxmlformats.org/presentationml/2006/main">
   <p:cSld>
     <p:spTree>
@@ -6522,7 +11627,7 @@
           <a:p>
             <a:fld id="{E83D2FD5-BBDA-43D0-B172-791327EA2B6A}" type="slidenum">
               <a:rPr lang="ru-RU" smtClean="0"/>
-              <a:t>5</a:t>
+              <a:t>6</a:t>
             </a:fld>
             <a:endParaRPr lang="ru-RU"/>
           </a:p>
@@ -6604,14 +11709,14 @@
                 <a:latin typeface="Times New Roman" panose="02020603050405020304" pitchFamily="18" charset="0"/>
                 <a:cs typeface="Times New Roman" panose="02020603050405020304" pitchFamily="18" charset="0"/>
               </a:rPr>
-              <a:t>для </a:t>
+              <a:t>для оценки точности </a:t>
             </a:r>
             <a:r>
               <a:rPr lang="ru-RU" sz="3600" dirty="0">
                 <a:latin typeface="Times New Roman" panose="02020603050405020304" pitchFamily="18" charset="0"/>
                 <a:cs typeface="Times New Roman" panose="02020603050405020304" pitchFamily="18" charset="0"/>
               </a:rPr>
-              <a:t>сравнения алгоритмов</a:t>
+              <a:t>алгоритмов</a:t>
             </a:r>
           </a:p>
         </p:txBody>
@@ -6789,1481 +11894,13 @@
   <p:clrMapOvr>
     <a:masterClrMapping/>
   </p:clrMapOvr>
-</p:sld>
-</file>
-
-<file path=ppt/slides/slide6.xml><?xml version="1.0" encoding="utf-8"?>
-<p:sld xmlns:a="http://schemas.openxmlformats.org/drawingml/2006/main" xmlns:r="http://schemas.openxmlformats.org/officeDocument/2006/relationships" xmlns:p="http://schemas.openxmlformats.org/presentationml/2006/main">
-  <p:cSld>
-    <p:spTree>
-      <p:nvGrpSpPr>
-        <p:cNvPr id="1" name=""/>
-        <p:cNvGrpSpPr/>
-        <p:nvPr/>
-      </p:nvGrpSpPr>
-      <p:grpSpPr>
-        <a:xfrm>
-          <a:off x="0" y="0"/>
-          <a:ext cx="0" cy="0"/>
-          <a:chOff x="0" y="0"/>
-          <a:chExt cx="0" cy="0"/>
-        </a:xfrm>
-      </p:grpSpPr>
-      <p:sp>
-        <p:nvSpPr>
-          <p:cNvPr id="4" name="Номер слайда 3">
-            <a:extLst>
-              <a:ext uri="{FF2B5EF4-FFF2-40B4-BE49-F238E27FC236}">
-                <a16:creationId xmlns:a16="http://schemas.microsoft.com/office/drawing/2014/main" id="{8905B4BD-2343-6030-EAF7-8269261C5C18}"/>
-              </a:ext>
-            </a:extLst>
-          </p:cNvPr>
-          <p:cNvSpPr>
-            <a:spLocks noGrp="1"/>
-          </p:cNvSpPr>
-          <p:nvPr>
-            <p:ph type="sldNum" sz="quarter" idx="12"/>
-          </p:nvPr>
-        </p:nvSpPr>
-        <p:spPr/>
-        <p:txBody>
-          <a:bodyPr/>
-          <a:lstStyle/>
-          <a:p>
-            <a:fld id="{E83D2FD5-BBDA-43D0-B172-791327EA2B6A}" type="slidenum">
-              <a:rPr lang="ru-RU" smtClean="0"/>
-              <a:t>6</a:t>
-            </a:fld>
-            <a:endParaRPr lang="ru-RU"/>
-          </a:p>
-        </p:txBody>
-      </p:sp>
-      <p:graphicFrame>
-        <p:nvGraphicFramePr>
-          <p:cNvPr id="11" name="Таблица 10">
-            <a:extLst>
-              <a:ext uri="{FF2B5EF4-FFF2-40B4-BE49-F238E27FC236}">
-                <a16:creationId xmlns:a16="http://schemas.microsoft.com/office/drawing/2014/main" id="{4BA01EB9-30E8-35A2-40B3-7FD89F42F224}"/>
-              </a:ext>
-            </a:extLst>
-          </p:cNvPr>
-          <p:cNvGraphicFramePr>
-            <a:graphicFrameLocks noGrp="1"/>
-          </p:cNvGraphicFramePr>
-          <p:nvPr>
-            <p:extLst>
-              <p:ext uri="{D42A27DB-BD31-4B8C-83A1-F6EECF244321}">
-                <p14:modId xmlns:p14="http://schemas.microsoft.com/office/powerpoint/2010/main" val="21930470"/>
-              </p:ext>
-            </p:extLst>
-          </p:nvPr>
-        </p:nvGraphicFramePr>
-        <p:xfrm>
-          <a:off x="1216058" y="1781667"/>
-          <a:ext cx="9341962" cy="4260917"/>
-        </p:xfrm>
-        <a:graphic>
-          <a:graphicData uri="http://schemas.openxmlformats.org/drawingml/2006/table">
-            <a:tbl>
-              <a:tblPr firstRow="1" firstCol="1" bandRow="1">
-                <a:tableStyleId>{5940675A-B579-460E-94D1-54222C63F5DA}</a:tableStyleId>
-              </a:tblPr>
-              <a:tblGrid>
-                <a:gridCol w="3634156">
-                  <a:extLst>
-                    <a:ext uri="{9D8B030D-6E8A-4147-A177-3AD203B41FA5}">
-                      <a16:colId xmlns:a16="http://schemas.microsoft.com/office/drawing/2014/main" val="2688949868"/>
-                    </a:ext>
-                  </a:extLst>
-                </a:gridCol>
-                <a:gridCol w="1382434">
-                  <a:extLst>
-                    <a:ext uri="{9D8B030D-6E8A-4147-A177-3AD203B41FA5}">
-                      <a16:colId xmlns:a16="http://schemas.microsoft.com/office/drawing/2014/main" val="2057831177"/>
-                    </a:ext>
-                  </a:extLst>
-                </a:gridCol>
-                <a:gridCol w="1361374">
-                  <a:extLst>
-                    <a:ext uri="{9D8B030D-6E8A-4147-A177-3AD203B41FA5}">
-                      <a16:colId xmlns:a16="http://schemas.microsoft.com/office/drawing/2014/main" val="2823681173"/>
-                    </a:ext>
-                  </a:extLst>
-                </a:gridCol>
-                <a:gridCol w="1481999">
-                  <a:extLst>
-                    <a:ext uri="{9D8B030D-6E8A-4147-A177-3AD203B41FA5}">
-                      <a16:colId xmlns:a16="http://schemas.microsoft.com/office/drawing/2014/main" val="967016006"/>
-                    </a:ext>
-                  </a:extLst>
-                </a:gridCol>
-                <a:gridCol w="1481999">
-                  <a:extLst>
-                    <a:ext uri="{9D8B030D-6E8A-4147-A177-3AD203B41FA5}">
-                      <a16:colId xmlns:a16="http://schemas.microsoft.com/office/drawing/2014/main" val="3788308526"/>
-                    </a:ext>
-                  </a:extLst>
-                </a:gridCol>
-              </a:tblGrid>
-              <a:tr h="963706">
-                <a:tc>
-                  <a:txBody>
-                    <a:bodyPr/>
-                    <a:lstStyle/>
-                    <a:p>
-                      <a:pPr>
-                        <a:lnSpc>
-                          <a:spcPct val="150000"/>
-                        </a:lnSpc>
-                        <a:spcAft>
-                          <a:spcPts val="800"/>
-                        </a:spcAft>
-                      </a:pPr>
-                      <a:r>
-                        <a:rPr lang="ru-RU" sz="1800" b="1" dirty="0">
-                          <a:effectLst/>
-                        </a:rPr>
-                        <a:t>                                         Метрики</a:t>
-                      </a:r>
-                      <a:endParaRPr lang="ru-RU" sz="1400" b="1" dirty="0">
-                        <a:effectLst/>
-                        <a:latin typeface="Calibri" panose="020F0502020204030204" pitchFamily="34" charset="0"/>
-                        <a:ea typeface="Calibri" panose="020F0502020204030204" pitchFamily="34" charset="0"/>
-                        <a:cs typeface="Times New Roman" panose="02020603050405020304" pitchFamily="18" charset="0"/>
-                      </a:endParaRPr>
-                    </a:p>
-                  </a:txBody>
-                  <a:tcPr marL="68580" marR="68580" marT="0" marB="0"/>
-                </a:tc>
-                <a:tc>
-                  <a:txBody>
-                    <a:bodyPr/>
-                    <a:lstStyle/>
-                    <a:p>
-                      <a:pPr algn="ctr">
-                        <a:lnSpc>
-                          <a:spcPct val="150000"/>
-                        </a:lnSpc>
-                        <a:spcAft>
-                          <a:spcPts val="800"/>
-                        </a:spcAft>
-                      </a:pPr>
-                      <a:r>
-                        <a:rPr lang="ru-RU" sz="1800" b="1" dirty="0" err="1">
-                          <a:effectLst/>
-                        </a:rPr>
-                        <a:t>Accuracy</a:t>
-                      </a:r>
-                    </a:p>
-                    <a:p>
-                      <a:pPr algn="ctr">
-                        <a:lnSpc>
-                          <a:spcPct val="150000"/>
-                        </a:lnSpc>
-                        <a:spcAft>
-                          <a:spcPts val="800"/>
-                        </a:spcAft>
-                      </a:pPr>
-                      <a:r>
-                        <a:rPr lang="en-US" sz="1800" b="1" dirty="0">
-                          <a:effectLst/>
-                        </a:rPr>
-                        <a:t>(</a:t>
-                      </a:r>
-                      <a:r>
-                        <a:rPr lang="ru-RU" sz="1800" b="1" dirty="0">
-                          <a:effectLst/>
-                        </a:rPr>
-                        <a:t>точность)</a:t>
-                      </a:r>
-                      <a:endParaRPr lang="ru-RU" sz="1400" b="1" dirty="0">
-                        <a:effectLst/>
-                        <a:latin typeface="Calibri" panose="020F0502020204030204" pitchFamily="34" charset="0"/>
-                        <a:cs typeface="Times New Roman" panose="02020603050405020304" pitchFamily="18" charset="0"/>
-                      </a:endParaRPr>
-                    </a:p>
-                  </a:txBody>
-                  <a:tcPr marL="68580" marR="68580" marT="0" marB="0"/>
-                </a:tc>
-                <a:tc>
-                  <a:txBody>
-                    <a:bodyPr/>
-                    <a:lstStyle/>
-                    <a:p>
-                      <a:pPr algn="ctr">
-                        <a:lnSpc>
-                          <a:spcPct val="150000"/>
-                        </a:lnSpc>
-                        <a:spcAft>
-                          <a:spcPts val="800"/>
-                        </a:spcAft>
-                      </a:pPr>
-                      <a:r>
-                        <a:rPr lang="en-US" sz="1800" b="1" dirty="0">
-                          <a:effectLst/>
-                        </a:rPr>
-                        <a:t>Precision</a:t>
-                      </a:r>
-                    </a:p>
-                    <a:p>
-                      <a:pPr algn="ctr">
-                        <a:lnSpc>
-                          <a:spcPct val="150000"/>
-                        </a:lnSpc>
-                        <a:spcAft>
-                          <a:spcPts val="800"/>
-                        </a:spcAft>
-                      </a:pPr>
-                      <a:r>
-                        <a:rPr lang="ru-RU" sz="1800" b="1" dirty="0">
-                          <a:effectLst/>
-                        </a:rPr>
-                        <a:t>(точность)</a:t>
-                      </a:r>
-                      <a:endParaRPr lang="ru-RU" sz="1400" b="1" dirty="0">
-                        <a:effectLst/>
-                        <a:latin typeface="Calibri" panose="020F0502020204030204" pitchFamily="34" charset="0"/>
-                        <a:cs typeface="Times New Roman" panose="02020603050405020304" pitchFamily="18" charset="0"/>
-                      </a:endParaRPr>
-                    </a:p>
-                  </a:txBody>
-                  <a:tcPr marL="68580" marR="68580" marT="0" marB="0"/>
-                </a:tc>
-                <a:tc>
-                  <a:txBody>
-                    <a:bodyPr/>
-                    <a:lstStyle/>
-                    <a:p>
-                      <a:pPr algn="ctr">
-                        <a:lnSpc>
-                          <a:spcPct val="150000"/>
-                        </a:lnSpc>
-                        <a:spcAft>
-                          <a:spcPts val="800"/>
-                        </a:spcAft>
-                      </a:pPr>
-                      <a:r>
-                        <a:rPr lang="en-US" sz="1800" b="1" dirty="0">
-                          <a:effectLst/>
-                        </a:rPr>
-                        <a:t>Recall</a:t>
-                      </a:r>
-                    </a:p>
-                    <a:p>
-                      <a:pPr algn="ctr">
-                        <a:lnSpc>
-                          <a:spcPct val="150000"/>
-                        </a:lnSpc>
-                        <a:spcAft>
-                          <a:spcPts val="800"/>
-                        </a:spcAft>
-                      </a:pPr>
-                      <a:r>
-                        <a:rPr lang="ru-RU" sz="1800" b="1" dirty="0">
-                          <a:effectLst/>
-                        </a:rPr>
-                        <a:t>(полнота)</a:t>
-                      </a:r>
-                      <a:endParaRPr lang="ru-RU" sz="1400" b="1" dirty="0">
-                        <a:effectLst/>
-                        <a:latin typeface="Calibri" panose="020F0502020204030204" pitchFamily="34" charset="0"/>
-                        <a:cs typeface="Times New Roman" panose="02020603050405020304" pitchFamily="18" charset="0"/>
-                      </a:endParaRPr>
-                    </a:p>
-                  </a:txBody>
-                  <a:tcPr marL="68580" marR="68580" marT="0" marB="0"/>
-                </a:tc>
-                <a:tc>
-                  <a:txBody>
-                    <a:bodyPr/>
-                    <a:lstStyle/>
-                    <a:p>
-                      <a:pPr algn="ctr">
-                        <a:lnSpc>
-                          <a:spcPct val="150000"/>
-                        </a:lnSpc>
-                        <a:spcAft>
-                          <a:spcPts val="800"/>
-                        </a:spcAft>
-                      </a:pPr>
-                      <a:r>
-                        <a:rPr lang="ru-RU" sz="1800" b="1" dirty="0">
-                          <a:effectLst/>
-                        </a:rPr>
-                        <a:t>F-</a:t>
-                      </a:r>
-                      <a:r>
-                        <a:rPr lang="en-US" sz="1800" b="1" dirty="0">
-                          <a:effectLst/>
-                        </a:rPr>
-                        <a:t>measure</a:t>
-                      </a:r>
-                    </a:p>
-                    <a:p>
-                      <a:pPr algn="ctr">
-                        <a:lnSpc>
-                          <a:spcPct val="150000"/>
-                        </a:lnSpc>
-                        <a:spcAft>
-                          <a:spcPts val="800"/>
-                        </a:spcAft>
-                      </a:pPr>
-                      <a:r>
-                        <a:rPr lang="ru-RU" sz="1800" b="1" dirty="0">
-                          <a:effectLst/>
-                        </a:rPr>
-                        <a:t>(</a:t>
-                      </a:r>
-                      <a:r>
-                        <a:rPr lang="en-US" sz="1800" b="1" dirty="0">
-                          <a:effectLst/>
-                        </a:rPr>
-                        <a:t>F-</a:t>
-                      </a:r>
-                      <a:r>
-                        <a:rPr lang="ru-RU" sz="1800" b="1" dirty="0">
-                          <a:effectLst/>
-                        </a:rPr>
-                        <a:t>мера)</a:t>
-                      </a:r>
-                      <a:endParaRPr lang="ru-RU" sz="1400" b="1" dirty="0">
-                        <a:effectLst/>
-                        <a:latin typeface="Calibri" panose="020F0502020204030204" pitchFamily="34" charset="0"/>
-                        <a:cs typeface="Times New Roman" panose="02020603050405020304" pitchFamily="18" charset="0"/>
-                      </a:endParaRPr>
-                    </a:p>
-                  </a:txBody>
-                  <a:tcPr marL="68580" marR="68580" marT="0" marB="0"/>
-                </a:tc>
-                <a:extLst>
-                  <a:ext uri="{0D108BD9-81ED-4DB2-BD59-A6C34878D82A}">
-                    <a16:rowId xmlns:a16="http://schemas.microsoft.com/office/drawing/2014/main" val="3579860630"/>
-                  </a:ext>
-                </a:extLst>
-              </a:tr>
-              <a:tr h="963706">
-                <a:tc>
-                  <a:txBody>
-                    <a:bodyPr/>
-                    <a:lstStyle/>
-                    <a:p>
-                      <a:pPr algn="ctr">
-                        <a:lnSpc>
-                          <a:spcPct val="150000"/>
-                        </a:lnSpc>
-                        <a:spcAft>
-                          <a:spcPts val="800"/>
-                        </a:spcAft>
-                      </a:pPr>
-                      <a:r>
-                        <a:rPr lang="ru-RU" sz="1800" dirty="0">
-                          <a:effectLst/>
-                        </a:rPr>
-                        <a:t>Наивный байесовский классификатор</a:t>
-                      </a:r>
-                      <a:endParaRPr lang="ru-RU" sz="1400" dirty="0">
-                        <a:effectLst/>
-                        <a:latin typeface="Calibri" panose="020F0502020204030204" pitchFamily="34" charset="0"/>
-                        <a:ea typeface="Calibri" panose="020F0502020204030204" pitchFamily="34" charset="0"/>
-                        <a:cs typeface="Times New Roman" panose="02020603050405020304" pitchFamily="18" charset="0"/>
-                      </a:endParaRPr>
-                    </a:p>
-                  </a:txBody>
-                  <a:tcPr marL="68580" marR="68580" marT="0" marB="0"/>
-                </a:tc>
-                <a:tc>
-                  <a:txBody>
-                    <a:bodyPr/>
-                    <a:lstStyle/>
-                    <a:p>
-                      <a:pPr algn="ctr">
-                        <a:lnSpc>
-                          <a:spcPct val="150000"/>
-                        </a:lnSpc>
-                        <a:spcAft>
-                          <a:spcPts val="800"/>
-                        </a:spcAft>
-                      </a:pPr>
-                      <a:r>
-                        <a:rPr lang="ru-RU" sz="1800">
-                          <a:effectLst/>
-                        </a:rPr>
-                        <a:t>0.795</a:t>
-                      </a:r>
-                      <a:endParaRPr lang="ru-RU" sz="1400">
-                        <a:effectLst/>
-                        <a:latin typeface="Calibri" panose="020F0502020204030204" pitchFamily="34" charset="0"/>
-                        <a:ea typeface="Calibri" panose="020F0502020204030204" pitchFamily="34" charset="0"/>
-                        <a:cs typeface="Times New Roman" panose="02020603050405020304" pitchFamily="18" charset="0"/>
-                      </a:endParaRPr>
-                    </a:p>
-                  </a:txBody>
-                  <a:tcPr marL="68580" marR="68580" marT="0" marB="0"/>
-                </a:tc>
-                <a:tc>
-                  <a:txBody>
-                    <a:bodyPr/>
-                    <a:lstStyle/>
-                    <a:p>
-                      <a:pPr algn="ctr">
-                        <a:lnSpc>
-                          <a:spcPct val="150000"/>
-                        </a:lnSpc>
-                        <a:spcAft>
-                          <a:spcPts val="800"/>
-                        </a:spcAft>
-                      </a:pPr>
-                      <a:r>
-                        <a:rPr lang="ru-RU" sz="1800">
-                          <a:effectLst/>
-                        </a:rPr>
-                        <a:t>0.845</a:t>
-                      </a:r>
-                      <a:endParaRPr lang="ru-RU" sz="1400">
-                        <a:effectLst/>
-                        <a:latin typeface="Calibri" panose="020F0502020204030204" pitchFamily="34" charset="0"/>
-                        <a:ea typeface="Calibri" panose="020F0502020204030204" pitchFamily="34" charset="0"/>
-                        <a:cs typeface="Times New Roman" panose="02020603050405020304" pitchFamily="18" charset="0"/>
-                      </a:endParaRPr>
-                    </a:p>
-                  </a:txBody>
-                  <a:tcPr marL="68580" marR="68580" marT="0" marB="0"/>
-                </a:tc>
-                <a:tc>
-                  <a:txBody>
-                    <a:bodyPr/>
-                    <a:lstStyle/>
-                    <a:p>
-                      <a:pPr algn="ctr">
-                        <a:lnSpc>
-                          <a:spcPct val="150000"/>
-                        </a:lnSpc>
-                        <a:spcAft>
-                          <a:spcPts val="800"/>
-                        </a:spcAft>
-                      </a:pPr>
-                      <a:r>
-                        <a:rPr lang="ru-RU" sz="1800">
-                          <a:effectLst/>
-                        </a:rPr>
-                        <a:t>0.803</a:t>
-                      </a:r>
-                      <a:endParaRPr lang="ru-RU" sz="1400">
-                        <a:effectLst/>
-                        <a:latin typeface="Calibri" panose="020F0502020204030204" pitchFamily="34" charset="0"/>
-                        <a:ea typeface="Calibri" panose="020F0502020204030204" pitchFamily="34" charset="0"/>
-                        <a:cs typeface="Times New Roman" panose="02020603050405020304" pitchFamily="18" charset="0"/>
-                      </a:endParaRPr>
-                    </a:p>
-                  </a:txBody>
-                  <a:tcPr marL="68580" marR="68580" marT="0" marB="0"/>
-                </a:tc>
-                <a:tc>
-                  <a:txBody>
-                    <a:bodyPr/>
-                    <a:lstStyle/>
-                    <a:p>
-                      <a:pPr algn="ctr">
-                        <a:lnSpc>
-                          <a:spcPct val="150000"/>
-                        </a:lnSpc>
-                        <a:spcAft>
-                          <a:spcPts val="800"/>
-                        </a:spcAft>
-                      </a:pPr>
-                      <a:r>
-                        <a:rPr lang="ru-RU" sz="1800" dirty="0">
-                          <a:effectLst/>
-                        </a:rPr>
-                        <a:t>0.849</a:t>
-                      </a:r>
-                      <a:endParaRPr lang="ru-RU" sz="1400" dirty="0">
-                        <a:effectLst/>
-                        <a:latin typeface="Calibri" panose="020F0502020204030204" pitchFamily="34" charset="0"/>
-                        <a:ea typeface="Calibri" panose="020F0502020204030204" pitchFamily="34" charset="0"/>
-                        <a:cs typeface="Times New Roman" panose="02020603050405020304" pitchFamily="18" charset="0"/>
-                      </a:endParaRPr>
-                    </a:p>
-                  </a:txBody>
-                  <a:tcPr marL="68580" marR="68580" marT="0" marB="0"/>
-                </a:tc>
-                <a:extLst>
-                  <a:ext uri="{0D108BD9-81ED-4DB2-BD59-A6C34878D82A}">
-                    <a16:rowId xmlns:a16="http://schemas.microsoft.com/office/drawing/2014/main" val="3947226363"/>
-                  </a:ext>
-                </a:extLst>
-              </a:tr>
-              <a:tr h="511141">
-                <a:tc>
-                  <a:txBody>
-                    <a:bodyPr/>
-                    <a:lstStyle/>
-                    <a:p>
-                      <a:pPr algn="ctr">
-                        <a:lnSpc>
-                          <a:spcPct val="150000"/>
-                        </a:lnSpc>
-                        <a:spcAft>
-                          <a:spcPts val="800"/>
-                        </a:spcAft>
-                      </a:pPr>
-                      <a:r>
-                        <a:rPr lang="ru-RU" sz="1800" dirty="0">
-                          <a:effectLst/>
-                        </a:rPr>
-                        <a:t>Метод опорных векторов</a:t>
-                      </a:r>
-                      <a:endParaRPr lang="ru-RU" sz="1400" dirty="0">
-                        <a:effectLst/>
-                        <a:latin typeface="Calibri" panose="020F0502020204030204" pitchFamily="34" charset="0"/>
-                        <a:ea typeface="Calibri" panose="020F0502020204030204" pitchFamily="34" charset="0"/>
-                        <a:cs typeface="Times New Roman" panose="02020603050405020304" pitchFamily="18" charset="0"/>
-                      </a:endParaRPr>
-                    </a:p>
-                  </a:txBody>
-                  <a:tcPr marL="68580" marR="68580" marT="0" marB="0"/>
-                </a:tc>
-                <a:tc>
-                  <a:txBody>
-                    <a:bodyPr/>
-                    <a:lstStyle/>
-                    <a:p>
-                      <a:pPr algn="ctr">
-                        <a:lnSpc>
-                          <a:spcPct val="150000"/>
-                        </a:lnSpc>
-                        <a:spcAft>
-                          <a:spcPts val="800"/>
-                        </a:spcAft>
-                      </a:pPr>
-                      <a:r>
-                        <a:rPr lang="ru-RU" sz="1800">
-                          <a:effectLst/>
-                        </a:rPr>
-                        <a:t>0.841</a:t>
-                      </a:r>
-                      <a:endParaRPr lang="ru-RU" sz="1400">
-                        <a:effectLst/>
-                        <a:latin typeface="Calibri" panose="020F0502020204030204" pitchFamily="34" charset="0"/>
-                        <a:ea typeface="Calibri" panose="020F0502020204030204" pitchFamily="34" charset="0"/>
-                        <a:cs typeface="Times New Roman" panose="02020603050405020304" pitchFamily="18" charset="0"/>
-                      </a:endParaRPr>
-                    </a:p>
-                  </a:txBody>
-                  <a:tcPr marL="68580" marR="68580" marT="0" marB="0"/>
-                </a:tc>
-                <a:tc>
-                  <a:txBody>
-                    <a:bodyPr/>
-                    <a:lstStyle/>
-                    <a:p>
-                      <a:pPr algn="ctr">
-                        <a:lnSpc>
-                          <a:spcPct val="150000"/>
-                        </a:lnSpc>
-                        <a:spcAft>
-                          <a:spcPts val="800"/>
-                        </a:spcAft>
-                      </a:pPr>
-                      <a:r>
-                        <a:rPr lang="ru-RU" sz="1800">
-                          <a:effectLst/>
-                        </a:rPr>
-                        <a:t>0.901</a:t>
-                      </a:r>
-                      <a:endParaRPr lang="ru-RU" sz="1400">
-                        <a:effectLst/>
-                        <a:latin typeface="Calibri" panose="020F0502020204030204" pitchFamily="34" charset="0"/>
-                        <a:ea typeface="Calibri" panose="020F0502020204030204" pitchFamily="34" charset="0"/>
-                        <a:cs typeface="Times New Roman" panose="02020603050405020304" pitchFamily="18" charset="0"/>
-                      </a:endParaRPr>
-                    </a:p>
-                  </a:txBody>
-                  <a:tcPr marL="68580" marR="68580" marT="0" marB="0"/>
-                </a:tc>
-                <a:tc>
-                  <a:txBody>
-                    <a:bodyPr/>
-                    <a:lstStyle/>
-                    <a:p>
-                      <a:pPr algn="ctr">
-                        <a:lnSpc>
-                          <a:spcPct val="150000"/>
-                        </a:lnSpc>
-                        <a:spcAft>
-                          <a:spcPts val="800"/>
-                        </a:spcAft>
-                      </a:pPr>
-                      <a:r>
-                        <a:rPr lang="ru-RU" sz="1800">
-                          <a:effectLst/>
-                        </a:rPr>
-                        <a:t>0.879</a:t>
-                      </a:r>
-                      <a:endParaRPr lang="ru-RU" sz="1400">
-                        <a:effectLst/>
-                        <a:latin typeface="Calibri" panose="020F0502020204030204" pitchFamily="34" charset="0"/>
-                        <a:ea typeface="Calibri" panose="020F0502020204030204" pitchFamily="34" charset="0"/>
-                        <a:cs typeface="Times New Roman" panose="02020603050405020304" pitchFamily="18" charset="0"/>
-                      </a:endParaRPr>
-                    </a:p>
-                  </a:txBody>
-                  <a:tcPr marL="68580" marR="68580" marT="0" marB="0"/>
-                </a:tc>
-                <a:tc>
-                  <a:txBody>
-                    <a:bodyPr/>
-                    <a:lstStyle/>
-                    <a:p>
-                      <a:pPr algn="ctr">
-                        <a:lnSpc>
-                          <a:spcPct val="150000"/>
-                        </a:lnSpc>
-                        <a:spcAft>
-                          <a:spcPts val="800"/>
-                        </a:spcAft>
-                      </a:pPr>
-                      <a:r>
-                        <a:rPr lang="ru-RU" sz="1800">
-                          <a:effectLst/>
-                        </a:rPr>
-                        <a:t>0.902</a:t>
-                      </a:r>
-                      <a:endParaRPr lang="ru-RU" sz="1400">
-                        <a:effectLst/>
-                        <a:latin typeface="Calibri" panose="020F0502020204030204" pitchFamily="34" charset="0"/>
-                        <a:ea typeface="Calibri" panose="020F0502020204030204" pitchFamily="34" charset="0"/>
-                        <a:cs typeface="Times New Roman" panose="02020603050405020304" pitchFamily="18" charset="0"/>
-                      </a:endParaRPr>
-                    </a:p>
-                  </a:txBody>
-                  <a:tcPr marL="68580" marR="68580" marT="0" marB="0"/>
-                </a:tc>
-                <a:extLst>
-                  <a:ext uri="{0D108BD9-81ED-4DB2-BD59-A6C34878D82A}">
-                    <a16:rowId xmlns:a16="http://schemas.microsoft.com/office/drawing/2014/main" val="1371609190"/>
-                  </a:ext>
-                </a:extLst>
-              </a:tr>
-              <a:tr h="455591">
-                <a:tc>
-                  <a:txBody>
-                    <a:bodyPr/>
-                    <a:lstStyle/>
-                    <a:p>
-                      <a:pPr algn="ctr">
-                        <a:lnSpc>
-                          <a:spcPct val="150000"/>
-                        </a:lnSpc>
-                        <a:spcAft>
-                          <a:spcPts val="800"/>
-                        </a:spcAft>
-                      </a:pPr>
-                      <a:r>
-                        <a:rPr lang="ru-RU" sz="1800">
-                          <a:effectLst/>
-                        </a:rPr>
-                        <a:t>Дерево решений</a:t>
-                      </a:r>
-                      <a:endParaRPr lang="ru-RU" sz="1400">
-                        <a:effectLst/>
-                        <a:latin typeface="Calibri" panose="020F0502020204030204" pitchFamily="34" charset="0"/>
-                        <a:ea typeface="Calibri" panose="020F0502020204030204" pitchFamily="34" charset="0"/>
-                        <a:cs typeface="Times New Roman" panose="02020603050405020304" pitchFamily="18" charset="0"/>
-                      </a:endParaRPr>
-                    </a:p>
-                  </a:txBody>
-                  <a:tcPr marL="68580" marR="68580" marT="0" marB="0"/>
-                </a:tc>
-                <a:tc>
-                  <a:txBody>
-                    <a:bodyPr/>
-                    <a:lstStyle/>
-                    <a:p>
-                      <a:pPr algn="ctr">
-                        <a:lnSpc>
-                          <a:spcPct val="150000"/>
-                        </a:lnSpc>
-                        <a:spcAft>
-                          <a:spcPts val="800"/>
-                        </a:spcAft>
-                      </a:pPr>
-                      <a:r>
-                        <a:rPr lang="ru-RU" sz="1800">
-                          <a:effectLst/>
-                        </a:rPr>
-                        <a:t>0.823</a:t>
-                      </a:r>
-                      <a:endParaRPr lang="ru-RU" sz="1400">
-                        <a:effectLst/>
-                        <a:latin typeface="Calibri" panose="020F0502020204030204" pitchFamily="34" charset="0"/>
-                        <a:ea typeface="Calibri" panose="020F0502020204030204" pitchFamily="34" charset="0"/>
-                        <a:cs typeface="Times New Roman" panose="02020603050405020304" pitchFamily="18" charset="0"/>
-                      </a:endParaRPr>
-                    </a:p>
-                  </a:txBody>
-                  <a:tcPr marL="68580" marR="68580" marT="0" marB="0"/>
-                </a:tc>
-                <a:tc>
-                  <a:txBody>
-                    <a:bodyPr/>
-                    <a:lstStyle/>
-                    <a:p>
-                      <a:pPr algn="ctr">
-                        <a:lnSpc>
-                          <a:spcPct val="150000"/>
-                        </a:lnSpc>
-                        <a:spcAft>
-                          <a:spcPts val="800"/>
-                        </a:spcAft>
-                      </a:pPr>
-                      <a:r>
-                        <a:rPr lang="ru-RU" sz="1800">
-                          <a:effectLst/>
-                        </a:rPr>
-                        <a:t>0.845</a:t>
-                      </a:r>
-                      <a:endParaRPr lang="ru-RU" sz="1400">
-                        <a:effectLst/>
-                        <a:latin typeface="Calibri" panose="020F0502020204030204" pitchFamily="34" charset="0"/>
-                        <a:ea typeface="Calibri" panose="020F0502020204030204" pitchFamily="34" charset="0"/>
-                        <a:cs typeface="Times New Roman" panose="02020603050405020304" pitchFamily="18" charset="0"/>
-                      </a:endParaRPr>
-                    </a:p>
-                  </a:txBody>
-                  <a:tcPr marL="68580" marR="68580" marT="0" marB="0"/>
-                </a:tc>
-                <a:tc>
-                  <a:txBody>
-                    <a:bodyPr/>
-                    <a:lstStyle/>
-                    <a:p>
-                      <a:pPr algn="ctr">
-                        <a:lnSpc>
-                          <a:spcPct val="150000"/>
-                        </a:lnSpc>
-                        <a:spcAft>
-                          <a:spcPts val="800"/>
-                        </a:spcAft>
-                      </a:pPr>
-                      <a:r>
-                        <a:rPr lang="ru-RU" sz="1800">
-                          <a:effectLst/>
-                        </a:rPr>
-                        <a:t>0.878</a:t>
-                      </a:r>
-                      <a:endParaRPr lang="ru-RU" sz="1400">
-                        <a:effectLst/>
-                        <a:latin typeface="Calibri" panose="020F0502020204030204" pitchFamily="34" charset="0"/>
-                        <a:ea typeface="Calibri" panose="020F0502020204030204" pitchFamily="34" charset="0"/>
-                        <a:cs typeface="Times New Roman" panose="02020603050405020304" pitchFamily="18" charset="0"/>
-                      </a:endParaRPr>
-                    </a:p>
-                  </a:txBody>
-                  <a:tcPr marL="68580" marR="68580" marT="0" marB="0"/>
-                </a:tc>
-                <a:tc>
-                  <a:txBody>
-                    <a:bodyPr/>
-                    <a:lstStyle/>
-                    <a:p>
-                      <a:pPr algn="ctr">
-                        <a:lnSpc>
-                          <a:spcPct val="150000"/>
-                        </a:lnSpc>
-                        <a:spcAft>
-                          <a:spcPts val="800"/>
-                        </a:spcAft>
-                      </a:pPr>
-                      <a:r>
-                        <a:rPr lang="ru-RU" sz="1800" dirty="0">
-                          <a:effectLst/>
-                        </a:rPr>
-                        <a:t>0.889</a:t>
-                      </a:r>
-                      <a:endParaRPr lang="ru-RU" sz="1400" dirty="0">
-                        <a:effectLst/>
-                        <a:latin typeface="Calibri" panose="020F0502020204030204" pitchFamily="34" charset="0"/>
-                        <a:ea typeface="Calibri" panose="020F0502020204030204" pitchFamily="34" charset="0"/>
-                        <a:cs typeface="Times New Roman" panose="02020603050405020304" pitchFamily="18" charset="0"/>
-                      </a:endParaRPr>
-                    </a:p>
-                  </a:txBody>
-                  <a:tcPr marL="68580" marR="68580" marT="0" marB="0"/>
-                </a:tc>
-                <a:extLst>
-                  <a:ext uri="{0D108BD9-81ED-4DB2-BD59-A6C34878D82A}">
-                    <a16:rowId xmlns:a16="http://schemas.microsoft.com/office/drawing/2014/main" val="4115499108"/>
-                  </a:ext>
-                </a:extLst>
-              </a:tr>
-              <a:tr h="455591">
-                <a:tc>
-                  <a:txBody>
-                    <a:bodyPr/>
-                    <a:lstStyle/>
-                    <a:p>
-                      <a:pPr algn="ctr">
-                        <a:lnSpc>
-                          <a:spcPct val="150000"/>
-                        </a:lnSpc>
-                        <a:spcAft>
-                          <a:spcPts val="800"/>
-                        </a:spcAft>
-                      </a:pPr>
-                      <a:r>
-                        <a:rPr lang="ru-RU" sz="1800">
-                          <a:effectLst/>
-                        </a:rPr>
-                        <a:t>Алгоритм случайного леса</a:t>
-                      </a:r>
-                      <a:endParaRPr lang="ru-RU" sz="1400">
-                        <a:effectLst/>
-                        <a:latin typeface="Calibri" panose="020F0502020204030204" pitchFamily="34" charset="0"/>
-                        <a:ea typeface="Calibri" panose="020F0502020204030204" pitchFamily="34" charset="0"/>
-                        <a:cs typeface="Times New Roman" panose="02020603050405020304" pitchFamily="18" charset="0"/>
-                      </a:endParaRPr>
-                    </a:p>
-                  </a:txBody>
-                  <a:tcPr marL="68580" marR="68580" marT="0" marB="0"/>
-                </a:tc>
-                <a:tc>
-                  <a:txBody>
-                    <a:bodyPr/>
-                    <a:lstStyle/>
-                    <a:p>
-                      <a:pPr algn="ctr">
-                        <a:lnSpc>
-                          <a:spcPct val="150000"/>
-                        </a:lnSpc>
-                        <a:spcAft>
-                          <a:spcPts val="800"/>
-                        </a:spcAft>
-                      </a:pPr>
-                      <a:r>
-                        <a:rPr lang="ru-RU" sz="1800" dirty="0" smtClean="0">
-                          <a:effectLst/>
-                        </a:rPr>
-                        <a:t>0.84</a:t>
-                      </a:r>
-                      <a:r>
-                        <a:rPr lang="en-US" sz="1800" dirty="0" smtClean="0">
-                          <a:effectLst/>
-                        </a:rPr>
-                        <a:t>5</a:t>
-                      </a:r>
-                      <a:endParaRPr lang="ru-RU" sz="1400" dirty="0">
-                        <a:effectLst/>
-                        <a:latin typeface="Calibri" panose="020F0502020204030204" pitchFamily="34" charset="0"/>
-                        <a:ea typeface="Calibri" panose="020F0502020204030204" pitchFamily="34" charset="0"/>
-                        <a:cs typeface="Times New Roman" panose="02020603050405020304" pitchFamily="18" charset="0"/>
-                      </a:endParaRPr>
-                    </a:p>
-                  </a:txBody>
-                  <a:tcPr marL="68580" marR="68580" marT="0" marB="0"/>
-                </a:tc>
-                <a:tc>
-                  <a:txBody>
-                    <a:bodyPr/>
-                    <a:lstStyle/>
-                    <a:p>
-                      <a:pPr algn="ctr">
-                        <a:lnSpc>
-                          <a:spcPct val="150000"/>
-                        </a:lnSpc>
-                        <a:spcAft>
-                          <a:spcPts val="800"/>
-                        </a:spcAft>
-                      </a:pPr>
-                      <a:r>
-                        <a:rPr lang="ru-RU" sz="1800" dirty="0" smtClean="0">
-                          <a:effectLst/>
-                        </a:rPr>
-                        <a:t>0.</a:t>
-                      </a:r>
-                      <a:r>
-                        <a:rPr lang="en-US" sz="1800" dirty="0" smtClean="0">
-                          <a:effectLst/>
-                        </a:rPr>
-                        <a:t>859</a:t>
-                      </a:r>
-                      <a:endParaRPr lang="ru-RU" sz="1400" dirty="0">
-                        <a:effectLst/>
-                        <a:latin typeface="Calibri" panose="020F0502020204030204" pitchFamily="34" charset="0"/>
-                        <a:ea typeface="Calibri" panose="020F0502020204030204" pitchFamily="34" charset="0"/>
-                        <a:cs typeface="Times New Roman" panose="02020603050405020304" pitchFamily="18" charset="0"/>
-                      </a:endParaRPr>
-                    </a:p>
-                  </a:txBody>
-                  <a:tcPr marL="68580" marR="68580" marT="0" marB="0"/>
-                </a:tc>
-                <a:tc>
-                  <a:txBody>
-                    <a:bodyPr/>
-                    <a:lstStyle/>
-                    <a:p>
-                      <a:pPr algn="ctr">
-                        <a:lnSpc>
-                          <a:spcPct val="150000"/>
-                        </a:lnSpc>
-                        <a:spcAft>
-                          <a:spcPts val="800"/>
-                        </a:spcAft>
-                      </a:pPr>
-                      <a:r>
-                        <a:rPr lang="ru-RU" sz="1800" dirty="0" smtClean="0">
-                          <a:effectLst/>
-                        </a:rPr>
-                        <a:t>0.8</a:t>
-                      </a:r>
-                      <a:r>
-                        <a:rPr lang="en-US" sz="1800" dirty="0" smtClean="0">
-                          <a:effectLst/>
-                        </a:rPr>
-                        <a:t>6</a:t>
-                      </a:r>
-                      <a:r>
-                        <a:rPr lang="ru-RU" sz="1800" dirty="0" smtClean="0">
-                          <a:effectLst/>
-                        </a:rPr>
-                        <a:t>3</a:t>
-                      </a:r>
-                      <a:endParaRPr lang="ru-RU" sz="1400" dirty="0">
-                        <a:effectLst/>
-                        <a:latin typeface="Calibri" panose="020F0502020204030204" pitchFamily="34" charset="0"/>
-                        <a:ea typeface="Calibri" panose="020F0502020204030204" pitchFamily="34" charset="0"/>
-                        <a:cs typeface="Times New Roman" panose="02020603050405020304" pitchFamily="18" charset="0"/>
-                      </a:endParaRPr>
-                    </a:p>
-                  </a:txBody>
-                  <a:tcPr marL="68580" marR="68580" marT="0" marB="0"/>
-                </a:tc>
-                <a:tc>
-                  <a:txBody>
-                    <a:bodyPr/>
-                    <a:lstStyle/>
-                    <a:p>
-                      <a:pPr algn="ctr">
-                        <a:lnSpc>
-                          <a:spcPct val="150000"/>
-                        </a:lnSpc>
-                        <a:spcAft>
-                          <a:spcPts val="800"/>
-                        </a:spcAft>
-                      </a:pPr>
-                      <a:r>
-                        <a:rPr lang="ru-RU" sz="1800" dirty="0" smtClean="0">
-                          <a:effectLst/>
-                        </a:rPr>
-                        <a:t>0.</a:t>
-                      </a:r>
-                      <a:r>
-                        <a:rPr lang="en-US" sz="1800" dirty="0" smtClean="0">
-                          <a:effectLst/>
-                        </a:rPr>
-                        <a:t>890</a:t>
-                      </a:r>
-                      <a:endParaRPr lang="ru-RU" sz="1400" dirty="0">
-                        <a:effectLst/>
-                        <a:latin typeface="Calibri" panose="020F0502020204030204" pitchFamily="34" charset="0"/>
-                        <a:ea typeface="Calibri" panose="020F0502020204030204" pitchFamily="34" charset="0"/>
-                        <a:cs typeface="Times New Roman" panose="02020603050405020304" pitchFamily="18" charset="0"/>
-                      </a:endParaRPr>
-                    </a:p>
-                  </a:txBody>
-                  <a:tcPr marL="68580" marR="68580" marT="0" marB="0"/>
-                </a:tc>
-                <a:extLst>
-                  <a:ext uri="{0D108BD9-81ED-4DB2-BD59-A6C34878D82A}">
-                    <a16:rowId xmlns:a16="http://schemas.microsoft.com/office/drawing/2014/main" val="488924281"/>
-                  </a:ext>
-                </a:extLst>
-              </a:tr>
-              <a:tr h="455591">
-                <a:tc>
-                  <a:txBody>
-                    <a:bodyPr/>
-                    <a:lstStyle/>
-                    <a:p>
-                      <a:pPr algn="ctr">
-                        <a:lnSpc>
-                          <a:spcPct val="150000"/>
-                        </a:lnSpc>
-                        <a:spcAft>
-                          <a:spcPts val="800"/>
-                        </a:spcAft>
-                      </a:pPr>
-                      <a:r>
-                        <a:rPr lang="ru-RU" sz="1800">
-                          <a:effectLst/>
-                        </a:rPr>
-                        <a:t>Градиентный бустинг</a:t>
-                      </a:r>
-                      <a:endParaRPr lang="ru-RU" sz="1400">
-                        <a:effectLst/>
-                        <a:latin typeface="Calibri" panose="020F0502020204030204" pitchFamily="34" charset="0"/>
-                        <a:ea typeface="Calibri" panose="020F0502020204030204" pitchFamily="34" charset="0"/>
-                        <a:cs typeface="Times New Roman" panose="02020603050405020304" pitchFamily="18" charset="0"/>
-                      </a:endParaRPr>
-                    </a:p>
-                  </a:txBody>
-                  <a:tcPr marL="68580" marR="68580" marT="0" marB="0"/>
-                </a:tc>
-                <a:tc>
-                  <a:txBody>
-                    <a:bodyPr/>
-                    <a:lstStyle/>
-                    <a:p>
-                      <a:pPr algn="ctr">
-                        <a:lnSpc>
-                          <a:spcPct val="150000"/>
-                        </a:lnSpc>
-                        <a:spcAft>
-                          <a:spcPts val="800"/>
-                        </a:spcAft>
-                      </a:pPr>
-                      <a:r>
-                        <a:rPr lang="ru-RU" sz="1800" b="1" dirty="0" smtClean="0">
-                          <a:effectLst/>
-                        </a:rPr>
-                        <a:t>0.84</a:t>
-                      </a:r>
-                      <a:r>
-                        <a:rPr lang="en-US" sz="1800" b="1" dirty="0" smtClean="0">
-                          <a:effectLst/>
-                        </a:rPr>
-                        <a:t>7</a:t>
-                      </a:r>
-                      <a:endParaRPr lang="ru-RU" sz="1400" b="1" dirty="0">
-                        <a:effectLst/>
-                        <a:latin typeface="Calibri" panose="020F0502020204030204" pitchFamily="34" charset="0"/>
-                        <a:ea typeface="Calibri" panose="020F0502020204030204" pitchFamily="34" charset="0"/>
-                        <a:cs typeface="Times New Roman" panose="02020603050405020304" pitchFamily="18" charset="0"/>
-                      </a:endParaRPr>
-                    </a:p>
-                  </a:txBody>
-                  <a:tcPr marL="68580" marR="68580" marT="0" marB="0"/>
-                </a:tc>
-                <a:tc>
-                  <a:txBody>
-                    <a:bodyPr/>
-                    <a:lstStyle/>
-                    <a:p>
-                      <a:pPr algn="ctr">
-                        <a:lnSpc>
-                          <a:spcPct val="150000"/>
-                        </a:lnSpc>
-                        <a:spcAft>
-                          <a:spcPts val="800"/>
-                        </a:spcAft>
-                      </a:pPr>
-                      <a:r>
-                        <a:rPr lang="ru-RU" sz="1800" b="1" dirty="0" smtClean="0">
-                          <a:effectLst/>
-                        </a:rPr>
-                        <a:t>0</a:t>
-                      </a:r>
-                      <a:r>
-                        <a:rPr lang="en-US" sz="1800" b="1" dirty="0" smtClean="0">
-                          <a:effectLst/>
-                        </a:rPr>
-                        <a:t>.903</a:t>
-                      </a:r>
-                      <a:endParaRPr lang="ru-RU" sz="1400" b="1" dirty="0">
-                        <a:effectLst/>
-                        <a:latin typeface="Calibri" panose="020F0502020204030204" pitchFamily="34" charset="0"/>
-                        <a:ea typeface="Calibri" panose="020F0502020204030204" pitchFamily="34" charset="0"/>
-                        <a:cs typeface="Times New Roman" panose="02020603050405020304" pitchFamily="18" charset="0"/>
-                      </a:endParaRPr>
-                    </a:p>
-                  </a:txBody>
-                  <a:tcPr marL="68580" marR="68580" marT="0" marB="0"/>
-                </a:tc>
-                <a:tc>
-                  <a:txBody>
-                    <a:bodyPr/>
-                    <a:lstStyle/>
-                    <a:p>
-                      <a:pPr algn="ctr">
-                        <a:lnSpc>
-                          <a:spcPct val="150000"/>
-                        </a:lnSpc>
-                        <a:spcAft>
-                          <a:spcPts val="800"/>
-                        </a:spcAft>
-                      </a:pPr>
-                      <a:r>
-                        <a:rPr lang="ru-RU" sz="1800" b="1" dirty="0" smtClean="0">
-                          <a:effectLst/>
-                        </a:rPr>
-                        <a:t>0.8</a:t>
-                      </a:r>
-                      <a:r>
-                        <a:rPr lang="en-US" sz="1800" b="1" dirty="0" smtClean="0">
-                          <a:effectLst/>
-                        </a:rPr>
-                        <a:t>8</a:t>
-                      </a:r>
-                      <a:r>
-                        <a:rPr lang="ru-RU" sz="1800" b="1" dirty="0" smtClean="0">
-                          <a:effectLst/>
-                        </a:rPr>
-                        <a:t>3</a:t>
-                      </a:r>
-                      <a:endParaRPr lang="ru-RU" sz="1400" b="1" dirty="0">
-                        <a:effectLst/>
-                        <a:latin typeface="Calibri" panose="020F0502020204030204" pitchFamily="34" charset="0"/>
-                        <a:ea typeface="Calibri" panose="020F0502020204030204" pitchFamily="34" charset="0"/>
-                        <a:cs typeface="Times New Roman" panose="02020603050405020304" pitchFamily="18" charset="0"/>
-                      </a:endParaRPr>
-                    </a:p>
-                  </a:txBody>
-                  <a:tcPr marL="68580" marR="68580" marT="0" marB="0"/>
-                </a:tc>
-                <a:tc>
-                  <a:txBody>
-                    <a:bodyPr/>
-                    <a:lstStyle/>
-                    <a:p>
-                      <a:pPr algn="ctr">
-                        <a:lnSpc>
-                          <a:spcPct val="150000"/>
-                        </a:lnSpc>
-                        <a:spcAft>
-                          <a:spcPts val="800"/>
-                        </a:spcAft>
-                      </a:pPr>
-                      <a:r>
-                        <a:rPr lang="ru-RU" sz="1800" b="1" dirty="0" smtClean="0">
-                          <a:effectLst/>
-                        </a:rPr>
-                        <a:t>0.</a:t>
-                      </a:r>
-                      <a:r>
-                        <a:rPr lang="en-US" sz="1800" b="1" dirty="0" smtClean="0">
-                          <a:effectLst/>
-                        </a:rPr>
-                        <a:t>903</a:t>
-                      </a:r>
-                      <a:endParaRPr lang="ru-RU" sz="1400" b="1" dirty="0">
-                        <a:effectLst/>
-                        <a:latin typeface="Calibri" panose="020F0502020204030204" pitchFamily="34" charset="0"/>
-                        <a:ea typeface="Calibri" panose="020F0502020204030204" pitchFamily="34" charset="0"/>
-                        <a:cs typeface="Times New Roman" panose="02020603050405020304" pitchFamily="18" charset="0"/>
-                      </a:endParaRPr>
-                    </a:p>
-                  </a:txBody>
-                  <a:tcPr marL="68580" marR="68580" marT="0" marB="0"/>
-                </a:tc>
-                <a:extLst>
-                  <a:ext uri="{0D108BD9-81ED-4DB2-BD59-A6C34878D82A}">
-                    <a16:rowId xmlns:a16="http://schemas.microsoft.com/office/drawing/2014/main" val="3157714018"/>
-                  </a:ext>
-                </a:extLst>
-              </a:tr>
-              <a:tr h="455591">
-                <a:tc>
-                  <a:txBody>
-                    <a:bodyPr/>
-                    <a:lstStyle/>
-                    <a:p>
-                      <a:pPr algn="ctr">
-                        <a:lnSpc>
-                          <a:spcPct val="150000"/>
-                        </a:lnSpc>
-                        <a:spcAft>
-                          <a:spcPts val="800"/>
-                        </a:spcAft>
-                      </a:pPr>
-                      <a:r>
-                        <a:rPr lang="ru-RU" sz="1800">
-                          <a:effectLst/>
-                        </a:rPr>
-                        <a:t>Адаптивный бустинг</a:t>
-                      </a:r>
-                      <a:endParaRPr lang="ru-RU" sz="1400">
-                        <a:effectLst/>
-                        <a:latin typeface="Calibri" panose="020F0502020204030204" pitchFamily="34" charset="0"/>
-                        <a:ea typeface="Calibri" panose="020F0502020204030204" pitchFamily="34" charset="0"/>
-                        <a:cs typeface="Times New Roman" panose="02020603050405020304" pitchFamily="18" charset="0"/>
-                      </a:endParaRPr>
-                    </a:p>
-                  </a:txBody>
-                  <a:tcPr marL="68580" marR="68580" marT="0" marB="0"/>
-                </a:tc>
-                <a:tc>
-                  <a:txBody>
-                    <a:bodyPr/>
-                    <a:lstStyle/>
-                    <a:p>
-                      <a:pPr algn="ctr">
-                        <a:lnSpc>
-                          <a:spcPct val="150000"/>
-                        </a:lnSpc>
-                        <a:spcAft>
-                          <a:spcPts val="800"/>
-                        </a:spcAft>
-                      </a:pPr>
-                      <a:r>
-                        <a:rPr lang="ru-RU" sz="1800">
-                          <a:effectLst/>
-                        </a:rPr>
-                        <a:t>0.835</a:t>
-                      </a:r>
-                      <a:endParaRPr lang="ru-RU" sz="1400">
-                        <a:effectLst/>
-                        <a:latin typeface="Calibri" panose="020F0502020204030204" pitchFamily="34" charset="0"/>
-                        <a:ea typeface="Calibri" panose="020F0502020204030204" pitchFamily="34" charset="0"/>
-                        <a:cs typeface="Times New Roman" panose="02020603050405020304" pitchFamily="18" charset="0"/>
-                      </a:endParaRPr>
-                    </a:p>
-                  </a:txBody>
-                  <a:tcPr marL="68580" marR="68580" marT="0" marB="0"/>
-                </a:tc>
-                <a:tc>
-                  <a:txBody>
-                    <a:bodyPr/>
-                    <a:lstStyle/>
-                    <a:p>
-                      <a:pPr algn="ctr">
-                        <a:lnSpc>
-                          <a:spcPct val="150000"/>
-                        </a:lnSpc>
-                        <a:spcAft>
-                          <a:spcPts val="800"/>
-                        </a:spcAft>
-                      </a:pPr>
-                      <a:r>
-                        <a:rPr lang="ru-RU" sz="1800">
-                          <a:effectLst/>
-                        </a:rPr>
-                        <a:t>0.858</a:t>
-                      </a:r>
-                      <a:endParaRPr lang="ru-RU" sz="1400">
-                        <a:effectLst/>
-                        <a:latin typeface="Calibri" panose="020F0502020204030204" pitchFamily="34" charset="0"/>
-                        <a:ea typeface="Calibri" panose="020F0502020204030204" pitchFamily="34" charset="0"/>
-                        <a:cs typeface="Times New Roman" panose="02020603050405020304" pitchFamily="18" charset="0"/>
-                      </a:endParaRPr>
-                    </a:p>
-                  </a:txBody>
-                  <a:tcPr marL="68580" marR="68580" marT="0" marB="0"/>
-                </a:tc>
-                <a:tc>
-                  <a:txBody>
-                    <a:bodyPr/>
-                    <a:lstStyle/>
-                    <a:p>
-                      <a:pPr algn="ctr">
-                        <a:lnSpc>
-                          <a:spcPct val="150000"/>
-                        </a:lnSpc>
-                        <a:spcAft>
-                          <a:spcPts val="800"/>
-                        </a:spcAft>
-                      </a:pPr>
-                      <a:r>
-                        <a:rPr lang="ru-RU" sz="1800">
-                          <a:effectLst/>
-                        </a:rPr>
-                        <a:t>0.861</a:t>
-                      </a:r>
-                      <a:endParaRPr lang="ru-RU" sz="1400">
-                        <a:effectLst/>
-                        <a:latin typeface="Calibri" panose="020F0502020204030204" pitchFamily="34" charset="0"/>
-                        <a:ea typeface="Calibri" panose="020F0502020204030204" pitchFamily="34" charset="0"/>
-                        <a:cs typeface="Times New Roman" panose="02020603050405020304" pitchFamily="18" charset="0"/>
-                      </a:endParaRPr>
-                    </a:p>
-                  </a:txBody>
-                  <a:tcPr marL="68580" marR="68580" marT="0" marB="0"/>
-                </a:tc>
-                <a:tc>
-                  <a:txBody>
-                    <a:bodyPr/>
-                    <a:lstStyle/>
-                    <a:p>
-                      <a:pPr algn="ctr">
-                        <a:lnSpc>
-                          <a:spcPct val="150000"/>
-                        </a:lnSpc>
-                        <a:spcAft>
-                          <a:spcPts val="800"/>
-                        </a:spcAft>
-                      </a:pPr>
-                      <a:r>
-                        <a:rPr lang="ru-RU" sz="1800" dirty="0">
-                          <a:effectLst/>
-                        </a:rPr>
-                        <a:t>0.889</a:t>
-                      </a:r>
-                      <a:endParaRPr lang="ru-RU" sz="1400" dirty="0">
-                        <a:effectLst/>
-                        <a:latin typeface="Calibri" panose="020F0502020204030204" pitchFamily="34" charset="0"/>
-                        <a:ea typeface="Calibri" panose="020F0502020204030204" pitchFamily="34" charset="0"/>
-                        <a:cs typeface="Times New Roman" panose="02020603050405020304" pitchFamily="18" charset="0"/>
-                      </a:endParaRPr>
-                    </a:p>
-                  </a:txBody>
-                  <a:tcPr marL="68580" marR="68580" marT="0" marB="0"/>
-                </a:tc>
-                <a:extLst>
-                  <a:ext uri="{0D108BD9-81ED-4DB2-BD59-A6C34878D82A}">
-                    <a16:rowId xmlns:a16="http://schemas.microsoft.com/office/drawing/2014/main" val="3897657952"/>
-                  </a:ext>
-                </a:extLst>
-              </a:tr>
-            </a:tbl>
-          </a:graphicData>
-        </a:graphic>
-      </p:graphicFrame>
-      <p:cxnSp>
-        <p:nvCxnSpPr>
-          <p:cNvPr id="14" name="Прямая соединительная линия 13">
-            <a:extLst>
-              <a:ext uri="{FF2B5EF4-FFF2-40B4-BE49-F238E27FC236}">
-                <a16:creationId xmlns:a16="http://schemas.microsoft.com/office/drawing/2014/main" id="{8D079842-0F04-74C9-DCB6-FE5EF2B99608}"/>
-              </a:ext>
-            </a:extLst>
-          </p:cNvPr>
-          <p:cNvCxnSpPr>
-            <a:cxnSpLocks/>
-          </p:cNvCxnSpPr>
-          <p:nvPr/>
-        </p:nvCxnSpPr>
-        <p:spPr>
-          <a:xfrm>
-            <a:off x="1206631" y="1791093"/>
-            <a:ext cx="3635879" cy="946392"/>
-          </a:xfrm>
-          <a:prstGeom prst="line">
-            <a:avLst/>
-          </a:prstGeom>
-        </p:spPr>
-        <p:style>
-          <a:lnRef idx="1">
-            <a:schemeClr val="dk1"/>
-          </a:lnRef>
-          <a:fillRef idx="0">
-            <a:schemeClr val="dk1"/>
-          </a:fillRef>
-          <a:effectRef idx="0">
-            <a:schemeClr val="dk1"/>
-          </a:effectRef>
-          <a:fontRef idx="minor">
-            <a:schemeClr val="tx1"/>
-          </a:fontRef>
-        </p:style>
-      </p:cxnSp>
-      <p:sp>
-        <p:nvSpPr>
-          <p:cNvPr id="15" name="TextBox 14">
-            <a:extLst>
-              <a:ext uri="{FF2B5EF4-FFF2-40B4-BE49-F238E27FC236}">
-                <a16:creationId xmlns:a16="http://schemas.microsoft.com/office/drawing/2014/main" id="{0FB9B4E2-C507-1F7B-FBD6-F681EC3A4610}"/>
-              </a:ext>
-            </a:extLst>
-          </p:cNvPr>
-          <p:cNvSpPr txBox="1"/>
-          <p:nvPr/>
-        </p:nvSpPr>
-        <p:spPr>
-          <a:xfrm>
-            <a:off x="1545996" y="2262433"/>
-            <a:ext cx="1319720" cy="369332"/>
-          </a:xfrm>
-          <a:prstGeom prst="rect">
-            <a:avLst/>
-          </a:prstGeom>
-          <a:noFill/>
-        </p:spPr>
-        <p:txBody>
-          <a:bodyPr wrap="none" rtlCol="0">
-            <a:spAutoFit/>
-          </a:bodyPr>
-          <a:lstStyle/>
-          <a:p>
-            <a:r>
-              <a:rPr lang="ru-RU" sz="1800" b="1" dirty="0">
-                <a:effectLst/>
-              </a:rPr>
-              <a:t>Алгоритмы</a:t>
-            </a:r>
-            <a:endParaRPr lang="ru-RU" b="1" dirty="0"/>
-          </a:p>
-        </p:txBody>
-      </p:sp>
-      <p:sp>
-        <p:nvSpPr>
-          <p:cNvPr id="8" name="Заголовок 1">
-            <a:extLst>
-              <a:ext uri="{FF2B5EF4-FFF2-40B4-BE49-F238E27FC236}">
-                <a16:creationId xmlns:a16="http://schemas.microsoft.com/office/drawing/2014/main" id="{20E2FD92-8710-2F14-13E9-240D44DD4EAD}"/>
-              </a:ext>
-            </a:extLst>
-          </p:cNvPr>
-          <p:cNvSpPr txBox="1">
-            <a:spLocks/>
-          </p:cNvSpPr>
-          <p:nvPr/>
-        </p:nvSpPr>
-        <p:spPr>
-          <a:xfrm>
-            <a:off x="428017" y="-72233"/>
-            <a:ext cx="12065470" cy="1325563"/>
-          </a:xfrm>
-          <a:prstGeom prst="rect">
-            <a:avLst/>
-          </a:prstGeom>
-        </p:spPr>
-        <p:txBody>
-          <a:bodyPr vert="horz" lIns="91440" tIns="45720" rIns="91440" bIns="45720" rtlCol="0" anchor="ctr">
-            <a:normAutofit/>
-          </a:bodyPr>
-          <a:lstStyle>
-            <a:lvl1pPr algn="l" defTabSz="914400" rtl="0" eaLnBrk="1" latinLnBrk="0" hangingPunct="1">
-              <a:lnSpc>
-                <a:spcPct val="90000"/>
-              </a:lnSpc>
-              <a:spcBef>
-                <a:spcPct val="0"/>
-              </a:spcBef>
-              <a:buNone/>
-              <a:defRPr sz="4400" kern="1200">
-                <a:solidFill>
-                  <a:schemeClr val="tx1"/>
-                </a:solidFill>
-                <a:latin typeface="+mj-lt"/>
-                <a:ea typeface="+mj-ea"/>
-                <a:cs typeface="+mj-cs"/>
-              </a:defRPr>
-            </a:lvl1pPr>
-          </a:lstStyle>
-          <a:p>
-            <a:r>
-              <a:rPr lang="ru-RU" sz="3600" dirty="0" smtClean="0">
-                <a:latin typeface="Times New Roman" panose="02020603050405020304" pitchFamily="18" charset="0"/>
-                <a:cs typeface="Times New Roman" panose="02020603050405020304" pitchFamily="18" charset="0"/>
-              </a:rPr>
-              <a:t>Сравнительная таблица результатов работы алгоритмов</a:t>
-            </a:r>
-            <a:endParaRPr lang="ru-RU" sz="3600" dirty="0">
-              <a:latin typeface="Times New Roman" panose="02020603050405020304" pitchFamily="18" charset="0"/>
-              <a:cs typeface="Times New Roman" panose="02020603050405020304" pitchFamily="18" charset="0"/>
-            </a:endParaRPr>
-          </a:p>
-        </p:txBody>
-      </p:sp>
-    </p:spTree>
-    <p:extLst>
-      <p:ext uri="{BB962C8B-B14F-4D97-AF65-F5344CB8AC3E}">
-        <p14:creationId xmlns:p14="http://schemas.microsoft.com/office/powerpoint/2010/main" val="2053046437"/>
-      </p:ext>
-    </p:extLst>
-  </p:cSld>
-  <p:clrMapOvr>
-    <a:masterClrMapping/>
-  </p:clrMapOvr>
+  <p:timing>
+    <p:tnLst>
+      <p:par>
+        <p:cTn id="1" dur="indefinite" restart="never" nodeType="tmRoot"/>
+      </p:par>
+    </p:tnLst>
+  </p:timing>
 </p:sld>
 </file>
 
@@ -8391,6 +12028,13 @@
   <p:clrMapOvr>
     <a:masterClrMapping/>
   </p:clrMapOvr>
+  <p:timing>
+    <p:tnLst>
+      <p:par>
+        <p:cTn id="1" dur="indefinite" restart="never" nodeType="tmRoot"/>
+      </p:par>
+    </p:tnLst>
+  </p:timing>
 </p:sld>
 </file>
 
@@ -8484,7 +12128,7 @@
       </p:sp>
       <p:pic>
         <p:nvPicPr>
-          <p:cNvPr id="4" name="Рисунок 3"/>
+          <p:cNvPr id="3" name="Рисунок 2"/>
           <p:cNvPicPr>
             <a:picLocks noChangeAspect="1"/>
           </p:cNvPicPr>
@@ -8504,8 +12148,8 @@
         </p:blipFill>
         <p:spPr>
           <a:xfrm>
-            <a:off x="428017" y="1477134"/>
-            <a:ext cx="11346017" cy="4748175"/>
+            <a:off x="639233" y="1167852"/>
+            <a:ext cx="10878513" cy="5690148"/>
           </a:xfrm>
           <a:prstGeom prst="rect">
             <a:avLst/>
@@ -8522,6 +12166,13 @@
   <p:clrMapOvr>
     <a:masterClrMapping/>
   </p:clrMapOvr>
+  <p:timing>
+    <p:tnLst>
+      <p:par>
+        <p:cTn id="1" dur="indefinite" restart="never" nodeType="tmRoot"/>
+      </p:par>
+    </p:tnLst>
+  </p:timing>
 </p:sld>
 </file>
 
@@ -8544,13 +12195,7 @@
       </p:grpSpPr>
       <p:sp>
         <p:nvSpPr>
-          <p:cNvPr id="8" name="Номер слайда 7">
-            <a:extLst>
-              <a:ext uri="{FF2B5EF4-FFF2-40B4-BE49-F238E27FC236}">
-                <a16:creationId xmlns:a16="http://schemas.microsoft.com/office/drawing/2014/main" id="{356084EE-032E-E484-80F4-B50DED37102A}"/>
-              </a:ext>
-            </a:extLst>
-          </p:cNvPr>
+          <p:cNvPr id="4" name="Номер слайда 3"/>
           <p:cNvSpPr>
             <a:spLocks noGrp="1"/>
           </p:cNvSpPr>
@@ -8573,38 +12218,57 @@
       </p:sp>
       <p:sp>
         <p:nvSpPr>
-          <p:cNvPr id="17" name="Заголовок 1">
+          <p:cNvPr id="7" name="Заголовок 1">
             <a:extLst>
               <a:ext uri="{FF2B5EF4-FFF2-40B4-BE49-F238E27FC236}">
                 <a16:creationId xmlns:a16="http://schemas.microsoft.com/office/drawing/2014/main" id="{1802D59D-6A83-151A-EEA2-678960399BE4}"/>
               </a:ext>
             </a:extLst>
           </p:cNvPr>
-          <p:cNvSpPr>
-            <a:spLocks noGrp="1"/>
+          <p:cNvSpPr txBox="1">
+            <a:spLocks/>
           </p:cNvSpPr>
-          <p:nvPr>
-            <p:ph type="title"/>
-          </p:nvPr>
+          <p:nvPr/>
         </p:nvSpPr>
         <p:spPr>
           <a:xfrm>
             <a:off x="428017" y="-72232"/>
             <a:ext cx="10818160" cy="1325563"/>
           </a:xfrm>
+          <a:prstGeom prst="rect">
+            <a:avLst/>
+          </a:prstGeom>
         </p:spPr>
         <p:txBody>
-          <a:bodyPr>
+          <a:bodyPr vert="horz" lIns="91440" tIns="45720" rIns="91440" bIns="45720" rtlCol="0" anchor="ctr">
             <a:normAutofit/>
           </a:bodyPr>
-          <a:lstStyle/>
+          <a:lstStyle>
+            <a:lvl1pPr algn="l" defTabSz="914400" rtl="0" eaLnBrk="1" latinLnBrk="0" hangingPunct="1">
+              <a:lnSpc>
+                <a:spcPct val="90000"/>
+              </a:lnSpc>
+              <a:spcBef>
+                <a:spcPct val="0"/>
+              </a:spcBef>
+              <a:buNone/>
+              <a:defRPr sz="4400" kern="1200">
+                <a:solidFill>
+                  <a:schemeClr val="tx1"/>
+                </a:solidFill>
+                <a:latin typeface="+mj-lt"/>
+                <a:ea typeface="+mj-ea"/>
+                <a:cs typeface="+mj-cs"/>
+              </a:defRPr>
+            </a:lvl1pPr>
+          </a:lstStyle>
           <a:p>
             <a:r>
               <a:rPr lang="ru-RU" sz="3600" dirty="0" smtClean="0">
                 <a:latin typeface="Times New Roman" panose="02020603050405020304" pitchFamily="18" charset="0"/>
                 <a:cs typeface="Times New Roman" panose="02020603050405020304" pitchFamily="18" charset="0"/>
               </a:rPr>
-              <a:t>Обучение модели градиентного бустинга</a:t>
+              <a:t>Метрики для оценки кода</a:t>
             </a:r>
             <a:endParaRPr lang="ru-RU" sz="3600" dirty="0">
               <a:latin typeface="Times New Roman" panose="02020603050405020304" pitchFamily="18" charset="0"/>
@@ -8613,46 +12277,517 @@
           </a:p>
         </p:txBody>
       </p:sp>
-      <p:pic>
-        <p:nvPicPr>
-          <p:cNvPr id="18" name="Рисунок 17"/>
-          <p:cNvPicPr>
-            <a:picLocks noChangeAspect="1"/>
-          </p:cNvPicPr>
+      <p:sp>
+        <p:nvSpPr>
+          <p:cNvPr id="8" name="Прямоугольник 7"/>
+          <p:cNvSpPr/>
           <p:nvPr/>
-        </p:nvPicPr>
-        <p:blipFill>
-          <a:blip r:embed="rId2" cstate="hqprint">
-            <a:extLst>
-              <a:ext uri="{28A0092B-C50C-407E-A947-70E740481C1C}">
-                <a14:useLocalDpi xmlns:a14="http://schemas.microsoft.com/office/drawing/2010/main" val="0"/>
-              </a:ext>
-            </a:extLst>
-          </a:blip>
-          <a:stretch>
-            <a:fillRect/>
-          </a:stretch>
-        </p:blipFill>
+        </p:nvSpPr>
         <p:spPr>
           <a:xfrm>
-            <a:off x="2146709" y="1013143"/>
-            <a:ext cx="7835491" cy="5708332"/>
+            <a:off x="6382328" y="1546833"/>
+            <a:ext cx="6096000" cy="3730317"/>
           </a:xfrm>
           <a:prstGeom prst="rect">
             <a:avLst/>
           </a:prstGeom>
         </p:spPr>
-      </p:pic>
+        <p:txBody>
+          <a:bodyPr>
+            <a:spAutoFit/>
+          </a:bodyPr>
+          <a:lstStyle/>
+          <a:p>
+            <a:pPr marL="285750" indent="-285750">
+              <a:lnSpc>
+                <a:spcPct val="150000"/>
+              </a:lnSpc>
+              <a:buFont typeface="Arial" panose="020B0604020202020204" pitchFamily="34" charset="0"/>
+              <a:buChar char="•"/>
+            </a:pPr>
+            <a:r>
+              <a:rPr lang="ru-RU" sz="2000" dirty="0" smtClean="0">
+                <a:latin typeface="Times New Roman" panose="02020603050405020304" pitchFamily="18" charset="0"/>
+                <a:cs typeface="Times New Roman" panose="02020603050405020304" pitchFamily="18" charset="0"/>
+              </a:rPr>
+              <a:t>Количество </a:t>
+            </a:r>
+            <a:r>
+              <a:rPr lang="ru-RU" sz="2000" dirty="0">
+                <a:latin typeface="Times New Roman" panose="02020603050405020304" pitchFamily="18" charset="0"/>
+                <a:cs typeface="Times New Roman" panose="02020603050405020304" pitchFamily="18" charset="0"/>
+              </a:rPr>
+              <a:t>строк кода </a:t>
+            </a:r>
+            <a:r>
+              <a:rPr lang="ru-RU" sz="2000" dirty="0" smtClean="0">
+                <a:latin typeface="Times New Roman" panose="02020603050405020304" pitchFamily="18" charset="0"/>
+                <a:cs typeface="Times New Roman" panose="02020603050405020304" pitchFamily="18" charset="0"/>
+              </a:rPr>
+              <a:t>Холстеда</a:t>
+            </a:r>
+          </a:p>
+          <a:p>
+            <a:pPr marL="285750" indent="-285750">
+              <a:lnSpc>
+                <a:spcPct val="150000"/>
+              </a:lnSpc>
+              <a:buFont typeface="Arial" panose="020B0604020202020204" pitchFamily="34" charset="0"/>
+              <a:buChar char="•"/>
+            </a:pPr>
+            <a:r>
+              <a:rPr lang="ru-RU" sz="2000" dirty="0" smtClean="0">
+                <a:latin typeface="Times New Roman" panose="02020603050405020304" pitchFamily="18" charset="0"/>
+                <a:cs typeface="Times New Roman" panose="02020603050405020304" pitchFamily="18" charset="0"/>
+              </a:rPr>
+              <a:t>Количество </a:t>
+            </a:r>
+            <a:r>
+              <a:rPr lang="ru-RU" sz="2000" dirty="0">
+                <a:latin typeface="Times New Roman" panose="02020603050405020304" pitchFamily="18" charset="0"/>
+                <a:cs typeface="Times New Roman" panose="02020603050405020304" pitchFamily="18" charset="0"/>
+              </a:rPr>
+              <a:t>строк комментариев </a:t>
+            </a:r>
+            <a:r>
+              <a:rPr lang="ru-RU" sz="2000" dirty="0" smtClean="0">
+                <a:latin typeface="Times New Roman" panose="02020603050405020304" pitchFamily="18" charset="0"/>
+                <a:cs typeface="Times New Roman" panose="02020603050405020304" pitchFamily="18" charset="0"/>
+              </a:rPr>
+              <a:t>Холстеда</a:t>
+            </a:r>
+          </a:p>
+          <a:p>
+            <a:pPr marL="285750" indent="-285750">
+              <a:lnSpc>
+                <a:spcPct val="150000"/>
+              </a:lnSpc>
+              <a:buFont typeface="Arial" panose="020B0604020202020204" pitchFamily="34" charset="0"/>
+              <a:buChar char="•"/>
+            </a:pPr>
+            <a:r>
+              <a:rPr lang="ru-RU" sz="2000" dirty="0" smtClean="0">
+                <a:latin typeface="Times New Roman" panose="02020603050405020304" pitchFamily="18" charset="0"/>
+                <a:cs typeface="Times New Roman" panose="02020603050405020304" pitchFamily="18" charset="0"/>
+              </a:rPr>
+              <a:t>Количество </a:t>
+            </a:r>
+            <a:r>
+              <a:rPr lang="ru-RU" sz="2000" dirty="0">
+                <a:latin typeface="Times New Roman" panose="02020603050405020304" pitchFamily="18" charset="0"/>
+                <a:cs typeface="Times New Roman" panose="02020603050405020304" pitchFamily="18" charset="0"/>
+              </a:rPr>
+              <a:t>пустых строк </a:t>
+            </a:r>
+            <a:r>
+              <a:rPr lang="ru-RU" sz="2000" dirty="0" smtClean="0">
+                <a:latin typeface="Times New Roman" panose="02020603050405020304" pitchFamily="18" charset="0"/>
+                <a:cs typeface="Times New Roman" panose="02020603050405020304" pitchFamily="18" charset="0"/>
+              </a:rPr>
+              <a:t>Холстеда</a:t>
+            </a:r>
+          </a:p>
+          <a:p>
+            <a:pPr marL="285750" indent="-285750">
+              <a:lnSpc>
+                <a:spcPct val="150000"/>
+              </a:lnSpc>
+              <a:buFont typeface="Arial" panose="020B0604020202020204" pitchFamily="34" charset="0"/>
+              <a:buChar char="•"/>
+            </a:pPr>
+            <a:r>
+              <a:rPr lang="ru-RU" sz="2000" dirty="0" smtClean="0">
+                <a:latin typeface="Times New Roman" panose="02020603050405020304" pitchFamily="18" charset="0"/>
+                <a:cs typeface="Times New Roman" panose="02020603050405020304" pitchFamily="18" charset="0"/>
+              </a:rPr>
+              <a:t>Количество </a:t>
+            </a:r>
+            <a:r>
+              <a:rPr lang="ru-RU" sz="2000" dirty="0">
+                <a:latin typeface="Times New Roman" panose="02020603050405020304" pitchFamily="18" charset="0"/>
+                <a:cs typeface="Times New Roman" panose="02020603050405020304" pitchFamily="18" charset="0"/>
+              </a:rPr>
+              <a:t>смешанных строк </a:t>
+            </a:r>
+            <a:r>
+              <a:rPr lang="ru-RU" sz="2000" dirty="0" smtClean="0">
+                <a:latin typeface="Times New Roman" panose="02020603050405020304" pitchFamily="18" charset="0"/>
+                <a:cs typeface="Times New Roman" panose="02020603050405020304" pitchFamily="18" charset="0"/>
+              </a:rPr>
+              <a:t>Холстеда</a:t>
+            </a:r>
+          </a:p>
+          <a:p>
+            <a:pPr marL="285750" indent="-285750">
+              <a:lnSpc>
+                <a:spcPct val="150000"/>
+              </a:lnSpc>
+              <a:buFont typeface="Arial" panose="020B0604020202020204" pitchFamily="34" charset="0"/>
+              <a:buChar char="•"/>
+            </a:pPr>
+            <a:r>
+              <a:rPr lang="ru-RU" sz="2000" dirty="0" smtClean="0">
+                <a:latin typeface="Times New Roman" panose="02020603050405020304" pitchFamily="18" charset="0"/>
+                <a:cs typeface="Times New Roman" panose="02020603050405020304" pitchFamily="18" charset="0"/>
+              </a:rPr>
+              <a:t>Количество </a:t>
+            </a:r>
+            <a:r>
+              <a:rPr lang="ru-RU" sz="2000" dirty="0">
+                <a:latin typeface="Times New Roman" panose="02020603050405020304" pitchFamily="18" charset="0"/>
+                <a:cs typeface="Times New Roman" panose="02020603050405020304" pitchFamily="18" charset="0"/>
+              </a:rPr>
+              <a:t>уникальных </a:t>
+            </a:r>
+            <a:r>
+              <a:rPr lang="ru-RU" sz="2000" dirty="0" smtClean="0">
+                <a:latin typeface="Times New Roman" panose="02020603050405020304" pitchFamily="18" charset="0"/>
+                <a:cs typeface="Times New Roman" panose="02020603050405020304" pitchFamily="18" charset="0"/>
+              </a:rPr>
+              <a:t>операторов</a:t>
+            </a:r>
+          </a:p>
+          <a:p>
+            <a:pPr marL="285750" indent="-285750">
+              <a:lnSpc>
+                <a:spcPct val="150000"/>
+              </a:lnSpc>
+              <a:buFont typeface="Arial" panose="020B0604020202020204" pitchFamily="34" charset="0"/>
+              <a:buChar char="•"/>
+            </a:pPr>
+            <a:r>
+              <a:rPr lang="ru-RU" sz="2000" dirty="0" smtClean="0">
+                <a:latin typeface="Times New Roman" panose="02020603050405020304" pitchFamily="18" charset="0"/>
+                <a:cs typeface="Times New Roman" panose="02020603050405020304" pitchFamily="18" charset="0"/>
+              </a:rPr>
+              <a:t>Количество </a:t>
+            </a:r>
+            <a:r>
+              <a:rPr lang="ru-RU" sz="2000" dirty="0">
+                <a:latin typeface="Times New Roman" panose="02020603050405020304" pitchFamily="18" charset="0"/>
+                <a:cs typeface="Times New Roman" panose="02020603050405020304" pitchFamily="18" charset="0"/>
+              </a:rPr>
+              <a:t>уникальных </a:t>
+            </a:r>
+            <a:r>
+              <a:rPr lang="ru-RU" sz="2000" dirty="0" smtClean="0">
+                <a:latin typeface="Times New Roman" panose="02020603050405020304" pitchFamily="18" charset="0"/>
+                <a:cs typeface="Times New Roman" panose="02020603050405020304" pitchFamily="18" charset="0"/>
+              </a:rPr>
+              <a:t>операндов</a:t>
+            </a:r>
+          </a:p>
+          <a:p>
+            <a:pPr marL="285750" indent="-285750">
+              <a:lnSpc>
+                <a:spcPct val="150000"/>
+              </a:lnSpc>
+              <a:buFont typeface="Arial" panose="020B0604020202020204" pitchFamily="34" charset="0"/>
+              <a:buChar char="•"/>
+            </a:pPr>
+            <a:r>
+              <a:rPr lang="ru-RU" sz="2000" dirty="0" smtClean="0">
+                <a:latin typeface="Times New Roman" panose="02020603050405020304" pitchFamily="18" charset="0"/>
+                <a:cs typeface="Times New Roman" panose="02020603050405020304" pitchFamily="18" charset="0"/>
+              </a:rPr>
+              <a:t>Общее </a:t>
+            </a:r>
+            <a:r>
+              <a:rPr lang="ru-RU" sz="2000" dirty="0">
+                <a:latin typeface="Times New Roman" panose="02020603050405020304" pitchFamily="18" charset="0"/>
+                <a:cs typeface="Times New Roman" panose="02020603050405020304" pitchFamily="18" charset="0"/>
+              </a:rPr>
+              <a:t>количество </a:t>
+            </a:r>
+            <a:r>
+              <a:rPr lang="ru-RU" sz="2000" dirty="0" smtClean="0">
+                <a:latin typeface="Times New Roman" panose="02020603050405020304" pitchFamily="18" charset="0"/>
+                <a:cs typeface="Times New Roman" panose="02020603050405020304" pitchFamily="18" charset="0"/>
+              </a:rPr>
+              <a:t>операторов</a:t>
+            </a:r>
+          </a:p>
+          <a:p>
+            <a:pPr marL="285750" indent="-285750">
+              <a:lnSpc>
+                <a:spcPct val="150000"/>
+              </a:lnSpc>
+              <a:buFont typeface="Arial" panose="020B0604020202020204" pitchFamily="34" charset="0"/>
+              <a:buChar char="•"/>
+            </a:pPr>
+            <a:r>
+              <a:rPr lang="ru-RU" sz="2000" dirty="0" smtClean="0">
+                <a:latin typeface="Times New Roman" panose="02020603050405020304" pitchFamily="18" charset="0"/>
+                <a:cs typeface="Times New Roman" panose="02020603050405020304" pitchFamily="18" charset="0"/>
+              </a:rPr>
+              <a:t>Общее количество операндов</a:t>
+            </a:r>
+            <a:endParaRPr lang="ru-RU" sz="2000" dirty="0">
+              <a:latin typeface="Times New Roman" panose="02020603050405020304" pitchFamily="18" charset="0"/>
+              <a:cs typeface="Times New Roman" panose="02020603050405020304" pitchFamily="18" charset="0"/>
+            </a:endParaRPr>
+          </a:p>
+        </p:txBody>
+      </p:sp>
+      <p:sp>
+        <p:nvSpPr>
+          <p:cNvPr id="9" name="TextBox 8"/>
+          <p:cNvSpPr txBox="1"/>
+          <p:nvPr/>
+        </p:nvSpPr>
+        <p:spPr>
+          <a:xfrm>
+            <a:off x="558800" y="1546833"/>
+            <a:ext cx="5595250" cy="4191981"/>
+          </a:xfrm>
+          <a:prstGeom prst="rect">
+            <a:avLst/>
+          </a:prstGeom>
+          <a:noFill/>
+        </p:spPr>
+        <p:txBody>
+          <a:bodyPr wrap="none" rtlCol="0">
+            <a:spAutoFit/>
+          </a:bodyPr>
+          <a:lstStyle/>
+          <a:p>
+            <a:pPr marL="285750" indent="-285750">
+              <a:lnSpc>
+                <a:spcPct val="150000"/>
+              </a:lnSpc>
+              <a:buFont typeface="Arial" panose="020B0604020202020204" pitchFamily="34" charset="0"/>
+              <a:buChar char="•"/>
+            </a:pPr>
+            <a:r>
+              <a:rPr lang="ru-RU" sz="2000" dirty="0">
+                <a:latin typeface="Times New Roman" panose="02020603050405020304" pitchFamily="18" charset="0"/>
+                <a:cs typeface="Times New Roman" panose="02020603050405020304" pitchFamily="18" charset="0"/>
+              </a:rPr>
+              <a:t>Количество строк кода </a:t>
+            </a:r>
+            <a:r>
+              <a:rPr lang="ru-RU" sz="2000" dirty="0" err="1" smtClean="0">
+                <a:latin typeface="Times New Roman" panose="02020603050405020304" pitchFamily="18" charset="0"/>
+                <a:cs typeface="Times New Roman" panose="02020603050405020304" pitchFamily="18" charset="0"/>
+              </a:rPr>
+              <a:t>Маккейба</a:t>
+            </a:r>
+            <a:endParaRPr lang="ru-RU" sz="2000" dirty="0" smtClean="0">
+              <a:latin typeface="Times New Roman" panose="02020603050405020304" pitchFamily="18" charset="0"/>
+              <a:cs typeface="Times New Roman" panose="02020603050405020304" pitchFamily="18" charset="0"/>
+            </a:endParaRPr>
+          </a:p>
+          <a:p>
+            <a:pPr marL="285750" indent="-285750">
+              <a:lnSpc>
+                <a:spcPct val="150000"/>
+              </a:lnSpc>
+              <a:buFont typeface="Arial" panose="020B0604020202020204" pitchFamily="34" charset="0"/>
+              <a:buChar char="•"/>
+            </a:pPr>
+            <a:r>
+              <a:rPr lang="ru-RU" sz="2000" dirty="0" smtClean="0">
+                <a:latin typeface="Times New Roman" panose="02020603050405020304" pitchFamily="18" charset="0"/>
+                <a:cs typeface="Times New Roman" panose="02020603050405020304" pitchFamily="18" charset="0"/>
+              </a:rPr>
+              <a:t>Цикломатическая </a:t>
+            </a:r>
+            <a:r>
+              <a:rPr lang="ru-RU" sz="2000" dirty="0">
+                <a:latin typeface="Times New Roman" panose="02020603050405020304" pitchFamily="18" charset="0"/>
+                <a:cs typeface="Times New Roman" panose="02020603050405020304" pitchFamily="18" charset="0"/>
+              </a:rPr>
+              <a:t>сложность </a:t>
+            </a:r>
+            <a:r>
+              <a:rPr lang="ru-RU" sz="2000" dirty="0" err="1" smtClean="0">
+                <a:latin typeface="Times New Roman" panose="02020603050405020304" pitchFamily="18" charset="0"/>
+                <a:cs typeface="Times New Roman" panose="02020603050405020304" pitchFamily="18" charset="0"/>
+              </a:rPr>
+              <a:t>Маккейба</a:t>
+            </a:r>
+            <a:endParaRPr lang="ru-RU" sz="2000" dirty="0" smtClean="0">
+              <a:latin typeface="Times New Roman" panose="02020603050405020304" pitchFamily="18" charset="0"/>
+              <a:cs typeface="Times New Roman" panose="02020603050405020304" pitchFamily="18" charset="0"/>
+            </a:endParaRPr>
+          </a:p>
+          <a:p>
+            <a:pPr marL="285750" indent="-285750">
+              <a:lnSpc>
+                <a:spcPct val="150000"/>
+              </a:lnSpc>
+              <a:buFont typeface="Arial" panose="020B0604020202020204" pitchFamily="34" charset="0"/>
+              <a:buChar char="•"/>
+            </a:pPr>
+            <a:r>
+              <a:rPr lang="ru-RU" sz="2000" dirty="0" smtClean="0">
+                <a:latin typeface="Times New Roman" panose="02020603050405020304" pitchFamily="18" charset="0"/>
+                <a:cs typeface="Times New Roman" panose="02020603050405020304" pitchFamily="18" charset="0"/>
+              </a:rPr>
+              <a:t>Количество </a:t>
+            </a:r>
+            <a:r>
+              <a:rPr lang="ru-RU" sz="2000" dirty="0">
+                <a:latin typeface="Times New Roman" panose="02020603050405020304" pitchFamily="18" charset="0"/>
+                <a:cs typeface="Times New Roman" panose="02020603050405020304" pitchFamily="18" charset="0"/>
+              </a:rPr>
+              <a:t>операторов и операндов </a:t>
+            </a:r>
+            <a:r>
+              <a:rPr lang="ru-RU" sz="2000" dirty="0" smtClean="0">
+                <a:latin typeface="Times New Roman" panose="02020603050405020304" pitchFamily="18" charset="0"/>
+                <a:cs typeface="Times New Roman" panose="02020603050405020304" pitchFamily="18" charset="0"/>
+              </a:rPr>
+              <a:t>Холстеда</a:t>
+            </a:r>
+          </a:p>
+          <a:p>
+            <a:pPr marL="285750" indent="-285750">
+              <a:lnSpc>
+                <a:spcPct val="150000"/>
+              </a:lnSpc>
+              <a:buFont typeface="Arial" panose="020B0604020202020204" pitchFamily="34" charset="0"/>
+              <a:buChar char="•"/>
+            </a:pPr>
+            <a:r>
+              <a:rPr lang="ru-RU" sz="2000" dirty="0" smtClean="0">
+                <a:latin typeface="Times New Roman" panose="02020603050405020304" pitchFamily="18" charset="0"/>
+                <a:cs typeface="Times New Roman" panose="02020603050405020304" pitchFamily="18" charset="0"/>
+              </a:rPr>
+              <a:t>Объем Холстеда</a:t>
+            </a:r>
+          </a:p>
+          <a:p>
+            <a:pPr marL="285750" indent="-285750">
+              <a:lnSpc>
+                <a:spcPct val="150000"/>
+              </a:lnSpc>
+              <a:buFont typeface="Arial" panose="020B0604020202020204" pitchFamily="34" charset="0"/>
+              <a:buChar char="•"/>
+            </a:pPr>
+            <a:r>
+              <a:rPr lang="ru-RU" sz="2000" dirty="0" smtClean="0">
+                <a:latin typeface="Times New Roman" panose="02020603050405020304" pitchFamily="18" charset="0"/>
+                <a:cs typeface="Times New Roman" panose="02020603050405020304" pitchFamily="18" charset="0"/>
+              </a:rPr>
+              <a:t>Сложность Холстеда</a:t>
+            </a:r>
+          </a:p>
+          <a:p>
+            <a:pPr marL="285750" indent="-285750">
+              <a:lnSpc>
+                <a:spcPct val="150000"/>
+              </a:lnSpc>
+              <a:buFont typeface="Arial" panose="020B0604020202020204" pitchFamily="34" charset="0"/>
+              <a:buChar char="•"/>
+            </a:pPr>
+            <a:r>
+              <a:rPr lang="ru-RU" sz="2000" dirty="0" smtClean="0">
+                <a:latin typeface="Times New Roman" panose="02020603050405020304" pitchFamily="18" charset="0"/>
+                <a:cs typeface="Times New Roman" panose="02020603050405020304" pitchFamily="18" charset="0"/>
+              </a:rPr>
+              <a:t>Интеллект Холстеда</a:t>
+            </a:r>
+          </a:p>
+          <a:p>
+            <a:pPr marL="285750" indent="-285750">
+              <a:lnSpc>
+                <a:spcPct val="150000"/>
+              </a:lnSpc>
+              <a:buFont typeface="Arial" panose="020B0604020202020204" pitchFamily="34" charset="0"/>
+              <a:buChar char="•"/>
+            </a:pPr>
+            <a:r>
+              <a:rPr lang="ru-RU" sz="2000" dirty="0" smtClean="0">
+                <a:latin typeface="Times New Roman" panose="02020603050405020304" pitchFamily="18" charset="0"/>
+                <a:cs typeface="Times New Roman" panose="02020603050405020304" pitchFamily="18" charset="0"/>
+              </a:rPr>
+              <a:t>Усилия Холстеда</a:t>
+            </a:r>
+          </a:p>
+          <a:p>
+            <a:pPr marL="285750" indent="-285750">
+              <a:lnSpc>
+                <a:spcPct val="150000"/>
+              </a:lnSpc>
+              <a:buFont typeface="Arial" panose="020B0604020202020204" pitchFamily="34" charset="0"/>
+              <a:buChar char="•"/>
+            </a:pPr>
+            <a:r>
+              <a:rPr lang="ru-RU" sz="2000" dirty="0" smtClean="0">
+                <a:latin typeface="Times New Roman" panose="02020603050405020304" pitchFamily="18" charset="0"/>
+                <a:cs typeface="Times New Roman" panose="02020603050405020304" pitchFamily="18" charset="0"/>
+              </a:rPr>
+              <a:t>Количество </a:t>
+            </a:r>
+            <a:r>
+              <a:rPr lang="ru-RU" sz="2000" dirty="0">
+                <a:latin typeface="Times New Roman" panose="02020603050405020304" pitchFamily="18" charset="0"/>
+                <a:cs typeface="Times New Roman" panose="02020603050405020304" pitchFamily="18" charset="0"/>
+              </a:rPr>
+              <a:t>предполагаемых ошибок </a:t>
+            </a:r>
+            <a:r>
+              <a:rPr lang="ru-RU" sz="2000" dirty="0" smtClean="0">
+                <a:latin typeface="Times New Roman" panose="02020603050405020304" pitchFamily="18" charset="0"/>
+                <a:cs typeface="Times New Roman" panose="02020603050405020304" pitchFamily="18" charset="0"/>
+              </a:rPr>
+              <a:t>Холстеда</a:t>
+            </a:r>
+          </a:p>
+          <a:p>
+            <a:pPr marL="285750" indent="-285750">
+              <a:lnSpc>
+                <a:spcPct val="150000"/>
+              </a:lnSpc>
+              <a:buFont typeface="Arial" panose="020B0604020202020204" pitchFamily="34" charset="0"/>
+              <a:buChar char="•"/>
+            </a:pPr>
+            <a:r>
+              <a:rPr lang="ru-RU" sz="2000" dirty="0" smtClean="0">
+                <a:latin typeface="Times New Roman" panose="02020603050405020304" pitchFamily="18" charset="0"/>
+                <a:cs typeface="Times New Roman" panose="02020603050405020304" pitchFamily="18" charset="0"/>
+              </a:rPr>
+              <a:t>Оценка </a:t>
+            </a:r>
+            <a:r>
+              <a:rPr lang="ru-RU" sz="2000" dirty="0">
+                <a:latin typeface="Times New Roman" panose="02020603050405020304" pitchFamily="18" charset="0"/>
+                <a:cs typeface="Times New Roman" panose="02020603050405020304" pitchFamily="18" charset="0"/>
+              </a:rPr>
+              <a:t>времени </a:t>
+            </a:r>
+            <a:r>
+              <a:rPr lang="ru-RU" sz="2000" dirty="0" smtClean="0">
+                <a:latin typeface="Times New Roman" panose="02020603050405020304" pitchFamily="18" charset="0"/>
+                <a:cs typeface="Times New Roman" panose="02020603050405020304" pitchFamily="18" charset="0"/>
+              </a:rPr>
+              <a:t>Холстеда</a:t>
+            </a:r>
+            <a:endParaRPr lang="ru-RU" sz="2000" dirty="0">
+              <a:latin typeface="Times New Roman" panose="02020603050405020304" pitchFamily="18" charset="0"/>
+              <a:cs typeface="Times New Roman" panose="02020603050405020304" pitchFamily="18" charset="0"/>
+            </a:endParaRPr>
+          </a:p>
+        </p:txBody>
+      </p:sp>
     </p:spTree>
     <p:extLst>
       <p:ext uri="{BB962C8B-B14F-4D97-AF65-F5344CB8AC3E}">
-        <p14:creationId xmlns:p14="http://schemas.microsoft.com/office/powerpoint/2010/main" val="3784532776"/>
+        <p14:creationId xmlns:p14="http://schemas.microsoft.com/office/powerpoint/2010/main" val="1929818291"/>
       </p:ext>
     </p:extLst>
   </p:cSld>
   <p:clrMapOvr>
     <a:masterClrMapping/>
   </p:clrMapOvr>
+  <p:timing>
+    <p:tnLst>
+      <p:par>
+        <p:cTn id="1" dur="indefinite" restart="never" nodeType="tmRoot"/>
+      </p:par>
+    </p:tnLst>
+  </p:timing>
 </p:sld>
 </file>
 
